--- a/Presentation/BigQuery.pptx
+++ b/Presentation/BigQuery.pptx
@@ -123,6 +123,11 @@
       </a:defRPr>
     </a:lvl9pPr>
   </p:defaultTextStyle>
+  <p:extLst>
+    <p:ext uri="{EFAFB233-063F-42B5-8137-9DF3F51BA10A}">
+      <p15:sldGuideLst xmlns:p15="http://schemas.microsoft.com/office/powerpoint/2012/main"/>
+    </p:ext>
+  </p:extLst>
 </p:presentation>
 </file>
 
@@ -22527,7 +22532,7 @@
           <a:p>
             <a:fld id="{849FE5FF-72D2-734B-B823-80BA246D1CDB}" type="datetimeFigureOut">
               <a:rPr lang="en-VN" smtClean="0"/>
-              <a:t>27/07/2023</a:t>
+              <a:t>29/07/2023</a:t>
             </a:fld>
             <a:endParaRPr lang="en-VN"/>
           </a:p>
@@ -25843,7 +25848,7 @@
           <a:p>
             <a:fld id="{678A0355-A950-FF46-9943-861FCA07D05A}" type="datetimeFigureOut">
               <a:rPr lang="en-VN" smtClean="0"/>
-              <a:t>27/07/2023</a:t>
+              <a:t>29/07/2023</a:t>
             </a:fld>
             <a:endParaRPr lang="en-VN"/>
           </a:p>
@@ -26043,7 +26048,7 @@
           <a:p>
             <a:fld id="{678A0355-A950-FF46-9943-861FCA07D05A}" type="datetimeFigureOut">
               <a:rPr lang="en-VN" smtClean="0"/>
-              <a:t>27/07/2023</a:t>
+              <a:t>29/07/2023</a:t>
             </a:fld>
             <a:endParaRPr lang="en-VN"/>
           </a:p>
@@ -26253,7 +26258,7 @@
           <a:p>
             <a:fld id="{678A0355-A950-FF46-9943-861FCA07D05A}" type="datetimeFigureOut">
               <a:rPr lang="en-VN" smtClean="0"/>
-              <a:t>27/07/2023</a:t>
+              <a:t>29/07/2023</a:t>
             </a:fld>
             <a:endParaRPr lang="en-VN"/>
           </a:p>
@@ -26453,7 +26458,7 @@
           <a:p>
             <a:fld id="{678A0355-A950-FF46-9943-861FCA07D05A}" type="datetimeFigureOut">
               <a:rPr lang="en-VN" smtClean="0"/>
-              <a:t>27/07/2023</a:t>
+              <a:t>29/07/2023</a:t>
             </a:fld>
             <a:endParaRPr lang="en-VN"/>
           </a:p>
@@ -26729,7 +26734,7 @@
           <a:p>
             <a:fld id="{678A0355-A950-FF46-9943-861FCA07D05A}" type="datetimeFigureOut">
               <a:rPr lang="en-VN" smtClean="0"/>
-              <a:t>27/07/2023</a:t>
+              <a:t>29/07/2023</a:t>
             </a:fld>
             <a:endParaRPr lang="en-VN"/>
           </a:p>
@@ -26997,7 +27002,7 @@
           <a:p>
             <a:fld id="{678A0355-A950-FF46-9943-861FCA07D05A}" type="datetimeFigureOut">
               <a:rPr lang="en-VN" smtClean="0"/>
-              <a:t>27/07/2023</a:t>
+              <a:t>29/07/2023</a:t>
             </a:fld>
             <a:endParaRPr lang="en-VN"/>
           </a:p>
@@ -27412,7 +27417,7 @@
           <a:p>
             <a:fld id="{678A0355-A950-FF46-9943-861FCA07D05A}" type="datetimeFigureOut">
               <a:rPr lang="en-VN" smtClean="0"/>
-              <a:t>27/07/2023</a:t>
+              <a:t>29/07/2023</a:t>
             </a:fld>
             <a:endParaRPr lang="en-VN"/>
           </a:p>
@@ -27554,7 +27559,7 @@
           <a:p>
             <a:fld id="{678A0355-A950-FF46-9943-861FCA07D05A}" type="datetimeFigureOut">
               <a:rPr lang="en-VN" smtClean="0"/>
-              <a:t>27/07/2023</a:t>
+              <a:t>29/07/2023</a:t>
             </a:fld>
             <a:endParaRPr lang="en-VN"/>
           </a:p>
@@ -27667,7 +27672,7 @@
           <a:p>
             <a:fld id="{678A0355-A950-FF46-9943-861FCA07D05A}" type="datetimeFigureOut">
               <a:rPr lang="en-VN" smtClean="0"/>
-              <a:t>27/07/2023</a:t>
+              <a:t>29/07/2023</a:t>
             </a:fld>
             <a:endParaRPr lang="en-VN"/>
           </a:p>
@@ -27980,7 +27985,7 @@
           <a:p>
             <a:fld id="{678A0355-A950-FF46-9943-861FCA07D05A}" type="datetimeFigureOut">
               <a:rPr lang="en-VN" smtClean="0"/>
-              <a:t>27/07/2023</a:t>
+              <a:t>29/07/2023</a:t>
             </a:fld>
             <a:endParaRPr lang="en-VN"/>
           </a:p>
@@ -28269,7 +28274,7 @@
           <a:p>
             <a:fld id="{678A0355-A950-FF46-9943-861FCA07D05A}" type="datetimeFigureOut">
               <a:rPr lang="en-VN" smtClean="0"/>
-              <a:t>27/07/2023</a:t>
+              <a:t>29/07/2023</a:t>
             </a:fld>
             <a:endParaRPr lang="en-VN"/>
           </a:p>
@@ -28512,7 +28517,7 @@
           <a:p>
             <a:fld id="{678A0355-A950-FF46-9943-861FCA07D05A}" type="datetimeFigureOut">
               <a:rPr lang="en-VN" smtClean="0"/>
-              <a:t>27/07/2023</a:t>
+              <a:t>29/07/2023</a:t>
             </a:fld>
             <a:endParaRPr lang="en-VN"/>
           </a:p>
@@ -31846,7 +31851,9 @@
         </p:nvSpPr>
         <p:spPr/>
         <p:txBody>
-          <a:bodyPr/>
+          <a:bodyPr>
+            <a:normAutofit/>
+          </a:bodyPr>
           <a:lstStyle/>
           <a:p>
             <a:r>
@@ -31873,6 +31880,45 @@
               </a:rPr>
               <a:t>https://app.pluralsight.com/library/courses/0d99571d-df43-4455-8134-78accef8f1b7/table-of-contents</a:t>
             </a:r>
+            <a:endParaRPr lang="en-US" dirty="0"/>
+          </a:p>
+          <a:p>
+            <a:r>
+              <a:rPr lang="en-US" dirty="0">
+                <a:hlinkClick r:id="rId5"/>
+              </a:rPr>
+              <a:t>https://www.slideshare.net/greenido/idos-paris-big-query-basics</a:t>
+            </a:r>
+            <a:endParaRPr lang="en-US" dirty="0"/>
+          </a:p>
+          <a:p>
+            <a:r>
+              <a:rPr lang="en-US" dirty="0">
+                <a:hlinkClick r:id="rId6"/>
+              </a:rPr>
+              <a:t>https://www.slideshare.net/TanviParikh1</a:t>
+            </a:r>
+            <a:r>
+              <a:rPr lang="en-US">
+                <a:hlinkClick r:id="rId6"/>
+              </a:rPr>
+              <a:t>/big-query-50522330</a:t>
+            </a:r>
+            <a:endParaRPr lang="en-US" dirty="0"/>
+          </a:p>
+          <a:p>
+            <a:r>
+              <a:rPr lang="en-US" dirty="0">
+                <a:hlinkClick r:id="rId7"/>
+              </a:rPr>
+              <a:t>https://openai.com/</a:t>
+            </a:r>
+            <a:endParaRPr lang="en-US" dirty="0"/>
+          </a:p>
+          <a:p>
+            <a:endParaRPr lang="en-US" dirty="0"/>
+          </a:p>
+          <a:p>
             <a:endParaRPr lang="en-US" dirty="0"/>
           </a:p>
         </p:txBody>

--- a/Presentation/BigQuery.pptx
+++ b/Presentation/BigQuery.pptx
@@ -5,7 +5,7 @@
     <p:sldMasterId id="2147483648" r:id="rId1"/>
   </p:sldMasterIdLst>
   <p:notesMasterIdLst>
-    <p:notesMasterId r:id="rId19"/>
+    <p:notesMasterId r:id="rId27"/>
   </p:notesMasterIdLst>
   <p:sldIdLst>
     <p:sldId id="256" r:id="rId2"/>
@@ -23,8 +23,16 @@
     <p:sldId id="265" r:id="rId14"/>
     <p:sldId id="266" r:id="rId15"/>
     <p:sldId id="267" r:id="rId16"/>
-    <p:sldId id="270" r:id="rId17"/>
-    <p:sldId id="269" r:id="rId18"/>
+    <p:sldId id="275" r:id="rId17"/>
+    <p:sldId id="274" r:id="rId18"/>
+    <p:sldId id="276" r:id="rId19"/>
+    <p:sldId id="277" r:id="rId20"/>
+    <p:sldId id="278" r:id="rId21"/>
+    <p:sldId id="280" r:id="rId22"/>
+    <p:sldId id="279" r:id="rId23"/>
+    <p:sldId id="281" r:id="rId24"/>
+    <p:sldId id="270" r:id="rId25"/>
+    <p:sldId id="269" r:id="rId26"/>
   </p:sldIdLst>
   <p:sldSz cx="12192000" cy="6858000"/>
   <p:notesSz cx="6858000" cy="9144000"/>
@@ -5718,11 +5726,930 @@
 </dgm:colorsDef>
 </file>
 
+<file path=ppt/diagrams/colors8.xml><?xml version="1.0" encoding="utf-8"?>
+<dgm:colorsDef xmlns:dgm="http://schemas.openxmlformats.org/drawingml/2006/diagram" xmlns:a="http://schemas.openxmlformats.org/drawingml/2006/main" uniqueId="urn:microsoft.com/office/officeart/2005/8/colors/colorful1">
+  <dgm:title val=""/>
+  <dgm:desc val=""/>
+  <dgm:catLst>
+    <dgm:cat type="colorful" pri="10100"/>
+  </dgm:catLst>
+  <dgm:styleLbl name="node0">
+    <dgm:fillClrLst meth="repeat">
+      <a:schemeClr val="accent1"/>
+    </dgm:fillClrLst>
+    <dgm:linClrLst meth="repeat">
+      <a:schemeClr val="lt1"/>
+    </dgm:linClrLst>
+    <dgm:effectClrLst/>
+    <dgm:txLinClrLst/>
+    <dgm:txFillClrLst/>
+    <dgm:txEffectClrLst/>
+  </dgm:styleLbl>
+  <dgm:styleLbl name="node1">
+    <dgm:fillClrLst meth="repeat">
+      <a:schemeClr val="accent2"/>
+      <a:schemeClr val="accent3"/>
+      <a:schemeClr val="accent4"/>
+      <a:schemeClr val="accent5"/>
+      <a:schemeClr val="accent6"/>
+    </dgm:fillClrLst>
+    <dgm:linClrLst meth="repeat">
+      <a:schemeClr val="lt1"/>
+    </dgm:linClrLst>
+    <dgm:effectClrLst/>
+    <dgm:txLinClrLst/>
+    <dgm:txFillClrLst/>
+    <dgm:txEffectClrLst/>
+  </dgm:styleLbl>
+  <dgm:styleLbl name="alignNode1">
+    <dgm:fillClrLst meth="repeat">
+      <a:schemeClr val="accent2"/>
+      <a:schemeClr val="accent3"/>
+      <a:schemeClr val="accent4"/>
+      <a:schemeClr val="accent5"/>
+      <a:schemeClr val="accent6"/>
+    </dgm:fillClrLst>
+    <dgm:linClrLst meth="repeat">
+      <a:schemeClr val="accent2"/>
+      <a:schemeClr val="accent3"/>
+      <a:schemeClr val="accent4"/>
+      <a:schemeClr val="accent5"/>
+      <a:schemeClr val="accent6"/>
+    </dgm:linClrLst>
+    <dgm:effectClrLst/>
+    <dgm:txLinClrLst/>
+    <dgm:txFillClrLst/>
+    <dgm:txEffectClrLst/>
+  </dgm:styleLbl>
+  <dgm:styleLbl name="lnNode1">
+    <dgm:fillClrLst meth="repeat">
+      <a:schemeClr val="accent2"/>
+      <a:schemeClr val="accent3"/>
+      <a:schemeClr val="accent4"/>
+      <a:schemeClr val="accent5"/>
+      <a:schemeClr val="accent6"/>
+    </dgm:fillClrLst>
+    <dgm:linClrLst meth="repeat">
+      <a:schemeClr val="lt1"/>
+    </dgm:linClrLst>
+    <dgm:effectClrLst/>
+    <dgm:txLinClrLst/>
+    <dgm:txFillClrLst/>
+    <dgm:txEffectClrLst/>
+  </dgm:styleLbl>
+  <dgm:styleLbl name="vennNode1">
+    <dgm:fillClrLst meth="repeat">
+      <a:schemeClr val="accent2">
+        <a:alpha val="50000"/>
+      </a:schemeClr>
+      <a:schemeClr val="accent3">
+        <a:alpha val="50000"/>
+      </a:schemeClr>
+      <a:schemeClr val="accent4">
+        <a:alpha val="50000"/>
+      </a:schemeClr>
+      <a:schemeClr val="accent5">
+        <a:alpha val="50000"/>
+      </a:schemeClr>
+      <a:schemeClr val="accent6">
+        <a:alpha val="50000"/>
+      </a:schemeClr>
+    </dgm:fillClrLst>
+    <dgm:linClrLst meth="repeat">
+      <a:schemeClr val="lt1"/>
+    </dgm:linClrLst>
+    <dgm:effectClrLst/>
+    <dgm:txLinClrLst/>
+    <dgm:txFillClrLst/>
+    <dgm:txEffectClrLst/>
+  </dgm:styleLbl>
+  <dgm:styleLbl name="node2">
+    <dgm:fillClrLst>
+      <a:schemeClr val="accent2"/>
+    </dgm:fillClrLst>
+    <dgm:linClrLst meth="repeat">
+      <a:schemeClr val="lt1"/>
+    </dgm:linClrLst>
+    <dgm:effectClrLst/>
+    <dgm:txLinClrLst/>
+    <dgm:txFillClrLst/>
+    <dgm:txEffectClrLst/>
+  </dgm:styleLbl>
+  <dgm:styleLbl name="node3">
+    <dgm:fillClrLst>
+      <a:schemeClr val="accent3"/>
+    </dgm:fillClrLst>
+    <dgm:linClrLst meth="repeat">
+      <a:schemeClr val="lt1"/>
+    </dgm:linClrLst>
+    <dgm:effectClrLst/>
+    <dgm:txLinClrLst/>
+    <dgm:txFillClrLst/>
+    <dgm:txEffectClrLst/>
+  </dgm:styleLbl>
+  <dgm:styleLbl name="node4">
+    <dgm:fillClrLst>
+      <a:schemeClr val="accent4"/>
+    </dgm:fillClrLst>
+    <dgm:linClrLst meth="repeat">
+      <a:schemeClr val="lt1"/>
+    </dgm:linClrLst>
+    <dgm:effectClrLst/>
+    <dgm:txLinClrLst/>
+    <dgm:txFillClrLst/>
+    <dgm:txEffectClrLst/>
+  </dgm:styleLbl>
+  <dgm:styleLbl name="fgImgPlace1">
+    <dgm:fillClrLst meth="repeat">
+      <a:schemeClr val="accent2">
+        <a:tint val="50000"/>
+      </a:schemeClr>
+      <a:schemeClr val="accent3">
+        <a:tint val="50000"/>
+      </a:schemeClr>
+      <a:schemeClr val="accent4">
+        <a:tint val="50000"/>
+      </a:schemeClr>
+      <a:schemeClr val="accent5">
+        <a:tint val="50000"/>
+      </a:schemeClr>
+      <a:schemeClr val="accent6">
+        <a:tint val="50000"/>
+      </a:schemeClr>
+    </dgm:fillClrLst>
+    <dgm:linClrLst meth="repeat">
+      <a:schemeClr val="lt1"/>
+    </dgm:linClrLst>
+    <dgm:effectClrLst/>
+    <dgm:txLinClrLst/>
+    <dgm:txFillClrLst meth="repeat">
+      <a:schemeClr val="lt1"/>
+    </dgm:txFillClrLst>
+    <dgm:txEffectClrLst/>
+  </dgm:styleLbl>
+  <dgm:styleLbl name="alignImgPlace1">
+    <dgm:fillClrLst>
+      <a:schemeClr val="accent1">
+        <a:tint val="50000"/>
+      </a:schemeClr>
+      <a:schemeClr val="accent2">
+        <a:tint val="20000"/>
+      </a:schemeClr>
+    </dgm:fillClrLst>
+    <dgm:linClrLst meth="repeat">
+      <a:schemeClr val="lt1"/>
+    </dgm:linClrLst>
+    <dgm:effectClrLst/>
+    <dgm:txLinClrLst/>
+    <dgm:txFillClrLst meth="repeat">
+      <a:schemeClr val="lt1"/>
+    </dgm:txFillClrLst>
+    <dgm:txEffectClrLst/>
+  </dgm:styleLbl>
+  <dgm:styleLbl name="bgImgPlace1">
+    <dgm:fillClrLst>
+      <a:schemeClr val="accent1">
+        <a:tint val="50000"/>
+      </a:schemeClr>
+      <a:schemeClr val="accent2">
+        <a:tint val="20000"/>
+      </a:schemeClr>
+    </dgm:fillClrLst>
+    <dgm:linClrLst meth="repeat">
+      <a:schemeClr val="lt1"/>
+    </dgm:linClrLst>
+    <dgm:effectClrLst/>
+    <dgm:txLinClrLst/>
+    <dgm:txFillClrLst meth="repeat">
+      <a:schemeClr val="lt1"/>
+    </dgm:txFillClrLst>
+    <dgm:txEffectClrLst/>
+  </dgm:styleLbl>
+  <dgm:styleLbl name="sibTrans2D1">
+    <dgm:fillClrLst meth="repeat">
+      <a:schemeClr val="accent2"/>
+      <a:schemeClr val="accent3"/>
+      <a:schemeClr val="accent4"/>
+      <a:schemeClr val="accent5"/>
+      <a:schemeClr val="accent6"/>
+    </dgm:fillClrLst>
+    <dgm:linClrLst meth="cycle">
+      <a:schemeClr val="lt1"/>
+    </dgm:linClrLst>
+    <dgm:effectClrLst/>
+    <dgm:txLinClrLst/>
+    <dgm:txFillClrLst/>
+    <dgm:txEffectClrLst/>
+  </dgm:styleLbl>
+  <dgm:styleLbl name="fgSibTrans2D1">
+    <dgm:fillClrLst meth="repeat">
+      <a:schemeClr val="accent2"/>
+      <a:schemeClr val="accent3"/>
+      <a:schemeClr val="accent4"/>
+      <a:schemeClr val="accent5"/>
+      <a:schemeClr val="accent6"/>
+    </dgm:fillClrLst>
+    <dgm:linClrLst meth="cycle">
+      <a:schemeClr val="lt1"/>
+    </dgm:linClrLst>
+    <dgm:effectClrLst/>
+    <dgm:txLinClrLst/>
+    <dgm:txFillClrLst meth="repeat">
+      <a:schemeClr val="lt1"/>
+    </dgm:txFillClrLst>
+    <dgm:txEffectClrLst/>
+  </dgm:styleLbl>
+  <dgm:styleLbl name="bgSibTrans2D1">
+    <dgm:fillClrLst meth="repeat">
+      <a:schemeClr val="accent2"/>
+      <a:schemeClr val="accent3"/>
+      <a:schemeClr val="accent4"/>
+      <a:schemeClr val="accent5"/>
+      <a:schemeClr val="accent6"/>
+    </dgm:fillClrLst>
+    <dgm:linClrLst meth="cycle">
+      <a:schemeClr val="lt1"/>
+    </dgm:linClrLst>
+    <dgm:effectClrLst/>
+    <dgm:txLinClrLst/>
+    <dgm:txFillClrLst meth="repeat">
+      <a:schemeClr val="lt1"/>
+    </dgm:txFillClrLst>
+    <dgm:txEffectClrLst/>
+  </dgm:styleLbl>
+  <dgm:styleLbl name="sibTrans1D1">
+    <dgm:fillClrLst meth="repeat">
+      <a:schemeClr val="accent2"/>
+      <a:schemeClr val="accent3"/>
+      <a:schemeClr val="accent4"/>
+      <a:schemeClr val="accent5"/>
+      <a:schemeClr val="accent6"/>
+    </dgm:fillClrLst>
+    <dgm:linClrLst meth="repeat">
+      <a:schemeClr val="accent2"/>
+      <a:schemeClr val="accent3"/>
+      <a:schemeClr val="accent4"/>
+      <a:schemeClr val="accent5"/>
+      <a:schemeClr val="accent6"/>
+    </dgm:linClrLst>
+    <dgm:effectClrLst/>
+    <dgm:txLinClrLst/>
+    <dgm:txFillClrLst meth="repeat">
+      <a:schemeClr val="tx1"/>
+    </dgm:txFillClrLst>
+    <dgm:txEffectClrLst/>
+  </dgm:styleLbl>
+  <dgm:styleLbl name="callout">
+    <dgm:fillClrLst meth="repeat">
+      <a:schemeClr val="accent2"/>
+    </dgm:fillClrLst>
+    <dgm:linClrLst meth="repeat">
+      <a:schemeClr val="accent2">
+        <a:tint val="50000"/>
+      </a:schemeClr>
+    </dgm:linClrLst>
+    <dgm:effectClrLst/>
+    <dgm:txLinClrLst/>
+    <dgm:txFillClrLst meth="repeat">
+      <a:schemeClr val="tx1"/>
+    </dgm:txFillClrLst>
+    <dgm:txEffectClrLst/>
+  </dgm:styleLbl>
+  <dgm:styleLbl name="asst0">
+    <dgm:fillClrLst meth="repeat">
+      <a:schemeClr val="accent1"/>
+    </dgm:fillClrLst>
+    <dgm:linClrLst meth="repeat">
+      <a:schemeClr val="lt1"/>
+    </dgm:linClrLst>
+    <dgm:effectClrLst/>
+    <dgm:txLinClrLst/>
+    <dgm:txFillClrLst/>
+    <dgm:txEffectClrLst/>
+  </dgm:styleLbl>
+  <dgm:styleLbl name="asst1">
+    <dgm:fillClrLst meth="repeat">
+      <a:schemeClr val="accent2"/>
+    </dgm:fillClrLst>
+    <dgm:linClrLst meth="repeat">
+      <a:schemeClr val="lt1"/>
+    </dgm:linClrLst>
+    <dgm:effectClrLst/>
+    <dgm:txLinClrLst/>
+    <dgm:txFillClrLst/>
+    <dgm:txEffectClrLst/>
+  </dgm:styleLbl>
+  <dgm:styleLbl name="asst2">
+    <dgm:fillClrLst>
+      <a:schemeClr val="accent3"/>
+    </dgm:fillClrLst>
+    <dgm:linClrLst meth="repeat">
+      <a:schemeClr val="lt1"/>
+    </dgm:linClrLst>
+    <dgm:effectClrLst/>
+    <dgm:txLinClrLst/>
+    <dgm:txFillClrLst/>
+    <dgm:txEffectClrLst/>
+  </dgm:styleLbl>
+  <dgm:styleLbl name="asst3">
+    <dgm:fillClrLst>
+      <a:schemeClr val="accent4"/>
+    </dgm:fillClrLst>
+    <dgm:linClrLst meth="repeat">
+      <a:schemeClr val="lt1"/>
+    </dgm:linClrLst>
+    <dgm:effectClrLst/>
+    <dgm:txLinClrLst/>
+    <dgm:txFillClrLst/>
+    <dgm:txEffectClrLst/>
+  </dgm:styleLbl>
+  <dgm:styleLbl name="asst4">
+    <dgm:fillClrLst>
+      <a:schemeClr val="accent5"/>
+    </dgm:fillClrLst>
+    <dgm:linClrLst meth="repeat">
+      <a:schemeClr val="lt1"/>
+    </dgm:linClrLst>
+    <dgm:effectClrLst/>
+    <dgm:txLinClrLst/>
+    <dgm:txFillClrLst/>
+    <dgm:txEffectClrLst/>
+  </dgm:styleLbl>
+  <dgm:styleLbl name="parChTrans2D1">
+    <dgm:fillClrLst meth="repeat">
+      <a:schemeClr val="accent2"/>
+    </dgm:fillClrLst>
+    <dgm:linClrLst meth="repeat">
+      <a:schemeClr val="lt1"/>
+    </dgm:linClrLst>
+    <dgm:effectClrLst/>
+    <dgm:txLinClrLst/>
+    <dgm:txFillClrLst meth="repeat">
+      <a:schemeClr val="lt1"/>
+    </dgm:txFillClrLst>
+    <dgm:txEffectClrLst/>
+  </dgm:styleLbl>
+  <dgm:styleLbl name="parChTrans2D2">
+    <dgm:fillClrLst meth="repeat">
+      <a:schemeClr val="accent3"/>
+    </dgm:fillClrLst>
+    <dgm:linClrLst meth="repeat">
+      <a:schemeClr val="lt1"/>
+    </dgm:linClrLst>
+    <dgm:effectClrLst/>
+    <dgm:txLinClrLst/>
+    <dgm:txFillClrLst/>
+    <dgm:txEffectClrLst/>
+  </dgm:styleLbl>
+  <dgm:styleLbl name="parChTrans2D3">
+    <dgm:fillClrLst meth="repeat">
+      <a:schemeClr val="accent4"/>
+    </dgm:fillClrLst>
+    <dgm:linClrLst meth="repeat">
+      <a:schemeClr val="lt1"/>
+    </dgm:linClrLst>
+    <dgm:effectClrLst/>
+    <dgm:txLinClrLst/>
+    <dgm:txFillClrLst/>
+    <dgm:txEffectClrLst/>
+  </dgm:styleLbl>
+  <dgm:styleLbl name="parChTrans2D4">
+    <dgm:fillClrLst meth="repeat">
+      <a:schemeClr val="accent5"/>
+    </dgm:fillClrLst>
+    <dgm:linClrLst meth="repeat">
+      <a:schemeClr val="lt1"/>
+    </dgm:linClrLst>
+    <dgm:effectClrLst/>
+    <dgm:txLinClrLst/>
+    <dgm:txFillClrLst meth="repeat">
+      <a:schemeClr val="lt1"/>
+    </dgm:txFillClrLst>
+    <dgm:txEffectClrLst/>
+  </dgm:styleLbl>
+  <dgm:styleLbl name="parChTrans1D1">
+    <dgm:fillClrLst meth="repeat">
+      <a:schemeClr val="accent2"/>
+    </dgm:fillClrLst>
+    <dgm:linClrLst meth="repeat">
+      <a:schemeClr val="accent1"/>
+    </dgm:linClrLst>
+    <dgm:effectClrLst/>
+    <dgm:txLinClrLst/>
+    <dgm:txFillClrLst meth="repeat">
+      <a:schemeClr val="tx1"/>
+    </dgm:txFillClrLst>
+    <dgm:txEffectClrLst/>
+  </dgm:styleLbl>
+  <dgm:styleLbl name="parChTrans1D2">
+    <dgm:fillClrLst meth="repeat">
+      <a:schemeClr val="accent3">
+        <a:tint val="90000"/>
+      </a:schemeClr>
+    </dgm:fillClrLst>
+    <dgm:linClrLst meth="repeat">
+      <a:schemeClr val="accent2"/>
+    </dgm:linClrLst>
+    <dgm:effectClrLst/>
+    <dgm:txLinClrLst/>
+    <dgm:txFillClrLst meth="repeat">
+      <a:schemeClr val="tx1"/>
+    </dgm:txFillClrLst>
+    <dgm:txEffectClrLst/>
+  </dgm:styleLbl>
+  <dgm:styleLbl name="parChTrans1D3">
+    <dgm:fillClrLst meth="repeat">
+      <a:schemeClr val="accent4">
+        <a:tint val="70000"/>
+      </a:schemeClr>
+    </dgm:fillClrLst>
+    <dgm:linClrLst meth="repeat">
+      <a:schemeClr val="accent3"/>
+    </dgm:linClrLst>
+    <dgm:effectClrLst/>
+    <dgm:txLinClrLst/>
+    <dgm:txFillClrLst meth="repeat">
+      <a:schemeClr val="tx1"/>
+    </dgm:txFillClrLst>
+    <dgm:txEffectClrLst/>
+  </dgm:styleLbl>
+  <dgm:styleLbl name="parChTrans1D4">
+    <dgm:fillClrLst meth="repeat">
+      <a:schemeClr val="accent5">
+        <a:tint val="50000"/>
+      </a:schemeClr>
+    </dgm:fillClrLst>
+    <dgm:linClrLst meth="repeat">
+      <a:schemeClr val="accent4"/>
+    </dgm:linClrLst>
+    <dgm:effectClrLst/>
+    <dgm:txLinClrLst/>
+    <dgm:txFillClrLst meth="repeat">
+      <a:schemeClr val="tx1"/>
+    </dgm:txFillClrLst>
+    <dgm:txEffectClrLst/>
+  </dgm:styleLbl>
+  <dgm:styleLbl name="fgAcc1">
+    <dgm:fillClrLst meth="repeat">
+      <a:schemeClr val="lt1">
+        <a:alpha val="90000"/>
+      </a:schemeClr>
+    </dgm:fillClrLst>
+    <dgm:linClrLst meth="repeat">
+      <a:schemeClr val="accent2"/>
+      <a:schemeClr val="accent3"/>
+      <a:schemeClr val="accent4"/>
+      <a:schemeClr val="accent5"/>
+      <a:schemeClr val="accent6"/>
+    </dgm:linClrLst>
+    <dgm:effectClrLst/>
+    <dgm:txLinClrLst/>
+    <dgm:txFillClrLst meth="repeat">
+      <a:schemeClr val="dk1"/>
+    </dgm:txFillClrLst>
+    <dgm:txEffectClrLst/>
+  </dgm:styleLbl>
+  <dgm:styleLbl name="conFgAcc1">
+    <dgm:fillClrLst meth="repeat">
+      <a:schemeClr val="lt1">
+        <a:alpha val="90000"/>
+      </a:schemeClr>
+    </dgm:fillClrLst>
+    <dgm:linClrLst meth="repeat">
+      <a:schemeClr val="accent2"/>
+      <a:schemeClr val="accent3"/>
+      <a:schemeClr val="accent4"/>
+      <a:schemeClr val="accent5"/>
+      <a:schemeClr val="accent6"/>
+    </dgm:linClrLst>
+    <dgm:effectClrLst/>
+    <dgm:txLinClrLst/>
+    <dgm:txFillClrLst meth="repeat">
+      <a:schemeClr val="dk1"/>
+    </dgm:txFillClrLst>
+    <dgm:txEffectClrLst/>
+  </dgm:styleLbl>
+  <dgm:styleLbl name="alignAcc1">
+    <dgm:fillClrLst meth="repeat">
+      <a:schemeClr val="lt1">
+        <a:alpha val="90000"/>
+      </a:schemeClr>
+    </dgm:fillClrLst>
+    <dgm:linClrLst meth="repeat">
+      <a:schemeClr val="accent2"/>
+      <a:schemeClr val="accent3"/>
+      <a:schemeClr val="accent4"/>
+      <a:schemeClr val="accent5"/>
+      <a:schemeClr val="accent6"/>
+    </dgm:linClrLst>
+    <dgm:effectClrLst/>
+    <dgm:txLinClrLst/>
+    <dgm:txFillClrLst meth="repeat">
+      <a:schemeClr val="dk1"/>
+    </dgm:txFillClrLst>
+    <dgm:txEffectClrLst/>
+  </dgm:styleLbl>
+  <dgm:styleLbl name="trAlignAcc1">
+    <dgm:fillClrLst meth="repeat">
+      <a:schemeClr val="lt1">
+        <a:alpha val="40000"/>
+      </a:schemeClr>
+    </dgm:fillClrLst>
+    <dgm:linClrLst meth="repeat">
+      <a:schemeClr val="accent1"/>
+    </dgm:linClrLst>
+    <dgm:effectClrLst/>
+    <dgm:txLinClrLst/>
+    <dgm:txFillClrLst meth="repeat">
+      <a:schemeClr val="dk1"/>
+    </dgm:txFillClrLst>
+    <dgm:txEffectClrLst/>
+  </dgm:styleLbl>
+  <dgm:styleLbl name="bgAcc1">
+    <dgm:fillClrLst meth="repeat">
+      <a:schemeClr val="lt1">
+        <a:alpha val="90000"/>
+      </a:schemeClr>
+    </dgm:fillClrLst>
+    <dgm:linClrLst meth="repeat">
+      <a:schemeClr val="accent2"/>
+      <a:schemeClr val="accent3"/>
+      <a:schemeClr val="accent4"/>
+      <a:schemeClr val="accent5"/>
+      <a:schemeClr val="accent6"/>
+    </dgm:linClrLst>
+    <dgm:effectClrLst/>
+    <dgm:txLinClrLst/>
+    <dgm:txFillClrLst meth="repeat">
+      <a:schemeClr val="dk1"/>
+    </dgm:txFillClrLst>
+    <dgm:txEffectClrLst/>
+  </dgm:styleLbl>
+  <dgm:styleLbl name="solidFgAcc1">
+    <dgm:fillClrLst meth="repeat">
+      <a:schemeClr val="lt1"/>
+    </dgm:fillClrLst>
+    <dgm:linClrLst meth="repeat">
+      <a:schemeClr val="accent2"/>
+      <a:schemeClr val="accent3"/>
+      <a:schemeClr val="accent4"/>
+      <a:schemeClr val="accent5"/>
+      <a:schemeClr val="accent6"/>
+    </dgm:linClrLst>
+    <dgm:effectClrLst/>
+    <dgm:txLinClrLst/>
+    <dgm:txFillClrLst meth="repeat">
+      <a:schemeClr val="dk1"/>
+    </dgm:txFillClrLst>
+    <dgm:txEffectClrLst/>
+  </dgm:styleLbl>
+  <dgm:styleLbl name="solidAlignAcc1">
+    <dgm:fillClrLst meth="repeat">
+      <a:schemeClr val="lt1"/>
+    </dgm:fillClrLst>
+    <dgm:linClrLst meth="repeat">
+      <a:schemeClr val="accent2"/>
+      <a:schemeClr val="accent3"/>
+      <a:schemeClr val="accent4"/>
+      <a:schemeClr val="accent5"/>
+      <a:schemeClr val="accent6"/>
+    </dgm:linClrLst>
+    <dgm:effectClrLst/>
+    <dgm:txLinClrLst/>
+    <dgm:txFillClrLst meth="repeat">
+      <a:schemeClr val="dk1"/>
+    </dgm:txFillClrLst>
+    <dgm:txEffectClrLst/>
+  </dgm:styleLbl>
+  <dgm:styleLbl name="solidBgAcc1">
+    <dgm:fillClrLst meth="repeat">
+      <a:schemeClr val="lt1"/>
+    </dgm:fillClrLst>
+    <dgm:linClrLst meth="repeat">
+      <a:schemeClr val="accent2"/>
+      <a:schemeClr val="accent3"/>
+      <a:schemeClr val="accent4"/>
+      <a:schemeClr val="accent5"/>
+      <a:schemeClr val="accent6"/>
+    </dgm:linClrLst>
+    <dgm:effectClrLst/>
+    <dgm:txLinClrLst/>
+    <dgm:txFillClrLst meth="repeat">
+      <a:schemeClr val="dk1"/>
+    </dgm:txFillClrLst>
+    <dgm:txEffectClrLst/>
+  </dgm:styleLbl>
+  <dgm:styleLbl name="fgAccFollowNode1">
+    <dgm:fillClrLst meth="repeat">
+      <a:schemeClr val="accent2">
+        <a:tint val="40000"/>
+        <a:alpha val="90000"/>
+      </a:schemeClr>
+      <a:schemeClr val="accent3">
+        <a:tint val="40000"/>
+        <a:alpha val="90000"/>
+      </a:schemeClr>
+      <a:schemeClr val="accent4">
+        <a:tint val="40000"/>
+        <a:alpha val="90000"/>
+      </a:schemeClr>
+      <a:schemeClr val="accent5">
+        <a:tint val="40000"/>
+        <a:alpha val="90000"/>
+      </a:schemeClr>
+      <a:schemeClr val="accent6">
+        <a:tint val="40000"/>
+        <a:alpha val="90000"/>
+      </a:schemeClr>
+    </dgm:fillClrLst>
+    <dgm:linClrLst meth="repeat">
+      <a:schemeClr val="accent2">
+        <a:tint val="40000"/>
+        <a:alpha val="90000"/>
+      </a:schemeClr>
+      <a:schemeClr val="accent3">
+        <a:tint val="40000"/>
+        <a:alpha val="90000"/>
+      </a:schemeClr>
+      <a:schemeClr val="accent4">
+        <a:tint val="40000"/>
+        <a:alpha val="90000"/>
+      </a:schemeClr>
+      <a:schemeClr val="accent5">
+        <a:tint val="40000"/>
+        <a:alpha val="90000"/>
+      </a:schemeClr>
+      <a:schemeClr val="accent6">
+        <a:tint val="40000"/>
+        <a:alpha val="90000"/>
+      </a:schemeClr>
+    </dgm:linClrLst>
+    <dgm:effectClrLst/>
+    <dgm:txLinClrLst/>
+    <dgm:txFillClrLst meth="repeat">
+      <a:schemeClr val="dk1"/>
+    </dgm:txFillClrLst>
+    <dgm:txEffectClrLst/>
+  </dgm:styleLbl>
+  <dgm:styleLbl name="alignAccFollowNode1">
+    <dgm:fillClrLst meth="repeat">
+      <a:schemeClr val="accent2">
+        <a:tint val="40000"/>
+        <a:alpha val="90000"/>
+      </a:schemeClr>
+      <a:schemeClr val="accent3">
+        <a:tint val="40000"/>
+        <a:alpha val="90000"/>
+      </a:schemeClr>
+      <a:schemeClr val="accent4">
+        <a:tint val="40000"/>
+        <a:alpha val="90000"/>
+      </a:schemeClr>
+      <a:schemeClr val="accent5">
+        <a:tint val="40000"/>
+        <a:alpha val="90000"/>
+      </a:schemeClr>
+      <a:schemeClr val="accent6">
+        <a:tint val="40000"/>
+        <a:alpha val="90000"/>
+      </a:schemeClr>
+    </dgm:fillClrLst>
+    <dgm:linClrLst meth="repeat">
+      <a:schemeClr val="accent2">
+        <a:tint val="40000"/>
+        <a:alpha val="90000"/>
+      </a:schemeClr>
+      <a:schemeClr val="accent3">
+        <a:tint val="40000"/>
+        <a:alpha val="90000"/>
+      </a:schemeClr>
+      <a:schemeClr val="accent4">
+        <a:tint val="40000"/>
+        <a:alpha val="90000"/>
+      </a:schemeClr>
+      <a:schemeClr val="accent5">
+        <a:tint val="40000"/>
+        <a:alpha val="90000"/>
+      </a:schemeClr>
+      <a:schemeClr val="accent6">
+        <a:tint val="40000"/>
+        <a:alpha val="90000"/>
+      </a:schemeClr>
+    </dgm:linClrLst>
+    <dgm:effectClrLst/>
+    <dgm:txLinClrLst/>
+    <dgm:txFillClrLst meth="repeat">
+      <a:schemeClr val="dk1"/>
+    </dgm:txFillClrLst>
+    <dgm:txEffectClrLst/>
+  </dgm:styleLbl>
+  <dgm:styleLbl name="bgAccFollowNode1">
+    <dgm:fillClrLst meth="repeat">
+      <a:schemeClr val="accent2">
+        <a:tint val="40000"/>
+        <a:alpha val="90000"/>
+      </a:schemeClr>
+      <a:schemeClr val="accent3">
+        <a:tint val="40000"/>
+        <a:alpha val="90000"/>
+      </a:schemeClr>
+      <a:schemeClr val="accent4">
+        <a:tint val="40000"/>
+        <a:alpha val="90000"/>
+      </a:schemeClr>
+      <a:schemeClr val="accent5">
+        <a:tint val="40000"/>
+        <a:alpha val="90000"/>
+      </a:schemeClr>
+      <a:schemeClr val="accent6">
+        <a:tint val="40000"/>
+        <a:alpha val="90000"/>
+      </a:schemeClr>
+    </dgm:fillClrLst>
+    <dgm:linClrLst meth="repeat">
+      <a:schemeClr val="accent2">
+        <a:tint val="40000"/>
+        <a:alpha val="90000"/>
+      </a:schemeClr>
+      <a:schemeClr val="accent3">
+        <a:tint val="40000"/>
+        <a:alpha val="90000"/>
+      </a:schemeClr>
+      <a:schemeClr val="accent4">
+        <a:tint val="40000"/>
+        <a:alpha val="90000"/>
+      </a:schemeClr>
+      <a:schemeClr val="accent5">
+        <a:tint val="40000"/>
+        <a:alpha val="90000"/>
+      </a:schemeClr>
+      <a:schemeClr val="accent6">
+        <a:tint val="40000"/>
+        <a:alpha val="90000"/>
+      </a:schemeClr>
+    </dgm:linClrLst>
+    <dgm:effectClrLst/>
+    <dgm:txLinClrLst/>
+    <dgm:txFillClrLst meth="repeat">
+      <a:schemeClr val="dk1"/>
+    </dgm:txFillClrLst>
+    <dgm:txEffectClrLst/>
+  </dgm:styleLbl>
+  <dgm:styleLbl name="fgAcc0">
+    <dgm:fillClrLst meth="repeat">
+      <a:schemeClr val="lt1">
+        <a:alpha val="90000"/>
+      </a:schemeClr>
+    </dgm:fillClrLst>
+    <dgm:linClrLst>
+      <a:schemeClr val="accent1"/>
+    </dgm:linClrLst>
+    <dgm:effectClrLst/>
+    <dgm:txLinClrLst/>
+    <dgm:txFillClrLst meth="repeat">
+      <a:schemeClr val="dk1"/>
+    </dgm:txFillClrLst>
+    <dgm:txEffectClrLst/>
+  </dgm:styleLbl>
+  <dgm:styleLbl name="fgAcc2">
+    <dgm:fillClrLst meth="repeat">
+      <a:schemeClr val="lt1">
+        <a:alpha val="90000"/>
+      </a:schemeClr>
+    </dgm:fillClrLst>
+    <dgm:linClrLst>
+      <a:schemeClr val="accent2"/>
+    </dgm:linClrLst>
+    <dgm:effectClrLst/>
+    <dgm:txLinClrLst/>
+    <dgm:txFillClrLst meth="repeat">
+      <a:schemeClr val="dk1"/>
+    </dgm:txFillClrLst>
+    <dgm:txEffectClrLst/>
+  </dgm:styleLbl>
+  <dgm:styleLbl name="fgAcc3">
+    <dgm:fillClrLst meth="repeat">
+      <a:schemeClr val="lt1">
+        <a:alpha val="90000"/>
+      </a:schemeClr>
+    </dgm:fillClrLst>
+    <dgm:linClrLst>
+      <a:schemeClr val="accent3"/>
+    </dgm:linClrLst>
+    <dgm:effectClrLst/>
+    <dgm:txLinClrLst/>
+    <dgm:txFillClrLst meth="repeat">
+      <a:schemeClr val="dk1"/>
+    </dgm:txFillClrLst>
+    <dgm:txEffectClrLst/>
+  </dgm:styleLbl>
+  <dgm:styleLbl name="fgAcc4">
+    <dgm:fillClrLst meth="repeat">
+      <a:schemeClr val="lt1">
+        <a:alpha val="90000"/>
+      </a:schemeClr>
+    </dgm:fillClrLst>
+    <dgm:linClrLst>
+      <a:schemeClr val="accent4"/>
+    </dgm:linClrLst>
+    <dgm:effectClrLst/>
+    <dgm:txLinClrLst/>
+    <dgm:txFillClrLst meth="repeat">
+      <a:schemeClr val="dk1"/>
+    </dgm:txFillClrLst>
+    <dgm:txEffectClrLst/>
+  </dgm:styleLbl>
+  <dgm:styleLbl name="bgShp">
+    <dgm:fillClrLst meth="repeat">
+      <a:schemeClr val="accent2">
+        <a:tint val="40000"/>
+      </a:schemeClr>
+    </dgm:fillClrLst>
+    <dgm:linClrLst meth="repeat">
+      <a:schemeClr val="dk1"/>
+    </dgm:linClrLst>
+    <dgm:effectClrLst/>
+    <dgm:txLinClrLst/>
+    <dgm:txFillClrLst meth="repeat">
+      <a:schemeClr val="dk1"/>
+    </dgm:txFillClrLst>
+    <dgm:txEffectClrLst/>
+  </dgm:styleLbl>
+  <dgm:styleLbl name="dkBgShp">
+    <dgm:fillClrLst meth="repeat">
+      <a:schemeClr val="accent2">
+        <a:shade val="90000"/>
+      </a:schemeClr>
+    </dgm:fillClrLst>
+    <dgm:linClrLst meth="repeat">
+      <a:schemeClr val="dk1"/>
+    </dgm:linClrLst>
+    <dgm:effectClrLst/>
+    <dgm:txLinClrLst/>
+    <dgm:txFillClrLst meth="repeat">
+      <a:schemeClr val="lt1"/>
+    </dgm:txFillClrLst>
+    <dgm:txEffectClrLst/>
+  </dgm:styleLbl>
+  <dgm:styleLbl name="trBgShp">
+    <dgm:fillClrLst meth="repeat">
+      <a:schemeClr val="accent1">
+        <a:tint val="50000"/>
+        <a:alpha val="40000"/>
+      </a:schemeClr>
+    </dgm:fillClrLst>
+    <dgm:linClrLst meth="repeat">
+      <a:schemeClr val="accent2"/>
+    </dgm:linClrLst>
+    <dgm:effectClrLst/>
+    <dgm:txLinClrLst/>
+    <dgm:txFillClrLst meth="repeat">
+      <a:schemeClr val="lt1"/>
+    </dgm:txFillClrLst>
+    <dgm:txEffectClrLst/>
+  </dgm:styleLbl>
+  <dgm:styleLbl name="fgShp">
+    <dgm:fillClrLst meth="repeat">
+      <a:schemeClr val="accent2">
+        <a:tint val="40000"/>
+      </a:schemeClr>
+    </dgm:fillClrLst>
+    <dgm:linClrLst meth="repeat">
+      <a:schemeClr val="lt1"/>
+    </dgm:linClrLst>
+    <dgm:effectClrLst/>
+    <dgm:txLinClrLst/>
+    <dgm:txFillClrLst meth="repeat">
+      <a:schemeClr val="dk1"/>
+    </dgm:txFillClrLst>
+    <dgm:txEffectClrLst/>
+  </dgm:styleLbl>
+  <dgm:styleLbl name="revTx">
+    <dgm:fillClrLst meth="repeat">
+      <a:schemeClr val="lt1">
+        <a:alpha val="0"/>
+      </a:schemeClr>
+    </dgm:fillClrLst>
+    <dgm:linClrLst meth="repeat">
+      <a:schemeClr val="dk1">
+        <a:alpha val="0"/>
+      </a:schemeClr>
+    </dgm:linClrLst>
+    <dgm:effectClrLst/>
+    <dgm:txLinClrLst/>
+    <dgm:txFillClrLst meth="repeat">
+      <a:schemeClr val="tx1"/>
+    </dgm:txFillClrLst>
+    <dgm:txEffectClrLst/>
+  </dgm:styleLbl>
+</dgm:colorsDef>
+</file>
+
 <file path=ppt/diagrams/data1.xml><?xml version="1.0" encoding="utf-8"?>
 <dgm:dataModel xmlns:dgm="http://schemas.openxmlformats.org/drawingml/2006/diagram" xmlns:a="http://schemas.openxmlformats.org/drawingml/2006/main">
   <dgm:ptLst>
     <dgm:pt modelId="{9E8DF559-4505-4B9A-A74E-6647F53A5563}" type="doc">
-      <dgm:prSet loTypeId="urn:microsoft.com/office/officeart/2005/8/layout/list1" loCatId="list" qsTypeId="urn:microsoft.com/office/officeart/2005/8/quickstyle/simple4" qsCatId="simple" csTypeId="urn:microsoft.com/office/officeart/2005/8/colors/colorful1" csCatId="colorful"/>
+      <dgm:prSet loTypeId="urn:microsoft.com/office/officeart/2005/8/layout/list1" loCatId="list" qsTypeId="urn:microsoft.com/office/officeart/2005/8/quickstyle/simple4" qsCatId="simple" csTypeId="urn:microsoft.com/office/officeart/2005/8/colors/colorful1" csCatId="colorful" phldr="1"/>
       <dgm:spPr/>
       <dgm:t>
         <a:bodyPr/>
@@ -5884,9 +6811,14 @@
         <a:lstStyle/>
         <a:p>
           <a:r>
-            <a:rPr lang="en-US"/>
-            <a:t>Access to BigQuery</a:t>
+            <a:rPr lang="en-US" dirty="0"/>
+            <a:t>Access to </a:t>
           </a:r>
+          <a:r>
+            <a:rPr lang="en-US" dirty="0" err="1"/>
+            <a:t>BigQuery</a:t>
+          </a:r>
+          <a:endParaRPr lang="en-US" dirty="0"/>
         </a:p>
       </dgm:t>
     </dgm:pt>
@@ -5912,6 +6844,78 @@
         </a:p>
       </dgm:t>
     </dgm:pt>
+    <dgm:pt modelId="{0D50AF8D-0193-5046-B7D1-C5F5055C2126}">
+      <dgm:prSet/>
+      <dgm:spPr/>
+      <dgm:t>
+        <a:bodyPr/>
+        <a:lstStyle/>
+        <a:p>
+          <a:r>
+            <a:rPr lang="en-US" dirty="0"/>
+            <a:t>Pricing</a:t>
+          </a:r>
+        </a:p>
+      </dgm:t>
+    </dgm:pt>
+    <dgm:pt modelId="{FE05C52D-3AE3-BB47-9CAA-C4D9935DD981}" type="parTrans" cxnId="{6B2C9742-3A04-5B4B-BEBC-0CA0A84B5D90}">
+      <dgm:prSet/>
+      <dgm:spPr/>
+      <dgm:t>
+        <a:bodyPr/>
+        <a:lstStyle/>
+        <a:p>
+          <a:endParaRPr lang="en-US"/>
+        </a:p>
+      </dgm:t>
+    </dgm:pt>
+    <dgm:pt modelId="{01878B94-3E17-8C44-8E9B-3B8D7494AF03}" type="sibTrans" cxnId="{6B2C9742-3A04-5B4B-BEBC-0CA0A84B5D90}">
+      <dgm:prSet/>
+      <dgm:spPr/>
+      <dgm:t>
+        <a:bodyPr/>
+        <a:lstStyle/>
+        <a:p>
+          <a:endParaRPr lang="en-US"/>
+        </a:p>
+      </dgm:t>
+    </dgm:pt>
+    <dgm:pt modelId="{57AE5D07-34C6-154D-9E7B-34452B072983}">
+      <dgm:prSet/>
+      <dgm:spPr/>
+      <dgm:t>
+        <a:bodyPr/>
+        <a:lstStyle/>
+        <a:p>
+          <a:r>
+            <a:rPr lang="en-US" dirty="0"/>
+            <a:t>Security</a:t>
+          </a:r>
+        </a:p>
+      </dgm:t>
+    </dgm:pt>
+    <dgm:pt modelId="{F74125FC-1F09-524B-8C0A-92CD8AFACFD1}" type="parTrans" cxnId="{48496513-3137-3F4D-A3DB-D2C071E34549}">
+      <dgm:prSet/>
+      <dgm:spPr/>
+      <dgm:t>
+        <a:bodyPr/>
+        <a:lstStyle/>
+        <a:p>
+          <a:endParaRPr lang="en-US"/>
+        </a:p>
+      </dgm:t>
+    </dgm:pt>
+    <dgm:pt modelId="{FEF60D27-062D-6B49-BA68-E3EC12B8457B}" type="sibTrans" cxnId="{48496513-3137-3F4D-A3DB-D2C071E34549}">
+      <dgm:prSet/>
+      <dgm:spPr/>
+      <dgm:t>
+        <a:bodyPr/>
+        <a:lstStyle/>
+        <a:p>
+          <a:endParaRPr lang="en-US"/>
+        </a:p>
+      </dgm:t>
+    </dgm:pt>
     <dgm:pt modelId="{4A92E6FA-35C1-5248-9B6A-8D925D16C972}" type="pres">
       <dgm:prSet presAssocID="{9E8DF559-4505-4B9A-A74E-6647F53A5563}" presName="linear" presStyleCnt="0">
         <dgm:presLayoutVars>
@@ -5927,11 +6931,11 @@
       <dgm:spPr/>
     </dgm:pt>
     <dgm:pt modelId="{D77736F5-241B-AD43-9861-718D8AB1D9E8}" type="pres">
-      <dgm:prSet presAssocID="{D722C351-FA5F-44E3-94E3-438D6E41BCD7}" presName="parentLeftMargin" presStyleLbl="node1" presStyleIdx="0" presStyleCnt="5"/>
+      <dgm:prSet presAssocID="{D722C351-FA5F-44E3-94E3-438D6E41BCD7}" presName="parentLeftMargin" presStyleLbl="node1" presStyleIdx="0" presStyleCnt="7"/>
       <dgm:spPr/>
     </dgm:pt>
     <dgm:pt modelId="{2F08399F-F0C4-B243-AD1E-03F1D06F63CC}" type="pres">
-      <dgm:prSet presAssocID="{D722C351-FA5F-44E3-94E3-438D6E41BCD7}" presName="parentText" presStyleLbl="node1" presStyleIdx="0" presStyleCnt="5">
+      <dgm:prSet presAssocID="{D722C351-FA5F-44E3-94E3-438D6E41BCD7}" presName="parentText" presStyleLbl="node1" presStyleIdx="0" presStyleCnt="7">
         <dgm:presLayoutVars>
           <dgm:chMax val="0"/>
           <dgm:bulletEnabled val="1"/>
@@ -5944,7 +6948,7 @@
       <dgm:spPr/>
     </dgm:pt>
     <dgm:pt modelId="{76C44A59-6CAA-184F-A439-2B063F97D6D7}" type="pres">
-      <dgm:prSet presAssocID="{D722C351-FA5F-44E3-94E3-438D6E41BCD7}" presName="childText" presStyleLbl="conFgAcc1" presStyleIdx="0" presStyleCnt="5">
+      <dgm:prSet presAssocID="{D722C351-FA5F-44E3-94E3-438D6E41BCD7}" presName="childText" presStyleLbl="conFgAcc1" presStyleIdx="0" presStyleCnt="7">
         <dgm:presLayoutVars>
           <dgm:bulletEnabled val="1"/>
         </dgm:presLayoutVars>
@@ -5960,11 +6964,11 @@
       <dgm:spPr/>
     </dgm:pt>
     <dgm:pt modelId="{111C4045-6FBD-AE43-8956-D89E4641422D}" type="pres">
-      <dgm:prSet presAssocID="{808E479C-63E2-4021-95B9-698F7A19D2EA}" presName="parentLeftMargin" presStyleLbl="node1" presStyleIdx="0" presStyleCnt="5"/>
+      <dgm:prSet presAssocID="{808E479C-63E2-4021-95B9-698F7A19D2EA}" presName="parentLeftMargin" presStyleLbl="node1" presStyleIdx="0" presStyleCnt="7"/>
       <dgm:spPr/>
     </dgm:pt>
     <dgm:pt modelId="{5F85683F-1BC9-C245-A7A1-6B8163AD2A16}" type="pres">
-      <dgm:prSet presAssocID="{808E479C-63E2-4021-95B9-698F7A19D2EA}" presName="parentText" presStyleLbl="node1" presStyleIdx="1" presStyleCnt="5">
+      <dgm:prSet presAssocID="{808E479C-63E2-4021-95B9-698F7A19D2EA}" presName="parentText" presStyleLbl="node1" presStyleIdx="1" presStyleCnt="7">
         <dgm:presLayoutVars>
           <dgm:chMax val="0"/>
           <dgm:bulletEnabled val="1"/>
@@ -5977,7 +6981,7 @@
       <dgm:spPr/>
     </dgm:pt>
     <dgm:pt modelId="{E57CB563-8A27-E94C-AD8F-DDA776A15C4E}" type="pres">
-      <dgm:prSet presAssocID="{808E479C-63E2-4021-95B9-698F7A19D2EA}" presName="childText" presStyleLbl="conFgAcc1" presStyleIdx="1" presStyleCnt="5">
+      <dgm:prSet presAssocID="{808E479C-63E2-4021-95B9-698F7A19D2EA}" presName="childText" presStyleLbl="conFgAcc1" presStyleIdx="1" presStyleCnt="7">
         <dgm:presLayoutVars>
           <dgm:bulletEnabled val="1"/>
         </dgm:presLayoutVars>
@@ -5993,11 +6997,11 @@
       <dgm:spPr/>
     </dgm:pt>
     <dgm:pt modelId="{463ED2F5-68BB-E84B-8C10-352AFD59AE3E}" type="pres">
-      <dgm:prSet presAssocID="{9D0E5785-66C7-4610-BC8C-662A739CF834}" presName="parentLeftMargin" presStyleLbl="node1" presStyleIdx="1" presStyleCnt="5"/>
+      <dgm:prSet presAssocID="{9D0E5785-66C7-4610-BC8C-662A739CF834}" presName="parentLeftMargin" presStyleLbl="node1" presStyleIdx="1" presStyleCnt="7"/>
       <dgm:spPr/>
     </dgm:pt>
     <dgm:pt modelId="{91E4737C-5030-7841-BBEF-9E918C625D6C}" type="pres">
-      <dgm:prSet presAssocID="{9D0E5785-66C7-4610-BC8C-662A739CF834}" presName="parentText" presStyleLbl="node1" presStyleIdx="2" presStyleCnt="5">
+      <dgm:prSet presAssocID="{9D0E5785-66C7-4610-BC8C-662A739CF834}" presName="parentText" presStyleLbl="node1" presStyleIdx="2" presStyleCnt="7">
         <dgm:presLayoutVars>
           <dgm:chMax val="0"/>
           <dgm:bulletEnabled val="1"/>
@@ -6010,7 +7014,7 @@
       <dgm:spPr/>
     </dgm:pt>
     <dgm:pt modelId="{743D4338-DCB9-1A40-9DCA-D5111CFBCE2C}" type="pres">
-      <dgm:prSet presAssocID="{9D0E5785-66C7-4610-BC8C-662A739CF834}" presName="childText" presStyleLbl="conFgAcc1" presStyleIdx="2" presStyleCnt="5">
+      <dgm:prSet presAssocID="{9D0E5785-66C7-4610-BC8C-662A739CF834}" presName="childText" presStyleLbl="conFgAcc1" presStyleIdx="2" presStyleCnt="7">
         <dgm:presLayoutVars>
           <dgm:bulletEnabled val="1"/>
         </dgm:presLayoutVars>
@@ -6026,11 +7030,11 @@
       <dgm:spPr/>
     </dgm:pt>
     <dgm:pt modelId="{AC99A20A-E67D-9840-A404-1B40188EE695}" type="pres">
-      <dgm:prSet presAssocID="{0E18A033-5DB2-4CBB-BBC1-361F84448EB4}" presName="parentLeftMargin" presStyleLbl="node1" presStyleIdx="2" presStyleCnt="5"/>
+      <dgm:prSet presAssocID="{0E18A033-5DB2-4CBB-BBC1-361F84448EB4}" presName="parentLeftMargin" presStyleLbl="node1" presStyleIdx="2" presStyleCnt="7"/>
       <dgm:spPr/>
     </dgm:pt>
     <dgm:pt modelId="{F6840322-AB6B-F940-B4AE-642F62D6D354}" type="pres">
-      <dgm:prSet presAssocID="{0E18A033-5DB2-4CBB-BBC1-361F84448EB4}" presName="parentText" presStyleLbl="node1" presStyleIdx="3" presStyleCnt="5">
+      <dgm:prSet presAssocID="{0E18A033-5DB2-4CBB-BBC1-361F84448EB4}" presName="parentText" presStyleLbl="node1" presStyleIdx="3" presStyleCnt="7">
         <dgm:presLayoutVars>
           <dgm:chMax val="0"/>
           <dgm:bulletEnabled val="1"/>
@@ -6043,7 +7047,7 @@
       <dgm:spPr/>
     </dgm:pt>
     <dgm:pt modelId="{985FFAAE-09BF-444D-8725-D473FD0231BF}" type="pres">
-      <dgm:prSet presAssocID="{0E18A033-5DB2-4CBB-BBC1-361F84448EB4}" presName="childText" presStyleLbl="conFgAcc1" presStyleIdx="3" presStyleCnt="5">
+      <dgm:prSet presAssocID="{0E18A033-5DB2-4CBB-BBC1-361F84448EB4}" presName="childText" presStyleLbl="conFgAcc1" presStyleIdx="3" presStyleCnt="7">
         <dgm:presLayoutVars>
           <dgm:bulletEnabled val="1"/>
         </dgm:presLayoutVars>
@@ -6059,11 +7063,11 @@
       <dgm:spPr/>
     </dgm:pt>
     <dgm:pt modelId="{D6D25475-0268-B74D-AEF7-F5AB8490AC06}" type="pres">
-      <dgm:prSet presAssocID="{40C1D591-B11B-4E4D-9C68-45293C47F299}" presName="parentLeftMargin" presStyleLbl="node1" presStyleIdx="3" presStyleCnt="5"/>
+      <dgm:prSet presAssocID="{40C1D591-B11B-4E4D-9C68-45293C47F299}" presName="parentLeftMargin" presStyleLbl="node1" presStyleIdx="3" presStyleCnt="7"/>
       <dgm:spPr/>
     </dgm:pt>
     <dgm:pt modelId="{C7CF2F9A-D66F-A64C-B5A5-52AFD592FC7B}" type="pres">
-      <dgm:prSet presAssocID="{40C1D591-B11B-4E4D-9C68-45293C47F299}" presName="parentText" presStyleLbl="node1" presStyleIdx="4" presStyleCnt="5">
+      <dgm:prSet presAssocID="{40C1D591-B11B-4E4D-9C68-45293C47F299}" presName="parentText" presStyleLbl="node1" presStyleIdx="4" presStyleCnt="7">
         <dgm:presLayoutVars>
           <dgm:chMax val="0"/>
           <dgm:bulletEnabled val="1"/>
@@ -6076,7 +7080,73 @@
       <dgm:spPr/>
     </dgm:pt>
     <dgm:pt modelId="{EABA8A4C-415D-CC40-8CF4-64889A651834}" type="pres">
-      <dgm:prSet presAssocID="{40C1D591-B11B-4E4D-9C68-45293C47F299}" presName="childText" presStyleLbl="conFgAcc1" presStyleIdx="4" presStyleCnt="5">
+      <dgm:prSet presAssocID="{40C1D591-B11B-4E4D-9C68-45293C47F299}" presName="childText" presStyleLbl="conFgAcc1" presStyleIdx="4" presStyleCnt="7">
+        <dgm:presLayoutVars>
+          <dgm:bulletEnabled val="1"/>
+        </dgm:presLayoutVars>
+      </dgm:prSet>
+      <dgm:spPr/>
+    </dgm:pt>
+    <dgm:pt modelId="{97E56CB1-1126-664C-B110-573325333BD0}" type="pres">
+      <dgm:prSet presAssocID="{FB2637A3-DAD6-4BDF-99C9-E4C539C1E876}" presName="spaceBetweenRectangles" presStyleCnt="0"/>
+      <dgm:spPr/>
+    </dgm:pt>
+    <dgm:pt modelId="{FD8487E0-C98F-D948-93AF-2A8983A0E40F}" type="pres">
+      <dgm:prSet presAssocID="{0D50AF8D-0193-5046-B7D1-C5F5055C2126}" presName="parentLin" presStyleCnt="0"/>
+      <dgm:spPr/>
+    </dgm:pt>
+    <dgm:pt modelId="{46CCD42B-07AF-9445-A1EE-DD4D1C94F27A}" type="pres">
+      <dgm:prSet presAssocID="{0D50AF8D-0193-5046-B7D1-C5F5055C2126}" presName="parentLeftMargin" presStyleLbl="node1" presStyleIdx="4" presStyleCnt="7"/>
+      <dgm:spPr/>
+    </dgm:pt>
+    <dgm:pt modelId="{C3484555-9312-6F45-9156-69515D54769E}" type="pres">
+      <dgm:prSet presAssocID="{0D50AF8D-0193-5046-B7D1-C5F5055C2126}" presName="parentText" presStyleLbl="node1" presStyleIdx="5" presStyleCnt="7">
+        <dgm:presLayoutVars>
+          <dgm:chMax val="0"/>
+          <dgm:bulletEnabled val="1"/>
+        </dgm:presLayoutVars>
+      </dgm:prSet>
+      <dgm:spPr/>
+    </dgm:pt>
+    <dgm:pt modelId="{4A59489D-C4C2-3442-BD46-AE04AC99F890}" type="pres">
+      <dgm:prSet presAssocID="{0D50AF8D-0193-5046-B7D1-C5F5055C2126}" presName="negativeSpace" presStyleCnt="0"/>
+      <dgm:spPr/>
+    </dgm:pt>
+    <dgm:pt modelId="{321E9156-077A-B146-863C-B99DEAD1319E}" type="pres">
+      <dgm:prSet presAssocID="{0D50AF8D-0193-5046-B7D1-C5F5055C2126}" presName="childText" presStyleLbl="conFgAcc1" presStyleIdx="5" presStyleCnt="7">
+        <dgm:presLayoutVars>
+          <dgm:bulletEnabled val="1"/>
+        </dgm:presLayoutVars>
+      </dgm:prSet>
+      <dgm:spPr/>
+    </dgm:pt>
+    <dgm:pt modelId="{041989FE-BDDE-1A4D-AADC-AE507F0248AC}" type="pres">
+      <dgm:prSet presAssocID="{01878B94-3E17-8C44-8E9B-3B8D7494AF03}" presName="spaceBetweenRectangles" presStyleCnt="0"/>
+      <dgm:spPr/>
+    </dgm:pt>
+    <dgm:pt modelId="{F8E2DE9A-6A97-A940-BE02-D4A6CB15DDAC}" type="pres">
+      <dgm:prSet presAssocID="{57AE5D07-34C6-154D-9E7B-34452B072983}" presName="parentLin" presStyleCnt="0"/>
+      <dgm:spPr/>
+    </dgm:pt>
+    <dgm:pt modelId="{2ED7212F-5602-B643-B0A2-5950AA8FDB46}" type="pres">
+      <dgm:prSet presAssocID="{57AE5D07-34C6-154D-9E7B-34452B072983}" presName="parentLeftMargin" presStyleLbl="node1" presStyleIdx="5" presStyleCnt="7"/>
+      <dgm:spPr/>
+    </dgm:pt>
+    <dgm:pt modelId="{119D9613-4971-224C-807A-5598476639FF}" type="pres">
+      <dgm:prSet presAssocID="{57AE5D07-34C6-154D-9E7B-34452B072983}" presName="parentText" presStyleLbl="node1" presStyleIdx="6" presStyleCnt="7">
+        <dgm:presLayoutVars>
+          <dgm:chMax val="0"/>
+          <dgm:bulletEnabled val="1"/>
+        </dgm:presLayoutVars>
+      </dgm:prSet>
+      <dgm:spPr/>
+    </dgm:pt>
+    <dgm:pt modelId="{9448D71C-CF33-4A45-A9D2-222BDB48B3D5}" type="pres">
+      <dgm:prSet presAssocID="{57AE5D07-34C6-154D-9E7B-34452B072983}" presName="negativeSpace" presStyleCnt="0"/>
+      <dgm:spPr/>
+    </dgm:pt>
+    <dgm:pt modelId="{93A03F44-4DF3-C54D-9307-0AC96B21814F}" type="pres">
+      <dgm:prSet presAssocID="{57AE5D07-34C6-154D-9E7B-34452B072983}" presName="childText" presStyleLbl="conFgAcc1" presStyleIdx="6" presStyleCnt="7">
         <dgm:presLayoutVars>
           <dgm:bulletEnabled val="1"/>
         </dgm:presLayoutVars>
@@ -6085,10 +7155,16 @@
     </dgm:pt>
   </dgm:ptLst>
   <dgm:cxnLst>
+    <dgm:cxn modelId="{48496513-3137-3F4D-A3DB-D2C071E34549}" srcId="{9E8DF559-4505-4B9A-A74E-6647F53A5563}" destId="{57AE5D07-34C6-154D-9E7B-34452B072983}" srcOrd="6" destOrd="0" parTransId="{F74125FC-1F09-524B-8C0A-92CD8AFACFD1}" sibTransId="{FEF60D27-062D-6B49-BA68-E3EC12B8457B}"/>
+    <dgm:cxn modelId="{1CED3A15-B90A-654A-8B4F-CF3B4856AA5C}" type="presOf" srcId="{57AE5D07-34C6-154D-9E7B-34452B072983}" destId="{119D9613-4971-224C-807A-5598476639FF}" srcOrd="1" destOrd="0" presId="urn:microsoft.com/office/officeart/2005/8/layout/list1"/>
     <dgm:cxn modelId="{772F6320-565B-E64A-AEEA-1215FC0F7C8D}" type="presOf" srcId="{40C1D591-B11B-4E4D-9C68-45293C47F299}" destId="{D6D25475-0268-B74D-AEF7-F5AB8490AC06}" srcOrd="0" destOrd="0" presId="urn:microsoft.com/office/officeart/2005/8/layout/list1"/>
+    <dgm:cxn modelId="{E8DB9222-AE5E-1C4F-B100-CBCE3944A0F7}" type="presOf" srcId="{0D50AF8D-0193-5046-B7D1-C5F5055C2126}" destId="{46CCD42B-07AF-9445-A1EE-DD4D1C94F27A}" srcOrd="0" destOrd="0" presId="urn:microsoft.com/office/officeart/2005/8/layout/list1"/>
     <dgm:cxn modelId="{4FD03C2A-8754-45ED-B2B8-625F9361B09E}" srcId="{9E8DF559-4505-4B9A-A74E-6647F53A5563}" destId="{40C1D591-B11B-4E4D-9C68-45293C47F299}" srcOrd="4" destOrd="0" parTransId="{6FDDB3D0-D185-48AF-A2A5-B210D4F338A4}" sibTransId="{FB2637A3-DAD6-4BDF-99C9-E4C539C1E876}"/>
+    <dgm:cxn modelId="{C5E64E2B-B49D-9444-9745-2DD5547DA55D}" type="presOf" srcId="{57AE5D07-34C6-154D-9E7B-34452B072983}" destId="{2ED7212F-5602-B643-B0A2-5950AA8FDB46}" srcOrd="0" destOrd="0" presId="urn:microsoft.com/office/officeart/2005/8/layout/list1"/>
     <dgm:cxn modelId="{6D62EA2C-A1C8-DF41-8728-2A69338062FB}" type="presOf" srcId="{9E8DF559-4505-4B9A-A74E-6647F53A5563}" destId="{4A92E6FA-35C1-5248-9B6A-8D925D16C972}" srcOrd="0" destOrd="0" presId="urn:microsoft.com/office/officeart/2005/8/layout/list1"/>
+    <dgm:cxn modelId="{3C40E640-E2CB-2C4F-B3D7-D769E22DB771}" type="presOf" srcId="{0D50AF8D-0193-5046-B7D1-C5F5055C2126}" destId="{C3484555-9312-6F45-9156-69515D54769E}" srcOrd="1" destOrd="0" presId="urn:microsoft.com/office/officeart/2005/8/layout/list1"/>
     <dgm:cxn modelId="{FADAF241-DC53-F846-9721-ED95BB698677}" type="presOf" srcId="{0E18A033-5DB2-4CBB-BBC1-361F84448EB4}" destId="{F6840322-AB6B-F940-B4AE-642F62D6D354}" srcOrd="1" destOrd="0" presId="urn:microsoft.com/office/officeart/2005/8/layout/list1"/>
+    <dgm:cxn modelId="{6B2C9742-3A04-5B4B-BEBC-0CA0A84B5D90}" srcId="{9E8DF559-4505-4B9A-A74E-6647F53A5563}" destId="{0D50AF8D-0193-5046-B7D1-C5F5055C2126}" srcOrd="5" destOrd="0" parTransId="{FE05C52D-3AE3-BB47-9CAA-C4D9935DD981}" sibTransId="{01878B94-3E17-8C44-8E9B-3B8D7494AF03}"/>
     <dgm:cxn modelId="{7891D347-68F3-4849-9CBA-13097ACD3D04}" srcId="{9E8DF559-4505-4B9A-A74E-6647F53A5563}" destId="{808E479C-63E2-4021-95B9-698F7A19D2EA}" srcOrd="1" destOrd="0" parTransId="{85D9D2E4-5BAA-4FBF-A00C-B945809644CE}" sibTransId="{7116486A-78C0-49C8-8EE8-88CFFF848788}"/>
     <dgm:cxn modelId="{DA6ADE57-749A-E741-91EA-9ED385A4AE6B}" type="presOf" srcId="{9D0E5785-66C7-4610-BC8C-662A739CF834}" destId="{463ED2F5-68BB-E84B-8C10-352AFD59AE3E}" srcOrd="0" destOrd="0" presId="urn:microsoft.com/office/officeart/2005/8/layout/list1"/>
     <dgm:cxn modelId="{66F85A73-C553-F949-B7F7-78F687D58847}" type="presOf" srcId="{808E479C-63E2-4021-95B9-698F7A19D2EA}" destId="{111C4045-6FBD-AE43-8956-D89E4641422D}" srcOrd="0" destOrd="0" presId="urn:microsoft.com/office/officeart/2005/8/layout/list1"/>
@@ -6130,6 +7206,18 @@
     <dgm:cxn modelId="{82D5C5F7-4F53-514D-B201-7AA9DA169745}" type="presParOf" srcId="{19BC301E-33AA-4945-9397-1F770451A363}" destId="{C7CF2F9A-D66F-A64C-B5A5-52AFD592FC7B}" srcOrd="1" destOrd="0" presId="urn:microsoft.com/office/officeart/2005/8/layout/list1"/>
     <dgm:cxn modelId="{AC8A3FFE-6E4C-A849-AEFD-C284053667D0}" type="presParOf" srcId="{4A92E6FA-35C1-5248-9B6A-8D925D16C972}" destId="{BF62DB4D-B95C-5F46-BFE8-73887DEA497C}" srcOrd="17" destOrd="0" presId="urn:microsoft.com/office/officeart/2005/8/layout/list1"/>
     <dgm:cxn modelId="{324BA855-B639-9848-8D5F-C628D3B959A6}" type="presParOf" srcId="{4A92E6FA-35C1-5248-9B6A-8D925D16C972}" destId="{EABA8A4C-415D-CC40-8CF4-64889A651834}" srcOrd="18" destOrd="0" presId="urn:microsoft.com/office/officeart/2005/8/layout/list1"/>
+    <dgm:cxn modelId="{F207E8FF-003E-3340-B830-EEA9157CDC33}" type="presParOf" srcId="{4A92E6FA-35C1-5248-9B6A-8D925D16C972}" destId="{97E56CB1-1126-664C-B110-573325333BD0}" srcOrd="19" destOrd="0" presId="urn:microsoft.com/office/officeart/2005/8/layout/list1"/>
+    <dgm:cxn modelId="{4E86233E-2C2F-5A43-99DC-A2E6AB334289}" type="presParOf" srcId="{4A92E6FA-35C1-5248-9B6A-8D925D16C972}" destId="{FD8487E0-C98F-D948-93AF-2A8983A0E40F}" srcOrd="20" destOrd="0" presId="urn:microsoft.com/office/officeart/2005/8/layout/list1"/>
+    <dgm:cxn modelId="{C48D044D-B0C8-4B44-89DF-0ECA65BD8C69}" type="presParOf" srcId="{FD8487E0-C98F-D948-93AF-2A8983A0E40F}" destId="{46CCD42B-07AF-9445-A1EE-DD4D1C94F27A}" srcOrd="0" destOrd="0" presId="urn:microsoft.com/office/officeart/2005/8/layout/list1"/>
+    <dgm:cxn modelId="{547FDF8B-E5BD-A248-8898-D0332FF315F3}" type="presParOf" srcId="{FD8487E0-C98F-D948-93AF-2A8983A0E40F}" destId="{C3484555-9312-6F45-9156-69515D54769E}" srcOrd="1" destOrd="0" presId="urn:microsoft.com/office/officeart/2005/8/layout/list1"/>
+    <dgm:cxn modelId="{E260F7FC-D76D-934F-AD7A-2C57B9660496}" type="presParOf" srcId="{4A92E6FA-35C1-5248-9B6A-8D925D16C972}" destId="{4A59489D-C4C2-3442-BD46-AE04AC99F890}" srcOrd="21" destOrd="0" presId="urn:microsoft.com/office/officeart/2005/8/layout/list1"/>
+    <dgm:cxn modelId="{AB2D94BE-4FA2-4D4A-84AE-99EEB49E0DC8}" type="presParOf" srcId="{4A92E6FA-35C1-5248-9B6A-8D925D16C972}" destId="{321E9156-077A-B146-863C-B99DEAD1319E}" srcOrd="22" destOrd="0" presId="urn:microsoft.com/office/officeart/2005/8/layout/list1"/>
+    <dgm:cxn modelId="{AF67D9A6-5CC8-8D4B-8496-2CD719CD7814}" type="presParOf" srcId="{4A92E6FA-35C1-5248-9B6A-8D925D16C972}" destId="{041989FE-BDDE-1A4D-AADC-AE507F0248AC}" srcOrd="23" destOrd="0" presId="urn:microsoft.com/office/officeart/2005/8/layout/list1"/>
+    <dgm:cxn modelId="{52EE028F-7D59-FB42-B710-6C63CC46BF92}" type="presParOf" srcId="{4A92E6FA-35C1-5248-9B6A-8D925D16C972}" destId="{F8E2DE9A-6A97-A940-BE02-D4A6CB15DDAC}" srcOrd="24" destOrd="0" presId="urn:microsoft.com/office/officeart/2005/8/layout/list1"/>
+    <dgm:cxn modelId="{7664F04E-A8C7-684E-9229-7A6239224F10}" type="presParOf" srcId="{F8E2DE9A-6A97-A940-BE02-D4A6CB15DDAC}" destId="{2ED7212F-5602-B643-B0A2-5950AA8FDB46}" srcOrd="0" destOrd="0" presId="urn:microsoft.com/office/officeart/2005/8/layout/list1"/>
+    <dgm:cxn modelId="{57B8F87C-B63F-F846-9C3D-AF49E4634B5E}" type="presParOf" srcId="{F8E2DE9A-6A97-A940-BE02-D4A6CB15DDAC}" destId="{119D9613-4971-224C-807A-5598476639FF}" srcOrd="1" destOrd="0" presId="urn:microsoft.com/office/officeart/2005/8/layout/list1"/>
+    <dgm:cxn modelId="{8A08DFE8-FDB6-8B48-87D1-26529E319DAD}" type="presParOf" srcId="{4A92E6FA-35C1-5248-9B6A-8D925D16C972}" destId="{9448D71C-CF33-4A45-A9D2-222BDB48B3D5}" srcOrd="25" destOrd="0" presId="urn:microsoft.com/office/officeart/2005/8/layout/list1"/>
+    <dgm:cxn modelId="{D88A8692-2AB5-204A-9F98-DDFD43015696}" type="presParOf" srcId="{4A92E6FA-35C1-5248-9B6A-8D925D16C972}" destId="{93A03F44-4DF3-C54D-9307-0AC96B21814F}" srcOrd="26" destOrd="0" presId="urn:microsoft.com/office/officeart/2005/8/layout/list1"/>
   </dgm:cxnLst>
   <dgm:bg/>
   <dgm:whole/>
@@ -8747,6 +9835,392 @@
 </dgm:dataModel>
 </file>
 
+<file path=ppt/diagrams/data8.xml><?xml version="1.0" encoding="utf-8"?>
+<dgm:dataModel xmlns:dgm="http://schemas.openxmlformats.org/drawingml/2006/diagram" xmlns:a="http://schemas.openxmlformats.org/drawingml/2006/main">
+  <dgm:ptLst>
+    <dgm:pt modelId="{7D835FE7-9C3A-4869-87A8-EB0BC34B6152}" type="doc">
+      <dgm:prSet loTypeId="urn:microsoft.com/office/officeart/2008/layout/LinedList" loCatId="list" qsTypeId="urn:microsoft.com/office/officeart/2005/8/quickstyle/simple1" qsCatId="simple" csTypeId="urn:microsoft.com/office/officeart/2005/8/colors/colorful1" csCatId="colorful"/>
+      <dgm:spPr/>
+      <dgm:t>
+        <a:bodyPr/>
+        <a:lstStyle/>
+        <a:p>
+          <a:endParaRPr lang="en-US"/>
+        </a:p>
+      </dgm:t>
+    </dgm:pt>
+    <dgm:pt modelId="{7BE90733-957B-4D82-AA72-BAC8BAE4CB6E}">
+      <dgm:prSet/>
+      <dgm:spPr/>
+      <dgm:t>
+        <a:bodyPr/>
+        <a:lstStyle/>
+        <a:p>
+          <a:r>
+            <a:rPr lang="en-US"/>
+            <a:t>Loading data</a:t>
+          </a:r>
+        </a:p>
+      </dgm:t>
+    </dgm:pt>
+    <dgm:pt modelId="{AB0B0BE8-5093-4FA6-9488-8790C93C61F8}" type="parTrans" cxnId="{597A6657-C932-4A53-A444-7867E07E3104}">
+      <dgm:prSet/>
+      <dgm:spPr/>
+      <dgm:t>
+        <a:bodyPr/>
+        <a:lstStyle/>
+        <a:p>
+          <a:endParaRPr lang="en-US"/>
+        </a:p>
+      </dgm:t>
+    </dgm:pt>
+    <dgm:pt modelId="{A25AC332-ECCD-4882-A3D8-62BE0B1B514A}" type="sibTrans" cxnId="{597A6657-C932-4A53-A444-7867E07E3104}">
+      <dgm:prSet/>
+      <dgm:spPr/>
+      <dgm:t>
+        <a:bodyPr/>
+        <a:lstStyle/>
+        <a:p>
+          <a:endParaRPr lang="en-US"/>
+        </a:p>
+      </dgm:t>
+    </dgm:pt>
+    <dgm:pt modelId="{5113A63D-09EA-471F-8512-FE37D30DB7C8}">
+      <dgm:prSet/>
+      <dgm:spPr/>
+      <dgm:t>
+        <a:bodyPr/>
+        <a:lstStyle/>
+        <a:p>
+          <a:r>
+            <a:rPr lang="en-US"/>
+            <a:t>Copying data</a:t>
+          </a:r>
+        </a:p>
+      </dgm:t>
+    </dgm:pt>
+    <dgm:pt modelId="{E91F6911-598E-444F-98CF-B0BE20A68DF9}" type="parTrans" cxnId="{5CF089E6-F310-49F2-90F3-90447CCD3B1A}">
+      <dgm:prSet/>
+      <dgm:spPr/>
+      <dgm:t>
+        <a:bodyPr/>
+        <a:lstStyle/>
+        <a:p>
+          <a:endParaRPr lang="en-US"/>
+        </a:p>
+      </dgm:t>
+    </dgm:pt>
+    <dgm:pt modelId="{97613506-218E-4314-B448-8D752B39324B}" type="sibTrans" cxnId="{5CF089E6-F310-49F2-90F3-90447CCD3B1A}">
+      <dgm:prSet/>
+      <dgm:spPr/>
+      <dgm:t>
+        <a:bodyPr/>
+        <a:lstStyle/>
+        <a:p>
+          <a:endParaRPr lang="en-US"/>
+        </a:p>
+      </dgm:t>
+    </dgm:pt>
+    <dgm:pt modelId="{B7F11050-2D08-4BE5-AFA4-8591C24839ED}">
+      <dgm:prSet/>
+      <dgm:spPr/>
+      <dgm:t>
+        <a:bodyPr/>
+        <a:lstStyle/>
+        <a:p>
+          <a:r>
+            <a:rPr lang="en-US"/>
+            <a:t>Exporting data</a:t>
+          </a:r>
+        </a:p>
+      </dgm:t>
+    </dgm:pt>
+    <dgm:pt modelId="{019C94F3-4B11-4DD8-895C-8E0986D8F424}" type="parTrans" cxnId="{C0A2A226-54DC-4DBA-85DB-43D7ACA4C99D}">
+      <dgm:prSet/>
+      <dgm:spPr/>
+      <dgm:t>
+        <a:bodyPr/>
+        <a:lstStyle/>
+        <a:p>
+          <a:endParaRPr lang="en-US"/>
+        </a:p>
+      </dgm:t>
+    </dgm:pt>
+    <dgm:pt modelId="{F29C560E-F472-49A6-8648-3346308E112A}" type="sibTrans" cxnId="{C0A2A226-54DC-4DBA-85DB-43D7ACA4C99D}">
+      <dgm:prSet/>
+      <dgm:spPr/>
+      <dgm:t>
+        <a:bodyPr/>
+        <a:lstStyle/>
+        <a:p>
+          <a:endParaRPr lang="en-US"/>
+        </a:p>
+      </dgm:t>
+    </dgm:pt>
+    <dgm:pt modelId="{F4440B76-3444-4509-AE4D-E3E3274F91E5}">
+      <dgm:prSet/>
+      <dgm:spPr/>
+      <dgm:t>
+        <a:bodyPr/>
+        <a:lstStyle/>
+        <a:p>
+          <a:r>
+            <a:rPr lang="en-US"/>
+            <a:t>Delete datasets</a:t>
+          </a:r>
+        </a:p>
+      </dgm:t>
+    </dgm:pt>
+    <dgm:pt modelId="{E81C2F54-0478-4793-8AF5-05271DC702BD}" type="parTrans" cxnId="{C09FE33D-1450-44A9-8757-3F2648148037}">
+      <dgm:prSet/>
+      <dgm:spPr/>
+      <dgm:t>
+        <a:bodyPr/>
+        <a:lstStyle/>
+        <a:p>
+          <a:endParaRPr lang="en-US"/>
+        </a:p>
+      </dgm:t>
+    </dgm:pt>
+    <dgm:pt modelId="{74DC16D6-B3C5-40CC-BCF6-24B283D3922B}" type="sibTrans" cxnId="{C09FE33D-1450-44A9-8757-3F2648148037}">
+      <dgm:prSet/>
+      <dgm:spPr/>
+      <dgm:t>
+        <a:bodyPr/>
+        <a:lstStyle/>
+        <a:p>
+          <a:endParaRPr lang="en-US"/>
+        </a:p>
+      </dgm:t>
+    </dgm:pt>
+    <dgm:pt modelId="{DE25909F-FD63-4FDC-AD2F-170797B9D088}">
+      <dgm:prSet/>
+      <dgm:spPr/>
+      <dgm:t>
+        <a:bodyPr/>
+        <a:lstStyle/>
+        <a:p>
+          <a:r>
+            <a:rPr lang="en-US"/>
+            <a:t>Delete tables, views, partitions</a:t>
+          </a:r>
+        </a:p>
+      </dgm:t>
+    </dgm:pt>
+    <dgm:pt modelId="{9A62EBCA-7A12-47C1-B017-B690B1A274C4}" type="parTrans" cxnId="{4F77600A-D8E1-41DA-8A2F-54D1F2B25F4C}">
+      <dgm:prSet/>
+      <dgm:spPr/>
+      <dgm:t>
+        <a:bodyPr/>
+        <a:lstStyle/>
+        <a:p>
+          <a:endParaRPr lang="en-US"/>
+        </a:p>
+      </dgm:t>
+    </dgm:pt>
+    <dgm:pt modelId="{C2A1270B-F98C-4ECC-93C4-9BADB19990E4}" type="sibTrans" cxnId="{4F77600A-D8E1-41DA-8A2F-54D1F2B25F4C}">
+      <dgm:prSet/>
+      <dgm:spPr/>
+      <dgm:t>
+        <a:bodyPr/>
+        <a:lstStyle/>
+        <a:p>
+          <a:endParaRPr lang="en-US"/>
+        </a:p>
+      </dgm:t>
+    </dgm:pt>
+    <dgm:pt modelId="{7B917C57-688A-4A57-9777-2ED1C03E63FE}">
+      <dgm:prSet/>
+      <dgm:spPr/>
+      <dgm:t>
+        <a:bodyPr/>
+        <a:lstStyle/>
+        <a:p>
+          <a:r>
+            <a:rPr lang="en-US"/>
+            <a:t>Metadata operations</a:t>
+          </a:r>
+        </a:p>
+      </dgm:t>
+    </dgm:pt>
+    <dgm:pt modelId="{233CFDE4-170B-4CDC-9153-4E9CB887DDAF}" type="parTrans" cxnId="{6CA39C16-1780-4489-B4AE-2DF058E11842}">
+      <dgm:prSet/>
+      <dgm:spPr/>
+      <dgm:t>
+        <a:bodyPr/>
+        <a:lstStyle/>
+        <a:p>
+          <a:endParaRPr lang="en-US"/>
+        </a:p>
+      </dgm:t>
+    </dgm:pt>
+    <dgm:pt modelId="{D2D1E7F5-BC5E-4153-9379-90AD71684509}" type="sibTrans" cxnId="{6CA39C16-1780-4489-B4AE-2DF058E11842}">
+      <dgm:prSet/>
+      <dgm:spPr/>
+      <dgm:t>
+        <a:bodyPr/>
+        <a:lstStyle/>
+        <a:p>
+          <a:endParaRPr lang="en-US"/>
+        </a:p>
+      </dgm:t>
+    </dgm:pt>
+    <dgm:pt modelId="{7B095647-3E56-794A-81DD-7E3CECD6CB1E}" type="pres">
+      <dgm:prSet presAssocID="{7D835FE7-9C3A-4869-87A8-EB0BC34B6152}" presName="vert0" presStyleCnt="0">
+        <dgm:presLayoutVars>
+          <dgm:dir/>
+          <dgm:animOne val="branch"/>
+          <dgm:animLvl val="lvl"/>
+        </dgm:presLayoutVars>
+      </dgm:prSet>
+      <dgm:spPr/>
+    </dgm:pt>
+    <dgm:pt modelId="{A1AB71AC-916A-404A-ABD4-586D5D2F26E8}" type="pres">
+      <dgm:prSet presAssocID="{7BE90733-957B-4D82-AA72-BAC8BAE4CB6E}" presName="thickLine" presStyleLbl="alignNode1" presStyleIdx="0" presStyleCnt="6"/>
+      <dgm:spPr/>
+    </dgm:pt>
+    <dgm:pt modelId="{1465B93E-BD9F-A54B-B274-ECA0A88FA3CD}" type="pres">
+      <dgm:prSet presAssocID="{7BE90733-957B-4D82-AA72-BAC8BAE4CB6E}" presName="horz1" presStyleCnt="0"/>
+      <dgm:spPr/>
+    </dgm:pt>
+    <dgm:pt modelId="{90D8E9A2-53C1-3E44-9200-1F635D03BD43}" type="pres">
+      <dgm:prSet presAssocID="{7BE90733-957B-4D82-AA72-BAC8BAE4CB6E}" presName="tx1" presStyleLbl="revTx" presStyleIdx="0" presStyleCnt="6"/>
+      <dgm:spPr/>
+    </dgm:pt>
+    <dgm:pt modelId="{911D3358-6E06-1548-B40D-AA021B12B4D2}" type="pres">
+      <dgm:prSet presAssocID="{7BE90733-957B-4D82-AA72-BAC8BAE4CB6E}" presName="vert1" presStyleCnt="0"/>
+      <dgm:spPr/>
+    </dgm:pt>
+    <dgm:pt modelId="{CC898A65-5263-5B46-BC83-DFC8F29E4668}" type="pres">
+      <dgm:prSet presAssocID="{5113A63D-09EA-471F-8512-FE37D30DB7C8}" presName="thickLine" presStyleLbl="alignNode1" presStyleIdx="1" presStyleCnt="6"/>
+      <dgm:spPr/>
+    </dgm:pt>
+    <dgm:pt modelId="{B914DCF7-9106-3B4C-B12B-D43D1B949D4C}" type="pres">
+      <dgm:prSet presAssocID="{5113A63D-09EA-471F-8512-FE37D30DB7C8}" presName="horz1" presStyleCnt="0"/>
+      <dgm:spPr/>
+    </dgm:pt>
+    <dgm:pt modelId="{0BE6CA97-C531-4C46-8DF6-B8CD6AA7342A}" type="pres">
+      <dgm:prSet presAssocID="{5113A63D-09EA-471F-8512-FE37D30DB7C8}" presName="tx1" presStyleLbl="revTx" presStyleIdx="1" presStyleCnt="6"/>
+      <dgm:spPr/>
+    </dgm:pt>
+    <dgm:pt modelId="{0B406E03-2E4B-5A46-9447-AE44FBE041D4}" type="pres">
+      <dgm:prSet presAssocID="{5113A63D-09EA-471F-8512-FE37D30DB7C8}" presName="vert1" presStyleCnt="0"/>
+      <dgm:spPr/>
+    </dgm:pt>
+    <dgm:pt modelId="{8DB66B5A-CF7C-4D43-853D-444720CAD9A0}" type="pres">
+      <dgm:prSet presAssocID="{B7F11050-2D08-4BE5-AFA4-8591C24839ED}" presName="thickLine" presStyleLbl="alignNode1" presStyleIdx="2" presStyleCnt="6"/>
+      <dgm:spPr/>
+    </dgm:pt>
+    <dgm:pt modelId="{04EDD70C-9077-9943-9E54-C0927AEE1833}" type="pres">
+      <dgm:prSet presAssocID="{B7F11050-2D08-4BE5-AFA4-8591C24839ED}" presName="horz1" presStyleCnt="0"/>
+      <dgm:spPr/>
+    </dgm:pt>
+    <dgm:pt modelId="{0CF107AF-CEFD-5148-97A5-BB137EAB729C}" type="pres">
+      <dgm:prSet presAssocID="{B7F11050-2D08-4BE5-AFA4-8591C24839ED}" presName="tx1" presStyleLbl="revTx" presStyleIdx="2" presStyleCnt="6"/>
+      <dgm:spPr/>
+    </dgm:pt>
+    <dgm:pt modelId="{859771C4-AC44-CA44-ABDD-FA90492F8900}" type="pres">
+      <dgm:prSet presAssocID="{B7F11050-2D08-4BE5-AFA4-8591C24839ED}" presName="vert1" presStyleCnt="0"/>
+      <dgm:spPr/>
+    </dgm:pt>
+    <dgm:pt modelId="{45EF046B-7A7F-CC4D-8096-5BA7087A7ADD}" type="pres">
+      <dgm:prSet presAssocID="{F4440B76-3444-4509-AE4D-E3E3274F91E5}" presName="thickLine" presStyleLbl="alignNode1" presStyleIdx="3" presStyleCnt="6"/>
+      <dgm:spPr/>
+    </dgm:pt>
+    <dgm:pt modelId="{A68687BD-D5C9-6B4B-A4E4-C2D0DC3B05D5}" type="pres">
+      <dgm:prSet presAssocID="{F4440B76-3444-4509-AE4D-E3E3274F91E5}" presName="horz1" presStyleCnt="0"/>
+      <dgm:spPr/>
+    </dgm:pt>
+    <dgm:pt modelId="{F40E0179-09C3-EF47-8C8E-D4012DADB7B7}" type="pres">
+      <dgm:prSet presAssocID="{F4440B76-3444-4509-AE4D-E3E3274F91E5}" presName="tx1" presStyleLbl="revTx" presStyleIdx="3" presStyleCnt="6"/>
+      <dgm:spPr/>
+    </dgm:pt>
+    <dgm:pt modelId="{743E2F8C-89FA-924E-8626-A5FD7F055DD4}" type="pres">
+      <dgm:prSet presAssocID="{F4440B76-3444-4509-AE4D-E3E3274F91E5}" presName="vert1" presStyleCnt="0"/>
+      <dgm:spPr/>
+    </dgm:pt>
+    <dgm:pt modelId="{C7CD3187-A9C1-EE4D-AA35-CA4979C56306}" type="pres">
+      <dgm:prSet presAssocID="{DE25909F-FD63-4FDC-AD2F-170797B9D088}" presName="thickLine" presStyleLbl="alignNode1" presStyleIdx="4" presStyleCnt="6"/>
+      <dgm:spPr/>
+    </dgm:pt>
+    <dgm:pt modelId="{64E58537-3662-0D45-8EE0-F8D8C788F3FE}" type="pres">
+      <dgm:prSet presAssocID="{DE25909F-FD63-4FDC-AD2F-170797B9D088}" presName="horz1" presStyleCnt="0"/>
+      <dgm:spPr/>
+    </dgm:pt>
+    <dgm:pt modelId="{86F7F519-9C1C-FB4D-83A7-7FFF2454F95D}" type="pres">
+      <dgm:prSet presAssocID="{DE25909F-FD63-4FDC-AD2F-170797B9D088}" presName="tx1" presStyleLbl="revTx" presStyleIdx="4" presStyleCnt="6"/>
+      <dgm:spPr/>
+    </dgm:pt>
+    <dgm:pt modelId="{A5038D69-952D-3D42-A7A6-3D5E8F91DB65}" type="pres">
+      <dgm:prSet presAssocID="{DE25909F-FD63-4FDC-AD2F-170797B9D088}" presName="vert1" presStyleCnt="0"/>
+      <dgm:spPr/>
+    </dgm:pt>
+    <dgm:pt modelId="{E0298913-EDCC-204B-92B0-174DBB50A59D}" type="pres">
+      <dgm:prSet presAssocID="{7B917C57-688A-4A57-9777-2ED1C03E63FE}" presName="thickLine" presStyleLbl="alignNode1" presStyleIdx="5" presStyleCnt="6"/>
+      <dgm:spPr/>
+    </dgm:pt>
+    <dgm:pt modelId="{5C444D15-7079-5A49-BB13-E8867662EB97}" type="pres">
+      <dgm:prSet presAssocID="{7B917C57-688A-4A57-9777-2ED1C03E63FE}" presName="horz1" presStyleCnt="0"/>
+      <dgm:spPr/>
+    </dgm:pt>
+    <dgm:pt modelId="{9F726D98-6751-3745-8B94-B626146D23F3}" type="pres">
+      <dgm:prSet presAssocID="{7B917C57-688A-4A57-9777-2ED1C03E63FE}" presName="tx1" presStyleLbl="revTx" presStyleIdx="5" presStyleCnt="6"/>
+      <dgm:spPr/>
+    </dgm:pt>
+    <dgm:pt modelId="{065EFD08-1BAB-5043-8F97-9CBE3A7E2E20}" type="pres">
+      <dgm:prSet presAssocID="{7B917C57-688A-4A57-9777-2ED1C03E63FE}" presName="vert1" presStyleCnt="0"/>
+      <dgm:spPr/>
+    </dgm:pt>
+  </dgm:ptLst>
+  <dgm:cxnLst>
+    <dgm:cxn modelId="{4F77600A-D8E1-41DA-8A2F-54D1F2B25F4C}" srcId="{7D835FE7-9C3A-4869-87A8-EB0BC34B6152}" destId="{DE25909F-FD63-4FDC-AD2F-170797B9D088}" srcOrd="4" destOrd="0" parTransId="{9A62EBCA-7A12-47C1-B017-B690B1A274C4}" sibTransId="{C2A1270B-F98C-4ECC-93C4-9BADB19990E4}"/>
+    <dgm:cxn modelId="{79E57913-2689-3941-B8BC-B81C9A8CA106}" type="presOf" srcId="{DE25909F-FD63-4FDC-AD2F-170797B9D088}" destId="{86F7F519-9C1C-FB4D-83A7-7FFF2454F95D}" srcOrd="0" destOrd="0" presId="urn:microsoft.com/office/officeart/2008/layout/LinedList"/>
+    <dgm:cxn modelId="{6CA39C16-1780-4489-B4AE-2DF058E11842}" srcId="{7D835FE7-9C3A-4869-87A8-EB0BC34B6152}" destId="{7B917C57-688A-4A57-9777-2ED1C03E63FE}" srcOrd="5" destOrd="0" parTransId="{233CFDE4-170B-4CDC-9153-4E9CB887DDAF}" sibTransId="{D2D1E7F5-BC5E-4153-9379-90AD71684509}"/>
+    <dgm:cxn modelId="{C0A2A226-54DC-4DBA-85DB-43D7ACA4C99D}" srcId="{7D835FE7-9C3A-4869-87A8-EB0BC34B6152}" destId="{B7F11050-2D08-4BE5-AFA4-8591C24839ED}" srcOrd="2" destOrd="0" parTransId="{019C94F3-4B11-4DD8-895C-8E0986D8F424}" sibTransId="{F29C560E-F472-49A6-8648-3346308E112A}"/>
+    <dgm:cxn modelId="{C09FE33D-1450-44A9-8757-3F2648148037}" srcId="{7D835FE7-9C3A-4869-87A8-EB0BC34B6152}" destId="{F4440B76-3444-4509-AE4D-E3E3274F91E5}" srcOrd="3" destOrd="0" parTransId="{E81C2F54-0478-4793-8AF5-05271DC702BD}" sibTransId="{74DC16D6-B3C5-40CC-BCF6-24B283D3922B}"/>
+    <dgm:cxn modelId="{597A6657-C932-4A53-A444-7867E07E3104}" srcId="{7D835FE7-9C3A-4869-87A8-EB0BC34B6152}" destId="{7BE90733-957B-4D82-AA72-BAC8BAE4CB6E}" srcOrd="0" destOrd="0" parTransId="{AB0B0BE8-5093-4FA6-9488-8790C93C61F8}" sibTransId="{A25AC332-ECCD-4882-A3D8-62BE0B1B514A}"/>
+    <dgm:cxn modelId="{8AA0D280-A2DE-0A46-BDCD-EC07A8110E5A}" type="presOf" srcId="{F4440B76-3444-4509-AE4D-E3E3274F91E5}" destId="{F40E0179-09C3-EF47-8C8E-D4012DADB7B7}" srcOrd="0" destOrd="0" presId="urn:microsoft.com/office/officeart/2008/layout/LinedList"/>
+    <dgm:cxn modelId="{B2A4FF82-AF08-244B-8985-7475097DBCB8}" type="presOf" srcId="{7B917C57-688A-4A57-9777-2ED1C03E63FE}" destId="{9F726D98-6751-3745-8B94-B626146D23F3}" srcOrd="0" destOrd="0" presId="urn:microsoft.com/office/officeart/2008/layout/LinedList"/>
+    <dgm:cxn modelId="{A95A07B4-909E-944B-AC0C-A405DDCBE68A}" type="presOf" srcId="{B7F11050-2D08-4BE5-AFA4-8591C24839ED}" destId="{0CF107AF-CEFD-5148-97A5-BB137EAB729C}" srcOrd="0" destOrd="0" presId="urn:microsoft.com/office/officeart/2008/layout/LinedList"/>
+    <dgm:cxn modelId="{697C07CC-2FB4-2746-A645-5241DA0DB360}" type="presOf" srcId="{7D835FE7-9C3A-4869-87A8-EB0BC34B6152}" destId="{7B095647-3E56-794A-81DD-7E3CECD6CB1E}" srcOrd="0" destOrd="0" presId="urn:microsoft.com/office/officeart/2008/layout/LinedList"/>
+    <dgm:cxn modelId="{54FA77CF-15C2-604B-95FD-4588CEDD7E29}" type="presOf" srcId="{5113A63D-09EA-471F-8512-FE37D30DB7C8}" destId="{0BE6CA97-C531-4C46-8DF6-B8CD6AA7342A}" srcOrd="0" destOrd="0" presId="urn:microsoft.com/office/officeart/2008/layout/LinedList"/>
+    <dgm:cxn modelId="{2D20D4D6-92FF-3746-AB7E-768AFA892606}" type="presOf" srcId="{7BE90733-957B-4D82-AA72-BAC8BAE4CB6E}" destId="{90D8E9A2-53C1-3E44-9200-1F635D03BD43}" srcOrd="0" destOrd="0" presId="urn:microsoft.com/office/officeart/2008/layout/LinedList"/>
+    <dgm:cxn modelId="{5CF089E6-F310-49F2-90F3-90447CCD3B1A}" srcId="{7D835FE7-9C3A-4869-87A8-EB0BC34B6152}" destId="{5113A63D-09EA-471F-8512-FE37D30DB7C8}" srcOrd="1" destOrd="0" parTransId="{E91F6911-598E-444F-98CF-B0BE20A68DF9}" sibTransId="{97613506-218E-4314-B448-8D752B39324B}"/>
+    <dgm:cxn modelId="{CE1E5673-789A-0645-9949-B1ABE5EF671F}" type="presParOf" srcId="{7B095647-3E56-794A-81DD-7E3CECD6CB1E}" destId="{A1AB71AC-916A-404A-ABD4-586D5D2F26E8}" srcOrd="0" destOrd="0" presId="urn:microsoft.com/office/officeart/2008/layout/LinedList"/>
+    <dgm:cxn modelId="{16F48B88-C061-2547-80C3-FF6DDC23838D}" type="presParOf" srcId="{7B095647-3E56-794A-81DD-7E3CECD6CB1E}" destId="{1465B93E-BD9F-A54B-B274-ECA0A88FA3CD}" srcOrd="1" destOrd="0" presId="urn:microsoft.com/office/officeart/2008/layout/LinedList"/>
+    <dgm:cxn modelId="{DF071B28-1F2A-0F45-AF55-B74422088DC7}" type="presParOf" srcId="{1465B93E-BD9F-A54B-B274-ECA0A88FA3CD}" destId="{90D8E9A2-53C1-3E44-9200-1F635D03BD43}" srcOrd="0" destOrd="0" presId="urn:microsoft.com/office/officeart/2008/layout/LinedList"/>
+    <dgm:cxn modelId="{6D58E766-B62A-8C48-A473-923C99DCF86D}" type="presParOf" srcId="{1465B93E-BD9F-A54B-B274-ECA0A88FA3CD}" destId="{911D3358-6E06-1548-B40D-AA021B12B4D2}" srcOrd="1" destOrd="0" presId="urn:microsoft.com/office/officeart/2008/layout/LinedList"/>
+    <dgm:cxn modelId="{FC8F8F6D-E4DC-AB42-A148-FD6735198F0C}" type="presParOf" srcId="{7B095647-3E56-794A-81DD-7E3CECD6CB1E}" destId="{CC898A65-5263-5B46-BC83-DFC8F29E4668}" srcOrd="2" destOrd="0" presId="urn:microsoft.com/office/officeart/2008/layout/LinedList"/>
+    <dgm:cxn modelId="{DBDC8BF8-9A41-F44E-946C-2BF6488C347E}" type="presParOf" srcId="{7B095647-3E56-794A-81DD-7E3CECD6CB1E}" destId="{B914DCF7-9106-3B4C-B12B-D43D1B949D4C}" srcOrd="3" destOrd="0" presId="urn:microsoft.com/office/officeart/2008/layout/LinedList"/>
+    <dgm:cxn modelId="{3F5980DE-1DC7-0343-91DE-E1F52E0E75F3}" type="presParOf" srcId="{B914DCF7-9106-3B4C-B12B-D43D1B949D4C}" destId="{0BE6CA97-C531-4C46-8DF6-B8CD6AA7342A}" srcOrd="0" destOrd="0" presId="urn:microsoft.com/office/officeart/2008/layout/LinedList"/>
+    <dgm:cxn modelId="{8742FC7F-4B8A-AD46-82BE-A81DC69241C5}" type="presParOf" srcId="{B914DCF7-9106-3B4C-B12B-D43D1B949D4C}" destId="{0B406E03-2E4B-5A46-9447-AE44FBE041D4}" srcOrd="1" destOrd="0" presId="urn:microsoft.com/office/officeart/2008/layout/LinedList"/>
+    <dgm:cxn modelId="{816ADC74-AAD2-3346-BAEC-A34DF55E27D9}" type="presParOf" srcId="{7B095647-3E56-794A-81DD-7E3CECD6CB1E}" destId="{8DB66B5A-CF7C-4D43-853D-444720CAD9A0}" srcOrd="4" destOrd="0" presId="urn:microsoft.com/office/officeart/2008/layout/LinedList"/>
+    <dgm:cxn modelId="{B9A104B1-93F6-394F-9C7F-E553645B9A93}" type="presParOf" srcId="{7B095647-3E56-794A-81DD-7E3CECD6CB1E}" destId="{04EDD70C-9077-9943-9E54-C0927AEE1833}" srcOrd="5" destOrd="0" presId="urn:microsoft.com/office/officeart/2008/layout/LinedList"/>
+    <dgm:cxn modelId="{61AC3ADA-F2A9-9D42-802B-D19D95BA3608}" type="presParOf" srcId="{04EDD70C-9077-9943-9E54-C0927AEE1833}" destId="{0CF107AF-CEFD-5148-97A5-BB137EAB729C}" srcOrd="0" destOrd="0" presId="urn:microsoft.com/office/officeart/2008/layout/LinedList"/>
+    <dgm:cxn modelId="{D271882C-CB58-FC42-AC4E-B188D911BF80}" type="presParOf" srcId="{04EDD70C-9077-9943-9E54-C0927AEE1833}" destId="{859771C4-AC44-CA44-ABDD-FA90492F8900}" srcOrd="1" destOrd="0" presId="urn:microsoft.com/office/officeart/2008/layout/LinedList"/>
+    <dgm:cxn modelId="{E18A30B6-B85D-E44A-AB11-919777711BA9}" type="presParOf" srcId="{7B095647-3E56-794A-81DD-7E3CECD6CB1E}" destId="{45EF046B-7A7F-CC4D-8096-5BA7087A7ADD}" srcOrd="6" destOrd="0" presId="urn:microsoft.com/office/officeart/2008/layout/LinedList"/>
+    <dgm:cxn modelId="{A7891EDB-2204-E642-8944-F20631157309}" type="presParOf" srcId="{7B095647-3E56-794A-81DD-7E3CECD6CB1E}" destId="{A68687BD-D5C9-6B4B-A4E4-C2D0DC3B05D5}" srcOrd="7" destOrd="0" presId="urn:microsoft.com/office/officeart/2008/layout/LinedList"/>
+    <dgm:cxn modelId="{BBF6974A-B6B6-D147-856F-E22C88C93838}" type="presParOf" srcId="{A68687BD-D5C9-6B4B-A4E4-C2D0DC3B05D5}" destId="{F40E0179-09C3-EF47-8C8E-D4012DADB7B7}" srcOrd="0" destOrd="0" presId="urn:microsoft.com/office/officeart/2008/layout/LinedList"/>
+    <dgm:cxn modelId="{B77777F7-2919-5143-9C47-08B80DBED44A}" type="presParOf" srcId="{A68687BD-D5C9-6B4B-A4E4-C2D0DC3B05D5}" destId="{743E2F8C-89FA-924E-8626-A5FD7F055DD4}" srcOrd="1" destOrd="0" presId="urn:microsoft.com/office/officeart/2008/layout/LinedList"/>
+    <dgm:cxn modelId="{9CB58B53-FBF8-6D44-844B-76FA1365A7B2}" type="presParOf" srcId="{7B095647-3E56-794A-81DD-7E3CECD6CB1E}" destId="{C7CD3187-A9C1-EE4D-AA35-CA4979C56306}" srcOrd="8" destOrd="0" presId="urn:microsoft.com/office/officeart/2008/layout/LinedList"/>
+    <dgm:cxn modelId="{63AE6604-1777-2C4E-9C90-A6F4AAF1E028}" type="presParOf" srcId="{7B095647-3E56-794A-81DD-7E3CECD6CB1E}" destId="{64E58537-3662-0D45-8EE0-F8D8C788F3FE}" srcOrd="9" destOrd="0" presId="urn:microsoft.com/office/officeart/2008/layout/LinedList"/>
+    <dgm:cxn modelId="{552278F0-5943-1B49-9FF8-6D4659D2E9F4}" type="presParOf" srcId="{64E58537-3662-0D45-8EE0-F8D8C788F3FE}" destId="{86F7F519-9C1C-FB4D-83A7-7FFF2454F95D}" srcOrd="0" destOrd="0" presId="urn:microsoft.com/office/officeart/2008/layout/LinedList"/>
+    <dgm:cxn modelId="{F93639C0-D141-BE4C-8FA4-5E3AA38F7B79}" type="presParOf" srcId="{64E58537-3662-0D45-8EE0-F8D8C788F3FE}" destId="{A5038D69-952D-3D42-A7A6-3D5E8F91DB65}" srcOrd="1" destOrd="0" presId="urn:microsoft.com/office/officeart/2008/layout/LinedList"/>
+    <dgm:cxn modelId="{44000E3E-5AEC-574C-9F00-ABF9A14F7F83}" type="presParOf" srcId="{7B095647-3E56-794A-81DD-7E3CECD6CB1E}" destId="{E0298913-EDCC-204B-92B0-174DBB50A59D}" srcOrd="10" destOrd="0" presId="urn:microsoft.com/office/officeart/2008/layout/LinedList"/>
+    <dgm:cxn modelId="{5CD1565B-2C64-B045-96AE-FEDF97E7F74D}" type="presParOf" srcId="{7B095647-3E56-794A-81DD-7E3CECD6CB1E}" destId="{5C444D15-7079-5A49-BB13-E8867662EB97}" srcOrd="11" destOrd="0" presId="urn:microsoft.com/office/officeart/2008/layout/LinedList"/>
+    <dgm:cxn modelId="{9DCAE010-8A23-A347-A3DE-007561DFFB37}" type="presParOf" srcId="{5C444D15-7079-5A49-BB13-E8867662EB97}" destId="{9F726D98-6751-3745-8B94-B626146D23F3}" srcOrd="0" destOrd="0" presId="urn:microsoft.com/office/officeart/2008/layout/LinedList"/>
+    <dgm:cxn modelId="{06143E07-BE80-CB4E-869C-79163E674EFF}" type="presParOf" srcId="{5C444D15-7079-5A49-BB13-E8867662EB97}" destId="{065EFD08-1BAB-5043-8F97-9CBE3A7E2E20}" srcOrd="1" destOrd="0" presId="urn:microsoft.com/office/officeart/2008/layout/LinedList"/>
+  </dgm:cxnLst>
+  <dgm:bg/>
+  <dgm:whole/>
+  <dgm:extLst>
+    <a:ext uri="http://schemas.microsoft.com/office/drawing/2008/diagram">
+      <dsp:dataModelExt xmlns:dsp="http://schemas.microsoft.com/office/drawing/2008/diagram" relId="rId7" minVer="http://schemas.openxmlformats.org/drawingml/2006/diagram"/>
+    </a:ext>
+  </dgm:extLst>
+</dgm:dataModel>
+</file>
+
 <file path=ppt/diagrams/drawing1.xml><?xml version="1.0" encoding="utf-8"?>
 <dsp:drawing xmlns:dgm="http://schemas.openxmlformats.org/drawingml/2006/diagram" xmlns:dsp="http://schemas.microsoft.com/office/drawing/2008/diagram" xmlns:a="http://schemas.openxmlformats.org/drawingml/2006/main">
   <dsp:spTree>
@@ -8762,8 +10236,8 @@
       </dsp:nvSpPr>
       <dsp:spPr>
         <a:xfrm>
-          <a:off x="0" y="424400"/>
-          <a:ext cx="6666833" cy="604799"/>
+          <a:off x="0" y="324860"/>
+          <a:ext cx="6666833" cy="428399"/>
         </a:xfrm>
         <a:prstGeom prst="rect">
           <a:avLst/>
@@ -8811,8 +10285,8 @@
       </dsp:nvSpPr>
       <dsp:spPr>
         <a:xfrm>
-          <a:off x="333341" y="70160"/>
-          <a:ext cx="4666783" cy="708480"/>
+          <a:off x="333341" y="73940"/>
+          <a:ext cx="4666783" cy="501840"/>
         </a:xfrm>
         <a:prstGeom prst="roundRect">
           <a:avLst/>
@@ -8880,7 +10354,7 @@
         </a:bodyPr>
         <a:lstStyle/>
         <a:p>
-          <a:pPr marL="0" lvl="0" indent="0" algn="l" defTabSz="1066800">
+          <a:pPr marL="0" lvl="0" indent="0" algn="l" defTabSz="755650">
             <a:lnSpc>
               <a:spcPct val="90000"/>
             </a:lnSpc>
@@ -8893,14 +10367,14 @@
             <a:buNone/>
           </a:pPr>
           <a:r>
-            <a:rPr lang="en-US" sz="2400" kern="1200"/>
+            <a:rPr lang="en-US" sz="1700" kern="1200"/>
             <a:t>5W1H</a:t>
           </a:r>
         </a:p>
       </dsp:txBody>
       <dsp:txXfrm>
-        <a:off x="367926" y="104745"/>
-        <a:ext cx="4597613" cy="639310"/>
+        <a:off x="357839" y="98438"/>
+        <a:ext cx="4617787" cy="452844"/>
       </dsp:txXfrm>
     </dsp:sp>
     <dsp:sp modelId="{E57CB563-8A27-E94C-AD8F-DDA776A15C4E}">
@@ -8910,8 +10384,8 @@
       </dsp:nvSpPr>
       <dsp:spPr>
         <a:xfrm>
-          <a:off x="0" y="1513040"/>
-          <a:ext cx="6666833" cy="604799"/>
+          <a:off x="0" y="1095980"/>
+          <a:ext cx="6666833" cy="428399"/>
         </a:xfrm>
         <a:prstGeom prst="rect">
           <a:avLst/>
@@ -8959,8 +10433,8 @@
       </dsp:nvSpPr>
       <dsp:spPr>
         <a:xfrm>
-          <a:off x="333341" y="1158800"/>
-          <a:ext cx="4666783" cy="708480"/>
+          <a:off x="333341" y="845060"/>
+          <a:ext cx="4666783" cy="501840"/>
         </a:xfrm>
         <a:prstGeom prst="roundRect">
           <a:avLst/>
@@ -9028,7 +10502,7 @@
         </a:bodyPr>
         <a:lstStyle/>
         <a:p>
-          <a:pPr marL="0" lvl="0" indent="0" algn="l" defTabSz="1066800">
+          <a:pPr marL="0" lvl="0" indent="0" algn="l" defTabSz="755650">
             <a:lnSpc>
               <a:spcPct val="90000"/>
             </a:lnSpc>
@@ -9041,14 +10515,14 @@
             <a:buNone/>
           </a:pPr>
           <a:r>
-            <a:rPr lang="en-US" sz="2400" kern="1200"/>
+            <a:rPr lang="en-US" sz="1700" kern="1200"/>
             <a:t>Why query in BigQuery fast</a:t>
           </a:r>
         </a:p>
       </dsp:txBody>
       <dsp:txXfrm>
-        <a:off x="367926" y="1193385"/>
-        <a:ext cx="4597613" cy="639310"/>
+        <a:off x="357839" y="869558"/>
+        <a:ext cx="4617787" cy="452844"/>
       </dsp:txXfrm>
     </dsp:sp>
     <dsp:sp modelId="{743D4338-DCB9-1A40-9DCA-D5111CFBCE2C}">
@@ -9058,8 +10532,8 @@
       </dsp:nvSpPr>
       <dsp:spPr>
         <a:xfrm>
-          <a:off x="0" y="2601680"/>
-          <a:ext cx="6666833" cy="604799"/>
+          <a:off x="0" y="1867100"/>
+          <a:ext cx="6666833" cy="428399"/>
         </a:xfrm>
         <a:prstGeom prst="rect">
           <a:avLst/>
@@ -9107,8 +10581,8 @@
       </dsp:nvSpPr>
       <dsp:spPr>
         <a:xfrm>
-          <a:off x="333341" y="2247440"/>
-          <a:ext cx="4666783" cy="708480"/>
+          <a:off x="333341" y="1616180"/>
+          <a:ext cx="4666783" cy="501840"/>
         </a:xfrm>
         <a:prstGeom prst="roundRect">
           <a:avLst/>
@@ -9176,7 +10650,7 @@
         </a:bodyPr>
         <a:lstStyle/>
         <a:p>
-          <a:pPr marL="0" lvl="0" indent="0" algn="l" defTabSz="1066800">
+          <a:pPr marL="0" lvl="0" indent="0" algn="l" defTabSz="755650">
             <a:lnSpc>
               <a:spcPct val="90000"/>
             </a:lnSpc>
@@ -9189,14 +10663,14 @@
             <a:buNone/>
           </a:pPr>
           <a:r>
-            <a:rPr lang="en-US" sz="2400" kern="1200"/>
+            <a:rPr lang="en-US" sz="1700" kern="1200"/>
             <a:t>Loading data to BigQuery</a:t>
           </a:r>
         </a:p>
       </dsp:txBody>
       <dsp:txXfrm>
-        <a:off x="367926" y="2282025"/>
-        <a:ext cx="4597613" cy="639310"/>
+        <a:off x="357839" y="1640678"/>
+        <a:ext cx="4617787" cy="452844"/>
       </dsp:txXfrm>
     </dsp:sp>
     <dsp:sp modelId="{985FFAAE-09BF-444D-8725-D473FD0231BF}">
@@ -9206,8 +10680,8 @@
       </dsp:nvSpPr>
       <dsp:spPr>
         <a:xfrm>
-          <a:off x="0" y="3690319"/>
-          <a:ext cx="6666833" cy="604799"/>
+          <a:off x="0" y="2638219"/>
+          <a:ext cx="6666833" cy="428399"/>
         </a:xfrm>
         <a:prstGeom prst="rect">
           <a:avLst/>
@@ -9255,8 +10729,8 @@
       </dsp:nvSpPr>
       <dsp:spPr>
         <a:xfrm>
-          <a:off x="333341" y="3336080"/>
-          <a:ext cx="4666783" cy="708480"/>
+          <a:off x="333341" y="2387299"/>
+          <a:ext cx="4666783" cy="501840"/>
         </a:xfrm>
         <a:prstGeom prst="roundRect">
           <a:avLst/>
@@ -9324,7 +10798,7 @@
         </a:bodyPr>
         <a:lstStyle/>
         <a:p>
-          <a:pPr marL="0" lvl="0" indent="0" algn="l" defTabSz="1066800">
+          <a:pPr marL="0" lvl="0" indent="0" algn="l" defTabSz="755650">
             <a:lnSpc>
               <a:spcPct val="90000"/>
             </a:lnSpc>
@@ -9337,14 +10811,14 @@
             <a:buNone/>
           </a:pPr>
           <a:r>
-            <a:rPr lang="en-US" sz="2400" kern="1200"/>
+            <a:rPr lang="en-US" sz="1700" kern="1200"/>
             <a:t>Dataset, Tables and Views</a:t>
           </a:r>
         </a:p>
       </dsp:txBody>
       <dsp:txXfrm>
-        <a:off x="367926" y="3370665"/>
-        <a:ext cx="4597613" cy="639310"/>
+        <a:off x="357839" y="2411797"/>
+        <a:ext cx="4617787" cy="452844"/>
       </dsp:txXfrm>
     </dsp:sp>
     <dsp:sp modelId="{EABA8A4C-415D-CC40-8CF4-64889A651834}">
@@ -9354,8 +10828,8 @@
       </dsp:nvSpPr>
       <dsp:spPr>
         <a:xfrm>
-          <a:off x="0" y="4778959"/>
-          <a:ext cx="6666833" cy="604799"/>
+          <a:off x="0" y="3409340"/>
+          <a:ext cx="6666833" cy="428399"/>
         </a:xfrm>
         <a:prstGeom prst="rect">
           <a:avLst/>
@@ -9403,8 +10877,8 @@
       </dsp:nvSpPr>
       <dsp:spPr>
         <a:xfrm>
-          <a:off x="333341" y="4424719"/>
-          <a:ext cx="4666783" cy="708480"/>
+          <a:off x="333341" y="3158420"/>
+          <a:ext cx="4666783" cy="501840"/>
         </a:xfrm>
         <a:prstGeom prst="roundRect">
           <a:avLst/>
@@ -9472,7 +10946,7 @@
         </a:bodyPr>
         <a:lstStyle/>
         <a:p>
-          <a:pPr marL="0" lvl="0" indent="0" algn="l" defTabSz="1066800">
+          <a:pPr marL="0" lvl="0" indent="0" algn="l" defTabSz="755650">
             <a:lnSpc>
               <a:spcPct val="90000"/>
             </a:lnSpc>
@@ -9485,14 +10959,315 @@
             <a:buNone/>
           </a:pPr>
           <a:r>
-            <a:rPr lang="en-US" sz="2400" kern="1200"/>
-            <a:t>Access to BigQuery</a:t>
+            <a:rPr lang="en-US" sz="1700" kern="1200" dirty="0"/>
+            <a:t>Access to </a:t>
+          </a:r>
+          <a:r>
+            <a:rPr lang="en-US" sz="1700" kern="1200" dirty="0" err="1"/>
+            <a:t>BigQuery</a:t>
+          </a:r>
+          <a:endParaRPr lang="en-US" sz="1700" kern="1200" dirty="0"/>
+        </a:p>
+      </dsp:txBody>
+      <dsp:txXfrm>
+        <a:off x="357839" y="3182918"/>
+        <a:ext cx="4617787" cy="452844"/>
+      </dsp:txXfrm>
+    </dsp:sp>
+    <dsp:sp modelId="{321E9156-077A-B146-863C-B99DEAD1319E}">
+      <dsp:nvSpPr>
+        <dsp:cNvPr id="0" name=""/>
+        <dsp:cNvSpPr/>
+      </dsp:nvSpPr>
+      <dsp:spPr>
+        <a:xfrm>
+          <a:off x="0" y="4180459"/>
+          <a:ext cx="6666833" cy="428399"/>
+        </a:xfrm>
+        <a:prstGeom prst="rect">
+          <a:avLst/>
+        </a:prstGeom>
+        <a:solidFill>
+          <a:schemeClr val="lt1">
+            <a:alpha val="90000"/>
+            <a:hueOff val="0"/>
+            <a:satOff val="0"/>
+            <a:lumOff val="0"/>
+            <a:alphaOff val="0"/>
+          </a:schemeClr>
+        </a:solidFill>
+        <a:ln w="6350" cap="flat" cmpd="sng" algn="ctr">
+          <a:solidFill>
+            <a:schemeClr val="accent2">
+              <a:hueOff val="0"/>
+              <a:satOff val="0"/>
+              <a:lumOff val="0"/>
+              <a:alphaOff val="0"/>
+            </a:schemeClr>
+          </a:solidFill>
+          <a:prstDash val="solid"/>
+          <a:miter lim="800000"/>
+        </a:ln>
+        <a:effectLst/>
+      </dsp:spPr>
+      <dsp:style>
+        <a:lnRef idx="1">
+          <a:scrgbClr r="0" g="0" b="0"/>
+        </a:lnRef>
+        <a:fillRef idx="1">
+          <a:scrgbClr r="0" g="0" b="0"/>
+        </a:fillRef>
+        <a:effectRef idx="0">
+          <a:scrgbClr r="0" g="0" b="0"/>
+        </a:effectRef>
+        <a:fontRef idx="minor"/>
+      </dsp:style>
+    </dsp:sp>
+    <dsp:sp modelId="{C3484555-9312-6F45-9156-69515D54769E}">
+      <dsp:nvSpPr>
+        <dsp:cNvPr id="0" name=""/>
+        <dsp:cNvSpPr/>
+      </dsp:nvSpPr>
+      <dsp:spPr>
+        <a:xfrm>
+          <a:off x="333341" y="3929539"/>
+          <a:ext cx="4666783" cy="501840"/>
+        </a:xfrm>
+        <a:prstGeom prst="roundRect">
+          <a:avLst/>
+        </a:prstGeom>
+        <a:gradFill rotWithShape="0">
+          <a:gsLst>
+            <a:gs pos="0">
+              <a:schemeClr val="accent2">
+                <a:hueOff val="0"/>
+                <a:satOff val="0"/>
+                <a:lumOff val="0"/>
+                <a:alphaOff val="0"/>
+                <a:satMod val="103000"/>
+                <a:lumMod val="102000"/>
+                <a:tint val="94000"/>
+              </a:schemeClr>
+            </a:gs>
+            <a:gs pos="50000">
+              <a:schemeClr val="accent2">
+                <a:hueOff val="0"/>
+                <a:satOff val="0"/>
+                <a:lumOff val="0"/>
+                <a:alphaOff val="0"/>
+                <a:satMod val="110000"/>
+                <a:lumMod val="100000"/>
+                <a:shade val="100000"/>
+              </a:schemeClr>
+            </a:gs>
+            <a:gs pos="100000">
+              <a:schemeClr val="accent2">
+                <a:hueOff val="0"/>
+                <a:satOff val="0"/>
+                <a:lumOff val="0"/>
+                <a:alphaOff val="0"/>
+                <a:lumMod val="99000"/>
+                <a:satMod val="120000"/>
+                <a:shade val="78000"/>
+              </a:schemeClr>
+            </a:gs>
+          </a:gsLst>
+          <a:lin ang="5400000" scaled="0"/>
+        </a:gradFill>
+        <a:ln>
+          <a:noFill/>
+        </a:ln>
+        <a:effectLst/>
+      </dsp:spPr>
+      <dsp:style>
+        <a:lnRef idx="0">
+          <a:scrgbClr r="0" g="0" b="0"/>
+        </a:lnRef>
+        <a:fillRef idx="3">
+          <a:scrgbClr r="0" g="0" b="0"/>
+        </a:fillRef>
+        <a:effectRef idx="2">
+          <a:scrgbClr r="0" g="0" b="0"/>
+        </a:effectRef>
+        <a:fontRef idx="minor">
+          <a:schemeClr val="lt1"/>
+        </a:fontRef>
+      </dsp:style>
+      <dsp:txBody>
+        <a:bodyPr spcFirstLastPara="0" vert="horz" wrap="square" lIns="176393" tIns="0" rIns="176393" bIns="0" numCol="1" spcCol="1270" anchor="ctr" anchorCtr="0">
+          <a:noAutofit/>
+        </a:bodyPr>
+        <a:lstStyle/>
+        <a:p>
+          <a:pPr marL="0" lvl="0" indent="0" algn="l" defTabSz="755650">
+            <a:lnSpc>
+              <a:spcPct val="90000"/>
+            </a:lnSpc>
+            <a:spcBef>
+              <a:spcPct val="0"/>
+            </a:spcBef>
+            <a:spcAft>
+              <a:spcPct val="35000"/>
+            </a:spcAft>
+            <a:buNone/>
+          </a:pPr>
+          <a:r>
+            <a:rPr lang="en-US" sz="1700" kern="1200" dirty="0"/>
+            <a:t>Pricing</a:t>
           </a:r>
         </a:p>
       </dsp:txBody>
       <dsp:txXfrm>
-        <a:off x="367926" y="4459304"/>
-        <a:ext cx="4597613" cy="639310"/>
+        <a:off x="357839" y="3954037"/>
+        <a:ext cx="4617787" cy="452844"/>
+      </dsp:txXfrm>
+    </dsp:sp>
+    <dsp:sp modelId="{93A03F44-4DF3-C54D-9307-0AC96B21814F}">
+      <dsp:nvSpPr>
+        <dsp:cNvPr id="0" name=""/>
+        <dsp:cNvSpPr/>
+      </dsp:nvSpPr>
+      <dsp:spPr>
+        <a:xfrm>
+          <a:off x="0" y="4951580"/>
+          <a:ext cx="6666833" cy="428399"/>
+        </a:xfrm>
+        <a:prstGeom prst="rect">
+          <a:avLst/>
+        </a:prstGeom>
+        <a:solidFill>
+          <a:schemeClr val="lt1">
+            <a:alpha val="90000"/>
+            <a:hueOff val="0"/>
+            <a:satOff val="0"/>
+            <a:lumOff val="0"/>
+            <a:alphaOff val="0"/>
+          </a:schemeClr>
+        </a:solidFill>
+        <a:ln w="6350" cap="flat" cmpd="sng" algn="ctr">
+          <a:solidFill>
+            <a:schemeClr val="accent3">
+              <a:hueOff val="0"/>
+              <a:satOff val="0"/>
+              <a:lumOff val="0"/>
+              <a:alphaOff val="0"/>
+            </a:schemeClr>
+          </a:solidFill>
+          <a:prstDash val="solid"/>
+          <a:miter lim="800000"/>
+        </a:ln>
+        <a:effectLst/>
+      </dsp:spPr>
+      <dsp:style>
+        <a:lnRef idx="1">
+          <a:scrgbClr r="0" g="0" b="0"/>
+        </a:lnRef>
+        <a:fillRef idx="1">
+          <a:scrgbClr r="0" g="0" b="0"/>
+        </a:fillRef>
+        <a:effectRef idx="0">
+          <a:scrgbClr r="0" g="0" b="0"/>
+        </a:effectRef>
+        <a:fontRef idx="minor"/>
+      </dsp:style>
+    </dsp:sp>
+    <dsp:sp modelId="{119D9613-4971-224C-807A-5598476639FF}">
+      <dsp:nvSpPr>
+        <dsp:cNvPr id="0" name=""/>
+        <dsp:cNvSpPr/>
+      </dsp:nvSpPr>
+      <dsp:spPr>
+        <a:xfrm>
+          <a:off x="333341" y="4700659"/>
+          <a:ext cx="4666783" cy="501840"/>
+        </a:xfrm>
+        <a:prstGeom prst="roundRect">
+          <a:avLst/>
+        </a:prstGeom>
+        <a:gradFill rotWithShape="0">
+          <a:gsLst>
+            <a:gs pos="0">
+              <a:schemeClr val="accent3">
+                <a:hueOff val="0"/>
+                <a:satOff val="0"/>
+                <a:lumOff val="0"/>
+                <a:alphaOff val="0"/>
+                <a:satMod val="103000"/>
+                <a:lumMod val="102000"/>
+                <a:tint val="94000"/>
+              </a:schemeClr>
+            </a:gs>
+            <a:gs pos="50000">
+              <a:schemeClr val="accent3">
+                <a:hueOff val="0"/>
+                <a:satOff val="0"/>
+                <a:lumOff val="0"/>
+                <a:alphaOff val="0"/>
+                <a:satMod val="110000"/>
+                <a:lumMod val="100000"/>
+                <a:shade val="100000"/>
+              </a:schemeClr>
+            </a:gs>
+            <a:gs pos="100000">
+              <a:schemeClr val="accent3">
+                <a:hueOff val="0"/>
+                <a:satOff val="0"/>
+                <a:lumOff val="0"/>
+                <a:alphaOff val="0"/>
+                <a:lumMod val="99000"/>
+                <a:satMod val="120000"/>
+                <a:shade val="78000"/>
+              </a:schemeClr>
+            </a:gs>
+          </a:gsLst>
+          <a:lin ang="5400000" scaled="0"/>
+        </a:gradFill>
+        <a:ln>
+          <a:noFill/>
+        </a:ln>
+        <a:effectLst/>
+      </dsp:spPr>
+      <dsp:style>
+        <a:lnRef idx="0">
+          <a:scrgbClr r="0" g="0" b="0"/>
+        </a:lnRef>
+        <a:fillRef idx="3">
+          <a:scrgbClr r="0" g="0" b="0"/>
+        </a:fillRef>
+        <a:effectRef idx="2">
+          <a:scrgbClr r="0" g="0" b="0"/>
+        </a:effectRef>
+        <a:fontRef idx="minor">
+          <a:schemeClr val="lt1"/>
+        </a:fontRef>
+      </dsp:style>
+      <dsp:txBody>
+        <a:bodyPr spcFirstLastPara="0" vert="horz" wrap="square" lIns="176393" tIns="0" rIns="176393" bIns="0" numCol="1" spcCol="1270" anchor="ctr" anchorCtr="0">
+          <a:noAutofit/>
+        </a:bodyPr>
+        <a:lstStyle/>
+        <a:p>
+          <a:pPr marL="0" lvl="0" indent="0" algn="l" defTabSz="755650">
+            <a:lnSpc>
+              <a:spcPct val="90000"/>
+            </a:lnSpc>
+            <a:spcBef>
+              <a:spcPct val="0"/>
+            </a:spcBef>
+            <a:spcAft>
+              <a:spcPct val="35000"/>
+            </a:spcAft>
+            <a:buNone/>
+          </a:pPr>
+          <a:r>
+            <a:rPr lang="en-US" sz="1700" kern="1200" dirty="0"/>
+            <a:t>Security</a:t>
+          </a:r>
+        </a:p>
+      </dsp:txBody>
+      <dsp:txXfrm>
+        <a:off x="357839" y="4725157"/>
+        <a:ext cx="4617787" cy="452844"/>
       </dsp:txXfrm>
     </dsp:sp>
   </dsp:spTree>
@@ -13715,6 +15490,678 @@
 </dsp:drawing>
 </file>
 
+<file path=ppt/diagrams/drawing8.xml><?xml version="1.0" encoding="utf-8"?>
+<dsp:drawing xmlns:dgm="http://schemas.openxmlformats.org/drawingml/2006/diagram" xmlns:dsp="http://schemas.microsoft.com/office/drawing/2008/diagram" xmlns:a="http://schemas.openxmlformats.org/drawingml/2006/main">
+  <dsp:spTree>
+    <dsp:nvGrpSpPr>
+      <dsp:cNvPr id="0" name=""/>
+      <dsp:cNvGrpSpPr/>
+    </dsp:nvGrpSpPr>
+    <dsp:grpSpPr/>
+    <dsp:sp modelId="{A1AB71AC-916A-404A-ABD4-586D5D2F26E8}">
+      <dsp:nvSpPr>
+        <dsp:cNvPr id="0" name=""/>
+        <dsp:cNvSpPr/>
+      </dsp:nvSpPr>
+      <dsp:spPr>
+        <a:xfrm>
+          <a:off x="0" y="2703"/>
+          <a:ext cx="6900512" cy="0"/>
+        </a:xfrm>
+        <a:prstGeom prst="line">
+          <a:avLst/>
+        </a:prstGeom>
+        <a:solidFill>
+          <a:schemeClr val="accent2">
+            <a:hueOff val="0"/>
+            <a:satOff val="0"/>
+            <a:lumOff val="0"/>
+            <a:alphaOff val="0"/>
+          </a:schemeClr>
+        </a:solidFill>
+        <a:ln w="12700" cap="flat" cmpd="sng" algn="ctr">
+          <a:solidFill>
+            <a:schemeClr val="accent2">
+              <a:hueOff val="0"/>
+              <a:satOff val="0"/>
+              <a:lumOff val="0"/>
+              <a:alphaOff val="0"/>
+            </a:schemeClr>
+          </a:solidFill>
+          <a:prstDash val="solid"/>
+          <a:miter lim="800000"/>
+        </a:ln>
+        <a:effectLst/>
+      </dsp:spPr>
+      <dsp:style>
+        <a:lnRef idx="2">
+          <a:scrgbClr r="0" g="0" b="0"/>
+        </a:lnRef>
+        <a:fillRef idx="1">
+          <a:scrgbClr r="0" g="0" b="0"/>
+        </a:fillRef>
+        <a:effectRef idx="0">
+          <a:scrgbClr r="0" g="0" b="0"/>
+        </a:effectRef>
+        <a:fontRef idx="minor">
+          <a:schemeClr val="lt1"/>
+        </a:fontRef>
+      </dsp:style>
+    </dsp:sp>
+    <dsp:sp modelId="{90D8E9A2-53C1-3E44-9200-1F635D03BD43}">
+      <dsp:nvSpPr>
+        <dsp:cNvPr id="0" name=""/>
+        <dsp:cNvSpPr/>
+      </dsp:nvSpPr>
+      <dsp:spPr>
+        <a:xfrm>
+          <a:off x="0" y="2703"/>
+          <a:ext cx="6900512" cy="921789"/>
+        </a:xfrm>
+        <a:prstGeom prst="rect">
+          <a:avLst/>
+        </a:prstGeom>
+        <a:noFill/>
+        <a:ln>
+          <a:noFill/>
+        </a:ln>
+        <a:effectLst/>
+      </dsp:spPr>
+      <dsp:style>
+        <a:lnRef idx="0">
+          <a:scrgbClr r="0" g="0" b="0"/>
+        </a:lnRef>
+        <a:fillRef idx="0">
+          <a:scrgbClr r="0" g="0" b="0"/>
+        </a:fillRef>
+        <a:effectRef idx="0">
+          <a:scrgbClr r="0" g="0" b="0"/>
+        </a:effectRef>
+        <a:fontRef idx="minor"/>
+      </dsp:style>
+      <dsp:txBody>
+        <a:bodyPr spcFirstLastPara="0" vert="horz" wrap="square" lIns="156210" tIns="156210" rIns="156210" bIns="156210" numCol="1" spcCol="1270" anchor="t" anchorCtr="0">
+          <a:noAutofit/>
+        </a:bodyPr>
+        <a:lstStyle/>
+        <a:p>
+          <a:pPr marL="0" lvl="0" indent="0" algn="l" defTabSz="1822450">
+            <a:lnSpc>
+              <a:spcPct val="90000"/>
+            </a:lnSpc>
+            <a:spcBef>
+              <a:spcPct val="0"/>
+            </a:spcBef>
+            <a:spcAft>
+              <a:spcPct val="35000"/>
+            </a:spcAft>
+            <a:buNone/>
+          </a:pPr>
+          <a:r>
+            <a:rPr lang="en-US" sz="4100" kern="1200"/>
+            <a:t>Loading data</a:t>
+          </a:r>
+        </a:p>
+      </dsp:txBody>
+      <dsp:txXfrm>
+        <a:off x="0" y="2703"/>
+        <a:ext cx="6900512" cy="921789"/>
+      </dsp:txXfrm>
+    </dsp:sp>
+    <dsp:sp modelId="{CC898A65-5263-5B46-BC83-DFC8F29E4668}">
+      <dsp:nvSpPr>
+        <dsp:cNvPr id="0" name=""/>
+        <dsp:cNvSpPr/>
+      </dsp:nvSpPr>
+      <dsp:spPr>
+        <a:xfrm>
+          <a:off x="0" y="924492"/>
+          <a:ext cx="6900512" cy="0"/>
+        </a:xfrm>
+        <a:prstGeom prst="line">
+          <a:avLst/>
+        </a:prstGeom>
+        <a:solidFill>
+          <a:schemeClr val="accent3">
+            <a:hueOff val="0"/>
+            <a:satOff val="0"/>
+            <a:lumOff val="0"/>
+            <a:alphaOff val="0"/>
+          </a:schemeClr>
+        </a:solidFill>
+        <a:ln w="12700" cap="flat" cmpd="sng" algn="ctr">
+          <a:solidFill>
+            <a:schemeClr val="accent3">
+              <a:hueOff val="0"/>
+              <a:satOff val="0"/>
+              <a:lumOff val="0"/>
+              <a:alphaOff val="0"/>
+            </a:schemeClr>
+          </a:solidFill>
+          <a:prstDash val="solid"/>
+          <a:miter lim="800000"/>
+        </a:ln>
+        <a:effectLst/>
+      </dsp:spPr>
+      <dsp:style>
+        <a:lnRef idx="2">
+          <a:scrgbClr r="0" g="0" b="0"/>
+        </a:lnRef>
+        <a:fillRef idx="1">
+          <a:scrgbClr r="0" g="0" b="0"/>
+        </a:fillRef>
+        <a:effectRef idx="0">
+          <a:scrgbClr r="0" g="0" b="0"/>
+        </a:effectRef>
+        <a:fontRef idx="minor">
+          <a:schemeClr val="lt1"/>
+        </a:fontRef>
+      </dsp:style>
+    </dsp:sp>
+    <dsp:sp modelId="{0BE6CA97-C531-4C46-8DF6-B8CD6AA7342A}">
+      <dsp:nvSpPr>
+        <dsp:cNvPr id="0" name=""/>
+        <dsp:cNvSpPr/>
+      </dsp:nvSpPr>
+      <dsp:spPr>
+        <a:xfrm>
+          <a:off x="0" y="924492"/>
+          <a:ext cx="6900512" cy="921789"/>
+        </a:xfrm>
+        <a:prstGeom prst="rect">
+          <a:avLst/>
+        </a:prstGeom>
+        <a:noFill/>
+        <a:ln>
+          <a:noFill/>
+        </a:ln>
+        <a:effectLst/>
+      </dsp:spPr>
+      <dsp:style>
+        <a:lnRef idx="0">
+          <a:scrgbClr r="0" g="0" b="0"/>
+        </a:lnRef>
+        <a:fillRef idx="0">
+          <a:scrgbClr r="0" g="0" b="0"/>
+        </a:fillRef>
+        <a:effectRef idx="0">
+          <a:scrgbClr r="0" g="0" b="0"/>
+        </a:effectRef>
+        <a:fontRef idx="minor"/>
+      </dsp:style>
+      <dsp:txBody>
+        <a:bodyPr spcFirstLastPara="0" vert="horz" wrap="square" lIns="156210" tIns="156210" rIns="156210" bIns="156210" numCol="1" spcCol="1270" anchor="t" anchorCtr="0">
+          <a:noAutofit/>
+        </a:bodyPr>
+        <a:lstStyle/>
+        <a:p>
+          <a:pPr marL="0" lvl="0" indent="0" algn="l" defTabSz="1822450">
+            <a:lnSpc>
+              <a:spcPct val="90000"/>
+            </a:lnSpc>
+            <a:spcBef>
+              <a:spcPct val="0"/>
+            </a:spcBef>
+            <a:spcAft>
+              <a:spcPct val="35000"/>
+            </a:spcAft>
+            <a:buNone/>
+          </a:pPr>
+          <a:r>
+            <a:rPr lang="en-US" sz="4100" kern="1200"/>
+            <a:t>Copying data</a:t>
+          </a:r>
+        </a:p>
+      </dsp:txBody>
+      <dsp:txXfrm>
+        <a:off x="0" y="924492"/>
+        <a:ext cx="6900512" cy="921789"/>
+      </dsp:txXfrm>
+    </dsp:sp>
+    <dsp:sp modelId="{8DB66B5A-CF7C-4D43-853D-444720CAD9A0}">
+      <dsp:nvSpPr>
+        <dsp:cNvPr id="0" name=""/>
+        <dsp:cNvSpPr/>
+      </dsp:nvSpPr>
+      <dsp:spPr>
+        <a:xfrm>
+          <a:off x="0" y="1846281"/>
+          <a:ext cx="6900512" cy="0"/>
+        </a:xfrm>
+        <a:prstGeom prst="line">
+          <a:avLst/>
+        </a:prstGeom>
+        <a:solidFill>
+          <a:schemeClr val="accent4">
+            <a:hueOff val="0"/>
+            <a:satOff val="0"/>
+            <a:lumOff val="0"/>
+            <a:alphaOff val="0"/>
+          </a:schemeClr>
+        </a:solidFill>
+        <a:ln w="12700" cap="flat" cmpd="sng" algn="ctr">
+          <a:solidFill>
+            <a:schemeClr val="accent4">
+              <a:hueOff val="0"/>
+              <a:satOff val="0"/>
+              <a:lumOff val="0"/>
+              <a:alphaOff val="0"/>
+            </a:schemeClr>
+          </a:solidFill>
+          <a:prstDash val="solid"/>
+          <a:miter lim="800000"/>
+        </a:ln>
+        <a:effectLst/>
+      </dsp:spPr>
+      <dsp:style>
+        <a:lnRef idx="2">
+          <a:scrgbClr r="0" g="0" b="0"/>
+        </a:lnRef>
+        <a:fillRef idx="1">
+          <a:scrgbClr r="0" g="0" b="0"/>
+        </a:fillRef>
+        <a:effectRef idx="0">
+          <a:scrgbClr r="0" g="0" b="0"/>
+        </a:effectRef>
+        <a:fontRef idx="minor">
+          <a:schemeClr val="lt1"/>
+        </a:fontRef>
+      </dsp:style>
+    </dsp:sp>
+    <dsp:sp modelId="{0CF107AF-CEFD-5148-97A5-BB137EAB729C}">
+      <dsp:nvSpPr>
+        <dsp:cNvPr id="0" name=""/>
+        <dsp:cNvSpPr/>
+      </dsp:nvSpPr>
+      <dsp:spPr>
+        <a:xfrm>
+          <a:off x="0" y="1846281"/>
+          <a:ext cx="6900512" cy="921789"/>
+        </a:xfrm>
+        <a:prstGeom prst="rect">
+          <a:avLst/>
+        </a:prstGeom>
+        <a:noFill/>
+        <a:ln>
+          <a:noFill/>
+        </a:ln>
+        <a:effectLst/>
+      </dsp:spPr>
+      <dsp:style>
+        <a:lnRef idx="0">
+          <a:scrgbClr r="0" g="0" b="0"/>
+        </a:lnRef>
+        <a:fillRef idx="0">
+          <a:scrgbClr r="0" g="0" b="0"/>
+        </a:fillRef>
+        <a:effectRef idx="0">
+          <a:scrgbClr r="0" g="0" b="0"/>
+        </a:effectRef>
+        <a:fontRef idx="minor"/>
+      </dsp:style>
+      <dsp:txBody>
+        <a:bodyPr spcFirstLastPara="0" vert="horz" wrap="square" lIns="156210" tIns="156210" rIns="156210" bIns="156210" numCol="1" spcCol="1270" anchor="t" anchorCtr="0">
+          <a:noAutofit/>
+        </a:bodyPr>
+        <a:lstStyle/>
+        <a:p>
+          <a:pPr marL="0" lvl="0" indent="0" algn="l" defTabSz="1822450">
+            <a:lnSpc>
+              <a:spcPct val="90000"/>
+            </a:lnSpc>
+            <a:spcBef>
+              <a:spcPct val="0"/>
+            </a:spcBef>
+            <a:spcAft>
+              <a:spcPct val="35000"/>
+            </a:spcAft>
+            <a:buNone/>
+          </a:pPr>
+          <a:r>
+            <a:rPr lang="en-US" sz="4100" kern="1200"/>
+            <a:t>Exporting data</a:t>
+          </a:r>
+        </a:p>
+      </dsp:txBody>
+      <dsp:txXfrm>
+        <a:off x="0" y="1846281"/>
+        <a:ext cx="6900512" cy="921789"/>
+      </dsp:txXfrm>
+    </dsp:sp>
+    <dsp:sp modelId="{45EF046B-7A7F-CC4D-8096-5BA7087A7ADD}">
+      <dsp:nvSpPr>
+        <dsp:cNvPr id="0" name=""/>
+        <dsp:cNvSpPr/>
+      </dsp:nvSpPr>
+      <dsp:spPr>
+        <a:xfrm>
+          <a:off x="0" y="2768070"/>
+          <a:ext cx="6900512" cy="0"/>
+        </a:xfrm>
+        <a:prstGeom prst="line">
+          <a:avLst/>
+        </a:prstGeom>
+        <a:solidFill>
+          <a:schemeClr val="accent5">
+            <a:hueOff val="0"/>
+            <a:satOff val="0"/>
+            <a:lumOff val="0"/>
+            <a:alphaOff val="0"/>
+          </a:schemeClr>
+        </a:solidFill>
+        <a:ln w="12700" cap="flat" cmpd="sng" algn="ctr">
+          <a:solidFill>
+            <a:schemeClr val="accent5">
+              <a:hueOff val="0"/>
+              <a:satOff val="0"/>
+              <a:lumOff val="0"/>
+              <a:alphaOff val="0"/>
+            </a:schemeClr>
+          </a:solidFill>
+          <a:prstDash val="solid"/>
+          <a:miter lim="800000"/>
+        </a:ln>
+        <a:effectLst/>
+      </dsp:spPr>
+      <dsp:style>
+        <a:lnRef idx="2">
+          <a:scrgbClr r="0" g="0" b="0"/>
+        </a:lnRef>
+        <a:fillRef idx="1">
+          <a:scrgbClr r="0" g="0" b="0"/>
+        </a:fillRef>
+        <a:effectRef idx="0">
+          <a:scrgbClr r="0" g="0" b="0"/>
+        </a:effectRef>
+        <a:fontRef idx="minor">
+          <a:schemeClr val="lt1"/>
+        </a:fontRef>
+      </dsp:style>
+    </dsp:sp>
+    <dsp:sp modelId="{F40E0179-09C3-EF47-8C8E-D4012DADB7B7}">
+      <dsp:nvSpPr>
+        <dsp:cNvPr id="0" name=""/>
+        <dsp:cNvSpPr/>
+      </dsp:nvSpPr>
+      <dsp:spPr>
+        <a:xfrm>
+          <a:off x="0" y="2768070"/>
+          <a:ext cx="6900512" cy="921789"/>
+        </a:xfrm>
+        <a:prstGeom prst="rect">
+          <a:avLst/>
+        </a:prstGeom>
+        <a:noFill/>
+        <a:ln>
+          <a:noFill/>
+        </a:ln>
+        <a:effectLst/>
+      </dsp:spPr>
+      <dsp:style>
+        <a:lnRef idx="0">
+          <a:scrgbClr r="0" g="0" b="0"/>
+        </a:lnRef>
+        <a:fillRef idx="0">
+          <a:scrgbClr r="0" g="0" b="0"/>
+        </a:fillRef>
+        <a:effectRef idx="0">
+          <a:scrgbClr r="0" g="0" b="0"/>
+        </a:effectRef>
+        <a:fontRef idx="minor"/>
+      </dsp:style>
+      <dsp:txBody>
+        <a:bodyPr spcFirstLastPara="0" vert="horz" wrap="square" lIns="156210" tIns="156210" rIns="156210" bIns="156210" numCol="1" spcCol="1270" anchor="t" anchorCtr="0">
+          <a:noAutofit/>
+        </a:bodyPr>
+        <a:lstStyle/>
+        <a:p>
+          <a:pPr marL="0" lvl="0" indent="0" algn="l" defTabSz="1822450">
+            <a:lnSpc>
+              <a:spcPct val="90000"/>
+            </a:lnSpc>
+            <a:spcBef>
+              <a:spcPct val="0"/>
+            </a:spcBef>
+            <a:spcAft>
+              <a:spcPct val="35000"/>
+            </a:spcAft>
+            <a:buNone/>
+          </a:pPr>
+          <a:r>
+            <a:rPr lang="en-US" sz="4100" kern="1200"/>
+            <a:t>Delete datasets</a:t>
+          </a:r>
+        </a:p>
+      </dsp:txBody>
+      <dsp:txXfrm>
+        <a:off x="0" y="2768070"/>
+        <a:ext cx="6900512" cy="921789"/>
+      </dsp:txXfrm>
+    </dsp:sp>
+    <dsp:sp modelId="{C7CD3187-A9C1-EE4D-AA35-CA4979C56306}">
+      <dsp:nvSpPr>
+        <dsp:cNvPr id="0" name=""/>
+        <dsp:cNvSpPr/>
+      </dsp:nvSpPr>
+      <dsp:spPr>
+        <a:xfrm>
+          <a:off x="0" y="3689859"/>
+          <a:ext cx="6900512" cy="0"/>
+        </a:xfrm>
+        <a:prstGeom prst="line">
+          <a:avLst/>
+        </a:prstGeom>
+        <a:solidFill>
+          <a:schemeClr val="accent6">
+            <a:hueOff val="0"/>
+            <a:satOff val="0"/>
+            <a:lumOff val="0"/>
+            <a:alphaOff val="0"/>
+          </a:schemeClr>
+        </a:solidFill>
+        <a:ln w="12700" cap="flat" cmpd="sng" algn="ctr">
+          <a:solidFill>
+            <a:schemeClr val="accent6">
+              <a:hueOff val="0"/>
+              <a:satOff val="0"/>
+              <a:lumOff val="0"/>
+              <a:alphaOff val="0"/>
+            </a:schemeClr>
+          </a:solidFill>
+          <a:prstDash val="solid"/>
+          <a:miter lim="800000"/>
+        </a:ln>
+        <a:effectLst/>
+      </dsp:spPr>
+      <dsp:style>
+        <a:lnRef idx="2">
+          <a:scrgbClr r="0" g="0" b="0"/>
+        </a:lnRef>
+        <a:fillRef idx="1">
+          <a:scrgbClr r="0" g="0" b="0"/>
+        </a:fillRef>
+        <a:effectRef idx="0">
+          <a:scrgbClr r="0" g="0" b="0"/>
+        </a:effectRef>
+        <a:fontRef idx="minor">
+          <a:schemeClr val="lt1"/>
+        </a:fontRef>
+      </dsp:style>
+    </dsp:sp>
+    <dsp:sp modelId="{86F7F519-9C1C-FB4D-83A7-7FFF2454F95D}">
+      <dsp:nvSpPr>
+        <dsp:cNvPr id="0" name=""/>
+        <dsp:cNvSpPr/>
+      </dsp:nvSpPr>
+      <dsp:spPr>
+        <a:xfrm>
+          <a:off x="0" y="3689859"/>
+          <a:ext cx="6900512" cy="921789"/>
+        </a:xfrm>
+        <a:prstGeom prst="rect">
+          <a:avLst/>
+        </a:prstGeom>
+        <a:noFill/>
+        <a:ln>
+          <a:noFill/>
+        </a:ln>
+        <a:effectLst/>
+      </dsp:spPr>
+      <dsp:style>
+        <a:lnRef idx="0">
+          <a:scrgbClr r="0" g="0" b="0"/>
+        </a:lnRef>
+        <a:fillRef idx="0">
+          <a:scrgbClr r="0" g="0" b="0"/>
+        </a:fillRef>
+        <a:effectRef idx="0">
+          <a:scrgbClr r="0" g="0" b="0"/>
+        </a:effectRef>
+        <a:fontRef idx="minor"/>
+      </dsp:style>
+      <dsp:txBody>
+        <a:bodyPr spcFirstLastPara="0" vert="horz" wrap="square" lIns="156210" tIns="156210" rIns="156210" bIns="156210" numCol="1" spcCol="1270" anchor="t" anchorCtr="0">
+          <a:noAutofit/>
+        </a:bodyPr>
+        <a:lstStyle/>
+        <a:p>
+          <a:pPr marL="0" lvl="0" indent="0" algn="l" defTabSz="1822450">
+            <a:lnSpc>
+              <a:spcPct val="90000"/>
+            </a:lnSpc>
+            <a:spcBef>
+              <a:spcPct val="0"/>
+            </a:spcBef>
+            <a:spcAft>
+              <a:spcPct val="35000"/>
+            </a:spcAft>
+            <a:buNone/>
+          </a:pPr>
+          <a:r>
+            <a:rPr lang="en-US" sz="4100" kern="1200"/>
+            <a:t>Delete tables, views, partitions</a:t>
+          </a:r>
+        </a:p>
+      </dsp:txBody>
+      <dsp:txXfrm>
+        <a:off x="0" y="3689859"/>
+        <a:ext cx="6900512" cy="921789"/>
+      </dsp:txXfrm>
+    </dsp:sp>
+    <dsp:sp modelId="{E0298913-EDCC-204B-92B0-174DBB50A59D}">
+      <dsp:nvSpPr>
+        <dsp:cNvPr id="0" name=""/>
+        <dsp:cNvSpPr/>
+      </dsp:nvSpPr>
+      <dsp:spPr>
+        <a:xfrm>
+          <a:off x="0" y="4611648"/>
+          <a:ext cx="6900512" cy="0"/>
+        </a:xfrm>
+        <a:prstGeom prst="line">
+          <a:avLst/>
+        </a:prstGeom>
+        <a:solidFill>
+          <a:schemeClr val="accent2">
+            <a:hueOff val="0"/>
+            <a:satOff val="0"/>
+            <a:lumOff val="0"/>
+            <a:alphaOff val="0"/>
+          </a:schemeClr>
+        </a:solidFill>
+        <a:ln w="12700" cap="flat" cmpd="sng" algn="ctr">
+          <a:solidFill>
+            <a:schemeClr val="accent2">
+              <a:hueOff val="0"/>
+              <a:satOff val="0"/>
+              <a:lumOff val="0"/>
+              <a:alphaOff val="0"/>
+            </a:schemeClr>
+          </a:solidFill>
+          <a:prstDash val="solid"/>
+          <a:miter lim="800000"/>
+        </a:ln>
+        <a:effectLst/>
+      </dsp:spPr>
+      <dsp:style>
+        <a:lnRef idx="2">
+          <a:scrgbClr r="0" g="0" b="0"/>
+        </a:lnRef>
+        <a:fillRef idx="1">
+          <a:scrgbClr r="0" g="0" b="0"/>
+        </a:fillRef>
+        <a:effectRef idx="0">
+          <a:scrgbClr r="0" g="0" b="0"/>
+        </a:effectRef>
+        <a:fontRef idx="minor">
+          <a:schemeClr val="lt1"/>
+        </a:fontRef>
+      </dsp:style>
+    </dsp:sp>
+    <dsp:sp modelId="{9F726D98-6751-3745-8B94-B626146D23F3}">
+      <dsp:nvSpPr>
+        <dsp:cNvPr id="0" name=""/>
+        <dsp:cNvSpPr/>
+      </dsp:nvSpPr>
+      <dsp:spPr>
+        <a:xfrm>
+          <a:off x="0" y="4611648"/>
+          <a:ext cx="6900512" cy="921789"/>
+        </a:xfrm>
+        <a:prstGeom prst="rect">
+          <a:avLst/>
+        </a:prstGeom>
+        <a:noFill/>
+        <a:ln>
+          <a:noFill/>
+        </a:ln>
+        <a:effectLst/>
+      </dsp:spPr>
+      <dsp:style>
+        <a:lnRef idx="0">
+          <a:scrgbClr r="0" g="0" b="0"/>
+        </a:lnRef>
+        <a:fillRef idx="0">
+          <a:scrgbClr r="0" g="0" b="0"/>
+        </a:fillRef>
+        <a:effectRef idx="0">
+          <a:scrgbClr r="0" g="0" b="0"/>
+        </a:effectRef>
+        <a:fontRef idx="minor"/>
+      </dsp:style>
+      <dsp:txBody>
+        <a:bodyPr spcFirstLastPara="0" vert="horz" wrap="square" lIns="156210" tIns="156210" rIns="156210" bIns="156210" numCol="1" spcCol="1270" anchor="t" anchorCtr="0">
+          <a:noAutofit/>
+        </a:bodyPr>
+        <a:lstStyle/>
+        <a:p>
+          <a:pPr marL="0" lvl="0" indent="0" algn="l" defTabSz="1822450">
+            <a:lnSpc>
+              <a:spcPct val="90000"/>
+            </a:lnSpc>
+            <a:spcBef>
+              <a:spcPct val="0"/>
+            </a:spcBef>
+            <a:spcAft>
+              <a:spcPct val="35000"/>
+            </a:spcAft>
+            <a:buNone/>
+          </a:pPr>
+          <a:r>
+            <a:rPr lang="en-US" sz="4100" kern="1200"/>
+            <a:t>Metadata operations</a:t>
+          </a:r>
+        </a:p>
+      </dsp:txBody>
+      <dsp:txXfrm>
+        <a:off x="0" y="4611648"/>
+        <a:ext cx="6900512" cy="921789"/>
+      </dsp:txXfrm>
+    </dsp:sp>
+  </dsp:spTree>
+</dsp:drawing>
+</file>
+
 <file path=ppt/diagrams/layout1.xml><?xml version="1.0" encoding="utf-8"?>
 <dgm:layoutDef xmlns:dgm="http://schemas.openxmlformats.org/drawingml/2006/diagram" xmlns:a="http://schemas.openxmlformats.org/drawingml/2006/main" uniqueId="urn:microsoft.com/office/officeart/2005/8/layout/list1">
   <dgm:title val=""/>
@@ -15212,6 +17659,472 @@
 </dgm:layoutDef>
 </file>
 
+<file path=ppt/diagrams/layout8.xml><?xml version="1.0" encoding="utf-8"?>
+<dgm:layoutDef xmlns:dgm="http://schemas.openxmlformats.org/drawingml/2006/diagram" xmlns:a="http://schemas.openxmlformats.org/drawingml/2006/main" uniqueId="urn:microsoft.com/office/officeart/2008/layout/LinedList">
+  <dgm:title val=""/>
+  <dgm:desc val=""/>
+  <dgm:catLst>
+    <dgm:cat type="hierarchy" pri="8000"/>
+    <dgm:cat type="list" pri="2500"/>
+  </dgm:catLst>
+  <dgm:sampData>
+    <dgm:dataModel>
+      <dgm:ptLst>
+        <dgm:pt modelId="0" type="doc"/>
+        <dgm:pt modelId="1">
+          <dgm:prSet phldr="1"/>
+        </dgm:pt>
+        <dgm:pt modelId="11">
+          <dgm:prSet phldr="1"/>
+        </dgm:pt>
+        <dgm:pt modelId="12">
+          <dgm:prSet phldr="1"/>
+        </dgm:pt>
+        <dgm:pt modelId="13">
+          <dgm:prSet phldr="1"/>
+        </dgm:pt>
+      </dgm:ptLst>
+      <dgm:cxnLst>
+        <dgm:cxn modelId="2" srcId="0" destId="1" srcOrd="0" destOrd="0"/>
+        <dgm:cxn modelId="3" srcId="1" destId="11" srcOrd="0" destOrd="0"/>
+        <dgm:cxn modelId="4" srcId="1" destId="12" srcOrd="1" destOrd="0"/>
+        <dgm:cxn modelId="5" srcId="1" destId="13" srcOrd="2" destOrd="0"/>
+      </dgm:cxnLst>
+      <dgm:bg/>
+      <dgm:whole/>
+    </dgm:dataModel>
+  </dgm:sampData>
+  <dgm:styleData>
+    <dgm:dataModel>
+      <dgm:ptLst>
+        <dgm:pt modelId="0" type="doc"/>
+        <dgm:pt modelId="1">
+          <dgm:prSet phldr="1"/>
+        </dgm:pt>
+        <dgm:pt modelId="11">
+          <dgm:prSet phldr="1"/>
+        </dgm:pt>
+        <dgm:pt modelId="12">
+          <dgm:prSet phldr="1"/>
+        </dgm:pt>
+      </dgm:ptLst>
+      <dgm:cxnLst>
+        <dgm:cxn modelId="2" srcId="0" destId="1" srcOrd="0" destOrd="0"/>
+        <dgm:cxn modelId="3" srcId="1" destId="11" srcOrd="0" destOrd="0"/>
+        <dgm:cxn modelId="4" srcId="1" destId="12" srcOrd="1" destOrd="0"/>
+      </dgm:cxnLst>
+      <dgm:bg/>
+      <dgm:whole/>
+    </dgm:dataModel>
+  </dgm:styleData>
+  <dgm:clrData>
+    <dgm:dataModel>
+      <dgm:ptLst>
+        <dgm:pt modelId="0" type="doc"/>
+        <dgm:pt modelId="1">
+          <dgm:prSet phldr="1"/>
+        </dgm:pt>
+        <dgm:pt modelId="11">
+          <dgm:prSet phldr="1"/>
+        </dgm:pt>
+        <dgm:pt modelId="12">
+          <dgm:prSet phldr="1"/>
+        </dgm:pt>
+      </dgm:ptLst>
+      <dgm:cxnLst>
+        <dgm:cxn modelId="2" srcId="0" destId="1" srcOrd="0" destOrd="0"/>
+        <dgm:cxn modelId="3" srcId="1" destId="11" srcOrd="0" destOrd="0"/>
+        <dgm:cxn modelId="4" srcId="1" destId="12" srcOrd="1" destOrd="0"/>
+      </dgm:cxnLst>
+      <dgm:bg/>
+      <dgm:whole/>
+    </dgm:dataModel>
+  </dgm:clrData>
+  <dgm:layoutNode name="vert0">
+    <dgm:varLst>
+      <dgm:dir/>
+      <dgm:animOne val="branch"/>
+      <dgm:animLvl val="lvl"/>
+    </dgm:varLst>
+    <dgm:choose name="Name0">
+      <dgm:if name="Name1" func="var" arg="dir" op="equ" val="norm">
+        <dgm:alg type="lin">
+          <dgm:param type="linDir" val="fromT"/>
+          <dgm:param type="nodeHorzAlign" val="l"/>
+        </dgm:alg>
+      </dgm:if>
+      <dgm:else name="Name2">
+        <dgm:alg type="lin">
+          <dgm:param type="linDir" val="fromT"/>
+          <dgm:param type="nodeHorzAlign" val="r"/>
+        </dgm:alg>
+      </dgm:else>
+    </dgm:choose>
+    <dgm:shape xmlns:r="http://schemas.openxmlformats.org/officeDocument/2006/relationships" r:blip="">
+      <dgm:adjLst/>
+    </dgm:shape>
+    <dgm:presOf/>
+    <dgm:constrLst>
+      <dgm:constr type="w" for="ch" forName="horz1" refType="w"/>
+      <dgm:constr type="h" for="ch" forName="horz1" refType="h"/>
+      <dgm:constr type="h" for="des" forName="vert1" refType="h"/>
+      <dgm:constr type="h" for="des" forName="tx1" refType="h"/>
+      <dgm:constr type="h" for="des" forName="horz2" refType="h"/>
+      <dgm:constr type="h" for="des" forName="vert2" refType="h"/>
+      <dgm:constr type="h" for="des" forName="horz3" refType="h"/>
+      <dgm:constr type="h" for="des" forName="vert3" refType="h"/>
+      <dgm:constr type="h" for="des" forName="horz4" refType="h"/>
+      <dgm:constr type="h" for="des" ptType="node" refType="h"/>
+      <dgm:constr type="primFontSz" for="des" forName="tx1" op="equ" val="65"/>
+      <dgm:constr type="primFontSz" for="des" forName="tx2" op="equ" val="65"/>
+      <dgm:constr type="primFontSz" for="des" forName="tx3" op="equ" val="65"/>
+      <dgm:constr type="primFontSz" for="des" forName="tx4" op="equ" val="65"/>
+      <dgm:constr type="w" for="des" forName="thickLine" refType="w"/>
+      <dgm:constr type="h" for="des" forName="thickLine"/>
+      <dgm:constr type="h" for="des" forName="thinLine1"/>
+      <dgm:constr type="h" for="des" forName="thinLine2b"/>
+      <dgm:constr type="h" for="des" forName="thinLine3"/>
+      <dgm:constr type="h" for="des" forName="vertSpace2a" refType="h" fact="0.05"/>
+      <dgm:constr type="h" for="des" forName="vertSpace2b" refType="h" refFor="des" refForName="vertSpace2a"/>
+    </dgm:constrLst>
+    <dgm:forEach name="Name3" axis="ch" ptType="node">
+      <dgm:layoutNode name="thickLine" styleLbl="alignNode1">
+        <dgm:alg type="sp"/>
+        <dgm:shape xmlns:r="http://schemas.openxmlformats.org/officeDocument/2006/relationships" type="line" r:blip="">
+          <dgm:adjLst/>
+        </dgm:shape>
+        <dgm:presOf/>
+      </dgm:layoutNode>
+      <dgm:layoutNode name="horz1">
+        <dgm:choose name="Name4">
+          <dgm:if name="Name5" func="var" arg="dir" op="equ" val="norm">
+            <dgm:alg type="lin">
+              <dgm:param type="linDir" val="fromL"/>
+              <dgm:param type="nodeVertAlign" val="t"/>
+            </dgm:alg>
+          </dgm:if>
+          <dgm:else name="Name6">
+            <dgm:alg type="lin">
+              <dgm:param type="linDir" val="fromR"/>
+              <dgm:param type="nodeVertAlign" val="t"/>
+            </dgm:alg>
+          </dgm:else>
+        </dgm:choose>
+        <dgm:shape xmlns:r="http://schemas.openxmlformats.org/officeDocument/2006/relationships" r:blip="">
+          <dgm:adjLst/>
+        </dgm:shape>
+        <dgm:presOf/>
+        <dgm:choose name="Name7">
+          <dgm:if name="Name8" axis="root des" func="maxDepth" op="equ" val="1">
+            <dgm:constrLst>
+              <dgm:constr type="w" for="ch" forName="tx1" refType="w"/>
+            </dgm:constrLst>
+          </dgm:if>
+          <dgm:if name="Name9" axis="root des" func="maxDepth" op="equ" val="2">
+            <dgm:constrLst>
+              <dgm:constr type="w" for="ch" forName="tx1" refType="w" fact="0.2"/>
+              <dgm:constr type="w" for="des" forName="tx2" refType="w" fact="0.785"/>
+              <dgm:constr type="w" for="des" forName="horzSpace2" refType="w" fact="0.015"/>
+              <dgm:constr type="w" for="des" forName="thinLine2b" refType="w" fact="0.8"/>
+            </dgm:constrLst>
+          </dgm:if>
+          <dgm:if name="Name10" axis="root des" func="maxDepth" op="equ" val="3">
+            <dgm:constrLst>
+              <dgm:constr type="w" for="ch" forName="tx1" refType="w" fact="0.2"/>
+              <dgm:constr type="w" for="des" forName="tx2" refType="w" fact="0.385"/>
+              <dgm:constr type="w" for="des" forName="tx3" refType="w" fact="0.385"/>
+              <dgm:constr type="w" for="des" forName="horzSpace2" refType="w" fact="0.015"/>
+              <dgm:constr type="w" for="des" forName="horzSpace3" refType="w" fact="0.015"/>
+              <dgm:constr type="w" for="des" forName="thinLine2b" refType="w" fact="0.8"/>
+              <dgm:constr type="w" for="des" forName="thinLine3" refType="w" fact="0.385"/>
+            </dgm:constrLst>
+          </dgm:if>
+          <dgm:if name="Name11" axis="root des" func="maxDepth" op="gte" val="4">
+            <dgm:constrLst>
+              <dgm:constr type="w" for="ch" forName="tx1" refType="w" fact="0.2"/>
+              <dgm:constr type="w" for="des" forName="tx2" refType="w" fact="0.2516"/>
+              <dgm:constr type="w" for="des" forName="tx3" refType="w" fact="0.2516"/>
+              <dgm:constr type="w" for="des" forName="tx4" refType="w" fact="0.2516"/>
+              <dgm:constr type="w" for="des" forName="horzSpace2" refType="w" fact="0.015"/>
+              <dgm:constr type="w" for="des" forName="horzSpace3" refType="w" fact="0.015"/>
+              <dgm:constr type="w" for="des" forName="horzSpace4" refType="w" fact="0.015"/>
+              <dgm:constr type="w" for="des" forName="thinLine2b" refType="w" fact="0.8"/>
+              <dgm:constr type="w" for="des" forName="thinLine3" refType="w" fact="0.5332"/>
+            </dgm:constrLst>
+          </dgm:if>
+          <dgm:else name="Name12"/>
+        </dgm:choose>
+        <dgm:layoutNode name="tx1" styleLbl="revTx">
+          <dgm:alg type="tx">
+            <dgm:param type="parTxLTRAlign" val="l"/>
+            <dgm:param type="parTxRTLAlign" val="r"/>
+            <dgm:param type="txAnchorVert" val="t"/>
+          </dgm:alg>
+          <dgm:shape xmlns:r="http://schemas.openxmlformats.org/officeDocument/2006/relationships" type="rect" r:blip="">
+            <dgm:adjLst/>
+          </dgm:shape>
+          <dgm:presOf axis="self"/>
+          <dgm:constrLst>
+            <dgm:constr type="tMarg" refType="primFontSz" fact="0.3"/>
+            <dgm:constr type="bMarg" refType="primFontSz" fact="0.3"/>
+            <dgm:constr type="lMarg" refType="primFontSz" fact="0.3"/>
+            <dgm:constr type="rMarg" refType="primFontSz" fact="0.3"/>
+          </dgm:constrLst>
+          <dgm:ruleLst>
+            <dgm:rule type="primFontSz" val="5" fact="NaN" max="NaN"/>
+          </dgm:ruleLst>
+        </dgm:layoutNode>
+        <dgm:layoutNode name="vert1">
+          <dgm:choose name="Name13">
+            <dgm:if name="Name14" func="var" arg="dir" op="equ" val="norm">
+              <dgm:alg type="lin">
+                <dgm:param type="linDir" val="fromT"/>
+                <dgm:param type="nodeHorzAlign" val="l"/>
+              </dgm:alg>
+            </dgm:if>
+            <dgm:else name="Name15">
+              <dgm:alg type="lin">
+                <dgm:param type="linDir" val="fromT"/>
+                <dgm:param type="nodeHorzAlign" val="r"/>
+              </dgm:alg>
+            </dgm:else>
+          </dgm:choose>
+          <dgm:shape xmlns:r="http://schemas.openxmlformats.org/officeDocument/2006/relationships" r:blip="">
+            <dgm:adjLst/>
+          </dgm:shape>
+          <dgm:presOf/>
+          <dgm:forEach name="Name16" axis="ch" ptType="node">
+            <dgm:choose name="Name17">
+              <dgm:if name="Name18" axis="self" ptType="node" func="pos" op="equ" val="1">
+                <dgm:layoutNode name="vertSpace2a">
+                  <dgm:alg type="sp"/>
+                  <dgm:shape xmlns:r="http://schemas.openxmlformats.org/officeDocument/2006/relationships" r:blip="">
+                    <dgm:adjLst/>
+                  </dgm:shape>
+                  <dgm:presOf/>
+                </dgm:layoutNode>
+              </dgm:if>
+              <dgm:else name="Name19"/>
+            </dgm:choose>
+            <dgm:layoutNode name="horz2">
+              <dgm:choose name="Name20">
+                <dgm:if name="Name21" func="var" arg="dir" op="equ" val="norm">
+                  <dgm:alg type="lin">
+                    <dgm:param type="linDir" val="fromL"/>
+                    <dgm:param type="nodeVertAlign" val="t"/>
+                  </dgm:alg>
+                </dgm:if>
+                <dgm:else name="Name22">
+                  <dgm:alg type="lin">
+                    <dgm:param type="linDir" val="fromR"/>
+                    <dgm:param type="nodeVertAlign" val="t"/>
+                  </dgm:alg>
+                </dgm:else>
+              </dgm:choose>
+              <dgm:shape xmlns:r="http://schemas.openxmlformats.org/officeDocument/2006/relationships" r:blip="">
+                <dgm:adjLst/>
+              </dgm:shape>
+              <dgm:presOf/>
+              <dgm:layoutNode name="horzSpace2">
+                <dgm:alg type="sp"/>
+                <dgm:shape xmlns:r="http://schemas.openxmlformats.org/officeDocument/2006/relationships" r:blip="">
+                  <dgm:adjLst/>
+                </dgm:shape>
+                <dgm:presOf/>
+              </dgm:layoutNode>
+              <dgm:layoutNode name="tx2" styleLbl="revTx">
+                <dgm:alg type="tx">
+                  <dgm:param type="parTxLTRAlign" val="l"/>
+                  <dgm:param type="parTxRTLAlign" val="r"/>
+                  <dgm:param type="txAnchorVert" val="t"/>
+                </dgm:alg>
+                <dgm:shape xmlns:r="http://schemas.openxmlformats.org/officeDocument/2006/relationships" type="rect" r:blip="">
+                  <dgm:adjLst/>
+                </dgm:shape>
+                <dgm:presOf axis="self"/>
+                <dgm:constrLst>
+                  <dgm:constr type="tMarg" refType="primFontSz" fact="0.3"/>
+                  <dgm:constr type="bMarg" refType="primFontSz" fact="0.3"/>
+                  <dgm:constr type="lMarg" refType="primFontSz" fact="0.3"/>
+                  <dgm:constr type="rMarg" refType="primFontSz" fact="0.3"/>
+                </dgm:constrLst>
+                <dgm:ruleLst>
+                  <dgm:rule type="primFontSz" val="5" fact="NaN" max="NaN"/>
+                </dgm:ruleLst>
+              </dgm:layoutNode>
+              <dgm:layoutNode name="vert2">
+                <dgm:choose name="Name23">
+                  <dgm:if name="Name24" func="var" arg="dir" op="equ" val="norm">
+                    <dgm:alg type="lin">
+                      <dgm:param type="linDir" val="fromT"/>
+                      <dgm:param type="nodeHorzAlign" val="l"/>
+                    </dgm:alg>
+                  </dgm:if>
+                  <dgm:else name="Name25">
+                    <dgm:alg type="lin">
+                      <dgm:param type="linDir" val="fromT"/>
+                      <dgm:param type="nodeHorzAlign" val="r"/>
+                    </dgm:alg>
+                  </dgm:else>
+                </dgm:choose>
+                <dgm:shape xmlns:r="http://schemas.openxmlformats.org/officeDocument/2006/relationships" r:blip="">
+                  <dgm:adjLst/>
+                </dgm:shape>
+                <dgm:presOf/>
+                <dgm:forEach name="Name26" axis="ch" ptType="node">
+                  <dgm:layoutNode name="horz3">
+                    <dgm:choose name="Name27">
+                      <dgm:if name="Name28" func="var" arg="dir" op="equ" val="norm">
+                        <dgm:alg type="lin">
+                          <dgm:param type="linDir" val="fromL"/>
+                          <dgm:param type="nodeVertAlign" val="t"/>
+                        </dgm:alg>
+                      </dgm:if>
+                      <dgm:else name="Name29">
+                        <dgm:alg type="lin">
+                          <dgm:param type="linDir" val="fromR"/>
+                          <dgm:param type="nodeVertAlign" val="t"/>
+                        </dgm:alg>
+                      </dgm:else>
+                    </dgm:choose>
+                    <dgm:shape xmlns:r="http://schemas.openxmlformats.org/officeDocument/2006/relationships" r:blip="">
+                      <dgm:adjLst/>
+                    </dgm:shape>
+                    <dgm:presOf/>
+                    <dgm:layoutNode name="horzSpace3">
+                      <dgm:alg type="sp"/>
+                      <dgm:shape xmlns:r="http://schemas.openxmlformats.org/officeDocument/2006/relationships" r:blip="">
+                        <dgm:adjLst/>
+                      </dgm:shape>
+                      <dgm:presOf/>
+                    </dgm:layoutNode>
+                    <dgm:layoutNode name="tx3" styleLbl="revTx">
+                      <dgm:alg type="tx">
+                        <dgm:param type="parTxLTRAlign" val="l"/>
+                        <dgm:param type="parTxRTLAlign" val="r"/>
+                        <dgm:param type="txAnchorVert" val="t"/>
+                      </dgm:alg>
+                      <dgm:shape xmlns:r="http://schemas.openxmlformats.org/officeDocument/2006/relationships" type="rect" r:blip="">
+                        <dgm:adjLst/>
+                      </dgm:shape>
+                      <dgm:presOf axis="self"/>
+                      <dgm:constrLst>
+                        <dgm:constr type="tMarg" refType="primFontSz" fact="0.3"/>
+                        <dgm:constr type="bMarg" refType="primFontSz" fact="0.3"/>
+                        <dgm:constr type="lMarg" refType="primFontSz" fact="0.3"/>
+                        <dgm:constr type="rMarg" refType="primFontSz" fact="0.3"/>
+                      </dgm:constrLst>
+                      <dgm:ruleLst>
+                        <dgm:rule type="primFontSz" val="5" fact="NaN" max="NaN"/>
+                      </dgm:ruleLst>
+                    </dgm:layoutNode>
+                    <dgm:layoutNode name="vert3">
+                      <dgm:choose name="Name30">
+                        <dgm:if name="Name31" func="var" arg="dir" op="equ" val="norm">
+                          <dgm:alg type="lin">
+                            <dgm:param type="linDir" val="fromT"/>
+                            <dgm:param type="nodeHorzAlign" val="l"/>
+                          </dgm:alg>
+                        </dgm:if>
+                        <dgm:else name="Name32">
+                          <dgm:alg type="lin">
+                            <dgm:param type="linDir" val="fromT"/>
+                            <dgm:param type="nodeHorzAlign" val="r"/>
+                          </dgm:alg>
+                        </dgm:else>
+                      </dgm:choose>
+                      <dgm:shape xmlns:r="http://schemas.openxmlformats.org/officeDocument/2006/relationships" r:blip="">
+                        <dgm:adjLst/>
+                      </dgm:shape>
+                      <dgm:presOf/>
+                      <dgm:forEach name="Name33" axis="ch" ptType="node">
+                        <dgm:layoutNode name="horz4">
+                          <dgm:choose name="Name34">
+                            <dgm:if name="Name35" func="var" arg="dir" op="equ" val="norm">
+                              <dgm:alg type="lin">
+                                <dgm:param type="linDir" val="fromL"/>
+                                <dgm:param type="nodeVertAlign" val="t"/>
+                              </dgm:alg>
+                            </dgm:if>
+                            <dgm:else name="Name36">
+                              <dgm:alg type="lin">
+                                <dgm:param type="linDir" val="fromR"/>
+                                <dgm:param type="nodeVertAlign" val="t"/>
+                              </dgm:alg>
+                            </dgm:else>
+                          </dgm:choose>
+                          <dgm:shape xmlns:r="http://schemas.openxmlformats.org/officeDocument/2006/relationships" r:blip="">
+                            <dgm:adjLst/>
+                          </dgm:shape>
+                          <dgm:presOf/>
+                          <dgm:layoutNode name="horzSpace4">
+                            <dgm:alg type="sp"/>
+                            <dgm:shape xmlns:r="http://schemas.openxmlformats.org/officeDocument/2006/relationships" r:blip="">
+                              <dgm:adjLst/>
+                            </dgm:shape>
+                            <dgm:presOf/>
+                          </dgm:layoutNode>
+                          <dgm:layoutNode name="tx4" styleLbl="revTx">
+                            <dgm:varLst>
+                              <dgm:bulletEnabled val="1"/>
+                            </dgm:varLst>
+                            <dgm:alg type="tx">
+                              <dgm:param type="parTxLTRAlign" val="l"/>
+                              <dgm:param type="parTxRTLAlign" val="r"/>
+                              <dgm:param type="txAnchorVert" val="t"/>
+                            </dgm:alg>
+                            <dgm:shape xmlns:r="http://schemas.openxmlformats.org/officeDocument/2006/relationships" type="rect" r:blip="">
+                              <dgm:adjLst/>
+                            </dgm:shape>
+                            <dgm:presOf axis="desOrSelf" ptType="node"/>
+                            <dgm:constrLst>
+                              <dgm:constr type="tMarg" refType="primFontSz" fact="0.3"/>
+                              <dgm:constr type="bMarg" refType="primFontSz" fact="0.3"/>
+                              <dgm:constr type="lMarg" refType="primFontSz" fact="0.3"/>
+                              <dgm:constr type="rMarg" refType="primFontSz" fact="0.3"/>
+                            </dgm:constrLst>
+                            <dgm:ruleLst>
+                              <dgm:rule type="primFontSz" val="5" fact="NaN" max="NaN"/>
+                            </dgm:ruleLst>
+                          </dgm:layoutNode>
+                        </dgm:layoutNode>
+                      </dgm:forEach>
+                    </dgm:layoutNode>
+                  </dgm:layoutNode>
+                  <dgm:forEach name="Name37" axis="followSib" ptType="sibTrans" cnt="1">
+                    <dgm:layoutNode name="thinLine3" styleLbl="callout">
+                      <dgm:alg type="sp"/>
+                      <dgm:shape xmlns:r="http://schemas.openxmlformats.org/officeDocument/2006/relationships" type="line" r:blip="">
+                        <dgm:adjLst/>
+                      </dgm:shape>
+                      <dgm:presOf/>
+                    </dgm:layoutNode>
+                  </dgm:forEach>
+                </dgm:forEach>
+              </dgm:layoutNode>
+            </dgm:layoutNode>
+            <dgm:layoutNode name="thinLine2b" styleLbl="callout">
+              <dgm:alg type="sp"/>
+              <dgm:shape xmlns:r="http://schemas.openxmlformats.org/officeDocument/2006/relationships" type="line" r:blip="">
+                <dgm:adjLst/>
+              </dgm:shape>
+              <dgm:presOf/>
+            </dgm:layoutNode>
+            <dgm:layoutNode name="vertSpace2b">
+              <dgm:alg type="sp"/>
+              <dgm:shape xmlns:r="http://schemas.openxmlformats.org/officeDocument/2006/relationships" r:blip="">
+                <dgm:adjLst/>
+              </dgm:shape>
+              <dgm:presOf/>
+            </dgm:layoutNode>
+          </dgm:forEach>
+        </dgm:layoutNode>
+      </dgm:layoutNode>
+    </dgm:forEach>
+  </dgm:layoutNode>
+</dgm:layoutDef>
+</file>
+
 <file path=ppt/diagrams/quickStyle1.xml><?xml version="1.0" encoding="utf-8"?>
 <dgm:styleDef xmlns:dgm="http://schemas.openxmlformats.org/drawingml/2006/diagram" xmlns:a="http://schemas.openxmlformats.org/drawingml/2006/main" uniqueId="urn:microsoft.com/office/officeart/2005/8/quickstyle/simple4">
   <dgm:title val=""/>
@@ -21417,6 +24330,1040 @@
 </file>
 
 <file path=ppt/diagrams/quickStyle7.xml><?xml version="1.0" encoding="utf-8"?>
+<dgm:styleDef xmlns:dgm="http://schemas.openxmlformats.org/drawingml/2006/diagram" xmlns:a="http://schemas.openxmlformats.org/drawingml/2006/main" uniqueId="urn:microsoft.com/office/officeart/2005/8/quickstyle/simple1">
+  <dgm:title val=""/>
+  <dgm:desc val=""/>
+  <dgm:catLst>
+    <dgm:cat type="simple" pri="10100"/>
+  </dgm:catLst>
+  <dgm:scene3d>
+    <a:camera prst="orthographicFront"/>
+    <a:lightRig rig="threePt" dir="t"/>
+  </dgm:scene3d>
+  <dgm:styleLbl name="node0">
+    <dgm:scene3d>
+      <a:camera prst="orthographicFront"/>
+      <a:lightRig rig="threePt" dir="t"/>
+    </dgm:scene3d>
+    <dgm:sp3d/>
+    <dgm:txPr/>
+    <dgm:style>
+      <a:lnRef idx="2">
+        <a:scrgbClr r="0" g="0" b="0"/>
+      </a:lnRef>
+      <a:fillRef idx="1">
+        <a:scrgbClr r="0" g="0" b="0"/>
+      </a:fillRef>
+      <a:effectRef idx="0">
+        <a:scrgbClr r="0" g="0" b="0"/>
+      </a:effectRef>
+      <a:fontRef idx="minor">
+        <a:schemeClr val="lt1"/>
+      </a:fontRef>
+    </dgm:style>
+  </dgm:styleLbl>
+  <dgm:styleLbl name="lnNode1">
+    <dgm:scene3d>
+      <a:camera prst="orthographicFront"/>
+      <a:lightRig rig="threePt" dir="t"/>
+    </dgm:scene3d>
+    <dgm:sp3d/>
+    <dgm:txPr/>
+    <dgm:style>
+      <a:lnRef idx="2">
+        <a:scrgbClr r="0" g="0" b="0"/>
+      </a:lnRef>
+      <a:fillRef idx="1">
+        <a:scrgbClr r="0" g="0" b="0"/>
+      </a:fillRef>
+      <a:effectRef idx="0">
+        <a:scrgbClr r="0" g="0" b="0"/>
+      </a:effectRef>
+      <a:fontRef idx="minor">
+        <a:schemeClr val="lt1"/>
+      </a:fontRef>
+    </dgm:style>
+  </dgm:styleLbl>
+  <dgm:styleLbl name="vennNode1">
+    <dgm:scene3d>
+      <a:camera prst="orthographicFront"/>
+      <a:lightRig rig="threePt" dir="t"/>
+    </dgm:scene3d>
+    <dgm:sp3d/>
+    <dgm:txPr/>
+    <dgm:style>
+      <a:lnRef idx="2">
+        <a:scrgbClr r="0" g="0" b="0"/>
+      </a:lnRef>
+      <a:fillRef idx="1">
+        <a:scrgbClr r="0" g="0" b="0"/>
+      </a:fillRef>
+      <a:effectRef idx="0">
+        <a:scrgbClr r="0" g="0" b="0"/>
+      </a:effectRef>
+      <a:fontRef idx="minor">
+        <a:schemeClr val="tx1"/>
+      </a:fontRef>
+    </dgm:style>
+  </dgm:styleLbl>
+  <dgm:styleLbl name="alignNode1">
+    <dgm:scene3d>
+      <a:camera prst="orthographicFront"/>
+      <a:lightRig rig="threePt" dir="t"/>
+    </dgm:scene3d>
+    <dgm:sp3d/>
+    <dgm:txPr/>
+    <dgm:style>
+      <a:lnRef idx="2">
+        <a:scrgbClr r="0" g="0" b="0"/>
+      </a:lnRef>
+      <a:fillRef idx="1">
+        <a:scrgbClr r="0" g="0" b="0"/>
+      </a:fillRef>
+      <a:effectRef idx="0">
+        <a:scrgbClr r="0" g="0" b="0"/>
+      </a:effectRef>
+      <a:fontRef idx="minor">
+        <a:schemeClr val="lt1"/>
+      </a:fontRef>
+    </dgm:style>
+  </dgm:styleLbl>
+  <dgm:styleLbl name="node1">
+    <dgm:scene3d>
+      <a:camera prst="orthographicFront"/>
+      <a:lightRig rig="threePt" dir="t"/>
+    </dgm:scene3d>
+    <dgm:sp3d/>
+    <dgm:txPr/>
+    <dgm:style>
+      <a:lnRef idx="2">
+        <a:scrgbClr r="0" g="0" b="0"/>
+      </a:lnRef>
+      <a:fillRef idx="1">
+        <a:scrgbClr r="0" g="0" b="0"/>
+      </a:fillRef>
+      <a:effectRef idx="0">
+        <a:scrgbClr r="0" g="0" b="0"/>
+      </a:effectRef>
+      <a:fontRef idx="minor">
+        <a:schemeClr val="lt1"/>
+      </a:fontRef>
+    </dgm:style>
+  </dgm:styleLbl>
+  <dgm:styleLbl name="node2">
+    <dgm:scene3d>
+      <a:camera prst="orthographicFront"/>
+      <a:lightRig rig="threePt" dir="t"/>
+    </dgm:scene3d>
+    <dgm:sp3d/>
+    <dgm:txPr/>
+    <dgm:style>
+      <a:lnRef idx="2">
+        <a:scrgbClr r="0" g="0" b="0"/>
+      </a:lnRef>
+      <a:fillRef idx="1">
+        <a:scrgbClr r="0" g="0" b="0"/>
+      </a:fillRef>
+      <a:effectRef idx="0">
+        <a:scrgbClr r="0" g="0" b="0"/>
+      </a:effectRef>
+      <a:fontRef idx="minor">
+        <a:schemeClr val="lt1"/>
+      </a:fontRef>
+    </dgm:style>
+  </dgm:styleLbl>
+  <dgm:styleLbl name="node3">
+    <dgm:scene3d>
+      <a:camera prst="orthographicFront"/>
+      <a:lightRig rig="threePt" dir="t"/>
+    </dgm:scene3d>
+    <dgm:sp3d/>
+    <dgm:txPr/>
+    <dgm:style>
+      <a:lnRef idx="2">
+        <a:scrgbClr r="0" g="0" b="0"/>
+      </a:lnRef>
+      <a:fillRef idx="1">
+        <a:scrgbClr r="0" g="0" b="0"/>
+      </a:fillRef>
+      <a:effectRef idx="0">
+        <a:scrgbClr r="0" g="0" b="0"/>
+      </a:effectRef>
+      <a:fontRef idx="minor">
+        <a:schemeClr val="lt1"/>
+      </a:fontRef>
+    </dgm:style>
+  </dgm:styleLbl>
+  <dgm:styleLbl name="node4">
+    <dgm:scene3d>
+      <a:camera prst="orthographicFront"/>
+      <a:lightRig rig="threePt" dir="t"/>
+    </dgm:scene3d>
+    <dgm:sp3d/>
+    <dgm:txPr/>
+    <dgm:style>
+      <a:lnRef idx="2">
+        <a:scrgbClr r="0" g="0" b="0"/>
+      </a:lnRef>
+      <a:fillRef idx="1">
+        <a:scrgbClr r="0" g="0" b="0"/>
+      </a:fillRef>
+      <a:effectRef idx="0">
+        <a:scrgbClr r="0" g="0" b="0"/>
+      </a:effectRef>
+      <a:fontRef idx="minor">
+        <a:schemeClr val="lt1"/>
+      </a:fontRef>
+    </dgm:style>
+  </dgm:styleLbl>
+  <dgm:styleLbl name="fgImgPlace1">
+    <dgm:scene3d>
+      <a:camera prst="orthographicFront"/>
+      <a:lightRig rig="threePt" dir="t"/>
+    </dgm:scene3d>
+    <dgm:sp3d/>
+    <dgm:txPr/>
+    <dgm:style>
+      <a:lnRef idx="2">
+        <a:scrgbClr r="0" g="0" b="0"/>
+      </a:lnRef>
+      <a:fillRef idx="1">
+        <a:scrgbClr r="0" g="0" b="0"/>
+      </a:fillRef>
+      <a:effectRef idx="0">
+        <a:scrgbClr r="0" g="0" b="0"/>
+      </a:effectRef>
+      <a:fontRef idx="minor"/>
+    </dgm:style>
+  </dgm:styleLbl>
+  <dgm:styleLbl name="alignImgPlace1">
+    <dgm:scene3d>
+      <a:camera prst="orthographicFront"/>
+      <a:lightRig rig="threePt" dir="t"/>
+    </dgm:scene3d>
+    <dgm:sp3d/>
+    <dgm:txPr/>
+    <dgm:style>
+      <a:lnRef idx="2">
+        <a:scrgbClr r="0" g="0" b="0"/>
+      </a:lnRef>
+      <a:fillRef idx="1">
+        <a:scrgbClr r="0" g="0" b="0"/>
+      </a:fillRef>
+      <a:effectRef idx="0">
+        <a:scrgbClr r="0" g="0" b="0"/>
+      </a:effectRef>
+      <a:fontRef idx="minor"/>
+    </dgm:style>
+  </dgm:styleLbl>
+  <dgm:styleLbl name="bgImgPlace1">
+    <dgm:scene3d>
+      <a:camera prst="orthographicFront"/>
+      <a:lightRig rig="threePt" dir="t"/>
+    </dgm:scene3d>
+    <dgm:sp3d/>
+    <dgm:txPr/>
+    <dgm:style>
+      <a:lnRef idx="2">
+        <a:scrgbClr r="0" g="0" b="0"/>
+      </a:lnRef>
+      <a:fillRef idx="1">
+        <a:scrgbClr r="0" g="0" b="0"/>
+      </a:fillRef>
+      <a:effectRef idx="0">
+        <a:scrgbClr r="0" g="0" b="0"/>
+      </a:effectRef>
+      <a:fontRef idx="minor"/>
+    </dgm:style>
+  </dgm:styleLbl>
+  <dgm:styleLbl name="sibTrans2D1">
+    <dgm:scene3d>
+      <a:camera prst="orthographicFront"/>
+      <a:lightRig rig="threePt" dir="t"/>
+    </dgm:scene3d>
+    <dgm:sp3d/>
+    <dgm:txPr/>
+    <dgm:style>
+      <a:lnRef idx="0">
+        <a:scrgbClr r="0" g="0" b="0"/>
+      </a:lnRef>
+      <a:fillRef idx="1">
+        <a:scrgbClr r="0" g="0" b="0"/>
+      </a:fillRef>
+      <a:effectRef idx="0">
+        <a:scrgbClr r="0" g="0" b="0"/>
+      </a:effectRef>
+      <a:fontRef idx="minor">
+        <a:schemeClr val="lt1"/>
+      </a:fontRef>
+    </dgm:style>
+  </dgm:styleLbl>
+  <dgm:styleLbl name="fgSibTrans2D1">
+    <dgm:scene3d>
+      <a:camera prst="orthographicFront"/>
+      <a:lightRig rig="threePt" dir="t"/>
+    </dgm:scene3d>
+    <dgm:sp3d/>
+    <dgm:txPr/>
+    <dgm:style>
+      <a:lnRef idx="0">
+        <a:scrgbClr r="0" g="0" b="0"/>
+      </a:lnRef>
+      <a:fillRef idx="1">
+        <a:scrgbClr r="0" g="0" b="0"/>
+      </a:fillRef>
+      <a:effectRef idx="0">
+        <a:scrgbClr r="0" g="0" b="0"/>
+      </a:effectRef>
+      <a:fontRef idx="minor">
+        <a:schemeClr val="lt1"/>
+      </a:fontRef>
+    </dgm:style>
+  </dgm:styleLbl>
+  <dgm:styleLbl name="bgSibTrans2D1">
+    <dgm:scene3d>
+      <a:camera prst="orthographicFront"/>
+      <a:lightRig rig="threePt" dir="t"/>
+    </dgm:scene3d>
+    <dgm:sp3d/>
+    <dgm:txPr/>
+    <dgm:style>
+      <a:lnRef idx="0">
+        <a:scrgbClr r="0" g="0" b="0"/>
+      </a:lnRef>
+      <a:fillRef idx="1">
+        <a:scrgbClr r="0" g="0" b="0"/>
+      </a:fillRef>
+      <a:effectRef idx="0">
+        <a:scrgbClr r="0" g="0" b="0"/>
+      </a:effectRef>
+      <a:fontRef idx="minor">
+        <a:schemeClr val="lt1"/>
+      </a:fontRef>
+    </dgm:style>
+  </dgm:styleLbl>
+  <dgm:styleLbl name="sibTrans1D1">
+    <dgm:scene3d>
+      <a:camera prst="orthographicFront"/>
+      <a:lightRig rig="threePt" dir="t"/>
+    </dgm:scene3d>
+    <dgm:sp3d/>
+    <dgm:txPr/>
+    <dgm:style>
+      <a:lnRef idx="1">
+        <a:scrgbClr r="0" g="0" b="0"/>
+      </a:lnRef>
+      <a:fillRef idx="0">
+        <a:scrgbClr r="0" g="0" b="0"/>
+      </a:fillRef>
+      <a:effectRef idx="0">
+        <a:scrgbClr r="0" g="0" b="0"/>
+      </a:effectRef>
+      <a:fontRef idx="minor"/>
+    </dgm:style>
+  </dgm:styleLbl>
+  <dgm:styleLbl name="callout">
+    <dgm:scene3d>
+      <a:camera prst="orthographicFront"/>
+      <a:lightRig rig="threePt" dir="t"/>
+    </dgm:scene3d>
+    <dgm:sp3d/>
+    <dgm:txPr/>
+    <dgm:style>
+      <a:lnRef idx="2">
+        <a:scrgbClr r="0" g="0" b="0"/>
+      </a:lnRef>
+      <a:fillRef idx="1">
+        <a:scrgbClr r="0" g="0" b="0"/>
+      </a:fillRef>
+      <a:effectRef idx="0">
+        <a:scrgbClr r="0" g="0" b="0"/>
+      </a:effectRef>
+      <a:fontRef idx="minor"/>
+    </dgm:style>
+  </dgm:styleLbl>
+  <dgm:styleLbl name="asst0">
+    <dgm:scene3d>
+      <a:camera prst="orthographicFront"/>
+      <a:lightRig rig="threePt" dir="t"/>
+    </dgm:scene3d>
+    <dgm:sp3d/>
+    <dgm:txPr/>
+    <dgm:style>
+      <a:lnRef idx="2">
+        <a:scrgbClr r="0" g="0" b="0"/>
+      </a:lnRef>
+      <a:fillRef idx="1">
+        <a:scrgbClr r="0" g="0" b="0"/>
+      </a:fillRef>
+      <a:effectRef idx="0">
+        <a:scrgbClr r="0" g="0" b="0"/>
+      </a:effectRef>
+      <a:fontRef idx="minor">
+        <a:schemeClr val="lt1"/>
+      </a:fontRef>
+    </dgm:style>
+  </dgm:styleLbl>
+  <dgm:styleLbl name="asst1">
+    <dgm:scene3d>
+      <a:camera prst="orthographicFront"/>
+      <a:lightRig rig="threePt" dir="t"/>
+    </dgm:scene3d>
+    <dgm:sp3d/>
+    <dgm:txPr/>
+    <dgm:style>
+      <a:lnRef idx="2">
+        <a:scrgbClr r="0" g="0" b="0"/>
+      </a:lnRef>
+      <a:fillRef idx="1">
+        <a:scrgbClr r="0" g="0" b="0"/>
+      </a:fillRef>
+      <a:effectRef idx="0">
+        <a:scrgbClr r="0" g="0" b="0"/>
+      </a:effectRef>
+      <a:fontRef idx="minor">
+        <a:schemeClr val="lt1"/>
+      </a:fontRef>
+    </dgm:style>
+  </dgm:styleLbl>
+  <dgm:styleLbl name="asst2">
+    <dgm:scene3d>
+      <a:camera prst="orthographicFront"/>
+      <a:lightRig rig="threePt" dir="t"/>
+    </dgm:scene3d>
+    <dgm:sp3d/>
+    <dgm:txPr/>
+    <dgm:style>
+      <a:lnRef idx="2">
+        <a:scrgbClr r="0" g="0" b="0"/>
+      </a:lnRef>
+      <a:fillRef idx="1">
+        <a:scrgbClr r="0" g="0" b="0"/>
+      </a:fillRef>
+      <a:effectRef idx="0">
+        <a:scrgbClr r="0" g="0" b="0"/>
+      </a:effectRef>
+      <a:fontRef idx="minor">
+        <a:schemeClr val="lt1"/>
+      </a:fontRef>
+    </dgm:style>
+  </dgm:styleLbl>
+  <dgm:styleLbl name="asst3">
+    <dgm:scene3d>
+      <a:camera prst="orthographicFront"/>
+      <a:lightRig rig="threePt" dir="t"/>
+    </dgm:scene3d>
+    <dgm:sp3d/>
+    <dgm:txPr/>
+    <dgm:style>
+      <a:lnRef idx="2">
+        <a:scrgbClr r="0" g="0" b="0"/>
+      </a:lnRef>
+      <a:fillRef idx="1">
+        <a:scrgbClr r="0" g="0" b="0"/>
+      </a:fillRef>
+      <a:effectRef idx="0">
+        <a:scrgbClr r="0" g="0" b="0"/>
+      </a:effectRef>
+      <a:fontRef idx="minor">
+        <a:schemeClr val="lt1"/>
+      </a:fontRef>
+    </dgm:style>
+  </dgm:styleLbl>
+  <dgm:styleLbl name="asst4">
+    <dgm:scene3d>
+      <a:camera prst="orthographicFront"/>
+      <a:lightRig rig="threePt" dir="t"/>
+    </dgm:scene3d>
+    <dgm:sp3d/>
+    <dgm:txPr/>
+    <dgm:style>
+      <a:lnRef idx="2">
+        <a:scrgbClr r="0" g="0" b="0"/>
+      </a:lnRef>
+      <a:fillRef idx="1">
+        <a:scrgbClr r="0" g="0" b="0"/>
+      </a:fillRef>
+      <a:effectRef idx="0">
+        <a:scrgbClr r="0" g="0" b="0"/>
+      </a:effectRef>
+      <a:fontRef idx="minor">
+        <a:schemeClr val="lt1"/>
+      </a:fontRef>
+    </dgm:style>
+  </dgm:styleLbl>
+  <dgm:styleLbl name="parChTrans2D1">
+    <dgm:scene3d>
+      <a:camera prst="orthographicFront"/>
+      <a:lightRig rig="threePt" dir="t"/>
+    </dgm:scene3d>
+    <dgm:sp3d/>
+    <dgm:txPr/>
+    <dgm:style>
+      <a:lnRef idx="2">
+        <a:scrgbClr r="0" g="0" b="0"/>
+      </a:lnRef>
+      <a:fillRef idx="1">
+        <a:scrgbClr r="0" g="0" b="0"/>
+      </a:fillRef>
+      <a:effectRef idx="0">
+        <a:scrgbClr r="0" g="0" b="0"/>
+      </a:effectRef>
+      <a:fontRef idx="minor">
+        <a:schemeClr val="lt1"/>
+      </a:fontRef>
+    </dgm:style>
+  </dgm:styleLbl>
+  <dgm:styleLbl name="parChTrans2D2">
+    <dgm:scene3d>
+      <a:camera prst="orthographicFront"/>
+      <a:lightRig rig="threePt" dir="t"/>
+    </dgm:scene3d>
+    <dgm:sp3d/>
+    <dgm:txPr/>
+    <dgm:style>
+      <a:lnRef idx="2">
+        <a:scrgbClr r="0" g="0" b="0"/>
+      </a:lnRef>
+      <a:fillRef idx="1">
+        <a:scrgbClr r="0" g="0" b="0"/>
+      </a:fillRef>
+      <a:effectRef idx="0">
+        <a:scrgbClr r="0" g="0" b="0"/>
+      </a:effectRef>
+      <a:fontRef idx="minor">
+        <a:schemeClr val="lt1"/>
+      </a:fontRef>
+    </dgm:style>
+  </dgm:styleLbl>
+  <dgm:styleLbl name="parChTrans2D3">
+    <dgm:scene3d>
+      <a:camera prst="orthographicFront"/>
+      <a:lightRig rig="threePt" dir="t"/>
+    </dgm:scene3d>
+    <dgm:sp3d/>
+    <dgm:txPr/>
+    <dgm:style>
+      <a:lnRef idx="2">
+        <a:scrgbClr r="0" g="0" b="0"/>
+      </a:lnRef>
+      <a:fillRef idx="1">
+        <a:scrgbClr r="0" g="0" b="0"/>
+      </a:fillRef>
+      <a:effectRef idx="0">
+        <a:scrgbClr r="0" g="0" b="0"/>
+      </a:effectRef>
+      <a:fontRef idx="minor">
+        <a:schemeClr val="lt1"/>
+      </a:fontRef>
+    </dgm:style>
+  </dgm:styleLbl>
+  <dgm:styleLbl name="parChTrans2D4">
+    <dgm:scene3d>
+      <a:camera prst="orthographicFront"/>
+      <a:lightRig rig="threePt" dir="t"/>
+    </dgm:scene3d>
+    <dgm:sp3d/>
+    <dgm:txPr/>
+    <dgm:style>
+      <a:lnRef idx="2">
+        <a:scrgbClr r="0" g="0" b="0"/>
+      </a:lnRef>
+      <a:fillRef idx="1">
+        <a:scrgbClr r="0" g="0" b="0"/>
+      </a:fillRef>
+      <a:effectRef idx="0">
+        <a:scrgbClr r="0" g="0" b="0"/>
+      </a:effectRef>
+      <a:fontRef idx="minor">
+        <a:schemeClr val="lt1"/>
+      </a:fontRef>
+    </dgm:style>
+  </dgm:styleLbl>
+  <dgm:styleLbl name="parChTrans1D1">
+    <dgm:scene3d>
+      <a:camera prst="orthographicFront"/>
+      <a:lightRig rig="threePt" dir="t"/>
+    </dgm:scene3d>
+    <dgm:sp3d/>
+    <dgm:txPr/>
+    <dgm:style>
+      <a:lnRef idx="2">
+        <a:scrgbClr r="0" g="0" b="0"/>
+      </a:lnRef>
+      <a:fillRef idx="0">
+        <a:scrgbClr r="0" g="0" b="0"/>
+      </a:fillRef>
+      <a:effectRef idx="0">
+        <a:scrgbClr r="0" g="0" b="0"/>
+      </a:effectRef>
+      <a:fontRef idx="minor"/>
+    </dgm:style>
+  </dgm:styleLbl>
+  <dgm:styleLbl name="parChTrans1D2">
+    <dgm:scene3d>
+      <a:camera prst="orthographicFront"/>
+      <a:lightRig rig="threePt" dir="t"/>
+    </dgm:scene3d>
+    <dgm:sp3d/>
+    <dgm:txPr/>
+    <dgm:style>
+      <a:lnRef idx="2">
+        <a:scrgbClr r="0" g="0" b="0"/>
+      </a:lnRef>
+      <a:fillRef idx="0">
+        <a:scrgbClr r="0" g="0" b="0"/>
+      </a:fillRef>
+      <a:effectRef idx="0">
+        <a:scrgbClr r="0" g="0" b="0"/>
+      </a:effectRef>
+      <a:fontRef idx="minor"/>
+    </dgm:style>
+  </dgm:styleLbl>
+  <dgm:styleLbl name="parChTrans1D3">
+    <dgm:scene3d>
+      <a:camera prst="orthographicFront"/>
+      <a:lightRig rig="threePt" dir="t"/>
+    </dgm:scene3d>
+    <dgm:sp3d/>
+    <dgm:txPr/>
+    <dgm:style>
+      <a:lnRef idx="2">
+        <a:scrgbClr r="0" g="0" b="0"/>
+      </a:lnRef>
+      <a:fillRef idx="0">
+        <a:scrgbClr r="0" g="0" b="0"/>
+      </a:fillRef>
+      <a:effectRef idx="0">
+        <a:scrgbClr r="0" g="0" b="0"/>
+      </a:effectRef>
+      <a:fontRef idx="minor"/>
+    </dgm:style>
+  </dgm:styleLbl>
+  <dgm:styleLbl name="parChTrans1D4">
+    <dgm:scene3d>
+      <a:camera prst="orthographicFront"/>
+      <a:lightRig rig="threePt" dir="t"/>
+    </dgm:scene3d>
+    <dgm:sp3d/>
+    <dgm:txPr/>
+    <dgm:style>
+      <a:lnRef idx="2">
+        <a:scrgbClr r="0" g="0" b="0"/>
+      </a:lnRef>
+      <a:fillRef idx="0">
+        <a:scrgbClr r="0" g="0" b="0"/>
+      </a:fillRef>
+      <a:effectRef idx="0">
+        <a:scrgbClr r="0" g="0" b="0"/>
+      </a:effectRef>
+      <a:fontRef idx="minor"/>
+    </dgm:style>
+  </dgm:styleLbl>
+  <dgm:styleLbl name="fgAcc1">
+    <dgm:scene3d>
+      <a:camera prst="orthographicFront"/>
+      <a:lightRig rig="threePt" dir="t"/>
+    </dgm:scene3d>
+    <dgm:sp3d/>
+    <dgm:txPr/>
+    <dgm:style>
+      <a:lnRef idx="2">
+        <a:scrgbClr r="0" g="0" b="0"/>
+      </a:lnRef>
+      <a:fillRef idx="1">
+        <a:scrgbClr r="0" g="0" b="0"/>
+      </a:fillRef>
+      <a:effectRef idx="0">
+        <a:scrgbClr r="0" g="0" b="0"/>
+      </a:effectRef>
+      <a:fontRef idx="minor"/>
+    </dgm:style>
+  </dgm:styleLbl>
+  <dgm:styleLbl name="conFgAcc1">
+    <dgm:scene3d>
+      <a:camera prst="orthographicFront"/>
+      <a:lightRig rig="threePt" dir="t"/>
+    </dgm:scene3d>
+    <dgm:sp3d/>
+    <dgm:txPr/>
+    <dgm:style>
+      <a:lnRef idx="2">
+        <a:scrgbClr r="0" g="0" b="0"/>
+      </a:lnRef>
+      <a:fillRef idx="1">
+        <a:scrgbClr r="0" g="0" b="0"/>
+      </a:fillRef>
+      <a:effectRef idx="0">
+        <a:scrgbClr r="0" g="0" b="0"/>
+      </a:effectRef>
+      <a:fontRef idx="minor"/>
+    </dgm:style>
+  </dgm:styleLbl>
+  <dgm:styleLbl name="alignAcc1">
+    <dgm:scene3d>
+      <a:camera prst="orthographicFront"/>
+      <a:lightRig rig="threePt" dir="t"/>
+    </dgm:scene3d>
+    <dgm:sp3d/>
+    <dgm:txPr/>
+    <dgm:style>
+      <a:lnRef idx="2">
+        <a:scrgbClr r="0" g="0" b="0"/>
+      </a:lnRef>
+      <a:fillRef idx="1">
+        <a:scrgbClr r="0" g="0" b="0"/>
+      </a:fillRef>
+      <a:effectRef idx="0">
+        <a:scrgbClr r="0" g="0" b="0"/>
+      </a:effectRef>
+      <a:fontRef idx="minor"/>
+    </dgm:style>
+  </dgm:styleLbl>
+  <dgm:styleLbl name="trAlignAcc1">
+    <dgm:scene3d>
+      <a:camera prst="orthographicFront"/>
+      <a:lightRig rig="threePt" dir="t"/>
+    </dgm:scene3d>
+    <dgm:sp3d/>
+    <dgm:txPr/>
+    <dgm:style>
+      <a:lnRef idx="1">
+        <a:scrgbClr r="0" g="0" b="0"/>
+      </a:lnRef>
+      <a:fillRef idx="1">
+        <a:scrgbClr r="0" g="0" b="0"/>
+      </a:fillRef>
+      <a:effectRef idx="0">
+        <a:scrgbClr r="0" g="0" b="0"/>
+      </a:effectRef>
+      <a:fontRef idx="minor"/>
+    </dgm:style>
+  </dgm:styleLbl>
+  <dgm:styleLbl name="bgAcc1">
+    <dgm:scene3d>
+      <a:camera prst="orthographicFront"/>
+      <a:lightRig rig="threePt" dir="t"/>
+    </dgm:scene3d>
+    <dgm:sp3d/>
+    <dgm:txPr/>
+    <dgm:style>
+      <a:lnRef idx="2">
+        <a:scrgbClr r="0" g="0" b="0"/>
+      </a:lnRef>
+      <a:fillRef idx="1">
+        <a:scrgbClr r="0" g="0" b="0"/>
+      </a:fillRef>
+      <a:effectRef idx="0">
+        <a:scrgbClr r="0" g="0" b="0"/>
+      </a:effectRef>
+      <a:fontRef idx="minor"/>
+    </dgm:style>
+  </dgm:styleLbl>
+  <dgm:styleLbl name="solidFgAcc1">
+    <dgm:scene3d>
+      <a:camera prst="orthographicFront"/>
+      <a:lightRig rig="threePt" dir="t"/>
+    </dgm:scene3d>
+    <dgm:sp3d/>
+    <dgm:txPr/>
+    <dgm:style>
+      <a:lnRef idx="2">
+        <a:scrgbClr r="0" g="0" b="0"/>
+      </a:lnRef>
+      <a:fillRef idx="1">
+        <a:scrgbClr r="0" g="0" b="0"/>
+      </a:fillRef>
+      <a:effectRef idx="0">
+        <a:scrgbClr r="0" g="0" b="0"/>
+      </a:effectRef>
+      <a:fontRef idx="minor"/>
+    </dgm:style>
+  </dgm:styleLbl>
+  <dgm:styleLbl name="solidAlignAcc1">
+    <dgm:scene3d>
+      <a:camera prst="orthographicFront"/>
+      <a:lightRig rig="threePt" dir="t"/>
+    </dgm:scene3d>
+    <dgm:sp3d/>
+    <dgm:txPr/>
+    <dgm:style>
+      <a:lnRef idx="2">
+        <a:scrgbClr r="0" g="0" b="0"/>
+      </a:lnRef>
+      <a:fillRef idx="1">
+        <a:scrgbClr r="0" g="0" b="0"/>
+      </a:fillRef>
+      <a:effectRef idx="0">
+        <a:scrgbClr r="0" g="0" b="0"/>
+      </a:effectRef>
+      <a:fontRef idx="minor"/>
+    </dgm:style>
+  </dgm:styleLbl>
+  <dgm:styleLbl name="solidBgAcc1">
+    <dgm:scene3d>
+      <a:camera prst="orthographicFront"/>
+      <a:lightRig rig="threePt" dir="t"/>
+    </dgm:scene3d>
+    <dgm:sp3d/>
+    <dgm:txPr/>
+    <dgm:style>
+      <a:lnRef idx="2">
+        <a:scrgbClr r="0" g="0" b="0"/>
+      </a:lnRef>
+      <a:fillRef idx="1">
+        <a:scrgbClr r="0" g="0" b="0"/>
+      </a:fillRef>
+      <a:effectRef idx="0">
+        <a:scrgbClr r="0" g="0" b="0"/>
+      </a:effectRef>
+      <a:fontRef idx="minor"/>
+    </dgm:style>
+  </dgm:styleLbl>
+  <dgm:styleLbl name="fgAccFollowNode1">
+    <dgm:scene3d>
+      <a:camera prst="orthographicFront"/>
+      <a:lightRig rig="threePt" dir="t"/>
+    </dgm:scene3d>
+    <dgm:sp3d/>
+    <dgm:txPr/>
+    <dgm:style>
+      <a:lnRef idx="2">
+        <a:scrgbClr r="0" g="0" b="0"/>
+      </a:lnRef>
+      <a:fillRef idx="1">
+        <a:scrgbClr r="0" g="0" b="0"/>
+      </a:fillRef>
+      <a:effectRef idx="0">
+        <a:scrgbClr r="0" g="0" b="0"/>
+      </a:effectRef>
+      <a:fontRef idx="minor"/>
+    </dgm:style>
+  </dgm:styleLbl>
+  <dgm:styleLbl name="alignAccFollowNode1">
+    <dgm:scene3d>
+      <a:camera prst="orthographicFront"/>
+      <a:lightRig rig="threePt" dir="t"/>
+    </dgm:scene3d>
+    <dgm:sp3d/>
+    <dgm:txPr/>
+    <dgm:style>
+      <a:lnRef idx="2">
+        <a:scrgbClr r="0" g="0" b="0"/>
+      </a:lnRef>
+      <a:fillRef idx="1">
+        <a:scrgbClr r="0" g="0" b="0"/>
+      </a:fillRef>
+      <a:effectRef idx="0">
+        <a:scrgbClr r="0" g="0" b="0"/>
+      </a:effectRef>
+      <a:fontRef idx="minor"/>
+    </dgm:style>
+  </dgm:styleLbl>
+  <dgm:styleLbl name="bgAccFollowNode1">
+    <dgm:scene3d>
+      <a:camera prst="orthographicFront"/>
+      <a:lightRig rig="threePt" dir="t"/>
+    </dgm:scene3d>
+    <dgm:sp3d/>
+    <dgm:txPr/>
+    <dgm:style>
+      <a:lnRef idx="2">
+        <a:scrgbClr r="0" g="0" b="0"/>
+      </a:lnRef>
+      <a:fillRef idx="1">
+        <a:scrgbClr r="0" g="0" b="0"/>
+      </a:fillRef>
+      <a:effectRef idx="0">
+        <a:scrgbClr r="0" g="0" b="0"/>
+      </a:effectRef>
+      <a:fontRef idx="minor"/>
+    </dgm:style>
+  </dgm:styleLbl>
+  <dgm:styleLbl name="fgAcc0">
+    <dgm:scene3d>
+      <a:camera prst="orthographicFront"/>
+      <a:lightRig rig="threePt" dir="t"/>
+    </dgm:scene3d>
+    <dgm:sp3d/>
+    <dgm:txPr/>
+    <dgm:style>
+      <a:lnRef idx="2">
+        <a:scrgbClr r="0" g="0" b="0"/>
+      </a:lnRef>
+      <a:fillRef idx="1">
+        <a:scrgbClr r="0" g="0" b="0"/>
+      </a:fillRef>
+      <a:effectRef idx="0">
+        <a:scrgbClr r="0" g="0" b="0"/>
+      </a:effectRef>
+      <a:fontRef idx="minor"/>
+    </dgm:style>
+  </dgm:styleLbl>
+  <dgm:styleLbl name="fgAcc2">
+    <dgm:scene3d>
+      <a:camera prst="orthographicFront"/>
+      <a:lightRig rig="threePt" dir="t"/>
+    </dgm:scene3d>
+    <dgm:sp3d/>
+    <dgm:txPr/>
+    <dgm:style>
+      <a:lnRef idx="2">
+        <a:scrgbClr r="0" g="0" b="0"/>
+      </a:lnRef>
+      <a:fillRef idx="1">
+        <a:scrgbClr r="0" g="0" b="0"/>
+      </a:fillRef>
+      <a:effectRef idx="0">
+        <a:scrgbClr r="0" g="0" b="0"/>
+      </a:effectRef>
+      <a:fontRef idx="minor"/>
+    </dgm:style>
+  </dgm:styleLbl>
+  <dgm:styleLbl name="fgAcc3">
+    <dgm:scene3d>
+      <a:camera prst="orthographicFront"/>
+      <a:lightRig rig="threePt" dir="t"/>
+    </dgm:scene3d>
+    <dgm:sp3d/>
+    <dgm:txPr/>
+    <dgm:style>
+      <a:lnRef idx="2">
+        <a:scrgbClr r="0" g="0" b="0"/>
+      </a:lnRef>
+      <a:fillRef idx="1">
+        <a:scrgbClr r="0" g="0" b="0"/>
+      </a:fillRef>
+      <a:effectRef idx="0">
+        <a:scrgbClr r="0" g="0" b="0"/>
+      </a:effectRef>
+      <a:fontRef idx="minor"/>
+    </dgm:style>
+  </dgm:styleLbl>
+  <dgm:styleLbl name="fgAcc4">
+    <dgm:scene3d>
+      <a:camera prst="orthographicFront"/>
+      <a:lightRig rig="threePt" dir="t"/>
+    </dgm:scene3d>
+    <dgm:sp3d/>
+    <dgm:txPr/>
+    <dgm:style>
+      <a:lnRef idx="2">
+        <a:scrgbClr r="0" g="0" b="0"/>
+      </a:lnRef>
+      <a:fillRef idx="1">
+        <a:scrgbClr r="0" g="0" b="0"/>
+      </a:fillRef>
+      <a:effectRef idx="0">
+        <a:scrgbClr r="0" g="0" b="0"/>
+      </a:effectRef>
+      <a:fontRef idx="minor"/>
+    </dgm:style>
+  </dgm:styleLbl>
+  <dgm:styleLbl name="bgShp">
+    <dgm:scene3d>
+      <a:camera prst="orthographicFront"/>
+      <a:lightRig rig="threePt" dir="t"/>
+    </dgm:scene3d>
+    <dgm:sp3d/>
+    <dgm:txPr/>
+    <dgm:style>
+      <a:lnRef idx="0">
+        <a:scrgbClr r="0" g="0" b="0"/>
+      </a:lnRef>
+      <a:fillRef idx="1">
+        <a:scrgbClr r="0" g="0" b="0"/>
+      </a:fillRef>
+      <a:effectRef idx="0">
+        <a:scrgbClr r="0" g="0" b="0"/>
+      </a:effectRef>
+      <a:fontRef idx="minor"/>
+    </dgm:style>
+  </dgm:styleLbl>
+  <dgm:styleLbl name="dkBgShp">
+    <dgm:scene3d>
+      <a:camera prst="orthographicFront"/>
+      <a:lightRig rig="threePt" dir="t"/>
+    </dgm:scene3d>
+    <dgm:sp3d/>
+    <dgm:txPr/>
+    <dgm:style>
+      <a:lnRef idx="0">
+        <a:scrgbClr r="0" g="0" b="0"/>
+      </a:lnRef>
+      <a:fillRef idx="1">
+        <a:scrgbClr r="0" g="0" b="0"/>
+      </a:fillRef>
+      <a:effectRef idx="0">
+        <a:scrgbClr r="0" g="0" b="0"/>
+      </a:effectRef>
+      <a:fontRef idx="minor"/>
+    </dgm:style>
+  </dgm:styleLbl>
+  <dgm:styleLbl name="trBgShp">
+    <dgm:scene3d>
+      <a:camera prst="orthographicFront"/>
+      <a:lightRig rig="threePt" dir="t"/>
+    </dgm:scene3d>
+    <dgm:sp3d/>
+    <dgm:txPr/>
+    <dgm:style>
+      <a:lnRef idx="0">
+        <a:scrgbClr r="0" g="0" b="0"/>
+      </a:lnRef>
+      <a:fillRef idx="1">
+        <a:scrgbClr r="0" g="0" b="0"/>
+      </a:fillRef>
+      <a:effectRef idx="0">
+        <a:scrgbClr r="0" g="0" b="0"/>
+      </a:effectRef>
+      <a:fontRef idx="minor"/>
+    </dgm:style>
+  </dgm:styleLbl>
+  <dgm:styleLbl name="fgShp">
+    <dgm:scene3d>
+      <a:camera prst="orthographicFront"/>
+      <a:lightRig rig="threePt" dir="t"/>
+    </dgm:scene3d>
+    <dgm:sp3d/>
+    <dgm:txPr/>
+    <dgm:style>
+      <a:lnRef idx="2">
+        <a:scrgbClr r="0" g="0" b="0"/>
+      </a:lnRef>
+      <a:fillRef idx="1">
+        <a:scrgbClr r="0" g="0" b="0"/>
+      </a:fillRef>
+      <a:effectRef idx="0">
+        <a:scrgbClr r="0" g="0" b="0"/>
+      </a:effectRef>
+      <a:fontRef idx="minor"/>
+    </dgm:style>
+  </dgm:styleLbl>
+  <dgm:styleLbl name="revTx">
+    <dgm:scene3d>
+      <a:camera prst="orthographicFront"/>
+      <a:lightRig rig="threePt" dir="t"/>
+    </dgm:scene3d>
+    <dgm:sp3d/>
+    <dgm:txPr/>
+    <dgm:style>
+      <a:lnRef idx="0">
+        <a:scrgbClr r="0" g="0" b="0"/>
+      </a:lnRef>
+      <a:fillRef idx="0">
+        <a:scrgbClr r="0" g="0" b="0"/>
+      </a:fillRef>
+      <a:effectRef idx="0">
+        <a:scrgbClr r="0" g="0" b="0"/>
+      </a:effectRef>
+      <a:fontRef idx="minor"/>
+    </dgm:style>
+  </dgm:styleLbl>
+</dgm:styleDef>
+</file>
+
+<file path=ppt/diagrams/quickStyle8.xml><?xml version="1.0" encoding="utf-8"?>
 <dgm:styleDef xmlns:dgm="http://schemas.openxmlformats.org/drawingml/2006/diagram" xmlns:a="http://schemas.openxmlformats.org/drawingml/2006/main" uniqueId="urn:microsoft.com/office/officeart/2005/8/quickstyle/simple1">
   <dgm:title val=""/>
   <dgm:desc val=""/>
@@ -22532,7 +26479,7 @@
           <a:p>
             <a:fld id="{849FE5FF-72D2-734B-B823-80BA246D1CDB}" type="datetimeFigureOut">
               <a:rPr lang="en-VN" smtClean="0"/>
-              <a:t>29/07/2023</a:t>
+              <a:t>03/08/2023</a:t>
             </a:fld>
             <a:endParaRPr lang="en-VN"/>
           </a:p>
@@ -22958,6 +26905,141 @@
           <a:bodyPr/>
           <a:lstStyle/>
           <a:p>
+            <a:r>
+              <a:rPr lang="en-US" b="1" dirty="0">
+                <a:solidFill>
+                  <a:srgbClr val="569CD6"/>
+                </a:solidFill>
+                <a:effectLst/>
+                <a:latin typeface="Menlo" panose="020B0609030804020204" pitchFamily="49" charset="0"/>
+              </a:rPr>
+              <a:t>**On-demand**</a:t>
+            </a:r>
+            <a:endParaRPr lang="en-US" b="0" dirty="0">
+              <a:solidFill>
+                <a:srgbClr val="D4D4D4"/>
+              </a:solidFill>
+              <a:effectLst/>
+              <a:latin typeface="Menlo" panose="020B0609030804020204" pitchFamily="49" charset="0"/>
+            </a:endParaRPr>
+          </a:p>
+          <a:p>
+            <a:r>
+              <a:rPr lang="en-US" b="0" dirty="0">
+                <a:solidFill>
+                  <a:srgbClr val="6796E6"/>
+                </a:solidFill>
+                <a:effectLst/>
+                <a:latin typeface="Menlo" panose="020B0609030804020204" pitchFamily="49" charset="0"/>
+              </a:rPr>
+              <a:t>-</a:t>
+            </a:r>
+            <a:r>
+              <a:rPr lang="en-US" b="0" dirty="0">
+                <a:solidFill>
+                  <a:srgbClr val="D4D4D4"/>
+                </a:solidFill>
+                <a:effectLst/>
+                <a:latin typeface="Menlo" panose="020B0609030804020204" pitchFamily="49" charset="0"/>
+              </a:rPr>
+              <a:t> Based solely on usage</a:t>
+            </a:r>
+          </a:p>
+          <a:p>
+            <a:r>
+              <a:rPr lang="en-US" b="0" dirty="0">
+                <a:solidFill>
+                  <a:srgbClr val="6796E6"/>
+                </a:solidFill>
+                <a:effectLst/>
+                <a:latin typeface="Menlo" panose="020B0609030804020204" pitchFamily="49" charset="0"/>
+              </a:rPr>
+              <a:t>-</a:t>
+            </a:r>
+            <a:r>
+              <a:rPr lang="en-US" b="0" dirty="0">
+                <a:solidFill>
+                  <a:srgbClr val="D4D4D4"/>
+                </a:solidFill>
+                <a:effectLst/>
+                <a:latin typeface="Menlo" panose="020B0609030804020204" pitchFamily="49" charset="0"/>
+              </a:rPr>
+              <a:t> 5$ per TB/month, First 1TB/month free</a:t>
+            </a:r>
+          </a:p>
+          <a:p>
+            <a:br>
+              <a:rPr lang="en-US" b="0" dirty="0">
+                <a:solidFill>
+                  <a:srgbClr val="D4D4D4"/>
+                </a:solidFill>
+                <a:effectLst/>
+                <a:latin typeface="Menlo" panose="020B0609030804020204" pitchFamily="49" charset="0"/>
+              </a:rPr>
+            </a:br>
+            <a:r>
+              <a:rPr lang="en-US" b="1" dirty="0">
+                <a:solidFill>
+                  <a:srgbClr val="569CD6"/>
+                </a:solidFill>
+                <a:effectLst/>
+                <a:latin typeface="Menlo" panose="020B0609030804020204" pitchFamily="49" charset="0"/>
+              </a:rPr>
+              <a:t>**Flat-rate**</a:t>
+            </a:r>
+            <a:endParaRPr lang="en-US" b="0" dirty="0">
+              <a:solidFill>
+                <a:srgbClr val="D4D4D4"/>
+              </a:solidFill>
+              <a:effectLst/>
+              <a:latin typeface="Menlo" panose="020B0609030804020204" pitchFamily="49" charset="0"/>
+            </a:endParaRPr>
+          </a:p>
+          <a:p>
+            <a:r>
+              <a:rPr lang="en-US" b="0" dirty="0">
+                <a:solidFill>
+                  <a:srgbClr val="6796E6"/>
+                </a:solidFill>
+                <a:effectLst/>
+                <a:latin typeface="Menlo" panose="020B0609030804020204" pitchFamily="49" charset="0"/>
+              </a:rPr>
+              <a:t>-</a:t>
+            </a:r>
+            <a:r>
+              <a:rPr lang="en-US" b="0" dirty="0">
+                <a:solidFill>
+                  <a:srgbClr val="D4D4D4"/>
+                </a:solidFill>
+                <a:effectLst/>
+                <a:latin typeface="Menlo" panose="020B0609030804020204" pitchFamily="49" charset="0"/>
+              </a:rPr>
+              <a:t> Predictable, fixed monthly costs</a:t>
+            </a:r>
+          </a:p>
+          <a:p>
+            <a:r>
+              <a:rPr lang="en-US" b="0" dirty="0">
+                <a:solidFill>
+                  <a:srgbClr val="6796E6"/>
+                </a:solidFill>
+                <a:effectLst/>
+                <a:latin typeface="Menlo" panose="020B0609030804020204" pitchFamily="49" charset="0"/>
+              </a:rPr>
+              <a:t>-</a:t>
+            </a:r>
+            <a:r>
+              <a:rPr lang="en-US" b="0" dirty="0">
+                <a:solidFill>
+                  <a:srgbClr val="D4D4D4"/>
+                </a:solidFill>
+                <a:effectLst/>
+                <a:latin typeface="Menlo" panose="020B0609030804020204" pitchFamily="49" charset="0"/>
+              </a:rPr>
+              <a:t> $40000/month for 2000 slots*; $10,000 per 500 additional slots</a:t>
+            </a:r>
+          </a:p>
+          <a:p>
             <a:endParaRPr lang="en-VN" dirty="0"/>
           </a:p>
         </p:txBody>
@@ -22979,7 +27061,502 @@
           <a:p>
             <a:fld id="{764FE8ED-7006-C74E-A1E1-98539411368C}" type="slidenum">
               <a:rPr lang="en-VN" smtClean="0"/>
-              <a:t>16</a:t>
+              <a:t>18</a:t>
+            </a:fld>
+            <a:endParaRPr lang="en-VN"/>
+          </a:p>
+        </p:txBody>
+      </p:sp>
+    </p:spTree>
+    <p:extLst>
+      <p:ext uri="{BB962C8B-B14F-4D97-AF65-F5344CB8AC3E}">
+        <p14:creationId xmlns:p14="http://schemas.microsoft.com/office/powerpoint/2010/main" val="2732987347"/>
+      </p:ext>
+    </p:extLst>
+  </p:cSld>
+  <p:clrMapOvr>
+    <a:masterClrMapping/>
+  </p:clrMapOvr>
+</p:notes>
+</file>
+
+<file path=ppt/notesSlides/notesSlide11.xml><?xml version="1.0" encoding="utf-8"?>
+<p:notes xmlns:a="http://schemas.openxmlformats.org/drawingml/2006/main" xmlns:r="http://schemas.openxmlformats.org/officeDocument/2006/relationships" xmlns:p="http://schemas.openxmlformats.org/presentationml/2006/main">
+  <p:cSld>
+    <p:spTree>
+      <p:nvGrpSpPr>
+        <p:cNvPr id="1" name=""/>
+        <p:cNvGrpSpPr/>
+        <p:nvPr/>
+      </p:nvGrpSpPr>
+      <p:grpSpPr>
+        <a:xfrm>
+          <a:off x="0" y="0"/>
+          <a:ext cx="0" cy="0"/>
+          <a:chOff x="0" y="0"/>
+          <a:chExt cx="0" cy="0"/>
+        </a:xfrm>
+      </p:grpSpPr>
+      <p:sp>
+        <p:nvSpPr>
+          <p:cNvPr id="2" name="Slide Image Placeholder 1"/>
+          <p:cNvSpPr>
+            <a:spLocks noGrp="1" noRot="1" noChangeAspect="1"/>
+          </p:cNvSpPr>
+          <p:nvPr>
+            <p:ph type="sldImg"/>
+          </p:nvPr>
+        </p:nvSpPr>
+        <p:spPr/>
+      </p:sp>
+      <p:sp>
+        <p:nvSpPr>
+          <p:cNvPr id="3" name="Notes Placeholder 2"/>
+          <p:cNvSpPr>
+            <a:spLocks noGrp="1"/>
+          </p:cNvSpPr>
+          <p:nvPr>
+            <p:ph type="body" idx="1"/>
+          </p:nvPr>
+        </p:nvSpPr>
+        <p:spPr/>
+        <p:txBody>
+          <a:bodyPr/>
+          <a:lstStyle/>
+          <a:p>
+            <a:endParaRPr lang="en-VN" dirty="0"/>
+          </a:p>
+        </p:txBody>
+      </p:sp>
+      <p:sp>
+        <p:nvSpPr>
+          <p:cNvPr id="4" name="Slide Number Placeholder 3"/>
+          <p:cNvSpPr>
+            <a:spLocks noGrp="1"/>
+          </p:cNvSpPr>
+          <p:nvPr>
+            <p:ph type="sldNum" sz="quarter" idx="5"/>
+          </p:nvPr>
+        </p:nvSpPr>
+        <p:spPr/>
+        <p:txBody>
+          <a:bodyPr/>
+          <a:lstStyle/>
+          <a:p>
+            <a:fld id="{764FE8ED-7006-C74E-A1E1-98539411368C}" type="slidenum">
+              <a:rPr lang="en-VN" smtClean="0"/>
+              <a:t>19</a:t>
+            </a:fld>
+            <a:endParaRPr lang="en-VN"/>
+          </a:p>
+        </p:txBody>
+      </p:sp>
+    </p:spTree>
+    <p:extLst>
+      <p:ext uri="{BB962C8B-B14F-4D97-AF65-F5344CB8AC3E}">
+        <p14:creationId xmlns:p14="http://schemas.microsoft.com/office/powerpoint/2010/main" val="1585988381"/>
+      </p:ext>
+    </p:extLst>
+  </p:cSld>
+  <p:clrMapOvr>
+    <a:masterClrMapping/>
+  </p:clrMapOvr>
+</p:notes>
+</file>
+
+<file path=ppt/notesSlides/notesSlide12.xml><?xml version="1.0" encoding="utf-8"?>
+<p:notes xmlns:a="http://schemas.openxmlformats.org/drawingml/2006/main" xmlns:r="http://schemas.openxmlformats.org/officeDocument/2006/relationships" xmlns:p="http://schemas.openxmlformats.org/presentationml/2006/main">
+  <p:cSld>
+    <p:spTree>
+      <p:nvGrpSpPr>
+        <p:cNvPr id="1" name=""/>
+        <p:cNvGrpSpPr/>
+        <p:nvPr/>
+      </p:nvGrpSpPr>
+      <p:grpSpPr>
+        <a:xfrm>
+          <a:off x="0" y="0"/>
+          <a:ext cx="0" cy="0"/>
+          <a:chOff x="0" y="0"/>
+          <a:chExt cx="0" cy="0"/>
+        </a:xfrm>
+      </p:grpSpPr>
+      <p:sp>
+        <p:nvSpPr>
+          <p:cNvPr id="2" name="Slide Image Placeholder 1"/>
+          <p:cNvSpPr>
+            <a:spLocks noGrp="1" noRot="1" noChangeAspect="1"/>
+          </p:cNvSpPr>
+          <p:nvPr>
+            <p:ph type="sldImg"/>
+          </p:nvPr>
+        </p:nvSpPr>
+        <p:spPr/>
+      </p:sp>
+      <p:sp>
+        <p:nvSpPr>
+          <p:cNvPr id="3" name="Notes Placeholder 2"/>
+          <p:cNvSpPr>
+            <a:spLocks noGrp="1"/>
+          </p:cNvSpPr>
+          <p:nvPr>
+            <p:ph type="body" idx="1"/>
+          </p:nvPr>
+        </p:nvSpPr>
+        <p:spPr/>
+        <p:txBody>
+          <a:bodyPr/>
+          <a:lstStyle/>
+          <a:p>
+            <a:r>
+              <a:rPr lang="en-US" b="1" dirty="0">
+                <a:solidFill>
+                  <a:srgbClr val="569CD6"/>
+                </a:solidFill>
+                <a:effectLst/>
+                <a:latin typeface="Menlo" panose="020B0609030804020204" pitchFamily="49" charset="0"/>
+              </a:rPr>
+              <a:t>**Query only columns you need**</a:t>
+            </a:r>
+            <a:endParaRPr lang="en-US" b="0" dirty="0">
+              <a:solidFill>
+                <a:srgbClr val="D4D4D4"/>
+              </a:solidFill>
+              <a:effectLst/>
+              <a:latin typeface="Menlo" panose="020B0609030804020204" pitchFamily="49" charset="0"/>
+            </a:endParaRPr>
+          </a:p>
+          <a:p>
+            <a:r>
+              <a:rPr lang="en-US" b="0" dirty="0">
+                <a:solidFill>
+                  <a:srgbClr val="6796E6"/>
+                </a:solidFill>
+                <a:effectLst/>
+                <a:latin typeface="Menlo" panose="020B0609030804020204" pitchFamily="49" charset="0"/>
+              </a:rPr>
+              <a:t>-</a:t>
+            </a:r>
+            <a:r>
+              <a:rPr lang="en-US" b="0" dirty="0">
+                <a:solidFill>
+                  <a:srgbClr val="D4D4D4"/>
+                </a:solidFill>
+                <a:effectLst/>
+                <a:latin typeface="Menlo" panose="020B0609030804020204" pitchFamily="49" charset="0"/>
+              </a:rPr>
+              <a:t>  Under the hood, </a:t>
+            </a:r>
+            <a:r>
+              <a:rPr lang="en-US" b="0" dirty="0" err="1">
+                <a:solidFill>
+                  <a:srgbClr val="D4D4D4"/>
+                </a:solidFill>
+                <a:effectLst/>
+                <a:latin typeface="Menlo" panose="020B0609030804020204" pitchFamily="49" charset="0"/>
+              </a:rPr>
+              <a:t>BigQuery</a:t>
+            </a:r>
+            <a:r>
+              <a:rPr lang="en-US" b="0" dirty="0">
+                <a:solidFill>
+                  <a:srgbClr val="D4D4D4"/>
+                </a:solidFill>
+                <a:effectLst/>
+                <a:latin typeface="Menlo" panose="020B0609030804020204" pitchFamily="49" charset="0"/>
+              </a:rPr>
+              <a:t> is columnar</a:t>
+            </a:r>
+          </a:p>
+          <a:p>
+            <a:pPr marL="171450" indent="-171450">
+              <a:buFontTx/>
+              <a:buChar char="-"/>
+            </a:pPr>
+            <a:r>
+              <a:rPr lang="en-US" b="0" dirty="0">
+                <a:solidFill>
+                  <a:srgbClr val="D4D4D4"/>
+                </a:solidFill>
+                <a:effectLst/>
+                <a:latin typeface="Menlo" panose="020B0609030804020204" pitchFamily="49" charset="0"/>
+              </a:rPr>
+              <a:t>Each column stored separately in encrypted, replicated file</a:t>
+            </a:r>
+          </a:p>
+          <a:p>
+            <a:pPr marL="171450" indent="-171450">
+              <a:buFontTx/>
+              <a:buChar char="-"/>
+            </a:pPr>
+            <a:endParaRPr lang="en-US" b="0" dirty="0">
+              <a:solidFill>
+                <a:srgbClr val="D4D4D4"/>
+              </a:solidFill>
+              <a:effectLst/>
+              <a:latin typeface="Menlo" panose="020B0609030804020204" pitchFamily="49" charset="0"/>
+            </a:endParaRPr>
+          </a:p>
+          <a:p>
+            <a:r>
+              <a:rPr lang="en-US" b="1" dirty="0">
+                <a:solidFill>
+                  <a:srgbClr val="569CD6"/>
+                </a:solidFill>
+                <a:effectLst/>
+                <a:latin typeface="Menlo" panose="020B0609030804020204" pitchFamily="49" charset="0"/>
+              </a:rPr>
+              <a:t>**Use table preview to explore data**</a:t>
+            </a:r>
+            <a:endParaRPr lang="en-US" b="0" dirty="0">
+              <a:solidFill>
+                <a:srgbClr val="D4D4D4"/>
+              </a:solidFill>
+              <a:effectLst/>
+              <a:latin typeface="Menlo" panose="020B0609030804020204" pitchFamily="49" charset="0"/>
+            </a:endParaRPr>
+          </a:p>
+          <a:p>
+            <a:pPr marL="171450" indent="-171450">
+              <a:buFontTx/>
+              <a:buChar char="-"/>
+            </a:pPr>
+            <a:r>
+              <a:rPr lang="en-US" b="0" dirty="0">
+                <a:solidFill>
+                  <a:srgbClr val="D4D4D4"/>
+                </a:solidFill>
+                <a:effectLst/>
+                <a:latin typeface="Menlo" panose="020B0609030804020204" pitchFamily="49" charset="0"/>
+              </a:rPr>
+              <a:t>Don't run queries just to explore</a:t>
+            </a:r>
+          </a:p>
+          <a:p>
+            <a:pPr marL="171450" indent="-171450">
+              <a:buFontTx/>
+              <a:buChar char="-"/>
+            </a:pPr>
+            <a:endParaRPr lang="en-US" b="0" dirty="0">
+              <a:solidFill>
+                <a:srgbClr val="D4D4D4"/>
+              </a:solidFill>
+              <a:effectLst/>
+              <a:latin typeface="Menlo" panose="020B0609030804020204" pitchFamily="49" charset="0"/>
+            </a:endParaRPr>
+          </a:p>
+          <a:p>
+            <a:r>
+              <a:rPr lang="en-US" b="1" dirty="0">
+                <a:solidFill>
+                  <a:srgbClr val="569CD6"/>
+                </a:solidFill>
+                <a:effectLst/>
+                <a:latin typeface="Menlo" panose="020B0609030804020204" pitchFamily="49" charset="0"/>
+              </a:rPr>
+              <a:t>**Calculate query price before running**</a:t>
+            </a:r>
+            <a:endParaRPr lang="en-US" b="0" dirty="0">
+              <a:solidFill>
+                <a:srgbClr val="D4D4D4"/>
+              </a:solidFill>
+              <a:effectLst/>
+              <a:latin typeface="Menlo" panose="020B0609030804020204" pitchFamily="49" charset="0"/>
+            </a:endParaRPr>
+          </a:p>
+          <a:p>
+            <a:r>
+              <a:rPr lang="en-US" b="0" dirty="0">
+                <a:solidFill>
+                  <a:srgbClr val="6796E6"/>
+                </a:solidFill>
+                <a:effectLst/>
+                <a:latin typeface="Menlo" panose="020B0609030804020204" pitchFamily="49" charset="0"/>
+              </a:rPr>
+              <a:t>-</a:t>
+            </a:r>
+            <a:r>
+              <a:rPr lang="en-US" b="0" dirty="0">
+                <a:solidFill>
+                  <a:srgbClr val="D4D4D4"/>
+                </a:solidFill>
+                <a:effectLst/>
+                <a:latin typeface="Menlo" panose="020B0609030804020204" pitchFamily="49" charset="0"/>
+              </a:rPr>
+              <a:t>  </a:t>
+            </a:r>
+            <a:r>
+              <a:rPr lang="en-US" b="0" dirty="0" err="1">
+                <a:solidFill>
+                  <a:srgbClr val="D4D4D4"/>
+                </a:solidFill>
+                <a:effectLst/>
+                <a:latin typeface="Menlo" panose="020B0609030804020204" pitchFamily="49" charset="0"/>
+              </a:rPr>
+              <a:t>dry_run</a:t>
+            </a:r>
+            <a:r>
+              <a:rPr lang="en-US" b="0" dirty="0">
+                <a:solidFill>
+                  <a:srgbClr val="D4D4D4"/>
+                </a:solidFill>
+                <a:effectLst/>
+                <a:latin typeface="Menlo" panose="020B0609030804020204" pitchFamily="49" charset="0"/>
+              </a:rPr>
+              <a:t> flag in CLI</a:t>
+            </a:r>
+          </a:p>
+          <a:p>
+            <a:r>
+              <a:rPr lang="en-US" b="0" dirty="0">
+                <a:solidFill>
+                  <a:srgbClr val="6796E6"/>
+                </a:solidFill>
+                <a:effectLst/>
+                <a:latin typeface="Menlo" panose="020B0609030804020204" pitchFamily="49" charset="0"/>
+              </a:rPr>
+              <a:t>- </a:t>
+            </a:r>
+            <a:r>
+              <a:rPr lang="en-US" b="0" dirty="0">
+                <a:solidFill>
+                  <a:srgbClr val="D4D4D4"/>
+                </a:solidFill>
+                <a:effectLst/>
+                <a:latin typeface="Menlo" panose="020B0609030804020204" pitchFamily="49" charset="0"/>
+              </a:rPr>
+              <a:t> query validator in UI</a:t>
+            </a:r>
+          </a:p>
+          <a:p>
+            <a:r>
+              <a:rPr lang="en-US" b="0" dirty="0">
+                <a:solidFill>
+                  <a:srgbClr val="6796E6"/>
+                </a:solidFill>
+                <a:effectLst/>
+                <a:latin typeface="Menlo" panose="020B0609030804020204" pitchFamily="49" charset="0"/>
+              </a:rPr>
+              <a:t>- </a:t>
+            </a:r>
+            <a:r>
+              <a:rPr lang="en-US" b="0" dirty="0">
+                <a:solidFill>
+                  <a:srgbClr val="D4D4D4"/>
+                </a:solidFill>
+                <a:effectLst/>
+                <a:latin typeface="Menlo" panose="020B0609030804020204" pitchFamily="49" charset="0"/>
+              </a:rPr>
+              <a:t> GCP pricing calculator</a:t>
+            </a:r>
+          </a:p>
+          <a:p>
+            <a:endParaRPr lang="en-VN" dirty="0"/>
+          </a:p>
+        </p:txBody>
+      </p:sp>
+      <p:sp>
+        <p:nvSpPr>
+          <p:cNvPr id="4" name="Slide Number Placeholder 3"/>
+          <p:cNvSpPr>
+            <a:spLocks noGrp="1"/>
+          </p:cNvSpPr>
+          <p:nvPr>
+            <p:ph type="sldNum" sz="quarter" idx="5"/>
+          </p:nvPr>
+        </p:nvSpPr>
+        <p:spPr/>
+        <p:txBody>
+          <a:bodyPr/>
+          <a:lstStyle/>
+          <a:p>
+            <a:fld id="{764FE8ED-7006-C74E-A1E1-98539411368C}" type="slidenum">
+              <a:rPr lang="en-VN" smtClean="0"/>
+              <a:t>20</a:t>
+            </a:fld>
+            <a:endParaRPr lang="en-VN"/>
+          </a:p>
+        </p:txBody>
+      </p:sp>
+    </p:spTree>
+    <p:extLst>
+      <p:ext uri="{BB962C8B-B14F-4D97-AF65-F5344CB8AC3E}">
+        <p14:creationId xmlns:p14="http://schemas.microsoft.com/office/powerpoint/2010/main" val="1981527965"/>
+      </p:ext>
+    </p:extLst>
+  </p:cSld>
+  <p:clrMapOvr>
+    <a:masterClrMapping/>
+  </p:clrMapOvr>
+</p:notes>
+</file>
+
+<file path=ppt/notesSlides/notesSlide13.xml><?xml version="1.0" encoding="utf-8"?>
+<p:notes xmlns:a="http://schemas.openxmlformats.org/drawingml/2006/main" xmlns:r="http://schemas.openxmlformats.org/officeDocument/2006/relationships" xmlns:p="http://schemas.openxmlformats.org/presentationml/2006/main">
+  <p:cSld>
+    <p:spTree>
+      <p:nvGrpSpPr>
+        <p:cNvPr id="1" name=""/>
+        <p:cNvGrpSpPr/>
+        <p:nvPr/>
+      </p:nvGrpSpPr>
+      <p:grpSpPr>
+        <a:xfrm>
+          <a:off x="0" y="0"/>
+          <a:ext cx="0" cy="0"/>
+          <a:chOff x="0" y="0"/>
+          <a:chExt cx="0" cy="0"/>
+        </a:xfrm>
+      </p:grpSpPr>
+      <p:sp>
+        <p:nvSpPr>
+          <p:cNvPr id="2" name="Slide Image Placeholder 1"/>
+          <p:cNvSpPr>
+            <a:spLocks noGrp="1" noRot="1" noChangeAspect="1"/>
+          </p:cNvSpPr>
+          <p:nvPr>
+            <p:ph type="sldImg"/>
+          </p:nvPr>
+        </p:nvSpPr>
+        <p:spPr/>
+      </p:sp>
+      <p:sp>
+        <p:nvSpPr>
+          <p:cNvPr id="3" name="Notes Placeholder 2"/>
+          <p:cNvSpPr>
+            <a:spLocks noGrp="1"/>
+          </p:cNvSpPr>
+          <p:nvPr>
+            <p:ph type="body" idx="1"/>
+          </p:nvPr>
+        </p:nvSpPr>
+        <p:spPr/>
+        <p:txBody>
+          <a:bodyPr/>
+          <a:lstStyle/>
+          <a:p>
+            <a:endParaRPr lang="en-VN" dirty="0"/>
+          </a:p>
+        </p:txBody>
+      </p:sp>
+      <p:sp>
+        <p:nvSpPr>
+          <p:cNvPr id="4" name="Slide Number Placeholder 3"/>
+          <p:cNvSpPr>
+            <a:spLocks noGrp="1"/>
+          </p:cNvSpPr>
+          <p:nvPr>
+            <p:ph type="sldNum" sz="quarter" idx="5"/>
+          </p:nvPr>
+        </p:nvSpPr>
+        <p:spPr/>
+        <p:txBody>
+          <a:bodyPr/>
+          <a:lstStyle/>
+          <a:p>
+            <a:fld id="{764FE8ED-7006-C74E-A1E1-98539411368C}" type="slidenum">
+              <a:rPr lang="en-VN" smtClean="0"/>
+              <a:t>24</a:t>
             </a:fld>
             <a:endParaRPr lang="en-VN"/>
           </a:p>
@@ -25848,7 +30425,7 @@
           <a:p>
             <a:fld id="{678A0355-A950-FF46-9943-861FCA07D05A}" type="datetimeFigureOut">
               <a:rPr lang="en-VN" smtClean="0"/>
-              <a:t>29/07/2023</a:t>
+              <a:t>03/08/2023</a:t>
             </a:fld>
             <a:endParaRPr lang="en-VN"/>
           </a:p>
@@ -26048,7 +30625,7 @@
           <a:p>
             <a:fld id="{678A0355-A950-FF46-9943-861FCA07D05A}" type="datetimeFigureOut">
               <a:rPr lang="en-VN" smtClean="0"/>
-              <a:t>29/07/2023</a:t>
+              <a:t>03/08/2023</a:t>
             </a:fld>
             <a:endParaRPr lang="en-VN"/>
           </a:p>
@@ -26258,7 +30835,7 @@
           <a:p>
             <a:fld id="{678A0355-A950-FF46-9943-861FCA07D05A}" type="datetimeFigureOut">
               <a:rPr lang="en-VN" smtClean="0"/>
-              <a:t>29/07/2023</a:t>
+              <a:t>03/08/2023</a:t>
             </a:fld>
             <a:endParaRPr lang="en-VN"/>
           </a:p>
@@ -26458,7 +31035,7 @@
           <a:p>
             <a:fld id="{678A0355-A950-FF46-9943-861FCA07D05A}" type="datetimeFigureOut">
               <a:rPr lang="en-VN" smtClean="0"/>
-              <a:t>29/07/2023</a:t>
+              <a:t>03/08/2023</a:t>
             </a:fld>
             <a:endParaRPr lang="en-VN"/>
           </a:p>
@@ -26734,7 +31311,7 @@
           <a:p>
             <a:fld id="{678A0355-A950-FF46-9943-861FCA07D05A}" type="datetimeFigureOut">
               <a:rPr lang="en-VN" smtClean="0"/>
-              <a:t>29/07/2023</a:t>
+              <a:t>03/08/2023</a:t>
             </a:fld>
             <a:endParaRPr lang="en-VN"/>
           </a:p>
@@ -27002,7 +31579,7 @@
           <a:p>
             <a:fld id="{678A0355-A950-FF46-9943-861FCA07D05A}" type="datetimeFigureOut">
               <a:rPr lang="en-VN" smtClean="0"/>
-              <a:t>29/07/2023</a:t>
+              <a:t>03/08/2023</a:t>
             </a:fld>
             <a:endParaRPr lang="en-VN"/>
           </a:p>
@@ -27417,7 +31994,7 @@
           <a:p>
             <a:fld id="{678A0355-A950-FF46-9943-861FCA07D05A}" type="datetimeFigureOut">
               <a:rPr lang="en-VN" smtClean="0"/>
-              <a:t>29/07/2023</a:t>
+              <a:t>03/08/2023</a:t>
             </a:fld>
             <a:endParaRPr lang="en-VN"/>
           </a:p>
@@ -27559,7 +32136,7 @@
           <a:p>
             <a:fld id="{678A0355-A950-FF46-9943-861FCA07D05A}" type="datetimeFigureOut">
               <a:rPr lang="en-VN" smtClean="0"/>
-              <a:t>29/07/2023</a:t>
+              <a:t>03/08/2023</a:t>
             </a:fld>
             <a:endParaRPr lang="en-VN"/>
           </a:p>
@@ -27672,7 +32249,7 @@
           <a:p>
             <a:fld id="{678A0355-A950-FF46-9943-861FCA07D05A}" type="datetimeFigureOut">
               <a:rPr lang="en-VN" smtClean="0"/>
-              <a:t>29/07/2023</a:t>
+              <a:t>03/08/2023</a:t>
             </a:fld>
             <a:endParaRPr lang="en-VN"/>
           </a:p>
@@ -27985,7 +32562,7 @@
           <a:p>
             <a:fld id="{678A0355-A950-FF46-9943-861FCA07D05A}" type="datetimeFigureOut">
               <a:rPr lang="en-VN" smtClean="0"/>
-              <a:t>29/07/2023</a:t>
+              <a:t>03/08/2023</a:t>
             </a:fld>
             <a:endParaRPr lang="en-VN"/>
           </a:p>
@@ -28274,7 +32851,7 @@
           <a:p>
             <a:fld id="{678A0355-A950-FF46-9943-861FCA07D05A}" type="datetimeFigureOut">
               <a:rPr lang="en-VN" smtClean="0"/>
-              <a:t>29/07/2023</a:t>
+              <a:t>03/08/2023</a:t>
             </a:fld>
             <a:endParaRPr lang="en-VN"/>
           </a:p>
@@ -28517,7 +33094,7 @@
           <a:p>
             <a:fld id="{678A0355-A950-FF46-9943-861FCA07D05A}" type="datetimeFigureOut">
               <a:rPr lang="en-VN" smtClean="0"/>
-              <a:t>29/07/2023</a:t>
+              <a:t>03/08/2023</a:t>
             </a:fld>
             <a:endParaRPr lang="en-VN"/>
           </a:p>
@@ -31126,6 +35703,3905 @@
       </p:grpSpPr>
       <p:sp useBgFill="1">
         <p:nvSpPr>
+          <p:cNvPr id="10" name="Rectangle 9">
+            <a:extLst>
+              <a:ext uri="{FF2B5EF4-FFF2-40B4-BE49-F238E27FC236}">
+                <a16:creationId xmlns:a16="http://schemas.microsoft.com/office/drawing/2014/main" id="{7B831B6F-405A-4B47-B9BB-5CA88F285844}"/>
+              </a:ext>
+              <a:ext uri="{C183D7F6-B498-43B3-948B-1728B52AA6E4}">
+                <adec:decorative xmlns:adec="http://schemas.microsoft.com/office/drawing/2017/decorative" val="1"/>
+              </a:ext>
+            </a:extLst>
+          </p:cNvPr>
+          <p:cNvSpPr>
+            <a:spLocks noGrp="1" noRot="1" noChangeAspect="1" noMove="1" noResize="1" noEditPoints="1" noAdjustHandles="1" noChangeArrowheads="1" noChangeShapeType="1" noTextEdit="1"/>
+          </p:cNvSpPr>
+          <p:nvPr>
+            <p:extLst>
+              <p:ext uri="{386F3935-93C4-4BCD-93E2-E3B085C9AB24}">
+                <p16:designElem xmlns:p16="http://schemas.microsoft.com/office/powerpoint/2015/main" val="1"/>
+              </p:ext>
+            </p:extLst>
+          </p:nvPr>
+        </p:nvSpPr>
+        <p:spPr>
+          <a:xfrm>
+            <a:off x="0" y="0"/>
+            <a:ext cx="12192000" cy="6858000"/>
+          </a:xfrm>
+          <a:prstGeom prst="rect">
+            <a:avLst/>
+          </a:prstGeom>
+          <a:ln>
+            <a:noFill/>
+          </a:ln>
+        </p:spPr>
+        <p:style>
+          <a:lnRef idx="2">
+            <a:schemeClr val="accent1">
+              <a:shade val="50000"/>
+            </a:schemeClr>
+          </a:lnRef>
+          <a:fillRef idx="1">
+            <a:schemeClr val="accent1"/>
+          </a:fillRef>
+          <a:effectRef idx="0">
+            <a:schemeClr val="accent1"/>
+          </a:effectRef>
+          <a:fontRef idx="minor">
+            <a:schemeClr val="lt1"/>
+          </a:fontRef>
+        </p:style>
+        <p:txBody>
+          <a:bodyPr rtlCol="0" anchor="ctr"/>
+          <a:lstStyle/>
+          <a:p>
+            <a:pPr algn="ctr"/>
+            <a:endParaRPr lang="en-US"/>
+          </a:p>
+        </p:txBody>
+      </p:sp>
+      <p:sp>
+        <p:nvSpPr>
+          <p:cNvPr id="2" name="Title 1">
+            <a:extLst>
+              <a:ext uri="{FF2B5EF4-FFF2-40B4-BE49-F238E27FC236}">
+                <a16:creationId xmlns:a16="http://schemas.microsoft.com/office/drawing/2014/main" id="{45A7BAA1-63F0-8D1C-A75D-006661FFB355}"/>
+              </a:ext>
+            </a:extLst>
+          </p:cNvPr>
+          <p:cNvSpPr>
+            <a:spLocks noGrp="1"/>
+          </p:cNvSpPr>
+          <p:nvPr>
+            <p:ph type="title"/>
+          </p:nvPr>
+        </p:nvSpPr>
+        <p:spPr>
+          <a:xfrm>
+            <a:off x="6739128" y="638089"/>
+            <a:ext cx="4818888" cy="1476801"/>
+          </a:xfrm>
+        </p:spPr>
+        <p:txBody>
+          <a:bodyPr anchor="b">
+            <a:normAutofit/>
+          </a:bodyPr>
+          <a:lstStyle/>
+          <a:p>
+            <a:r>
+              <a:rPr lang="en-VN" sz="5400" dirty="0"/>
+              <a:t>Pricing</a:t>
+            </a:r>
+          </a:p>
+        </p:txBody>
+      </p:sp>
+      <p:pic>
+        <p:nvPicPr>
+          <p:cNvPr id="7" name="Graphic 6" descr="Money">
+            <a:extLst>
+              <a:ext uri="{FF2B5EF4-FFF2-40B4-BE49-F238E27FC236}">
+                <a16:creationId xmlns:a16="http://schemas.microsoft.com/office/drawing/2014/main" id="{0B159276-7AF8-8633-9242-0BBF1FF37CE2}"/>
+              </a:ext>
+            </a:extLst>
+          </p:cNvPr>
+          <p:cNvPicPr>
+            <a:picLocks noChangeAspect="1"/>
+          </p:cNvPicPr>
+          <p:nvPr/>
+        </p:nvPicPr>
+        <p:blipFill>
+          <a:blip r:embed="rId2">
+            <a:extLst>
+              <a:ext uri="{28A0092B-C50C-407E-A947-70E740481C1C}">
+                <a14:useLocalDpi xmlns:a14="http://schemas.microsoft.com/office/drawing/2010/main" val="0"/>
+              </a:ext>
+              <a:ext uri="{96DAC541-7B7A-43D3-8B79-37D633B846F1}">
+                <asvg:svgBlip xmlns:asvg="http://schemas.microsoft.com/office/drawing/2016/SVG/main" r:embed="rId3"/>
+              </a:ext>
+            </a:extLst>
+          </a:blip>
+          <a:stretch>
+            <a:fillRect/>
+          </a:stretch>
+        </p:blipFill>
+        <p:spPr>
+          <a:xfrm>
+            <a:off x="630936" y="699516"/>
+            <a:ext cx="5458968" cy="5458968"/>
+          </a:xfrm>
+          <a:prstGeom prst="rect">
+            <a:avLst/>
+          </a:prstGeom>
+        </p:spPr>
+      </p:pic>
+      <p:sp>
+        <p:nvSpPr>
+          <p:cNvPr id="12" name="sketch line">
+            <a:extLst>
+              <a:ext uri="{FF2B5EF4-FFF2-40B4-BE49-F238E27FC236}">
+                <a16:creationId xmlns:a16="http://schemas.microsoft.com/office/drawing/2014/main" id="{953EE71A-6488-4203-A7C4-77102FD0DCCA}"/>
+              </a:ext>
+              <a:ext uri="{C183D7F6-B498-43B3-948B-1728B52AA6E4}">
+                <adec:decorative xmlns:adec="http://schemas.microsoft.com/office/drawing/2017/decorative" val="1"/>
+              </a:ext>
+            </a:extLst>
+          </p:cNvPr>
+          <p:cNvSpPr>
+            <a:spLocks noGrp="1" noRot="1" noChangeAspect="1" noMove="1" noResize="1" noEditPoints="1" noAdjustHandles="1" noChangeArrowheads="1" noChangeShapeType="1" noTextEdit="1"/>
+          </p:cNvSpPr>
+          <p:nvPr>
+            <p:extLst>
+              <p:ext uri="{386F3935-93C4-4BCD-93E2-E3B085C9AB24}">
+                <p16:designElem xmlns:p16="http://schemas.microsoft.com/office/powerpoint/2015/main" val="1"/>
+              </p:ext>
+            </p:extLst>
+          </p:nvPr>
+        </p:nvSpPr>
+        <p:spPr>
+          <a:xfrm>
+            <a:off x="6739128" y="2372868"/>
+            <a:ext cx="3255095" cy="18288"/>
+          </a:xfrm>
+          <a:custGeom>
+            <a:avLst/>
+            <a:gdLst>
+              <a:gd name="connsiteX0" fmla="*/ 0 w 3255095"/>
+              <a:gd name="connsiteY0" fmla="*/ 0 h 18288"/>
+              <a:gd name="connsiteX1" fmla="*/ 618468 w 3255095"/>
+              <a:gd name="connsiteY1" fmla="*/ 0 h 18288"/>
+              <a:gd name="connsiteX2" fmla="*/ 1269487 w 3255095"/>
+              <a:gd name="connsiteY2" fmla="*/ 0 h 18288"/>
+              <a:gd name="connsiteX3" fmla="*/ 1953057 w 3255095"/>
+              <a:gd name="connsiteY3" fmla="*/ 0 h 18288"/>
+              <a:gd name="connsiteX4" fmla="*/ 2636627 w 3255095"/>
+              <a:gd name="connsiteY4" fmla="*/ 0 h 18288"/>
+              <a:gd name="connsiteX5" fmla="*/ 3255095 w 3255095"/>
+              <a:gd name="connsiteY5" fmla="*/ 0 h 18288"/>
+              <a:gd name="connsiteX6" fmla="*/ 3255095 w 3255095"/>
+              <a:gd name="connsiteY6" fmla="*/ 18288 h 18288"/>
+              <a:gd name="connsiteX7" fmla="*/ 2538974 w 3255095"/>
+              <a:gd name="connsiteY7" fmla="*/ 18288 h 18288"/>
+              <a:gd name="connsiteX8" fmla="*/ 1822853 w 3255095"/>
+              <a:gd name="connsiteY8" fmla="*/ 18288 h 18288"/>
+              <a:gd name="connsiteX9" fmla="*/ 1171834 w 3255095"/>
+              <a:gd name="connsiteY9" fmla="*/ 18288 h 18288"/>
+              <a:gd name="connsiteX10" fmla="*/ 0 w 3255095"/>
+              <a:gd name="connsiteY10" fmla="*/ 18288 h 18288"/>
+              <a:gd name="connsiteX11" fmla="*/ 0 w 3255095"/>
+              <a:gd name="connsiteY11" fmla="*/ 0 h 18288"/>
+            </a:gdLst>
+            <a:ahLst/>
+            <a:cxnLst>
+              <a:cxn ang="0">
+                <a:pos x="connsiteX0" y="connsiteY0"/>
+              </a:cxn>
+              <a:cxn ang="0">
+                <a:pos x="connsiteX1" y="connsiteY1"/>
+              </a:cxn>
+              <a:cxn ang="0">
+                <a:pos x="connsiteX2" y="connsiteY2"/>
+              </a:cxn>
+              <a:cxn ang="0">
+                <a:pos x="connsiteX3" y="connsiteY3"/>
+              </a:cxn>
+              <a:cxn ang="0">
+                <a:pos x="connsiteX4" y="connsiteY4"/>
+              </a:cxn>
+              <a:cxn ang="0">
+                <a:pos x="connsiteX5" y="connsiteY5"/>
+              </a:cxn>
+              <a:cxn ang="0">
+                <a:pos x="connsiteX6" y="connsiteY6"/>
+              </a:cxn>
+              <a:cxn ang="0">
+                <a:pos x="connsiteX7" y="connsiteY7"/>
+              </a:cxn>
+              <a:cxn ang="0">
+                <a:pos x="connsiteX8" y="connsiteY8"/>
+              </a:cxn>
+              <a:cxn ang="0">
+                <a:pos x="connsiteX9" y="connsiteY9"/>
+              </a:cxn>
+              <a:cxn ang="0">
+                <a:pos x="connsiteX10" y="connsiteY10"/>
+              </a:cxn>
+              <a:cxn ang="0">
+                <a:pos x="connsiteX11" y="connsiteY11"/>
+              </a:cxn>
+            </a:cxnLst>
+            <a:rect l="l" t="t" r="r" b="b"/>
+            <a:pathLst>
+              <a:path w="3255095" h="18288" fill="none" extrusionOk="0">
+                <a:moveTo>
+                  <a:pt x="0" y="0"/>
+                </a:moveTo>
+                <a:cubicBezTo>
+                  <a:pt x="240201" y="-22123"/>
+                  <a:pt x="462021" y="-19623"/>
+                  <a:pt x="618468" y="0"/>
+                </a:cubicBezTo>
+                <a:cubicBezTo>
+                  <a:pt x="774915" y="19623"/>
+                  <a:pt x="974734" y="2035"/>
+                  <a:pt x="1269487" y="0"/>
+                </a:cubicBezTo>
+                <a:cubicBezTo>
+                  <a:pt x="1564240" y="-2035"/>
+                  <a:pt x="1733579" y="10639"/>
+                  <a:pt x="1953057" y="0"/>
+                </a:cubicBezTo>
+                <a:cubicBezTo>
+                  <a:pt x="2172535" y="-10639"/>
+                  <a:pt x="2453962" y="14018"/>
+                  <a:pt x="2636627" y="0"/>
+                </a:cubicBezTo>
+                <a:cubicBezTo>
+                  <a:pt x="2819292" y="-14018"/>
+                  <a:pt x="3121375" y="5399"/>
+                  <a:pt x="3255095" y="0"/>
+                </a:cubicBezTo>
+                <a:cubicBezTo>
+                  <a:pt x="3254386" y="8157"/>
+                  <a:pt x="3254682" y="12125"/>
+                  <a:pt x="3255095" y="18288"/>
+                </a:cubicBezTo>
+                <a:cubicBezTo>
+                  <a:pt x="3088545" y="23203"/>
+                  <a:pt x="2687475" y="7419"/>
+                  <a:pt x="2538974" y="18288"/>
+                </a:cubicBezTo>
+                <a:cubicBezTo>
+                  <a:pt x="2390473" y="29157"/>
+                  <a:pt x="2137381" y="-8959"/>
+                  <a:pt x="1822853" y="18288"/>
+                </a:cubicBezTo>
+                <a:cubicBezTo>
+                  <a:pt x="1508325" y="45535"/>
+                  <a:pt x="1466437" y="20385"/>
+                  <a:pt x="1171834" y="18288"/>
+                </a:cubicBezTo>
+                <a:cubicBezTo>
+                  <a:pt x="877231" y="16191"/>
+                  <a:pt x="561097" y="37643"/>
+                  <a:pt x="0" y="18288"/>
+                </a:cubicBezTo>
+                <a:cubicBezTo>
+                  <a:pt x="-46" y="12483"/>
+                  <a:pt x="-203" y="6491"/>
+                  <a:pt x="0" y="0"/>
+                </a:cubicBezTo>
+                <a:close/>
+              </a:path>
+              <a:path w="3255095" h="18288" stroke="0" extrusionOk="0">
+                <a:moveTo>
+                  <a:pt x="0" y="0"/>
+                </a:moveTo>
+                <a:cubicBezTo>
+                  <a:pt x="291965" y="19429"/>
+                  <a:pt x="363155" y="8568"/>
+                  <a:pt x="618468" y="0"/>
+                </a:cubicBezTo>
+                <a:cubicBezTo>
+                  <a:pt x="873781" y="-8568"/>
+                  <a:pt x="904459" y="-19505"/>
+                  <a:pt x="1171834" y="0"/>
+                </a:cubicBezTo>
+                <a:cubicBezTo>
+                  <a:pt x="1439209" y="19505"/>
+                  <a:pt x="1744369" y="9790"/>
+                  <a:pt x="1887955" y="0"/>
+                </a:cubicBezTo>
+                <a:cubicBezTo>
+                  <a:pt x="2031541" y="-9790"/>
+                  <a:pt x="2346378" y="21240"/>
+                  <a:pt x="2506423" y="0"/>
+                </a:cubicBezTo>
+                <a:cubicBezTo>
+                  <a:pt x="2666468" y="-21240"/>
+                  <a:pt x="2990257" y="30414"/>
+                  <a:pt x="3255095" y="0"/>
+                </a:cubicBezTo>
+                <a:cubicBezTo>
+                  <a:pt x="3254831" y="4493"/>
+                  <a:pt x="3255479" y="9472"/>
+                  <a:pt x="3255095" y="18288"/>
+                </a:cubicBezTo>
+                <a:cubicBezTo>
+                  <a:pt x="3120743" y="16690"/>
+                  <a:pt x="2759628" y="42462"/>
+                  <a:pt x="2604076" y="18288"/>
+                </a:cubicBezTo>
+                <a:cubicBezTo>
+                  <a:pt x="2448524" y="-5886"/>
+                  <a:pt x="2184336" y="19599"/>
+                  <a:pt x="1887955" y="18288"/>
+                </a:cubicBezTo>
+                <a:cubicBezTo>
+                  <a:pt x="1591574" y="16977"/>
+                  <a:pt x="1548845" y="6870"/>
+                  <a:pt x="1334589" y="18288"/>
+                </a:cubicBezTo>
+                <a:cubicBezTo>
+                  <a:pt x="1120333" y="29706"/>
+                  <a:pt x="996014" y="9662"/>
+                  <a:pt x="683570" y="18288"/>
+                </a:cubicBezTo>
+                <a:cubicBezTo>
+                  <a:pt x="371126" y="26914"/>
+                  <a:pt x="198687" y="16167"/>
+                  <a:pt x="0" y="18288"/>
+                </a:cubicBezTo>
+                <a:cubicBezTo>
+                  <a:pt x="843" y="9577"/>
+                  <a:pt x="371" y="6900"/>
+                  <a:pt x="0" y="0"/>
+                </a:cubicBezTo>
+                <a:close/>
+              </a:path>
+            </a:pathLst>
+          </a:custGeom>
+          <a:solidFill>
+            <a:schemeClr val="accent2"/>
+          </a:solidFill>
+          <a:ln w="38100" cap="rnd">
+            <a:solidFill>
+              <a:schemeClr val="accent2"/>
+            </a:solidFill>
+            <a:round/>
+            <a:extLst>
+              <a:ext uri="{C807C97D-BFC1-408E-A445-0C87EB9F89A2}">
+                <ask:lineSketchStyleProps xmlns:ask="http://schemas.microsoft.com/office/drawing/2018/sketchyshapes" sd="1219033472">
+                  <a:prstGeom prst="rect">
+                    <a:avLst/>
+                  </a:prstGeom>
+                  <ask:type>
+                    <ask:lineSketchFreehand/>
+                  </ask:type>
+                </ask:lineSketchStyleProps>
+              </a:ext>
+            </a:extLst>
+          </a:ln>
+        </p:spPr>
+        <p:style>
+          <a:lnRef idx="2">
+            <a:schemeClr val="accent1">
+              <a:shade val="50000"/>
+            </a:schemeClr>
+          </a:lnRef>
+          <a:fillRef idx="1">
+            <a:schemeClr val="accent1"/>
+          </a:fillRef>
+          <a:effectRef idx="0">
+            <a:schemeClr val="accent1"/>
+          </a:effectRef>
+          <a:fontRef idx="minor">
+            <a:schemeClr val="lt1"/>
+          </a:fontRef>
+        </p:style>
+        <p:txBody>
+          <a:bodyPr rtlCol="0" anchor="ctr"/>
+          <a:lstStyle/>
+          <a:p>
+            <a:pPr algn="ctr"/>
+            <a:endParaRPr lang="en-US"/>
+          </a:p>
+        </p:txBody>
+      </p:sp>
+      <p:sp>
+        <p:nvSpPr>
+          <p:cNvPr id="13" name="Content Placeholder 2">
+            <a:extLst>
+              <a:ext uri="{FF2B5EF4-FFF2-40B4-BE49-F238E27FC236}">
+                <a16:creationId xmlns:a16="http://schemas.microsoft.com/office/drawing/2014/main" id="{C7C29641-E517-9BFE-2709-D2457E5F68B4}"/>
+              </a:ext>
+            </a:extLst>
+          </p:cNvPr>
+          <p:cNvSpPr>
+            <a:spLocks noGrp="1"/>
+          </p:cNvSpPr>
+          <p:nvPr>
+            <p:ph idx="1"/>
+          </p:nvPr>
+        </p:nvSpPr>
+        <p:spPr>
+          <a:xfrm>
+            <a:off x="6739128" y="2664886"/>
+            <a:ext cx="4818888" cy="3550789"/>
+          </a:xfrm>
+        </p:spPr>
+        <p:txBody>
+          <a:bodyPr anchor="t">
+            <a:normAutofit/>
+          </a:bodyPr>
+          <a:lstStyle/>
+          <a:p>
+            <a:r>
+              <a:rPr lang="en-VN" sz="2200" dirty="0"/>
+              <a:t>Storage costs</a:t>
+            </a:r>
+          </a:p>
+          <a:p>
+            <a:r>
+              <a:rPr lang="en-VN" sz="2200" dirty="0"/>
+              <a:t>Query costs</a:t>
+            </a:r>
+          </a:p>
+          <a:p>
+            <a:r>
+              <a:rPr lang="en-VN" sz="2200" dirty="0"/>
+              <a:t>Free operations</a:t>
+            </a:r>
+          </a:p>
+          <a:p>
+            <a:r>
+              <a:rPr lang="en-VN" sz="2200" dirty="0"/>
+              <a:t>Minimizing costs</a:t>
+            </a:r>
+          </a:p>
+        </p:txBody>
+      </p:sp>
+    </p:spTree>
+    <p:extLst>
+      <p:ext uri="{BB962C8B-B14F-4D97-AF65-F5344CB8AC3E}">
+        <p14:creationId xmlns:p14="http://schemas.microsoft.com/office/powerpoint/2010/main" val="418062890"/>
+      </p:ext>
+    </p:extLst>
+  </p:cSld>
+  <p:clrMapOvr>
+    <a:masterClrMapping/>
+  </p:clrMapOvr>
+</p:sld>
+</file>
+
+<file path=ppt/slides/slide17.xml><?xml version="1.0" encoding="utf-8"?>
+<p:sld xmlns:a="http://schemas.openxmlformats.org/drawingml/2006/main" xmlns:r="http://schemas.openxmlformats.org/officeDocument/2006/relationships" xmlns:p="http://schemas.openxmlformats.org/presentationml/2006/main">
+  <p:cSld>
+    <p:spTree>
+      <p:nvGrpSpPr>
+        <p:cNvPr id="1" name=""/>
+        <p:cNvGrpSpPr/>
+        <p:nvPr/>
+      </p:nvGrpSpPr>
+      <p:grpSpPr>
+        <a:xfrm>
+          <a:off x="0" y="0"/>
+          <a:ext cx="0" cy="0"/>
+          <a:chOff x="0" y="0"/>
+          <a:chExt cx="0" cy="0"/>
+        </a:xfrm>
+      </p:grpSpPr>
+      <p:sp>
+        <p:nvSpPr>
+          <p:cNvPr id="2" name="Title 1">
+            <a:extLst>
+              <a:ext uri="{FF2B5EF4-FFF2-40B4-BE49-F238E27FC236}">
+                <a16:creationId xmlns:a16="http://schemas.microsoft.com/office/drawing/2014/main" id="{4BC38166-A437-FAAA-7662-0CAF44558277}"/>
+              </a:ext>
+            </a:extLst>
+          </p:cNvPr>
+          <p:cNvSpPr>
+            <a:spLocks noGrp="1"/>
+          </p:cNvSpPr>
+          <p:nvPr>
+            <p:ph type="title"/>
+          </p:nvPr>
+        </p:nvSpPr>
+        <p:spPr/>
+        <p:txBody>
+          <a:bodyPr/>
+          <a:lstStyle/>
+          <a:p>
+            <a:r>
+              <a:rPr lang="en-VN" dirty="0"/>
+              <a:t>Storage costs</a:t>
+            </a:r>
+          </a:p>
+        </p:txBody>
+      </p:sp>
+      <p:graphicFrame>
+        <p:nvGraphicFramePr>
+          <p:cNvPr id="4" name="Table 4">
+            <a:extLst>
+              <a:ext uri="{FF2B5EF4-FFF2-40B4-BE49-F238E27FC236}">
+                <a16:creationId xmlns:a16="http://schemas.microsoft.com/office/drawing/2014/main" id="{E297EADB-DB50-88A1-DC04-6A3B7E61D0AE}"/>
+              </a:ext>
+            </a:extLst>
+          </p:cNvPr>
+          <p:cNvGraphicFramePr>
+            <a:graphicFrameLocks noGrp="1"/>
+          </p:cNvGraphicFramePr>
+          <p:nvPr>
+            <p:ph idx="1"/>
+            <p:extLst>
+              <p:ext uri="{D42A27DB-BD31-4B8C-83A1-F6EECF244321}">
+                <p14:modId xmlns:p14="http://schemas.microsoft.com/office/powerpoint/2010/main" val="3737368576"/>
+              </p:ext>
+            </p:extLst>
+          </p:nvPr>
+        </p:nvGraphicFramePr>
+        <p:xfrm>
+          <a:off x="838200" y="1825625"/>
+          <a:ext cx="10515600" cy="2123440"/>
+        </p:xfrm>
+        <a:graphic>
+          <a:graphicData uri="http://schemas.openxmlformats.org/drawingml/2006/table">
+            <a:tbl>
+              <a:tblPr firstRow="1" bandRow="1">
+                <a:tableStyleId>{5C22544A-7EE6-4342-B048-85BDC9FD1C3A}</a:tableStyleId>
+              </a:tblPr>
+              <a:tblGrid>
+                <a:gridCol w="5257800">
+                  <a:extLst>
+                    <a:ext uri="{9D8B030D-6E8A-4147-A177-3AD203B41FA5}">
+                      <a16:colId xmlns:a16="http://schemas.microsoft.com/office/drawing/2014/main" val="463147801"/>
+                    </a:ext>
+                  </a:extLst>
+                </a:gridCol>
+                <a:gridCol w="5257800">
+                  <a:extLst>
+                    <a:ext uri="{9D8B030D-6E8A-4147-A177-3AD203B41FA5}">
+                      <a16:colId xmlns:a16="http://schemas.microsoft.com/office/drawing/2014/main" val="1555911320"/>
+                    </a:ext>
+                  </a:extLst>
+                </a:gridCol>
+              </a:tblGrid>
+              <a:tr h="370840">
+                <a:tc>
+                  <a:txBody>
+                    <a:bodyPr/>
+                    <a:lstStyle/>
+                    <a:p>
+                      <a:r>
+                        <a:rPr lang="en-VN" dirty="0"/>
+                        <a:t>Active</a:t>
+                      </a:r>
+                    </a:p>
+                  </a:txBody>
+                  <a:tcPr/>
+                </a:tc>
+                <a:tc>
+                  <a:txBody>
+                    <a:bodyPr/>
+                    <a:lstStyle/>
+                    <a:p>
+                      <a:r>
+                        <a:rPr lang="en-VN" dirty="0"/>
+                        <a:t>Long-term</a:t>
+                      </a:r>
+                    </a:p>
+                  </a:txBody>
+                  <a:tcPr/>
+                </a:tc>
+                <a:extLst>
+                  <a:ext uri="{0D108BD9-81ED-4DB2-BD59-A6C34878D82A}">
+                    <a16:rowId xmlns:a16="http://schemas.microsoft.com/office/drawing/2014/main" val="487626312"/>
+                  </a:ext>
+                </a:extLst>
+              </a:tr>
+              <a:tr h="370840">
+                <a:tc>
+                  <a:txBody>
+                    <a:bodyPr/>
+                    <a:lstStyle/>
+                    <a:p>
+                      <a:pPr marL="0" marR="0" lvl="0" indent="0" algn="l" defTabSz="914400" rtl="0" eaLnBrk="1" fontAlgn="auto" latinLnBrk="0" hangingPunct="1">
+                        <a:lnSpc>
+                          <a:spcPct val="100000"/>
+                        </a:lnSpc>
+                        <a:spcBef>
+                          <a:spcPts val="0"/>
+                        </a:spcBef>
+                        <a:spcAft>
+                          <a:spcPts val="0"/>
+                        </a:spcAft>
+                        <a:buClrTx/>
+                        <a:buSzTx/>
+                        <a:buFontTx/>
+                        <a:buNone/>
+                        <a:tabLst/>
+                        <a:defRPr/>
+                      </a:pPr>
+                      <a:r>
+                        <a:rPr lang="en-VN" dirty="0"/>
+                        <a:t>Define: </a:t>
+                      </a:r>
+                      <a:r>
+                        <a:rPr lang="en-US" sz="1800" b="0" kern="1200" dirty="0">
+                          <a:solidFill>
+                            <a:schemeClr val="dk1"/>
+                          </a:solidFill>
+                          <a:effectLst/>
+                          <a:latin typeface="+mn-lt"/>
+                          <a:ea typeface="+mn-ea"/>
+                          <a:cs typeface="+mn-cs"/>
+                        </a:rPr>
+                        <a:t>Data in tables modified in last 90 days</a:t>
+                      </a:r>
+                    </a:p>
+                  </a:txBody>
+                  <a:tcPr/>
+                </a:tc>
+                <a:tc>
+                  <a:txBody>
+                    <a:bodyPr/>
+                    <a:lstStyle/>
+                    <a:p>
+                      <a:pPr marL="0" marR="0" lvl="0" indent="0" algn="l" defTabSz="914400" rtl="0" eaLnBrk="1" fontAlgn="auto" latinLnBrk="0" hangingPunct="1">
+                        <a:lnSpc>
+                          <a:spcPct val="100000"/>
+                        </a:lnSpc>
+                        <a:spcBef>
+                          <a:spcPts val="0"/>
+                        </a:spcBef>
+                        <a:spcAft>
+                          <a:spcPts val="0"/>
+                        </a:spcAft>
+                        <a:buClrTx/>
+                        <a:buSzTx/>
+                        <a:buFontTx/>
+                        <a:buNone/>
+                        <a:tabLst/>
+                        <a:defRPr/>
+                      </a:pPr>
+                      <a:r>
+                        <a:rPr lang="en-VN" dirty="0"/>
+                        <a:t>Define: </a:t>
+                      </a:r>
+                      <a:r>
+                        <a:rPr lang="en-US" sz="1800" b="0" kern="1200" dirty="0">
+                          <a:solidFill>
+                            <a:schemeClr val="dk1"/>
+                          </a:solidFill>
+                          <a:effectLst/>
+                          <a:latin typeface="+mn-lt"/>
+                          <a:ea typeface="+mn-ea"/>
+                          <a:cs typeface="+mn-cs"/>
+                        </a:rPr>
+                        <a:t>Data in tables not modified in last 90 days</a:t>
+                      </a:r>
+                    </a:p>
+                  </a:txBody>
+                  <a:tcPr/>
+                </a:tc>
+                <a:extLst>
+                  <a:ext uri="{0D108BD9-81ED-4DB2-BD59-A6C34878D82A}">
+                    <a16:rowId xmlns:a16="http://schemas.microsoft.com/office/drawing/2014/main" val="4225008988"/>
+                  </a:ext>
+                </a:extLst>
+              </a:tr>
+              <a:tr h="370840">
+                <a:tc>
+                  <a:txBody>
+                    <a:bodyPr/>
+                    <a:lstStyle/>
+                    <a:p>
+                      <a:pPr marL="0" marR="0" lvl="0" indent="0" algn="l" defTabSz="914400" rtl="0" eaLnBrk="1" fontAlgn="auto" latinLnBrk="0" hangingPunct="1">
+                        <a:lnSpc>
+                          <a:spcPct val="100000"/>
+                        </a:lnSpc>
+                        <a:spcBef>
+                          <a:spcPts val="0"/>
+                        </a:spcBef>
+                        <a:spcAft>
+                          <a:spcPts val="0"/>
+                        </a:spcAft>
+                        <a:buClrTx/>
+                        <a:buSzTx/>
+                        <a:buFontTx/>
+                        <a:buNone/>
+                        <a:tabLst/>
+                        <a:defRPr/>
+                      </a:pPr>
+                      <a:r>
+                        <a:rPr lang="en-US" sz="1800" b="0" kern="1200" dirty="0">
+                          <a:solidFill>
+                            <a:schemeClr val="dk1"/>
+                          </a:solidFill>
+                          <a:effectLst/>
+                          <a:latin typeface="+mn-lt"/>
+                          <a:ea typeface="+mn-ea"/>
+                          <a:cs typeface="+mn-cs"/>
+                        </a:rPr>
+                        <a:t>Approximately 2 cents/GB/month</a:t>
+                      </a:r>
+                    </a:p>
+                  </a:txBody>
+                  <a:tcPr/>
+                </a:tc>
+                <a:tc>
+                  <a:txBody>
+                    <a:bodyPr/>
+                    <a:lstStyle/>
+                    <a:p>
+                      <a:pPr marL="0" marR="0" lvl="0" indent="0" algn="l" defTabSz="914400" rtl="0" eaLnBrk="1" fontAlgn="auto" latinLnBrk="0" hangingPunct="1">
+                        <a:lnSpc>
+                          <a:spcPct val="100000"/>
+                        </a:lnSpc>
+                        <a:spcBef>
+                          <a:spcPts val="0"/>
+                        </a:spcBef>
+                        <a:spcAft>
+                          <a:spcPts val="0"/>
+                        </a:spcAft>
+                        <a:buClrTx/>
+                        <a:buSzTx/>
+                        <a:buFontTx/>
+                        <a:buNone/>
+                        <a:tabLst/>
+                        <a:defRPr/>
+                      </a:pPr>
+                      <a:r>
+                        <a:rPr lang="en-US" sz="1800" b="0" kern="1200" dirty="0">
+                          <a:solidFill>
+                            <a:schemeClr val="dk1"/>
+                          </a:solidFill>
+                          <a:effectLst/>
+                          <a:latin typeface="+mn-lt"/>
+                          <a:ea typeface="+mn-ea"/>
+                          <a:cs typeface="+mn-cs"/>
+                        </a:rPr>
+                        <a:t>About 1 cent/GB/month</a:t>
+                      </a:r>
+                    </a:p>
+                  </a:txBody>
+                  <a:tcPr/>
+                </a:tc>
+                <a:extLst>
+                  <a:ext uri="{0D108BD9-81ED-4DB2-BD59-A6C34878D82A}">
+                    <a16:rowId xmlns:a16="http://schemas.microsoft.com/office/drawing/2014/main" val="2410652796"/>
+                  </a:ext>
+                </a:extLst>
+              </a:tr>
+              <a:tr h="370840">
+                <a:tc>
+                  <a:txBody>
+                    <a:bodyPr/>
+                    <a:lstStyle/>
+                    <a:p>
+                      <a:pPr marL="0" marR="0" lvl="0" indent="0" algn="l" defTabSz="914400" rtl="0" eaLnBrk="1" fontAlgn="auto" latinLnBrk="0" hangingPunct="1">
+                        <a:lnSpc>
+                          <a:spcPct val="100000"/>
+                        </a:lnSpc>
+                        <a:spcBef>
+                          <a:spcPts val="0"/>
+                        </a:spcBef>
+                        <a:spcAft>
+                          <a:spcPts val="0"/>
+                        </a:spcAft>
+                        <a:buClrTx/>
+                        <a:buSzTx/>
+                        <a:buFontTx/>
+                        <a:buNone/>
+                        <a:tabLst/>
+                        <a:defRPr/>
+                      </a:pPr>
+                      <a:r>
+                        <a:rPr lang="en-US" sz="1800" b="0" kern="1200" dirty="0">
+                          <a:solidFill>
+                            <a:schemeClr val="dk1"/>
+                          </a:solidFill>
+                          <a:effectLst/>
+                          <a:latin typeface="+mn-lt"/>
+                          <a:ea typeface="+mn-ea"/>
+                          <a:cs typeface="+mn-cs"/>
+                        </a:rPr>
+                        <a:t>First 10 GB is free</a:t>
+                      </a:r>
+                    </a:p>
+                  </a:txBody>
+                  <a:tcPr/>
+                </a:tc>
+                <a:tc>
+                  <a:txBody>
+                    <a:bodyPr/>
+                    <a:lstStyle/>
+                    <a:p>
+                      <a:pPr marL="0" marR="0" lvl="0" indent="0" algn="l" defTabSz="914400" rtl="0" eaLnBrk="1" fontAlgn="auto" latinLnBrk="0" hangingPunct="1">
+                        <a:lnSpc>
+                          <a:spcPct val="100000"/>
+                        </a:lnSpc>
+                        <a:spcBef>
+                          <a:spcPts val="0"/>
+                        </a:spcBef>
+                        <a:spcAft>
+                          <a:spcPts val="0"/>
+                        </a:spcAft>
+                        <a:buClrTx/>
+                        <a:buSzTx/>
+                        <a:buFontTx/>
+                        <a:buNone/>
+                        <a:tabLst/>
+                        <a:defRPr/>
+                      </a:pPr>
+                      <a:r>
+                        <a:rPr lang="en-US" sz="1800" b="0" kern="1200" dirty="0">
+                          <a:solidFill>
+                            <a:schemeClr val="dk1"/>
+                          </a:solidFill>
+                          <a:effectLst/>
+                          <a:latin typeface="+mn-lt"/>
+                          <a:ea typeface="+mn-ea"/>
+                          <a:cs typeface="+mn-cs"/>
+                        </a:rPr>
+                        <a:t>First 10GB is free</a:t>
+                      </a:r>
+                    </a:p>
+                  </a:txBody>
+                  <a:tcPr/>
+                </a:tc>
+                <a:extLst>
+                  <a:ext uri="{0D108BD9-81ED-4DB2-BD59-A6C34878D82A}">
+                    <a16:rowId xmlns:a16="http://schemas.microsoft.com/office/drawing/2014/main" val="2346320924"/>
+                  </a:ext>
+                </a:extLst>
+              </a:tr>
+              <a:tr h="370840">
+                <a:tc>
+                  <a:txBody>
+                    <a:bodyPr/>
+                    <a:lstStyle/>
+                    <a:p>
+                      <a:pPr marL="0" marR="0" lvl="0" indent="0" algn="l" defTabSz="914400" rtl="0" eaLnBrk="1" fontAlgn="auto" latinLnBrk="0" hangingPunct="1">
+                        <a:lnSpc>
+                          <a:spcPct val="100000"/>
+                        </a:lnSpc>
+                        <a:spcBef>
+                          <a:spcPts val="0"/>
+                        </a:spcBef>
+                        <a:spcAft>
+                          <a:spcPts val="0"/>
+                        </a:spcAft>
+                        <a:buClrTx/>
+                        <a:buSzTx/>
+                        <a:buFontTx/>
+                        <a:buNone/>
+                        <a:tabLst/>
+                        <a:defRPr/>
+                      </a:pPr>
+                      <a:r>
+                        <a:rPr lang="en-US" sz="1800" b="0" kern="1200" dirty="0">
+                          <a:solidFill>
+                            <a:schemeClr val="dk1"/>
+                          </a:solidFill>
+                          <a:effectLst/>
+                          <a:latin typeface="+mn-lt"/>
+                          <a:ea typeface="+mn-ea"/>
+                          <a:cs typeface="+mn-cs"/>
+                        </a:rPr>
+                        <a:t>Table is edited, pricing reverts to active</a:t>
+                      </a:r>
+                    </a:p>
+                  </a:txBody>
+                  <a:tcPr/>
+                </a:tc>
+                <a:tc>
+                  <a:txBody>
+                    <a:bodyPr/>
+                    <a:lstStyle/>
+                    <a:p>
+                      <a:pPr marL="0" marR="0" lvl="0" indent="0" algn="l" defTabSz="914400" rtl="0" eaLnBrk="1" fontAlgn="auto" latinLnBrk="0" hangingPunct="1">
+                        <a:lnSpc>
+                          <a:spcPct val="100000"/>
+                        </a:lnSpc>
+                        <a:spcBef>
+                          <a:spcPts val="0"/>
+                        </a:spcBef>
+                        <a:spcAft>
+                          <a:spcPts val="0"/>
+                        </a:spcAft>
+                        <a:buClrTx/>
+                        <a:buSzTx/>
+                        <a:buFontTx/>
+                        <a:buNone/>
+                        <a:tabLst/>
+                        <a:defRPr/>
+                      </a:pPr>
+                      <a:r>
+                        <a:rPr lang="en-US" sz="1800" b="0" kern="1200" dirty="0">
+                          <a:solidFill>
+                            <a:schemeClr val="dk1"/>
+                          </a:solidFill>
+                          <a:effectLst/>
+                          <a:latin typeface="+mn-lt"/>
+                          <a:ea typeface="+mn-ea"/>
+                          <a:cs typeface="+mn-cs"/>
+                        </a:rPr>
+                        <a:t>Table is not edited, pricing automatically drops to long-term</a:t>
+                      </a:r>
+                    </a:p>
+                  </a:txBody>
+                  <a:tcPr/>
+                </a:tc>
+                <a:extLst>
+                  <a:ext uri="{0D108BD9-81ED-4DB2-BD59-A6C34878D82A}">
+                    <a16:rowId xmlns:a16="http://schemas.microsoft.com/office/drawing/2014/main" val="290893538"/>
+                  </a:ext>
+                </a:extLst>
+              </a:tr>
+            </a:tbl>
+          </a:graphicData>
+        </a:graphic>
+      </p:graphicFrame>
+    </p:spTree>
+    <p:extLst>
+      <p:ext uri="{BB962C8B-B14F-4D97-AF65-F5344CB8AC3E}">
+        <p14:creationId xmlns:p14="http://schemas.microsoft.com/office/powerpoint/2010/main" val="1396260705"/>
+      </p:ext>
+    </p:extLst>
+  </p:cSld>
+  <p:clrMapOvr>
+    <a:masterClrMapping/>
+  </p:clrMapOvr>
+</p:sld>
+</file>
+
+<file path=ppt/slides/slide18.xml><?xml version="1.0" encoding="utf-8"?>
+<p:sld xmlns:a="http://schemas.openxmlformats.org/drawingml/2006/main" xmlns:r="http://schemas.openxmlformats.org/officeDocument/2006/relationships" xmlns:p="http://schemas.openxmlformats.org/presentationml/2006/main">
+  <p:cSld>
+    <p:bg>
+      <p:bgPr>
+        <a:solidFill>
+          <a:schemeClr val="bg1"/>
+        </a:solidFill>
+        <a:effectLst/>
+      </p:bgPr>
+    </p:bg>
+    <p:spTree>
+      <p:nvGrpSpPr>
+        <p:cNvPr id="1" name=""/>
+        <p:cNvGrpSpPr/>
+        <p:nvPr/>
+      </p:nvGrpSpPr>
+      <p:grpSpPr>
+        <a:xfrm>
+          <a:off x="0" y="0"/>
+          <a:ext cx="0" cy="0"/>
+          <a:chOff x="0" y="0"/>
+          <a:chExt cx="0" cy="0"/>
+        </a:xfrm>
+      </p:grpSpPr>
+      <p:sp useBgFill="1">
+        <p:nvSpPr>
+          <p:cNvPr id="10" name="Rectangle 9">
+            <a:extLst>
+              <a:ext uri="{FF2B5EF4-FFF2-40B4-BE49-F238E27FC236}">
+                <a16:creationId xmlns:a16="http://schemas.microsoft.com/office/drawing/2014/main" id="{7B831B6F-405A-4B47-B9BB-5CA88F285844}"/>
+              </a:ext>
+              <a:ext uri="{C183D7F6-B498-43B3-948B-1728B52AA6E4}">
+                <adec:decorative xmlns:adec="http://schemas.microsoft.com/office/drawing/2017/decorative" val="1"/>
+              </a:ext>
+            </a:extLst>
+          </p:cNvPr>
+          <p:cNvSpPr>
+            <a:spLocks noGrp="1" noRot="1" noChangeAspect="1" noMove="1" noResize="1" noEditPoints="1" noAdjustHandles="1" noChangeArrowheads="1" noChangeShapeType="1" noTextEdit="1"/>
+          </p:cNvSpPr>
+          <p:nvPr>
+            <p:extLst>
+              <p:ext uri="{386F3935-93C4-4BCD-93E2-E3B085C9AB24}">
+                <p16:designElem xmlns:p16="http://schemas.microsoft.com/office/powerpoint/2015/main" val="1"/>
+              </p:ext>
+            </p:extLst>
+          </p:nvPr>
+        </p:nvSpPr>
+        <p:spPr>
+          <a:xfrm>
+            <a:off x="0" y="0"/>
+            <a:ext cx="12192000" cy="6858000"/>
+          </a:xfrm>
+          <a:prstGeom prst="rect">
+            <a:avLst/>
+          </a:prstGeom>
+          <a:ln>
+            <a:noFill/>
+          </a:ln>
+        </p:spPr>
+        <p:style>
+          <a:lnRef idx="2">
+            <a:schemeClr val="accent1">
+              <a:shade val="50000"/>
+            </a:schemeClr>
+          </a:lnRef>
+          <a:fillRef idx="1">
+            <a:schemeClr val="accent1"/>
+          </a:fillRef>
+          <a:effectRef idx="0">
+            <a:schemeClr val="accent1"/>
+          </a:effectRef>
+          <a:fontRef idx="minor">
+            <a:schemeClr val="lt1"/>
+          </a:fontRef>
+        </p:style>
+        <p:txBody>
+          <a:bodyPr rtlCol="0" anchor="ctr"/>
+          <a:lstStyle/>
+          <a:p>
+            <a:pPr algn="ctr"/>
+            <a:endParaRPr lang="en-US"/>
+          </a:p>
+        </p:txBody>
+      </p:sp>
+      <p:sp>
+        <p:nvSpPr>
+          <p:cNvPr id="2" name="Title 1">
+            <a:extLst>
+              <a:ext uri="{FF2B5EF4-FFF2-40B4-BE49-F238E27FC236}">
+                <a16:creationId xmlns:a16="http://schemas.microsoft.com/office/drawing/2014/main" id="{9ED4E83A-FA13-2300-7949-23D71571B908}"/>
+              </a:ext>
+            </a:extLst>
+          </p:cNvPr>
+          <p:cNvSpPr>
+            <a:spLocks noGrp="1"/>
+          </p:cNvSpPr>
+          <p:nvPr>
+            <p:ph type="title"/>
+          </p:nvPr>
+        </p:nvSpPr>
+        <p:spPr>
+          <a:xfrm>
+            <a:off x="6739128" y="638089"/>
+            <a:ext cx="4818888" cy="1476801"/>
+          </a:xfrm>
+        </p:spPr>
+        <p:txBody>
+          <a:bodyPr anchor="b">
+            <a:normAutofit/>
+          </a:bodyPr>
+          <a:lstStyle/>
+          <a:p>
+            <a:r>
+              <a:rPr lang="en-VN" sz="5400"/>
+              <a:t>Query costs</a:t>
+            </a:r>
+          </a:p>
+        </p:txBody>
+      </p:sp>
+      <p:pic>
+        <p:nvPicPr>
+          <p:cNvPr id="7" name="Graphic 6" descr="Financial">
+            <a:extLst>
+              <a:ext uri="{FF2B5EF4-FFF2-40B4-BE49-F238E27FC236}">
+                <a16:creationId xmlns:a16="http://schemas.microsoft.com/office/drawing/2014/main" id="{06B46F69-814B-2357-952A-CF6E871DEBED}"/>
+              </a:ext>
+            </a:extLst>
+          </p:cNvPr>
+          <p:cNvPicPr>
+            <a:picLocks noChangeAspect="1"/>
+          </p:cNvPicPr>
+          <p:nvPr/>
+        </p:nvPicPr>
+        <p:blipFill>
+          <a:blip r:embed="rId3">
+            <a:extLst>
+              <a:ext uri="{28A0092B-C50C-407E-A947-70E740481C1C}">
+                <a14:useLocalDpi xmlns:a14="http://schemas.microsoft.com/office/drawing/2010/main" val="0"/>
+              </a:ext>
+              <a:ext uri="{96DAC541-7B7A-43D3-8B79-37D633B846F1}">
+                <asvg:svgBlip xmlns:asvg="http://schemas.microsoft.com/office/drawing/2016/SVG/main" r:embed="rId4"/>
+              </a:ext>
+            </a:extLst>
+          </a:blip>
+          <a:stretch>
+            <a:fillRect/>
+          </a:stretch>
+        </p:blipFill>
+        <p:spPr>
+          <a:xfrm>
+            <a:off x="630936" y="699516"/>
+            <a:ext cx="5458968" cy="5458968"/>
+          </a:xfrm>
+          <a:prstGeom prst="rect">
+            <a:avLst/>
+          </a:prstGeom>
+        </p:spPr>
+      </p:pic>
+      <p:sp>
+        <p:nvSpPr>
+          <p:cNvPr id="12" name="sketch line">
+            <a:extLst>
+              <a:ext uri="{FF2B5EF4-FFF2-40B4-BE49-F238E27FC236}">
+                <a16:creationId xmlns:a16="http://schemas.microsoft.com/office/drawing/2014/main" id="{953EE71A-6488-4203-A7C4-77102FD0DCCA}"/>
+              </a:ext>
+              <a:ext uri="{C183D7F6-B498-43B3-948B-1728B52AA6E4}">
+                <adec:decorative xmlns:adec="http://schemas.microsoft.com/office/drawing/2017/decorative" val="1"/>
+              </a:ext>
+            </a:extLst>
+          </p:cNvPr>
+          <p:cNvSpPr>
+            <a:spLocks noGrp="1" noRot="1" noChangeAspect="1" noMove="1" noResize="1" noEditPoints="1" noAdjustHandles="1" noChangeArrowheads="1" noChangeShapeType="1" noTextEdit="1"/>
+          </p:cNvSpPr>
+          <p:nvPr>
+            <p:extLst>
+              <p:ext uri="{386F3935-93C4-4BCD-93E2-E3B085C9AB24}">
+                <p16:designElem xmlns:p16="http://schemas.microsoft.com/office/powerpoint/2015/main" val="1"/>
+              </p:ext>
+            </p:extLst>
+          </p:nvPr>
+        </p:nvSpPr>
+        <p:spPr>
+          <a:xfrm>
+            <a:off x="6739128" y="2372868"/>
+            <a:ext cx="3255095" cy="18288"/>
+          </a:xfrm>
+          <a:custGeom>
+            <a:avLst/>
+            <a:gdLst>
+              <a:gd name="connsiteX0" fmla="*/ 0 w 3255095"/>
+              <a:gd name="connsiteY0" fmla="*/ 0 h 18288"/>
+              <a:gd name="connsiteX1" fmla="*/ 618468 w 3255095"/>
+              <a:gd name="connsiteY1" fmla="*/ 0 h 18288"/>
+              <a:gd name="connsiteX2" fmla="*/ 1269487 w 3255095"/>
+              <a:gd name="connsiteY2" fmla="*/ 0 h 18288"/>
+              <a:gd name="connsiteX3" fmla="*/ 1953057 w 3255095"/>
+              <a:gd name="connsiteY3" fmla="*/ 0 h 18288"/>
+              <a:gd name="connsiteX4" fmla="*/ 2636627 w 3255095"/>
+              <a:gd name="connsiteY4" fmla="*/ 0 h 18288"/>
+              <a:gd name="connsiteX5" fmla="*/ 3255095 w 3255095"/>
+              <a:gd name="connsiteY5" fmla="*/ 0 h 18288"/>
+              <a:gd name="connsiteX6" fmla="*/ 3255095 w 3255095"/>
+              <a:gd name="connsiteY6" fmla="*/ 18288 h 18288"/>
+              <a:gd name="connsiteX7" fmla="*/ 2538974 w 3255095"/>
+              <a:gd name="connsiteY7" fmla="*/ 18288 h 18288"/>
+              <a:gd name="connsiteX8" fmla="*/ 1822853 w 3255095"/>
+              <a:gd name="connsiteY8" fmla="*/ 18288 h 18288"/>
+              <a:gd name="connsiteX9" fmla="*/ 1171834 w 3255095"/>
+              <a:gd name="connsiteY9" fmla="*/ 18288 h 18288"/>
+              <a:gd name="connsiteX10" fmla="*/ 0 w 3255095"/>
+              <a:gd name="connsiteY10" fmla="*/ 18288 h 18288"/>
+              <a:gd name="connsiteX11" fmla="*/ 0 w 3255095"/>
+              <a:gd name="connsiteY11" fmla="*/ 0 h 18288"/>
+            </a:gdLst>
+            <a:ahLst/>
+            <a:cxnLst>
+              <a:cxn ang="0">
+                <a:pos x="connsiteX0" y="connsiteY0"/>
+              </a:cxn>
+              <a:cxn ang="0">
+                <a:pos x="connsiteX1" y="connsiteY1"/>
+              </a:cxn>
+              <a:cxn ang="0">
+                <a:pos x="connsiteX2" y="connsiteY2"/>
+              </a:cxn>
+              <a:cxn ang="0">
+                <a:pos x="connsiteX3" y="connsiteY3"/>
+              </a:cxn>
+              <a:cxn ang="0">
+                <a:pos x="connsiteX4" y="connsiteY4"/>
+              </a:cxn>
+              <a:cxn ang="0">
+                <a:pos x="connsiteX5" y="connsiteY5"/>
+              </a:cxn>
+              <a:cxn ang="0">
+                <a:pos x="connsiteX6" y="connsiteY6"/>
+              </a:cxn>
+              <a:cxn ang="0">
+                <a:pos x="connsiteX7" y="connsiteY7"/>
+              </a:cxn>
+              <a:cxn ang="0">
+                <a:pos x="connsiteX8" y="connsiteY8"/>
+              </a:cxn>
+              <a:cxn ang="0">
+                <a:pos x="connsiteX9" y="connsiteY9"/>
+              </a:cxn>
+              <a:cxn ang="0">
+                <a:pos x="connsiteX10" y="connsiteY10"/>
+              </a:cxn>
+              <a:cxn ang="0">
+                <a:pos x="connsiteX11" y="connsiteY11"/>
+              </a:cxn>
+            </a:cxnLst>
+            <a:rect l="l" t="t" r="r" b="b"/>
+            <a:pathLst>
+              <a:path w="3255095" h="18288" fill="none" extrusionOk="0">
+                <a:moveTo>
+                  <a:pt x="0" y="0"/>
+                </a:moveTo>
+                <a:cubicBezTo>
+                  <a:pt x="240201" y="-22123"/>
+                  <a:pt x="462021" y="-19623"/>
+                  <a:pt x="618468" y="0"/>
+                </a:cubicBezTo>
+                <a:cubicBezTo>
+                  <a:pt x="774915" y="19623"/>
+                  <a:pt x="974734" y="2035"/>
+                  <a:pt x="1269487" y="0"/>
+                </a:cubicBezTo>
+                <a:cubicBezTo>
+                  <a:pt x="1564240" y="-2035"/>
+                  <a:pt x="1733579" y="10639"/>
+                  <a:pt x="1953057" y="0"/>
+                </a:cubicBezTo>
+                <a:cubicBezTo>
+                  <a:pt x="2172535" y="-10639"/>
+                  <a:pt x="2453962" y="14018"/>
+                  <a:pt x="2636627" y="0"/>
+                </a:cubicBezTo>
+                <a:cubicBezTo>
+                  <a:pt x="2819292" y="-14018"/>
+                  <a:pt x="3121375" y="5399"/>
+                  <a:pt x="3255095" y="0"/>
+                </a:cubicBezTo>
+                <a:cubicBezTo>
+                  <a:pt x="3254386" y="8157"/>
+                  <a:pt x="3254682" y="12125"/>
+                  <a:pt x="3255095" y="18288"/>
+                </a:cubicBezTo>
+                <a:cubicBezTo>
+                  <a:pt x="3088545" y="23203"/>
+                  <a:pt x="2687475" y="7419"/>
+                  <a:pt x="2538974" y="18288"/>
+                </a:cubicBezTo>
+                <a:cubicBezTo>
+                  <a:pt x="2390473" y="29157"/>
+                  <a:pt x="2137381" y="-8959"/>
+                  <a:pt x="1822853" y="18288"/>
+                </a:cubicBezTo>
+                <a:cubicBezTo>
+                  <a:pt x="1508325" y="45535"/>
+                  <a:pt x="1466437" y="20385"/>
+                  <a:pt x="1171834" y="18288"/>
+                </a:cubicBezTo>
+                <a:cubicBezTo>
+                  <a:pt x="877231" y="16191"/>
+                  <a:pt x="561097" y="37643"/>
+                  <a:pt x="0" y="18288"/>
+                </a:cubicBezTo>
+                <a:cubicBezTo>
+                  <a:pt x="-46" y="12483"/>
+                  <a:pt x="-203" y="6491"/>
+                  <a:pt x="0" y="0"/>
+                </a:cubicBezTo>
+                <a:close/>
+              </a:path>
+              <a:path w="3255095" h="18288" stroke="0" extrusionOk="0">
+                <a:moveTo>
+                  <a:pt x="0" y="0"/>
+                </a:moveTo>
+                <a:cubicBezTo>
+                  <a:pt x="291965" y="19429"/>
+                  <a:pt x="363155" y="8568"/>
+                  <a:pt x="618468" y="0"/>
+                </a:cubicBezTo>
+                <a:cubicBezTo>
+                  <a:pt x="873781" y="-8568"/>
+                  <a:pt x="904459" y="-19505"/>
+                  <a:pt x="1171834" y="0"/>
+                </a:cubicBezTo>
+                <a:cubicBezTo>
+                  <a:pt x="1439209" y="19505"/>
+                  <a:pt x="1744369" y="9790"/>
+                  <a:pt x="1887955" y="0"/>
+                </a:cubicBezTo>
+                <a:cubicBezTo>
+                  <a:pt x="2031541" y="-9790"/>
+                  <a:pt x="2346378" y="21240"/>
+                  <a:pt x="2506423" y="0"/>
+                </a:cubicBezTo>
+                <a:cubicBezTo>
+                  <a:pt x="2666468" y="-21240"/>
+                  <a:pt x="2990257" y="30414"/>
+                  <a:pt x="3255095" y="0"/>
+                </a:cubicBezTo>
+                <a:cubicBezTo>
+                  <a:pt x="3254831" y="4493"/>
+                  <a:pt x="3255479" y="9472"/>
+                  <a:pt x="3255095" y="18288"/>
+                </a:cubicBezTo>
+                <a:cubicBezTo>
+                  <a:pt x="3120743" y="16690"/>
+                  <a:pt x="2759628" y="42462"/>
+                  <a:pt x="2604076" y="18288"/>
+                </a:cubicBezTo>
+                <a:cubicBezTo>
+                  <a:pt x="2448524" y="-5886"/>
+                  <a:pt x="2184336" y="19599"/>
+                  <a:pt x="1887955" y="18288"/>
+                </a:cubicBezTo>
+                <a:cubicBezTo>
+                  <a:pt x="1591574" y="16977"/>
+                  <a:pt x="1548845" y="6870"/>
+                  <a:pt x="1334589" y="18288"/>
+                </a:cubicBezTo>
+                <a:cubicBezTo>
+                  <a:pt x="1120333" y="29706"/>
+                  <a:pt x="996014" y="9662"/>
+                  <a:pt x="683570" y="18288"/>
+                </a:cubicBezTo>
+                <a:cubicBezTo>
+                  <a:pt x="371126" y="26914"/>
+                  <a:pt x="198687" y="16167"/>
+                  <a:pt x="0" y="18288"/>
+                </a:cubicBezTo>
+                <a:cubicBezTo>
+                  <a:pt x="843" y="9577"/>
+                  <a:pt x="371" y="6900"/>
+                  <a:pt x="0" y="0"/>
+                </a:cubicBezTo>
+                <a:close/>
+              </a:path>
+            </a:pathLst>
+          </a:custGeom>
+          <a:solidFill>
+            <a:schemeClr val="accent2"/>
+          </a:solidFill>
+          <a:ln w="38100" cap="rnd">
+            <a:solidFill>
+              <a:schemeClr val="accent2"/>
+            </a:solidFill>
+            <a:round/>
+            <a:extLst>
+              <a:ext uri="{C807C97D-BFC1-408E-A445-0C87EB9F89A2}">
+                <ask:lineSketchStyleProps xmlns:ask="http://schemas.microsoft.com/office/drawing/2018/sketchyshapes" sd="1219033472">
+                  <a:prstGeom prst="rect">
+                    <a:avLst/>
+                  </a:prstGeom>
+                  <ask:type>
+                    <ask:lineSketchFreehand/>
+                  </ask:type>
+                </ask:lineSketchStyleProps>
+              </a:ext>
+            </a:extLst>
+          </a:ln>
+        </p:spPr>
+        <p:style>
+          <a:lnRef idx="2">
+            <a:schemeClr val="accent1">
+              <a:shade val="50000"/>
+            </a:schemeClr>
+          </a:lnRef>
+          <a:fillRef idx="1">
+            <a:schemeClr val="accent1"/>
+          </a:fillRef>
+          <a:effectRef idx="0">
+            <a:schemeClr val="accent1"/>
+          </a:effectRef>
+          <a:fontRef idx="minor">
+            <a:schemeClr val="lt1"/>
+          </a:fontRef>
+        </p:style>
+        <p:txBody>
+          <a:bodyPr rtlCol="0" anchor="ctr"/>
+          <a:lstStyle/>
+          <a:p>
+            <a:pPr algn="ctr"/>
+            <a:endParaRPr lang="en-US"/>
+          </a:p>
+        </p:txBody>
+      </p:sp>
+      <p:sp>
+        <p:nvSpPr>
+          <p:cNvPr id="3" name="Content Placeholder 2">
+            <a:extLst>
+              <a:ext uri="{FF2B5EF4-FFF2-40B4-BE49-F238E27FC236}">
+                <a16:creationId xmlns:a16="http://schemas.microsoft.com/office/drawing/2014/main" id="{94161CC8-3E56-EA05-EC63-94E4BAA86B7E}"/>
+              </a:ext>
+            </a:extLst>
+          </p:cNvPr>
+          <p:cNvSpPr>
+            <a:spLocks noGrp="1"/>
+          </p:cNvSpPr>
+          <p:nvPr>
+            <p:ph idx="1"/>
+          </p:nvPr>
+        </p:nvSpPr>
+        <p:spPr>
+          <a:xfrm>
+            <a:off x="6739128" y="2664886"/>
+            <a:ext cx="4818888" cy="1527639"/>
+          </a:xfrm>
+        </p:spPr>
+        <p:txBody>
+          <a:bodyPr anchor="t">
+            <a:normAutofit/>
+          </a:bodyPr>
+          <a:lstStyle/>
+          <a:p>
+            <a:r>
+              <a:rPr lang="en-VN" sz="2200" dirty="0"/>
+              <a:t>On Demand</a:t>
+            </a:r>
+          </a:p>
+          <a:p>
+            <a:r>
+              <a:rPr lang="en-VN" sz="2200" dirty="0"/>
+              <a:t>Flat rate</a:t>
+            </a:r>
+          </a:p>
+        </p:txBody>
+      </p:sp>
+      <p:sp>
+        <p:nvSpPr>
+          <p:cNvPr id="4" name="Content Placeholder 2">
+            <a:extLst>
+              <a:ext uri="{FF2B5EF4-FFF2-40B4-BE49-F238E27FC236}">
+                <a16:creationId xmlns:a16="http://schemas.microsoft.com/office/drawing/2014/main" id="{06103EE6-4505-1066-1904-4E88BDE4FF6F}"/>
+              </a:ext>
+            </a:extLst>
+          </p:cNvPr>
+          <p:cNvSpPr txBox="1">
+            <a:spLocks/>
+          </p:cNvSpPr>
+          <p:nvPr/>
+        </p:nvSpPr>
+        <p:spPr>
+          <a:xfrm>
+            <a:off x="6739128" y="4271408"/>
+            <a:ext cx="4818888" cy="1527639"/>
+          </a:xfrm>
+          <a:prstGeom prst="rect">
+            <a:avLst/>
+          </a:prstGeom>
+        </p:spPr>
+        <p:txBody>
+          <a:bodyPr vert="horz" lIns="91440" tIns="45720" rIns="91440" bIns="45720" rtlCol="0" anchor="t">
+            <a:normAutofit lnSpcReduction="10000"/>
+          </a:bodyPr>
+          <a:lstStyle>
+            <a:lvl1pPr marL="228600" indent="-228600" algn="l" defTabSz="914400" rtl="0" eaLnBrk="1" latinLnBrk="0" hangingPunct="1">
+              <a:lnSpc>
+                <a:spcPct val="90000"/>
+              </a:lnSpc>
+              <a:spcBef>
+                <a:spcPts val="1000"/>
+              </a:spcBef>
+              <a:buFont typeface="Arial" panose="020B0604020202020204" pitchFamily="34" charset="0"/>
+              <a:buChar char="•"/>
+              <a:defRPr sz="2800" kern="1200">
+                <a:solidFill>
+                  <a:schemeClr val="tx1"/>
+                </a:solidFill>
+                <a:latin typeface="+mn-lt"/>
+                <a:ea typeface="+mn-ea"/>
+                <a:cs typeface="+mn-cs"/>
+              </a:defRPr>
+            </a:lvl1pPr>
+            <a:lvl2pPr marL="685800" indent="-228600" algn="l" defTabSz="914400" rtl="0" eaLnBrk="1" latinLnBrk="0" hangingPunct="1">
+              <a:lnSpc>
+                <a:spcPct val="90000"/>
+              </a:lnSpc>
+              <a:spcBef>
+                <a:spcPts val="500"/>
+              </a:spcBef>
+              <a:buFont typeface="Arial" panose="020B0604020202020204" pitchFamily="34" charset="0"/>
+              <a:buChar char="•"/>
+              <a:defRPr sz="2400" kern="1200">
+                <a:solidFill>
+                  <a:schemeClr val="tx1"/>
+                </a:solidFill>
+                <a:latin typeface="+mn-lt"/>
+                <a:ea typeface="+mn-ea"/>
+                <a:cs typeface="+mn-cs"/>
+              </a:defRPr>
+            </a:lvl2pPr>
+            <a:lvl3pPr marL="1143000" indent="-228600" algn="l" defTabSz="914400" rtl="0" eaLnBrk="1" latinLnBrk="0" hangingPunct="1">
+              <a:lnSpc>
+                <a:spcPct val="90000"/>
+              </a:lnSpc>
+              <a:spcBef>
+                <a:spcPts val="500"/>
+              </a:spcBef>
+              <a:buFont typeface="Arial" panose="020B0604020202020204" pitchFamily="34" charset="0"/>
+              <a:buChar char="•"/>
+              <a:defRPr sz="2000" kern="1200">
+                <a:solidFill>
+                  <a:schemeClr val="tx1"/>
+                </a:solidFill>
+                <a:latin typeface="+mn-lt"/>
+                <a:ea typeface="+mn-ea"/>
+                <a:cs typeface="+mn-cs"/>
+              </a:defRPr>
+            </a:lvl3pPr>
+            <a:lvl4pPr marL="1600200" indent="-228600" algn="l" defTabSz="914400" rtl="0" eaLnBrk="1" latinLnBrk="0" hangingPunct="1">
+              <a:lnSpc>
+                <a:spcPct val="90000"/>
+              </a:lnSpc>
+              <a:spcBef>
+                <a:spcPts val="500"/>
+              </a:spcBef>
+              <a:buFont typeface="Arial" panose="020B0604020202020204" pitchFamily="34" charset="0"/>
+              <a:buChar char="•"/>
+              <a:defRPr sz="1800" kern="1200">
+                <a:solidFill>
+                  <a:schemeClr val="tx1"/>
+                </a:solidFill>
+                <a:latin typeface="+mn-lt"/>
+                <a:ea typeface="+mn-ea"/>
+                <a:cs typeface="+mn-cs"/>
+              </a:defRPr>
+            </a:lvl4pPr>
+            <a:lvl5pPr marL="2057400" indent="-228600" algn="l" defTabSz="914400" rtl="0" eaLnBrk="1" latinLnBrk="0" hangingPunct="1">
+              <a:lnSpc>
+                <a:spcPct val="90000"/>
+              </a:lnSpc>
+              <a:spcBef>
+                <a:spcPts val="500"/>
+              </a:spcBef>
+              <a:buFont typeface="Arial" panose="020B0604020202020204" pitchFamily="34" charset="0"/>
+              <a:buChar char="•"/>
+              <a:defRPr sz="1800" kern="1200">
+                <a:solidFill>
+                  <a:schemeClr val="tx1"/>
+                </a:solidFill>
+                <a:latin typeface="+mn-lt"/>
+                <a:ea typeface="+mn-ea"/>
+                <a:cs typeface="+mn-cs"/>
+              </a:defRPr>
+            </a:lvl5pPr>
+            <a:lvl6pPr marL="2514600" indent="-228600" algn="l" defTabSz="914400" rtl="0" eaLnBrk="1" latinLnBrk="0" hangingPunct="1">
+              <a:lnSpc>
+                <a:spcPct val="90000"/>
+              </a:lnSpc>
+              <a:spcBef>
+                <a:spcPts val="500"/>
+              </a:spcBef>
+              <a:buFont typeface="Arial" panose="020B0604020202020204" pitchFamily="34" charset="0"/>
+              <a:buChar char="•"/>
+              <a:defRPr sz="1800" kern="1200">
+                <a:solidFill>
+                  <a:schemeClr val="tx1"/>
+                </a:solidFill>
+                <a:latin typeface="+mn-lt"/>
+                <a:ea typeface="+mn-ea"/>
+                <a:cs typeface="+mn-cs"/>
+              </a:defRPr>
+            </a:lvl6pPr>
+            <a:lvl7pPr marL="2971800" indent="-228600" algn="l" defTabSz="914400" rtl="0" eaLnBrk="1" latinLnBrk="0" hangingPunct="1">
+              <a:lnSpc>
+                <a:spcPct val="90000"/>
+              </a:lnSpc>
+              <a:spcBef>
+                <a:spcPts val="500"/>
+              </a:spcBef>
+              <a:buFont typeface="Arial" panose="020B0604020202020204" pitchFamily="34" charset="0"/>
+              <a:buChar char="•"/>
+              <a:defRPr sz="1800" kern="1200">
+                <a:solidFill>
+                  <a:schemeClr val="tx1"/>
+                </a:solidFill>
+                <a:latin typeface="+mn-lt"/>
+                <a:ea typeface="+mn-ea"/>
+                <a:cs typeface="+mn-cs"/>
+              </a:defRPr>
+            </a:lvl7pPr>
+            <a:lvl8pPr marL="3429000" indent="-228600" algn="l" defTabSz="914400" rtl="0" eaLnBrk="1" latinLnBrk="0" hangingPunct="1">
+              <a:lnSpc>
+                <a:spcPct val="90000"/>
+              </a:lnSpc>
+              <a:spcBef>
+                <a:spcPts val="500"/>
+              </a:spcBef>
+              <a:buFont typeface="Arial" panose="020B0604020202020204" pitchFamily="34" charset="0"/>
+              <a:buChar char="•"/>
+              <a:defRPr sz="1800" kern="1200">
+                <a:solidFill>
+                  <a:schemeClr val="tx1"/>
+                </a:solidFill>
+                <a:latin typeface="+mn-lt"/>
+                <a:ea typeface="+mn-ea"/>
+                <a:cs typeface="+mn-cs"/>
+              </a:defRPr>
+            </a:lvl8pPr>
+            <a:lvl9pPr marL="3886200" indent="-228600" algn="l" defTabSz="914400" rtl="0" eaLnBrk="1" latinLnBrk="0" hangingPunct="1">
+              <a:lnSpc>
+                <a:spcPct val="90000"/>
+              </a:lnSpc>
+              <a:spcBef>
+                <a:spcPts val="500"/>
+              </a:spcBef>
+              <a:buFont typeface="Arial" panose="020B0604020202020204" pitchFamily="34" charset="0"/>
+              <a:buChar char="•"/>
+              <a:defRPr sz="1800" kern="1200">
+                <a:solidFill>
+                  <a:schemeClr val="tx1"/>
+                </a:solidFill>
+                <a:latin typeface="+mn-lt"/>
+                <a:ea typeface="+mn-ea"/>
+                <a:cs typeface="+mn-cs"/>
+              </a:defRPr>
+            </a:lvl9pPr>
+          </a:lstStyle>
+          <a:p>
+            <a:pPr marL="0" indent="0">
+              <a:buNone/>
+            </a:pPr>
+            <a:r>
+              <a:rPr lang="en-VN" sz="2200" dirty="0"/>
+              <a:t>Slots: Units of capacity required to execute queries</a:t>
+            </a:r>
+          </a:p>
+          <a:p>
+            <a:pPr marL="0" indent="0">
+              <a:buNone/>
+            </a:pPr>
+            <a:endParaRPr lang="en-VN" sz="2200" dirty="0"/>
+          </a:p>
+          <a:p>
+            <a:pPr marL="0" indent="0">
+              <a:buNone/>
+            </a:pPr>
+            <a:r>
+              <a:rPr lang="en-VN" sz="2200" dirty="0">
+                <a:solidFill>
+                  <a:srgbClr val="FF0000"/>
+                </a:solidFill>
+              </a:rPr>
+              <a:t>Note: Careful with your query</a:t>
+            </a:r>
+          </a:p>
+        </p:txBody>
+      </p:sp>
+    </p:spTree>
+    <p:extLst>
+      <p:ext uri="{BB962C8B-B14F-4D97-AF65-F5344CB8AC3E}">
+        <p14:creationId xmlns:p14="http://schemas.microsoft.com/office/powerpoint/2010/main" val="2245573109"/>
+      </p:ext>
+    </p:extLst>
+  </p:cSld>
+  <p:clrMapOvr>
+    <a:masterClrMapping/>
+  </p:clrMapOvr>
+</p:sld>
+</file>
+
+<file path=ppt/slides/slide19.xml><?xml version="1.0" encoding="utf-8"?>
+<p:sld xmlns:a="http://schemas.openxmlformats.org/drawingml/2006/main" xmlns:r="http://schemas.openxmlformats.org/officeDocument/2006/relationships" xmlns:p="http://schemas.openxmlformats.org/presentationml/2006/main">
+  <p:cSld>
+    <p:bg>
+      <p:bgPr>
+        <a:solidFill>
+          <a:schemeClr val="bg1"/>
+        </a:solidFill>
+        <a:effectLst/>
+      </p:bgPr>
+    </p:bg>
+    <p:spTree>
+      <p:nvGrpSpPr>
+        <p:cNvPr id="1" name=""/>
+        <p:cNvGrpSpPr/>
+        <p:nvPr/>
+      </p:nvGrpSpPr>
+      <p:grpSpPr>
+        <a:xfrm>
+          <a:off x="0" y="0"/>
+          <a:ext cx="0" cy="0"/>
+          <a:chOff x="0" y="0"/>
+          <a:chExt cx="0" cy="0"/>
+        </a:xfrm>
+      </p:grpSpPr>
+      <p:sp useBgFill="1">
+        <p:nvSpPr>
+          <p:cNvPr id="9" name="Rectangle 8">
+            <a:extLst>
+              <a:ext uri="{FF2B5EF4-FFF2-40B4-BE49-F238E27FC236}">
+                <a16:creationId xmlns:a16="http://schemas.microsoft.com/office/drawing/2014/main" id="{2E442304-DDBD-4F7B-8017-36BCC863FB40}"/>
+              </a:ext>
+              <a:ext uri="{C183D7F6-B498-43B3-948B-1728B52AA6E4}">
+                <adec:decorative xmlns:adec="http://schemas.microsoft.com/office/drawing/2017/decorative" val="1"/>
+              </a:ext>
+            </a:extLst>
+          </p:cNvPr>
+          <p:cNvSpPr>
+            <a:spLocks noGrp="1" noRot="1" noChangeAspect="1" noMove="1" noResize="1" noEditPoints="1" noAdjustHandles="1" noChangeArrowheads="1" noChangeShapeType="1" noTextEdit="1"/>
+          </p:cNvSpPr>
+          <p:nvPr>
+            <p:extLst>
+              <p:ext uri="{386F3935-93C4-4BCD-93E2-E3B085C9AB24}">
+                <p16:designElem xmlns:p16="http://schemas.microsoft.com/office/powerpoint/2015/main" val="1"/>
+              </p:ext>
+            </p:extLst>
+          </p:nvPr>
+        </p:nvSpPr>
+        <p:spPr>
+          <a:xfrm>
+            <a:off x="0" y="0"/>
+            <a:ext cx="12188952" cy="6858000"/>
+          </a:xfrm>
+          <a:prstGeom prst="rect">
+            <a:avLst/>
+          </a:prstGeom>
+          <a:ln>
+            <a:noFill/>
+          </a:ln>
+        </p:spPr>
+        <p:style>
+          <a:lnRef idx="2">
+            <a:schemeClr val="accent1">
+              <a:shade val="50000"/>
+            </a:schemeClr>
+          </a:lnRef>
+          <a:fillRef idx="1">
+            <a:schemeClr val="accent1"/>
+          </a:fillRef>
+          <a:effectRef idx="0">
+            <a:schemeClr val="accent1"/>
+          </a:effectRef>
+          <a:fontRef idx="minor">
+            <a:schemeClr val="lt1"/>
+          </a:fontRef>
+        </p:style>
+        <p:txBody>
+          <a:bodyPr rtlCol="0" anchor="ctr"/>
+          <a:lstStyle/>
+          <a:p>
+            <a:pPr algn="ctr"/>
+            <a:endParaRPr lang="en-US"/>
+          </a:p>
+        </p:txBody>
+      </p:sp>
+      <p:sp>
+        <p:nvSpPr>
+          <p:cNvPr id="2" name="Title 1">
+            <a:extLst>
+              <a:ext uri="{FF2B5EF4-FFF2-40B4-BE49-F238E27FC236}">
+                <a16:creationId xmlns:a16="http://schemas.microsoft.com/office/drawing/2014/main" id="{DB755441-9F8C-116B-8B62-E75E94538101}"/>
+              </a:ext>
+            </a:extLst>
+          </p:cNvPr>
+          <p:cNvSpPr>
+            <a:spLocks noGrp="1"/>
+          </p:cNvSpPr>
+          <p:nvPr>
+            <p:ph type="title"/>
+          </p:nvPr>
+        </p:nvSpPr>
+        <p:spPr>
+          <a:xfrm>
+            <a:off x="635000" y="640823"/>
+            <a:ext cx="3418659" cy="5583148"/>
+          </a:xfrm>
+        </p:spPr>
+        <p:txBody>
+          <a:bodyPr anchor="ctr">
+            <a:normAutofit/>
+          </a:bodyPr>
+          <a:lstStyle/>
+          <a:p>
+            <a:r>
+              <a:rPr lang="en-VN" sz="5400"/>
+              <a:t>Free Operations</a:t>
+            </a:r>
+          </a:p>
+        </p:txBody>
+      </p:sp>
+      <p:sp>
+        <p:nvSpPr>
+          <p:cNvPr id="11" name="sketch line">
+            <a:extLst>
+              <a:ext uri="{FF2B5EF4-FFF2-40B4-BE49-F238E27FC236}">
+                <a16:creationId xmlns:a16="http://schemas.microsoft.com/office/drawing/2014/main" id="{5E107275-3853-46FD-A241-DE4355A42675}"/>
+              </a:ext>
+              <a:ext uri="{C183D7F6-B498-43B3-948B-1728B52AA6E4}">
+                <adec:decorative xmlns:adec="http://schemas.microsoft.com/office/drawing/2017/decorative" val="1"/>
+              </a:ext>
+            </a:extLst>
+          </p:cNvPr>
+          <p:cNvSpPr>
+            <a:spLocks noGrp="1" noRot="1" noChangeAspect="1" noMove="1" noResize="1" noEditPoints="1" noAdjustHandles="1" noChangeArrowheads="1" noChangeShapeType="1" noTextEdit="1"/>
+          </p:cNvSpPr>
+          <p:nvPr>
+            <p:extLst>
+              <p:ext uri="{386F3935-93C4-4BCD-93E2-E3B085C9AB24}">
+                <p16:designElem xmlns:p16="http://schemas.microsoft.com/office/powerpoint/2015/main" val="1"/>
+              </p:ext>
+            </p:extLst>
+          </p:nvPr>
+        </p:nvSpPr>
+        <p:spPr>
+          <a:xfrm rot="5400000">
+            <a:off x="1627450" y="3462719"/>
+            <a:ext cx="5410200" cy="18288"/>
+          </a:xfrm>
+          <a:custGeom>
+            <a:avLst/>
+            <a:gdLst>
+              <a:gd name="connsiteX0" fmla="*/ 0 w 5410200"/>
+              <a:gd name="connsiteY0" fmla="*/ 0 h 18288"/>
+              <a:gd name="connsiteX1" fmla="*/ 568071 w 5410200"/>
+              <a:gd name="connsiteY1" fmla="*/ 0 h 18288"/>
+              <a:gd name="connsiteX2" fmla="*/ 1298448 w 5410200"/>
+              <a:gd name="connsiteY2" fmla="*/ 0 h 18288"/>
+              <a:gd name="connsiteX3" fmla="*/ 1920621 w 5410200"/>
+              <a:gd name="connsiteY3" fmla="*/ 0 h 18288"/>
+              <a:gd name="connsiteX4" fmla="*/ 2488692 w 5410200"/>
+              <a:gd name="connsiteY4" fmla="*/ 0 h 18288"/>
+              <a:gd name="connsiteX5" fmla="*/ 3219069 w 5410200"/>
+              <a:gd name="connsiteY5" fmla="*/ 0 h 18288"/>
+              <a:gd name="connsiteX6" fmla="*/ 3895344 w 5410200"/>
+              <a:gd name="connsiteY6" fmla="*/ 0 h 18288"/>
+              <a:gd name="connsiteX7" fmla="*/ 4571619 w 5410200"/>
+              <a:gd name="connsiteY7" fmla="*/ 0 h 18288"/>
+              <a:gd name="connsiteX8" fmla="*/ 5410200 w 5410200"/>
+              <a:gd name="connsiteY8" fmla="*/ 0 h 18288"/>
+              <a:gd name="connsiteX9" fmla="*/ 5410200 w 5410200"/>
+              <a:gd name="connsiteY9" fmla="*/ 18288 h 18288"/>
+              <a:gd name="connsiteX10" fmla="*/ 4842129 w 5410200"/>
+              <a:gd name="connsiteY10" fmla="*/ 18288 h 18288"/>
+              <a:gd name="connsiteX11" fmla="*/ 4328160 w 5410200"/>
+              <a:gd name="connsiteY11" fmla="*/ 18288 h 18288"/>
+              <a:gd name="connsiteX12" fmla="*/ 3597783 w 5410200"/>
+              <a:gd name="connsiteY12" fmla="*/ 18288 h 18288"/>
+              <a:gd name="connsiteX13" fmla="*/ 3029712 w 5410200"/>
+              <a:gd name="connsiteY13" fmla="*/ 18288 h 18288"/>
+              <a:gd name="connsiteX14" fmla="*/ 2299335 w 5410200"/>
+              <a:gd name="connsiteY14" fmla="*/ 18288 h 18288"/>
+              <a:gd name="connsiteX15" fmla="*/ 1514856 w 5410200"/>
+              <a:gd name="connsiteY15" fmla="*/ 18288 h 18288"/>
+              <a:gd name="connsiteX16" fmla="*/ 892683 w 5410200"/>
+              <a:gd name="connsiteY16" fmla="*/ 18288 h 18288"/>
+              <a:gd name="connsiteX17" fmla="*/ 0 w 5410200"/>
+              <a:gd name="connsiteY17" fmla="*/ 18288 h 18288"/>
+              <a:gd name="connsiteX18" fmla="*/ 0 w 5410200"/>
+              <a:gd name="connsiteY18" fmla="*/ 0 h 18288"/>
+            </a:gdLst>
+            <a:ahLst/>
+            <a:cxnLst>
+              <a:cxn ang="0">
+                <a:pos x="connsiteX0" y="connsiteY0"/>
+              </a:cxn>
+              <a:cxn ang="0">
+                <a:pos x="connsiteX1" y="connsiteY1"/>
+              </a:cxn>
+              <a:cxn ang="0">
+                <a:pos x="connsiteX2" y="connsiteY2"/>
+              </a:cxn>
+              <a:cxn ang="0">
+                <a:pos x="connsiteX3" y="connsiteY3"/>
+              </a:cxn>
+              <a:cxn ang="0">
+                <a:pos x="connsiteX4" y="connsiteY4"/>
+              </a:cxn>
+              <a:cxn ang="0">
+                <a:pos x="connsiteX5" y="connsiteY5"/>
+              </a:cxn>
+              <a:cxn ang="0">
+                <a:pos x="connsiteX6" y="connsiteY6"/>
+              </a:cxn>
+              <a:cxn ang="0">
+                <a:pos x="connsiteX7" y="connsiteY7"/>
+              </a:cxn>
+              <a:cxn ang="0">
+                <a:pos x="connsiteX8" y="connsiteY8"/>
+              </a:cxn>
+              <a:cxn ang="0">
+                <a:pos x="connsiteX9" y="connsiteY9"/>
+              </a:cxn>
+              <a:cxn ang="0">
+                <a:pos x="connsiteX10" y="connsiteY10"/>
+              </a:cxn>
+              <a:cxn ang="0">
+                <a:pos x="connsiteX11" y="connsiteY11"/>
+              </a:cxn>
+              <a:cxn ang="0">
+                <a:pos x="connsiteX12" y="connsiteY12"/>
+              </a:cxn>
+              <a:cxn ang="0">
+                <a:pos x="connsiteX13" y="connsiteY13"/>
+              </a:cxn>
+              <a:cxn ang="0">
+                <a:pos x="connsiteX14" y="connsiteY14"/>
+              </a:cxn>
+              <a:cxn ang="0">
+                <a:pos x="connsiteX15" y="connsiteY15"/>
+              </a:cxn>
+              <a:cxn ang="0">
+                <a:pos x="connsiteX16" y="connsiteY16"/>
+              </a:cxn>
+              <a:cxn ang="0">
+                <a:pos x="connsiteX17" y="connsiteY17"/>
+              </a:cxn>
+              <a:cxn ang="0">
+                <a:pos x="connsiteX18" y="connsiteY18"/>
+              </a:cxn>
+            </a:cxnLst>
+            <a:rect l="l" t="t" r="r" b="b"/>
+            <a:pathLst>
+              <a:path w="5410200" h="18288" fill="none" extrusionOk="0">
+                <a:moveTo>
+                  <a:pt x="0" y="0"/>
+                </a:moveTo>
+                <a:cubicBezTo>
+                  <a:pt x="163050" y="-18707"/>
+                  <a:pt x="319321" y="-16364"/>
+                  <a:pt x="568071" y="0"/>
+                </a:cubicBezTo>
+                <a:cubicBezTo>
+                  <a:pt x="816821" y="16364"/>
+                  <a:pt x="1013224" y="-7268"/>
+                  <a:pt x="1298448" y="0"/>
+                </a:cubicBezTo>
+                <a:cubicBezTo>
+                  <a:pt x="1583672" y="7268"/>
+                  <a:pt x="1631711" y="-3367"/>
+                  <a:pt x="1920621" y="0"/>
+                </a:cubicBezTo>
+                <a:cubicBezTo>
+                  <a:pt x="2209531" y="3367"/>
+                  <a:pt x="2364420" y="-19184"/>
+                  <a:pt x="2488692" y="0"/>
+                </a:cubicBezTo>
+                <a:cubicBezTo>
+                  <a:pt x="2612964" y="19184"/>
+                  <a:pt x="3023298" y="-34627"/>
+                  <a:pt x="3219069" y="0"/>
+                </a:cubicBezTo>
+                <a:cubicBezTo>
+                  <a:pt x="3414840" y="34627"/>
+                  <a:pt x="3656810" y="24043"/>
+                  <a:pt x="3895344" y="0"/>
+                </a:cubicBezTo>
+                <a:cubicBezTo>
+                  <a:pt x="4133879" y="-24043"/>
+                  <a:pt x="4393984" y="-19577"/>
+                  <a:pt x="4571619" y="0"/>
+                </a:cubicBezTo>
+                <a:cubicBezTo>
+                  <a:pt x="4749255" y="19577"/>
+                  <a:pt x="5179928" y="-6281"/>
+                  <a:pt x="5410200" y="0"/>
+                </a:cubicBezTo>
+                <a:cubicBezTo>
+                  <a:pt x="5410730" y="6954"/>
+                  <a:pt x="5410934" y="12839"/>
+                  <a:pt x="5410200" y="18288"/>
+                </a:cubicBezTo>
+                <a:cubicBezTo>
+                  <a:pt x="5139060" y="6751"/>
+                  <a:pt x="5121593" y="31035"/>
+                  <a:pt x="4842129" y="18288"/>
+                </a:cubicBezTo>
+                <a:cubicBezTo>
+                  <a:pt x="4562665" y="5541"/>
+                  <a:pt x="4448273" y="9487"/>
+                  <a:pt x="4328160" y="18288"/>
+                </a:cubicBezTo>
+                <a:cubicBezTo>
+                  <a:pt x="4208047" y="27089"/>
+                  <a:pt x="3760936" y="22567"/>
+                  <a:pt x="3597783" y="18288"/>
+                </a:cubicBezTo>
+                <a:cubicBezTo>
+                  <a:pt x="3434630" y="14009"/>
+                  <a:pt x="3299718" y="33213"/>
+                  <a:pt x="3029712" y="18288"/>
+                </a:cubicBezTo>
+                <a:cubicBezTo>
+                  <a:pt x="2759706" y="3363"/>
+                  <a:pt x="2640159" y="27394"/>
+                  <a:pt x="2299335" y="18288"/>
+                </a:cubicBezTo>
+                <a:cubicBezTo>
+                  <a:pt x="1958511" y="9182"/>
+                  <a:pt x="1801186" y="28985"/>
+                  <a:pt x="1514856" y="18288"/>
+                </a:cubicBezTo>
+                <a:cubicBezTo>
+                  <a:pt x="1228526" y="7591"/>
+                  <a:pt x="1063509" y="-5305"/>
+                  <a:pt x="892683" y="18288"/>
+                </a:cubicBezTo>
+                <a:cubicBezTo>
+                  <a:pt x="721857" y="41881"/>
+                  <a:pt x="186945" y="-20897"/>
+                  <a:pt x="0" y="18288"/>
+                </a:cubicBezTo>
+                <a:cubicBezTo>
+                  <a:pt x="-570" y="9279"/>
+                  <a:pt x="132" y="5100"/>
+                  <a:pt x="0" y="0"/>
+                </a:cubicBezTo>
+                <a:close/>
+              </a:path>
+              <a:path w="5410200" h="18288" stroke="0" extrusionOk="0">
+                <a:moveTo>
+                  <a:pt x="0" y="0"/>
+                </a:moveTo>
+                <a:cubicBezTo>
+                  <a:pt x="285096" y="-4925"/>
+                  <a:pt x="376456" y="22268"/>
+                  <a:pt x="622173" y="0"/>
+                </a:cubicBezTo>
+                <a:cubicBezTo>
+                  <a:pt x="867890" y="-22268"/>
+                  <a:pt x="1031392" y="7228"/>
+                  <a:pt x="1136142" y="0"/>
+                </a:cubicBezTo>
+                <a:cubicBezTo>
+                  <a:pt x="1240892" y="-7228"/>
+                  <a:pt x="1561853" y="9877"/>
+                  <a:pt x="1920621" y="0"/>
+                </a:cubicBezTo>
+                <a:cubicBezTo>
+                  <a:pt x="2279389" y="-9877"/>
+                  <a:pt x="2367255" y="19546"/>
+                  <a:pt x="2542794" y="0"/>
+                </a:cubicBezTo>
+                <a:cubicBezTo>
+                  <a:pt x="2718333" y="-19546"/>
+                  <a:pt x="2866732" y="-22226"/>
+                  <a:pt x="3164967" y="0"/>
+                </a:cubicBezTo>
+                <a:cubicBezTo>
+                  <a:pt x="3463202" y="22226"/>
+                  <a:pt x="3568055" y="-2765"/>
+                  <a:pt x="3949446" y="0"/>
+                </a:cubicBezTo>
+                <a:cubicBezTo>
+                  <a:pt x="4330837" y="2765"/>
+                  <a:pt x="4287895" y="10557"/>
+                  <a:pt x="4517517" y="0"/>
+                </a:cubicBezTo>
+                <a:cubicBezTo>
+                  <a:pt x="4747139" y="-10557"/>
+                  <a:pt x="5149588" y="8716"/>
+                  <a:pt x="5410200" y="0"/>
+                </a:cubicBezTo>
+                <a:cubicBezTo>
+                  <a:pt x="5409517" y="5414"/>
+                  <a:pt x="5409480" y="12510"/>
+                  <a:pt x="5410200" y="18288"/>
+                </a:cubicBezTo>
+                <a:cubicBezTo>
+                  <a:pt x="5163327" y="41494"/>
+                  <a:pt x="5008749" y="10693"/>
+                  <a:pt x="4842129" y="18288"/>
+                </a:cubicBezTo>
+                <a:cubicBezTo>
+                  <a:pt x="4675509" y="25883"/>
+                  <a:pt x="4433401" y="-615"/>
+                  <a:pt x="4165854" y="18288"/>
+                </a:cubicBezTo>
+                <a:cubicBezTo>
+                  <a:pt x="3898308" y="37191"/>
+                  <a:pt x="3809032" y="-8710"/>
+                  <a:pt x="3543681" y="18288"/>
+                </a:cubicBezTo>
+                <a:cubicBezTo>
+                  <a:pt x="3278330" y="45286"/>
+                  <a:pt x="3073876" y="-15917"/>
+                  <a:pt x="2759202" y="18288"/>
+                </a:cubicBezTo>
+                <a:cubicBezTo>
+                  <a:pt x="2444528" y="52493"/>
+                  <a:pt x="2204144" y="3372"/>
+                  <a:pt x="1974723" y="18288"/>
+                </a:cubicBezTo>
+                <a:cubicBezTo>
+                  <a:pt x="1745302" y="33204"/>
+                  <a:pt x="1602335" y="31490"/>
+                  <a:pt x="1406652" y="18288"/>
+                </a:cubicBezTo>
+                <a:cubicBezTo>
+                  <a:pt x="1210969" y="5086"/>
+                  <a:pt x="923948" y="3161"/>
+                  <a:pt x="730377" y="18288"/>
+                </a:cubicBezTo>
+                <a:cubicBezTo>
+                  <a:pt x="536806" y="33415"/>
+                  <a:pt x="336496" y="-141"/>
+                  <a:pt x="0" y="18288"/>
+                </a:cubicBezTo>
+                <a:cubicBezTo>
+                  <a:pt x="-306" y="11061"/>
+                  <a:pt x="-655" y="7751"/>
+                  <a:pt x="0" y="0"/>
+                </a:cubicBezTo>
+                <a:close/>
+              </a:path>
+            </a:pathLst>
+          </a:custGeom>
+          <a:solidFill>
+            <a:schemeClr val="accent2"/>
+          </a:solidFill>
+          <a:ln w="41275" cap="rnd">
+            <a:solidFill>
+              <a:schemeClr val="accent2"/>
+            </a:solidFill>
+            <a:round/>
+            <a:extLst>
+              <a:ext uri="{C807C97D-BFC1-408E-A445-0C87EB9F89A2}">
+                <ask:lineSketchStyleProps xmlns:ask="http://schemas.microsoft.com/office/drawing/2018/sketchyshapes" sd="1219033472">
+                  <a:prstGeom prst="rect">
+                    <a:avLst/>
+                  </a:prstGeom>
+                  <ask:type>
+                    <ask:lineSketchFreehand/>
+                  </ask:type>
+                </ask:lineSketchStyleProps>
+              </a:ext>
+            </a:extLst>
+          </a:ln>
+        </p:spPr>
+        <p:style>
+          <a:lnRef idx="2">
+            <a:schemeClr val="accent1">
+              <a:shade val="50000"/>
+            </a:schemeClr>
+          </a:lnRef>
+          <a:fillRef idx="1">
+            <a:schemeClr val="accent1"/>
+          </a:fillRef>
+          <a:effectRef idx="0">
+            <a:schemeClr val="accent1"/>
+          </a:effectRef>
+          <a:fontRef idx="minor">
+            <a:schemeClr val="lt1"/>
+          </a:fontRef>
+        </p:style>
+        <p:txBody>
+          <a:bodyPr rtlCol="0" anchor="ctr"/>
+          <a:lstStyle/>
+          <a:p>
+            <a:pPr algn="ctr"/>
+            <a:endParaRPr lang="en-US"/>
+          </a:p>
+        </p:txBody>
+      </p:sp>
+      <p:graphicFrame>
+        <p:nvGraphicFramePr>
+          <p:cNvPr id="5" name="Content Placeholder 2">
+            <a:extLst>
+              <a:ext uri="{FF2B5EF4-FFF2-40B4-BE49-F238E27FC236}">
+                <a16:creationId xmlns:a16="http://schemas.microsoft.com/office/drawing/2014/main" id="{C9E2C6CA-DF3C-2EE4-EF31-57709C50766E}"/>
+              </a:ext>
+            </a:extLst>
+          </p:cNvPr>
+          <p:cNvGraphicFramePr>
+            <a:graphicFrameLocks noGrp="1"/>
+          </p:cNvGraphicFramePr>
+          <p:nvPr>
+            <p:ph idx="1"/>
+            <p:extLst>
+              <p:ext uri="{D42A27DB-BD31-4B8C-83A1-F6EECF244321}">
+                <p14:modId xmlns:p14="http://schemas.microsoft.com/office/powerpoint/2010/main" val="3954694934"/>
+              </p:ext>
+            </p:extLst>
+          </p:nvPr>
+        </p:nvGraphicFramePr>
+        <p:xfrm>
+          <a:off x="4648018" y="640822"/>
+          <a:ext cx="6900512" cy="5536141"/>
+        </p:xfrm>
+        <a:graphic>
+          <a:graphicData uri="http://schemas.openxmlformats.org/drawingml/2006/diagram">
+            <dgm:relIds xmlns:dgm="http://schemas.openxmlformats.org/drawingml/2006/diagram" xmlns:r="http://schemas.openxmlformats.org/officeDocument/2006/relationships" r:dm="rId3" r:lo="rId4" r:qs="rId5" r:cs="rId6"/>
+          </a:graphicData>
+        </a:graphic>
+      </p:graphicFrame>
+    </p:spTree>
+    <p:extLst>
+      <p:ext uri="{BB962C8B-B14F-4D97-AF65-F5344CB8AC3E}">
+        <p14:creationId xmlns:p14="http://schemas.microsoft.com/office/powerpoint/2010/main" val="3970600246"/>
+      </p:ext>
+    </p:extLst>
+  </p:cSld>
+  <p:clrMapOvr>
+    <a:masterClrMapping/>
+  </p:clrMapOvr>
+</p:sld>
+</file>
+
+<file path=ppt/slides/slide2.xml><?xml version="1.0" encoding="utf-8"?>
+<p:sld xmlns:a="http://schemas.openxmlformats.org/drawingml/2006/main" xmlns:r="http://schemas.openxmlformats.org/officeDocument/2006/relationships" xmlns:p="http://schemas.openxmlformats.org/presentationml/2006/main">
+  <p:cSld>
+    <p:bg>
+      <p:bgPr>
+        <a:solidFill>
+          <a:schemeClr val="bg1"/>
+        </a:solidFill>
+        <a:effectLst/>
+      </p:bgPr>
+    </p:bg>
+    <p:spTree>
+      <p:nvGrpSpPr>
+        <p:cNvPr id="1" name=""/>
+        <p:cNvGrpSpPr/>
+        <p:nvPr/>
+      </p:nvGrpSpPr>
+      <p:grpSpPr>
+        <a:xfrm>
+          <a:off x="0" y="0"/>
+          <a:ext cx="0" cy="0"/>
+          <a:chOff x="0" y="0"/>
+          <a:chExt cx="0" cy="0"/>
+        </a:xfrm>
+      </p:grpSpPr>
+      <p:sp useBgFill="1">
+        <p:nvSpPr>
+          <p:cNvPr id="9" name="Rectangle 8">
+            <a:extLst>
+              <a:ext uri="{FF2B5EF4-FFF2-40B4-BE49-F238E27FC236}">
+                <a16:creationId xmlns:a16="http://schemas.microsoft.com/office/drawing/2014/main" id="{BACC6370-2D7E-4714-9D71-7542949D7D5D}"/>
+              </a:ext>
+              <a:ext uri="{C183D7F6-B498-43B3-948B-1728B52AA6E4}">
+                <adec:decorative xmlns:adec="http://schemas.microsoft.com/office/drawing/2017/decorative" val="1"/>
+              </a:ext>
+            </a:extLst>
+          </p:cNvPr>
+          <p:cNvSpPr>
+            <a:spLocks noGrp="1" noRot="1" noChangeAspect="1" noMove="1" noResize="1" noEditPoints="1" noAdjustHandles="1" noChangeArrowheads="1" noChangeShapeType="1" noTextEdit="1"/>
+          </p:cNvSpPr>
+          <p:nvPr>
+            <p:extLst>
+              <p:ext uri="{386F3935-93C4-4BCD-93E2-E3B085C9AB24}">
+                <p16:designElem xmlns:p16="http://schemas.microsoft.com/office/powerpoint/2015/main" val="1"/>
+              </p:ext>
+            </p:extLst>
+          </p:nvPr>
+        </p:nvSpPr>
+        <p:spPr>
+          <a:xfrm>
+            <a:off x="0" y="0"/>
+            <a:ext cx="12192000" cy="6858000"/>
+          </a:xfrm>
+          <a:prstGeom prst="rect">
+            <a:avLst/>
+          </a:prstGeom>
+          <a:ln w="12700" cap="flat" cmpd="sng" algn="ctr">
+            <a:noFill/>
+            <a:prstDash val="solid"/>
+            <a:miter lim="800000"/>
+          </a:ln>
+          <a:effectLst/>
+          <a:extLst>
+            <a:ext uri="{91240B29-F687-4F45-9708-019B960494DF}">
+              <a14:hiddenLine xmlns:a14="http://schemas.microsoft.com/office/drawing/2010/main" w="12700" cap="flat" cmpd="sng" algn="ctr">
+                <a:solidFill>
+                  <a:schemeClr val="accent1">
+                    <a:shade val="50000"/>
+                  </a:schemeClr>
+                </a:solidFill>
+                <a:prstDash val="solid"/>
+                <a:miter lim="800000"/>
+              </a14:hiddenLine>
+            </a:ext>
+          </a:extLst>
+        </p:spPr>
+        <p:style>
+          <a:lnRef idx="2">
+            <a:schemeClr val="accent1">
+              <a:shade val="50000"/>
+            </a:schemeClr>
+          </a:lnRef>
+          <a:fillRef idx="1">
+            <a:schemeClr val="accent1"/>
+          </a:fillRef>
+          <a:effectRef idx="0">
+            <a:schemeClr val="accent1"/>
+          </a:effectRef>
+          <a:fontRef idx="minor">
+            <a:schemeClr val="lt1"/>
+          </a:fontRef>
+        </p:style>
+        <p:txBody>
+          <a:bodyPr rtlCol="0" anchor="ctr"/>
+          <a:lstStyle/>
+          <a:p>
+            <a:pPr algn="ctr"/>
+            <a:endParaRPr lang="en-US"/>
+          </a:p>
+        </p:txBody>
+      </p:sp>
+      <p:sp>
+        <p:nvSpPr>
+          <p:cNvPr id="11" name="Rectangle 10">
+            <a:extLst>
+              <a:ext uri="{FF2B5EF4-FFF2-40B4-BE49-F238E27FC236}">
+                <a16:creationId xmlns:a16="http://schemas.microsoft.com/office/drawing/2014/main" id="{256B2C21-A230-48C0-8DF1-C46611373C44}"/>
+              </a:ext>
+              <a:ext uri="{C183D7F6-B498-43B3-948B-1728B52AA6E4}">
+                <adec:decorative xmlns:adec="http://schemas.microsoft.com/office/drawing/2017/decorative" val="1"/>
+              </a:ext>
+            </a:extLst>
+          </p:cNvPr>
+          <p:cNvSpPr>
+            <a:spLocks noGrp="1" noRot="1" noChangeAspect="1" noMove="1" noResize="1" noEditPoints="1" noAdjustHandles="1" noChangeArrowheads="1" noChangeShapeType="1" noTextEdit="1"/>
+          </p:cNvSpPr>
+          <p:nvPr>
+            <p:extLst>
+              <p:ext uri="{386F3935-93C4-4BCD-93E2-E3B085C9AB24}">
+                <p16:designElem xmlns:p16="http://schemas.microsoft.com/office/powerpoint/2015/main" val="1"/>
+              </p:ext>
+            </p:extLst>
+          </p:nvPr>
+        </p:nvSpPr>
+        <p:spPr>
+          <a:xfrm rot="5400000" flipH="1">
+            <a:off x="-1410084" y="1410082"/>
+            <a:ext cx="6858000" cy="4037836"/>
+          </a:xfrm>
+          <a:prstGeom prst="rect">
+            <a:avLst/>
+          </a:prstGeom>
+          <a:gradFill>
+            <a:gsLst>
+              <a:gs pos="8000">
+                <a:srgbClr val="000000"/>
+              </a:gs>
+              <a:gs pos="100000">
+                <a:schemeClr val="accent1">
+                  <a:lumMod val="75000"/>
+                </a:schemeClr>
+              </a:gs>
+            </a:gsLst>
+            <a:lin ang="3000000" scaled="0"/>
+          </a:gradFill>
+          <a:ln>
+            <a:noFill/>
+          </a:ln>
+        </p:spPr>
+        <p:style>
+          <a:lnRef idx="2">
+            <a:schemeClr val="accent1">
+              <a:shade val="50000"/>
+            </a:schemeClr>
+          </a:lnRef>
+          <a:fillRef idx="1">
+            <a:schemeClr val="accent1"/>
+          </a:fillRef>
+          <a:effectRef idx="0">
+            <a:schemeClr val="accent1"/>
+          </a:effectRef>
+          <a:fontRef idx="minor">
+            <a:schemeClr val="lt1"/>
+          </a:fontRef>
+        </p:style>
+        <p:txBody>
+          <a:bodyPr rtlCol="0" anchor="ctr"/>
+          <a:lstStyle/>
+          <a:p>
+            <a:pPr algn="ctr"/>
+            <a:endParaRPr lang="en-US"/>
+          </a:p>
+        </p:txBody>
+      </p:sp>
+      <p:sp>
+        <p:nvSpPr>
+          <p:cNvPr id="13" name="Rectangle 12">
+            <a:extLst>
+              <a:ext uri="{FF2B5EF4-FFF2-40B4-BE49-F238E27FC236}">
+                <a16:creationId xmlns:a16="http://schemas.microsoft.com/office/drawing/2014/main" id="{3847E18C-932D-4C95-AABA-FEC7C9499AD7}"/>
+              </a:ext>
+              <a:ext uri="{C183D7F6-B498-43B3-948B-1728B52AA6E4}">
+                <adec:decorative xmlns:adec="http://schemas.microsoft.com/office/drawing/2017/decorative" val="1"/>
+              </a:ext>
+            </a:extLst>
+          </p:cNvPr>
+          <p:cNvSpPr>
+            <a:spLocks noGrp="1" noRot="1" noChangeAspect="1" noMove="1" noResize="1" noEditPoints="1" noAdjustHandles="1" noChangeArrowheads="1" noChangeShapeType="1" noTextEdit="1"/>
+          </p:cNvSpPr>
+          <p:nvPr>
+            <p:extLst>
+              <p:ext uri="{386F3935-93C4-4BCD-93E2-E3B085C9AB24}">
+                <p16:designElem xmlns:p16="http://schemas.microsoft.com/office/powerpoint/2015/main" val="1"/>
+              </p:ext>
+            </p:extLst>
+          </p:nvPr>
+        </p:nvSpPr>
+        <p:spPr>
+          <a:xfrm rot="5400000" flipH="1">
+            <a:off x="-1410085" y="1420219"/>
+            <a:ext cx="6857999" cy="4037839"/>
+          </a:xfrm>
+          <a:prstGeom prst="rect">
+            <a:avLst/>
+          </a:prstGeom>
+          <a:gradFill>
+            <a:gsLst>
+              <a:gs pos="0">
+                <a:srgbClr val="000000">
+                  <a:alpha val="0"/>
+                </a:srgbClr>
+              </a:gs>
+              <a:gs pos="99000">
+                <a:schemeClr val="accent1">
+                  <a:alpha val="46000"/>
+                </a:schemeClr>
+              </a:gs>
+            </a:gsLst>
+            <a:lin ang="1800000" scaled="0"/>
+          </a:gradFill>
+          <a:ln>
+            <a:noFill/>
+          </a:ln>
+        </p:spPr>
+        <p:style>
+          <a:lnRef idx="2">
+            <a:schemeClr val="accent1">
+              <a:shade val="50000"/>
+            </a:schemeClr>
+          </a:lnRef>
+          <a:fillRef idx="1">
+            <a:schemeClr val="accent1"/>
+          </a:fillRef>
+          <a:effectRef idx="0">
+            <a:schemeClr val="accent1"/>
+          </a:effectRef>
+          <a:fontRef idx="minor">
+            <a:schemeClr val="lt1"/>
+          </a:fontRef>
+        </p:style>
+        <p:txBody>
+          <a:bodyPr rtlCol="0" anchor="ctr"/>
+          <a:lstStyle/>
+          <a:p>
+            <a:pPr algn="ctr"/>
+            <a:endParaRPr lang="en-US"/>
+          </a:p>
+        </p:txBody>
+      </p:sp>
+      <p:sp>
+        <p:nvSpPr>
+          <p:cNvPr id="15" name="Rectangle 14">
+            <a:extLst>
+              <a:ext uri="{FF2B5EF4-FFF2-40B4-BE49-F238E27FC236}">
+                <a16:creationId xmlns:a16="http://schemas.microsoft.com/office/drawing/2014/main" id="{3150CB11-0C61-439E-910F-5787759E72A0}"/>
+              </a:ext>
+              <a:ext uri="{C183D7F6-B498-43B3-948B-1728B52AA6E4}">
+                <adec:decorative xmlns:adec="http://schemas.microsoft.com/office/drawing/2017/decorative" val="1"/>
+              </a:ext>
+            </a:extLst>
+          </p:cNvPr>
+          <p:cNvSpPr>
+            <a:spLocks noGrp="1" noRot="1" noChangeAspect="1" noMove="1" noResize="1" noEditPoints="1" noAdjustHandles="1" noChangeArrowheads="1" noChangeShapeType="1" noTextEdit="1"/>
+          </p:cNvSpPr>
+          <p:nvPr>
+            <p:extLst>
+              <p:ext uri="{386F3935-93C4-4BCD-93E2-E3B085C9AB24}">
+                <p16:designElem xmlns:p16="http://schemas.microsoft.com/office/powerpoint/2015/main" val="1"/>
+              </p:ext>
+            </p:extLst>
+          </p:nvPr>
+        </p:nvSpPr>
+        <p:spPr>
+          <a:xfrm rot="5400000" flipH="1">
+            <a:off x="767923" y="3588085"/>
+            <a:ext cx="2501979" cy="4037841"/>
+          </a:xfrm>
+          <a:prstGeom prst="rect">
+            <a:avLst/>
+          </a:prstGeom>
+          <a:gradFill>
+            <a:gsLst>
+              <a:gs pos="2000">
+                <a:schemeClr val="accent1">
+                  <a:alpha val="29000"/>
+                </a:schemeClr>
+              </a:gs>
+              <a:gs pos="100000">
+                <a:srgbClr val="000000">
+                  <a:alpha val="30000"/>
+                </a:srgbClr>
+              </a:gs>
+            </a:gsLst>
+            <a:lin ang="7800000" scaled="0"/>
+          </a:gradFill>
+          <a:ln>
+            <a:noFill/>
+          </a:ln>
+        </p:spPr>
+        <p:style>
+          <a:lnRef idx="2">
+            <a:schemeClr val="accent1">
+              <a:shade val="50000"/>
+            </a:schemeClr>
+          </a:lnRef>
+          <a:fillRef idx="1">
+            <a:schemeClr val="accent1"/>
+          </a:fillRef>
+          <a:effectRef idx="0">
+            <a:schemeClr val="accent1"/>
+          </a:effectRef>
+          <a:fontRef idx="minor">
+            <a:schemeClr val="lt1"/>
+          </a:fontRef>
+        </p:style>
+        <p:txBody>
+          <a:bodyPr rtlCol="0" anchor="ctr"/>
+          <a:lstStyle/>
+          <a:p>
+            <a:pPr algn="ctr"/>
+            <a:endParaRPr lang="en-US" dirty="0"/>
+          </a:p>
+        </p:txBody>
+      </p:sp>
+      <p:sp>
+        <p:nvSpPr>
+          <p:cNvPr id="17" name="Freeform: Shape 16">
+            <a:extLst>
+              <a:ext uri="{FF2B5EF4-FFF2-40B4-BE49-F238E27FC236}">
+                <a16:creationId xmlns:a16="http://schemas.microsoft.com/office/drawing/2014/main" id="{43F8A58B-5155-44CE-A5FF-7647B47D0A7A}"/>
+              </a:ext>
+              <a:ext uri="{C183D7F6-B498-43B3-948B-1728B52AA6E4}">
+                <adec:decorative xmlns:adec="http://schemas.microsoft.com/office/drawing/2017/decorative" val="1"/>
+              </a:ext>
+            </a:extLst>
+          </p:cNvPr>
+          <p:cNvSpPr>
+            <a:spLocks noGrp="1" noRot="1" noChangeAspect="1" noMove="1" noResize="1" noEditPoints="1" noAdjustHandles="1" noChangeArrowheads="1" noChangeShapeType="1" noTextEdit="1"/>
+          </p:cNvSpPr>
+          <p:nvPr>
+            <p:extLst>
+              <p:ext uri="{386F3935-93C4-4BCD-93E2-E3B085C9AB24}">
+                <p16:designElem xmlns:p16="http://schemas.microsoft.com/office/powerpoint/2015/main" val="1"/>
+              </p:ext>
+            </p:extLst>
+          </p:nvPr>
+        </p:nvSpPr>
+        <p:spPr>
+          <a:xfrm rot="20635413">
+            <a:off x="-501737" y="969718"/>
+            <a:ext cx="3900357" cy="4178958"/>
+          </a:xfrm>
+          <a:custGeom>
+            <a:avLst/>
+            <a:gdLst>
+              <a:gd name="connsiteX0" fmla="*/ 2432225 w 3900357"/>
+              <a:gd name="connsiteY0" fmla="*/ 93939 h 4178958"/>
+              <a:gd name="connsiteX1" fmla="*/ 3900357 w 3900357"/>
+              <a:gd name="connsiteY1" fmla="*/ 2089479 h 4178958"/>
+              <a:gd name="connsiteX2" fmla="*/ 1810878 w 3900357"/>
+              <a:gd name="connsiteY2" fmla="*/ 4178958 h 4178958"/>
+              <a:gd name="connsiteX3" fmla="*/ 78249 w 3900357"/>
+              <a:gd name="connsiteY3" fmla="*/ 3257727 h 4178958"/>
+              <a:gd name="connsiteX4" fmla="*/ 0 w 3900357"/>
+              <a:gd name="connsiteY4" fmla="*/ 3128923 h 4178958"/>
+              <a:gd name="connsiteX5" fmla="*/ 831324 w 3900357"/>
+              <a:gd name="connsiteY5" fmla="*/ 244281 h 4178958"/>
+              <a:gd name="connsiteX6" fmla="*/ 997559 w 3900357"/>
+              <a:gd name="connsiteY6" fmla="*/ 164202 h 4178958"/>
+              <a:gd name="connsiteX7" fmla="*/ 1810878 w 3900357"/>
+              <a:gd name="connsiteY7" fmla="*/ 0 h 4178958"/>
+              <a:gd name="connsiteX8" fmla="*/ 2432225 w 3900357"/>
+              <a:gd name="connsiteY8" fmla="*/ 93939 h 4178958"/>
+            </a:gdLst>
+            <a:ahLst/>
+            <a:cxnLst>
+              <a:cxn ang="0">
+                <a:pos x="connsiteX0" y="connsiteY0"/>
+              </a:cxn>
+              <a:cxn ang="0">
+                <a:pos x="connsiteX1" y="connsiteY1"/>
+              </a:cxn>
+              <a:cxn ang="0">
+                <a:pos x="connsiteX2" y="connsiteY2"/>
+              </a:cxn>
+              <a:cxn ang="0">
+                <a:pos x="connsiteX3" y="connsiteY3"/>
+              </a:cxn>
+              <a:cxn ang="0">
+                <a:pos x="connsiteX4" y="connsiteY4"/>
+              </a:cxn>
+              <a:cxn ang="0">
+                <a:pos x="connsiteX5" y="connsiteY5"/>
+              </a:cxn>
+              <a:cxn ang="0">
+                <a:pos x="connsiteX6" y="connsiteY6"/>
+              </a:cxn>
+              <a:cxn ang="0">
+                <a:pos x="connsiteX7" y="connsiteY7"/>
+              </a:cxn>
+              <a:cxn ang="0">
+                <a:pos x="connsiteX8" y="connsiteY8"/>
+              </a:cxn>
+            </a:cxnLst>
+            <a:rect l="l" t="t" r="r" b="b"/>
+            <a:pathLst>
+              <a:path w="3900357" h="4178958">
+                <a:moveTo>
+                  <a:pt x="2432225" y="93939"/>
+                </a:moveTo>
+                <a:cubicBezTo>
+                  <a:pt x="3282786" y="358491"/>
+                  <a:pt x="3900357" y="1151865"/>
+                  <a:pt x="3900357" y="2089479"/>
+                </a:cubicBezTo>
+                <a:cubicBezTo>
+                  <a:pt x="3900357" y="3243466"/>
+                  <a:pt x="2964865" y="4178958"/>
+                  <a:pt x="1810878" y="4178958"/>
+                </a:cubicBezTo>
+                <a:cubicBezTo>
+                  <a:pt x="1089636" y="4178958"/>
+                  <a:pt x="453744" y="3813531"/>
+                  <a:pt x="78249" y="3257727"/>
+                </a:cubicBezTo>
+                <a:lnTo>
+                  <a:pt x="0" y="3128923"/>
+                </a:lnTo>
+                <a:lnTo>
+                  <a:pt x="831324" y="244281"/>
+                </a:lnTo>
+                <a:lnTo>
+                  <a:pt x="997559" y="164202"/>
+                </a:lnTo>
+                <a:cubicBezTo>
+                  <a:pt x="1247540" y="58468"/>
+                  <a:pt x="1522381" y="0"/>
+                  <a:pt x="1810878" y="0"/>
+                </a:cubicBezTo>
+                <a:cubicBezTo>
+                  <a:pt x="2027251" y="0"/>
+                  <a:pt x="2235942" y="32888"/>
+                  <a:pt x="2432225" y="93939"/>
+                </a:cubicBezTo>
+                <a:close/>
+              </a:path>
+            </a:pathLst>
+          </a:custGeom>
+          <a:gradFill>
+            <a:gsLst>
+              <a:gs pos="29000">
+                <a:srgbClr val="000000">
+                  <a:alpha val="0"/>
+                </a:srgbClr>
+              </a:gs>
+              <a:gs pos="100000">
+                <a:schemeClr val="accent1">
+                  <a:alpha val="43000"/>
+                </a:schemeClr>
+              </a:gs>
+            </a:gsLst>
+            <a:lin ang="1800000" scaled="0"/>
+          </a:gradFill>
+          <a:ln>
+            <a:noFill/>
+          </a:ln>
+        </p:spPr>
+        <p:style>
+          <a:lnRef idx="2">
+            <a:schemeClr val="accent1">
+              <a:shade val="50000"/>
+            </a:schemeClr>
+          </a:lnRef>
+          <a:fillRef idx="1">
+            <a:schemeClr val="accent1"/>
+          </a:fillRef>
+          <a:effectRef idx="0">
+            <a:schemeClr val="accent1"/>
+          </a:effectRef>
+          <a:fontRef idx="minor">
+            <a:schemeClr val="lt1"/>
+          </a:fontRef>
+        </p:style>
+        <p:txBody>
+          <a:bodyPr wrap="square" rtlCol="0" anchor="ctr">
+            <a:noAutofit/>
+          </a:bodyPr>
+          <a:lstStyle/>
+          <a:p>
+            <a:pPr algn="ctr"/>
+            <a:endParaRPr lang="en-US" dirty="0"/>
+          </a:p>
+        </p:txBody>
+      </p:sp>
+      <p:sp>
+        <p:nvSpPr>
+          <p:cNvPr id="19" name="Rectangle 18">
+            <a:extLst>
+              <a:ext uri="{FF2B5EF4-FFF2-40B4-BE49-F238E27FC236}">
+                <a16:creationId xmlns:a16="http://schemas.microsoft.com/office/drawing/2014/main" id="{443F2ACA-E6D6-4028-82DD-F03C262D5DE6}"/>
+              </a:ext>
+              <a:ext uri="{C183D7F6-B498-43B3-948B-1728B52AA6E4}">
+                <adec:decorative xmlns:adec="http://schemas.microsoft.com/office/drawing/2017/decorative" val="1"/>
+              </a:ext>
+            </a:extLst>
+          </p:cNvPr>
+          <p:cNvSpPr>
+            <a:spLocks noGrp="1" noRot="1" noChangeAspect="1" noMove="1" noResize="1" noEditPoints="1" noAdjustHandles="1" noChangeArrowheads="1" noChangeShapeType="1" noTextEdit="1"/>
+          </p:cNvSpPr>
+          <p:nvPr>
+            <p:extLst>
+              <p:ext uri="{386F3935-93C4-4BCD-93E2-E3B085C9AB24}">
+                <p16:designElem xmlns:p16="http://schemas.microsoft.com/office/powerpoint/2015/main" val="1"/>
+              </p:ext>
+            </p:extLst>
+          </p:nvPr>
+        </p:nvSpPr>
+        <p:spPr>
+          <a:xfrm rot="5400000" flipH="1">
+            <a:off x="-1410095" y="1410079"/>
+            <a:ext cx="6858003" cy="4037835"/>
+          </a:xfrm>
+          <a:prstGeom prst="rect">
+            <a:avLst/>
+          </a:prstGeom>
+          <a:gradFill>
+            <a:gsLst>
+              <a:gs pos="0">
+                <a:srgbClr val="000000">
+                  <a:alpha val="0"/>
+                </a:srgbClr>
+              </a:gs>
+              <a:gs pos="99000">
+                <a:schemeClr val="accent1">
+                  <a:lumMod val="60000"/>
+                  <a:lumOff val="40000"/>
+                  <a:alpha val="11000"/>
+                </a:schemeClr>
+              </a:gs>
+            </a:gsLst>
+            <a:lin ang="7200000" scaled="0"/>
+          </a:gradFill>
+          <a:ln>
+            <a:noFill/>
+          </a:ln>
+        </p:spPr>
+        <p:style>
+          <a:lnRef idx="2">
+            <a:schemeClr val="accent1">
+              <a:shade val="50000"/>
+            </a:schemeClr>
+          </a:lnRef>
+          <a:fillRef idx="1">
+            <a:schemeClr val="accent1"/>
+          </a:fillRef>
+          <a:effectRef idx="0">
+            <a:schemeClr val="accent1"/>
+          </a:effectRef>
+          <a:fontRef idx="minor">
+            <a:schemeClr val="lt1"/>
+          </a:fontRef>
+        </p:style>
+        <p:txBody>
+          <a:bodyPr rtlCol="0" anchor="ctr"/>
+          <a:lstStyle/>
+          <a:p>
+            <a:pPr algn="ctr"/>
+            <a:endParaRPr lang="en-US"/>
+          </a:p>
+        </p:txBody>
+      </p:sp>
+      <p:sp>
+        <p:nvSpPr>
+          <p:cNvPr id="2" name="Title 1">
+            <a:extLst>
+              <a:ext uri="{FF2B5EF4-FFF2-40B4-BE49-F238E27FC236}">
+                <a16:creationId xmlns:a16="http://schemas.microsoft.com/office/drawing/2014/main" id="{865474EB-FF97-5F5C-1D24-5ACF01A73F26}"/>
+              </a:ext>
+            </a:extLst>
+          </p:cNvPr>
+          <p:cNvSpPr>
+            <a:spLocks noGrp="1"/>
+          </p:cNvSpPr>
+          <p:nvPr>
+            <p:ph type="title"/>
+          </p:nvPr>
+        </p:nvSpPr>
+        <p:spPr>
+          <a:xfrm>
+            <a:off x="586478" y="1683756"/>
+            <a:ext cx="3115265" cy="2396359"/>
+          </a:xfrm>
+        </p:spPr>
+        <p:txBody>
+          <a:bodyPr anchor="b">
+            <a:normAutofit/>
+          </a:bodyPr>
+          <a:lstStyle/>
+          <a:p>
+            <a:pPr algn="r"/>
+            <a:r>
+              <a:rPr lang="en-VN" sz="4000">
+                <a:solidFill>
+                  <a:srgbClr val="FFFFFF"/>
+                </a:solidFill>
+              </a:rPr>
+              <a:t>Outline</a:t>
+            </a:r>
+          </a:p>
+        </p:txBody>
+      </p:sp>
+      <p:graphicFrame>
+        <p:nvGraphicFramePr>
+          <p:cNvPr id="5" name="Content Placeholder 2">
+            <a:extLst>
+              <a:ext uri="{FF2B5EF4-FFF2-40B4-BE49-F238E27FC236}">
+                <a16:creationId xmlns:a16="http://schemas.microsoft.com/office/drawing/2014/main" id="{100B87E6-2B86-D987-88EA-9F531E0DDD3D}"/>
+              </a:ext>
+            </a:extLst>
+          </p:cNvPr>
+          <p:cNvGraphicFramePr>
+            <a:graphicFrameLocks noGrp="1"/>
+          </p:cNvGraphicFramePr>
+          <p:nvPr>
+            <p:ph idx="1"/>
+            <p:extLst>
+              <p:ext uri="{D42A27DB-BD31-4B8C-83A1-F6EECF244321}">
+                <p14:modId xmlns:p14="http://schemas.microsoft.com/office/powerpoint/2010/main" val="1769328547"/>
+              </p:ext>
+            </p:extLst>
+          </p:nvPr>
+        </p:nvGraphicFramePr>
+        <p:xfrm>
+          <a:off x="4905052" y="750440"/>
+          <a:ext cx="6666833" cy="5453920"/>
+        </p:xfrm>
+        <a:graphic>
+          <a:graphicData uri="http://schemas.openxmlformats.org/drawingml/2006/diagram">
+            <dgm:relIds xmlns:dgm="http://schemas.openxmlformats.org/drawingml/2006/diagram" xmlns:r="http://schemas.openxmlformats.org/officeDocument/2006/relationships" r:dm="rId2" r:lo="rId3" r:qs="rId4" r:cs="rId5"/>
+          </a:graphicData>
+        </a:graphic>
+      </p:graphicFrame>
+    </p:spTree>
+    <p:extLst>
+      <p:ext uri="{BB962C8B-B14F-4D97-AF65-F5344CB8AC3E}">
+        <p14:creationId xmlns:p14="http://schemas.microsoft.com/office/powerpoint/2010/main" val="1425536032"/>
+      </p:ext>
+    </p:extLst>
+  </p:cSld>
+  <p:clrMapOvr>
+    <a:masterClrMapping/>
+  </p:clrMapOvr>
+</p:sld>
+</file>
+
+<file path=ppt/slides/slide20.xml><?xml version="1.0" encoding="utf-8"?>
+<p:sld xmlns:a="http://schemas.openxmlformats.org/drawingml/2006/main" xmlns:r="http://schemas.openxmlformats.org/officeDocument/2006/relationships" xmlns:p="http://schemas.openxmlformats.org/presentationml/2006/main">
+  <p:cSld>
+    <p:bg>
+      <p:bgPr>
+        <a:solidFill>
+          <a:schemeClr val="bg1"/>
+        </a:solidFill>
+        <a:effectLst/>
+      </p:bgPr>
+    </p:bg>
+    <p:spTree>
+      <p:nvGrpSpPr>
+        <p:cNvPr id="1" name=""/>
+        <p:cNvGrpSpPr/>
+        <p:nvPr/>
+      </p:nvGrpSpPr>
+      <p:grpSpPr>
+        <a:xfrm>
+          <a:off x="0" y="0"/>
+          <a:ext cx="0" cy="0"/>
+          <a:chOff x="0" y="0"/>
+          <a:chExt cx="0" cy="0"/>
+        </a:xfrm>
+      </p:grpSpPr>
+      <p:sp useBgFill="1">
+        <p:nvSpPr>
+          <p:cNvPr id="10" name="Rectangle 9">
+            <a:extLst>
+              <a:ext uri="{FF2B5EF4-FFF2-40B4-BE49-F238E27FC236}">
+                <a16:creationId xmlns:a16="http://schemas.microsoft.com/office/drawing/2014/main" id="{7B831B6F-405A-4B47-B9BB-5CA88F285844}"/>
+              </a:ext>
+              <a:ext uri="{C183D7F6-B498-43B3-948B-1728B52AA6E4}">
+                <adec:decorative xmlns:adec="http://schemas.microsoft.com/office/drawing/2017/decorative" val="1"/>
+              </a:ext>
+            </a:extLst>
+          </p:cNvPr>
+          <p:cNvSpPr>
+            <a:spLocks noGrp="1" noRot="1" noChangeAspect="1" noMove="1" noResize="1" noEditPoints="1" noAdjustHandles="1" noChangeArrowheads="1" noChangeShapeType="1" noTextEdit="1"/>
+          </p:cNvSpPr>
+          <p:nvPr>
+            <p:extLst>
+              <p:ext uri="{386F3935-93C4-4BCD-93E2-E3B085C9AB24}">
+                <p16:designElem xmlns:p16="http://schemas.microsoft.com/office/powerpoint/2015/main" val="1"/>
+              </p:ext>
+            </p:extLst>
+          </p:nvPr>
+        </p:nvSpPr>
+        <p:spPr>
+          <a:xfrm>
+            <a:off x="0" y="0"/>
+            <a:ext cx="12192000" cy="6858000"/>
+          </a:xfrm>
+          <a:prstGeom prst="rect">
+            <a:avLst/>
+          </a:prstGeom>
+          <a:ln>
+            <a:noFill/>
+          </a:ln>
+        </p:spPr>
+        <p:style>
+          <a:lnRef idx="2">
+            <a:schemeClr val="accent1">
+              <a:shade val="50000"/>
+            </a:schemeClr>
+          </a:lnRef>
+          <a:fillRef idx="1">
+            <a:schemeClr val="accent1"/>
+          </a:fillRef>
+          <a:effectRef idx="0">
+            <a:schemeClr val="accent1"/>
+          </a:effectRef>
+          <a:fontRef idx="minor">
+            <a:schemeClr val="lt1"/>
+          </a:fontRef>
+        </p:style>
+        <p:txBody>
+          <a:bodyPr rtlCol="0" anchor="ctr"/>
+          <a:lstStyle/>
+          <a:p>
+            <a:pPr algn="ctr"/>
+            <a:endParaRPr lang="en-US"/>
+          </a:p>
+        </p:txBody>
+      </p:sp>
+      <p:sp>
+        <p:nvSpPr>
+          <p:cNvPr id="2" name="Title 1">
+            <a:extLst>
+              <a:ext uri="{FF2B5EF4-FFF2-40B4-BE49-F238E27FC236}">
+                <a16:creationId xmlns:a16="http://schemas.microsoft.com/office/drawing/2014/main" id="{CC7646BE-0FB5-B48C-F15E-889A3813D098}"/>
+              </a:ext>
+            </a:extLst>
+          </p:cNvPr>
+          <p:cNvSpPr>
+            <a:spLocks noGrp="1"/>
+          </p:cNvSpPr>
+          <p:nvPr>
+            <p:ph type="title"/>
+          </p:nvPr>
+        </p:nvSpPr>
+        <p:spPr>
+          <a:xfrm>
+            <a:off x="6739128" y="638089"/>
+            <a:ext cx="4818888" cy="1476801"/>
+          </a:xfrm>
+        </p:spPr>
+        <p:txBody>
+          <a:bodyPr anchor="b">
+            <a:normAutofit/>
+          </a:bodyPr>
+          <a:lstStyle/>
+          <a:p>
+            <a:r>
+              <a:rPr lang="en-VN" sz="5000"/>
+              <a:t>Minimizing Costs</a:t>
+            </a:r>
+          </a:p>
+        </p:txBody>
+      </p:sp>
+      <p:pic>
+        <p:nvPicPr>
+          <p:cNvPr id="7" name="Graphic 6" descr="Calculator">
+            <a:extLst>
+              <a:ext uri="{FF2B5EF4-FFF2-40B4-BE49-F238E27FC236}">
+                <a16:creationId xmlns:a16="http://schemas.microsoft.com/office/drawing/2014/main" id="{4D16F7AE-D387-8B32-DB1E-FC5B2B63A211}"/>
+              </a:ext>
+            </a:extLst>
+          </p:cNvPr>
+          <p:cNvPicPr>
+            <a:picLocks noChangeAspect="1"/>
+          </p:cNvPicPr>
+          <p:nvPr/>
+        </p:nvPicPr>
+        <p:blipFill>
+          <a:blip r:embed="rId3">
+            <a:extLst>
+              <a:ext uri="{28A0092B-C50C-407E-A947-70E740481C1C}">
+                <a14:useLocalDpi xmlns:a14="http://schemas.microsoft.com/office/drawing/2010/main" val="0"/>
+              </a:ext>
+              <a:ext uri="{96DAC541-7B7A-43D3-8B79-37D633B846F1}">
+                <asvg:svgBlip xmlns:asvg="http://schemas.microsoft.com/office/drawing/2016/SVG/main" r:embed="rId4"/>
+              </a:ext>
+            </a:extLst>
+          </a:blip>
+          <a:stretch>
+            <a:fillRect/>
+          </a:stretch>
+        </p:blipFill>
+        <p:spPr>
+          <a:xfrm>
+            <a:off x="630936" y="699516"/>
+            <a:ext cx="5458968" cy="5458968"/>
+          </a:xfrm>
+          <a:prstGeom prst="rect">
+            <a:avLst/>
+          </a:prstGeom>
+        </p:spPr>
+      </p:pic>
+      <p:sp>
+        <p:nvSpPr>
+          <p:cNvPr id="12" name="sketch line">
+            <a:extLst>
+              <a:ext uri="{FF2B5EF4-FFF2-40B4-BE49-F238E27FC236}">
+                <a16:creationId xmlns:a16="http://schemas.microsoft.com/office/drawing/2014/main" id="{953EE71A-6488-4203-A7C4-77102FD0DCCA}"/>
+              </a:ext>
+              <a:ext uri="{C183D7F6-B498-43B3-948B-1728B52AA6E4}">
+                <adec:decorative xmlns:adec="http://schemas.microsoft.com/office/drawing/2017/decorative" val="1"/>
+              </a:ext>
+            </a:extLst>
+          </p:cNvPr>
+          <p:cNvSpPr>
+            <a:spLocks noGrp="1" noRot="1" noChangeAspect="1" noMove="1" noResize="1" noEditPoints="1" noAdjustHandles="1" noChangeArrowheads="1" noChangeShapeType="1" noTextEdit="1"/>
+          </p:cNvSpPr>
+          <p:nvPr>
+            <p:extLst>
+              <p:ext uri="{386F3935-93C4-4BCD-93E2-E3B085C9AB24}">
+                <p16:designElem xmlns:p16="http://schemas.microsoft.com/office/powerpoint/2015/main" val="1"/>
+              </p:ext>
+            </p:extLst>
+          </p:nvPr>
+        </p:nvSpPr>
+        <p:spPr>
+          <a:xfrm>
+            <a:off x="6739128" y="2372868"/>
+            <a:ext cx="3255095" cy="18288"/>
+          </a:xfrm>
+          <a:custGeom>
+            <a:avLst/>
+            <a:gdLst>
+              <a:gd name="connsiteX0" fmla="*/ 0 w 3255095"/>
+              <a:gd name="connsiteY0" fmla="*/ 0 h 18288"/>
+              <a:gd name="connsiteX1" fmla="*/ 618468 w 3255095"/>
+              <a:gd name="connsiteY1" fmla="*/ 0 h 18288"/>
+              <a:gd name="connsiteX2" fmla="*/ 1269487 w 3255095"/>
+              <a:gd name="connsiteY2" fmla="*/ 0 h 18288"/>
+              <a:gd name="connsiteX3" fmla="*/ 1953057 w 3255095"/>
+              <a:gd name="connsiteY3" fmla="*/ 0 h 18288"/>
+              <a:gd name="connsiteX4" fmla="*/ 2636627 w 3255095"/>
+              <a:gd name="connsiteY4" fmla="*/ 0 h 18288"/>
+              <a:gd name="connsiteX5" fmla="*/ 3255095 w 3255095"/>
+              <a:gd name="connsiteY5" fmla="*/ 0 h 18288"/>
+              <a:gd name="connsiteX6" fmla="*/ 3255095 w 3255095"/>
+              <a:gd name="connsiteY6" fmla="*/ 18288 h 18288"/>
+              <a:gd name="connsiteX7" fmla="*/ 2538974 w 3255095"/>
+              <a:gd name="connsiteY7" fmla="*/ 18288 h 18288"/>
+              <a:gd name="connsiteX8" fmla="*/ 1822853 w 3255095"/>
+              <a:gd name="connsiteY8" fmla="*/ 18288 h 18288"/>
+              <a:gd name="connsiteX9" fmla="*/ 1171834 w 3255095"/>
+              <a:gd name="connsiteY9" fmla="*/ 18288 h 18288"/>
+              <a:gd name="connsiteX10" fmla="*/ 0 w 3255095"/>
+              <a:gd name="connsiteY10" fmla="*/ 18288 h 18288"/>
+              <a:gd name="connsiteX11" fmla="*/ 0 w 3255095"/>
+              <a:gd name="connsiteY11" fmla="*/ 0 h 18288"/>
+            </a:gdLst>
+            <a:ahLst/>
+            <a:cxnLst>
+              <a:cxn ang="0">
+                <a:pos x="connsiteX0" y="connsiteY0"/>
+              </a:cxn>
+              <a:cxn ang="0">
+                <a:pos x="connsiteX1" y="connsiteY1"/>
+              </a:cxn>
+              <a:cxn ang="0">
+                <a:pos x="connsiteX2" y="connsiteY2"/>
+              </a:cxn>
+              <a:cxn ang="0">
+                <a:pos x="connsiteX3" y="connsiteY3"/>
+              </a:cxn>
+              <a:cxn ang="0">
+                <a:pos x="connsiteX4" y="connsiteY4"/>
+              </a:cxn>
+              <a:cxn ang="0">
+                <a:pos x="connsiteX5" y="connsiteY5"/>
+              </a:cxn>
+              <a:cxn ang="0">
+                <a:pos x="connsiteX6" y="connsiteY6"/>
+              </a:cxn>
+              <a:cxn ang="0">
+                <a:pos x="connsiteX7" y="connsiteY7"/>
+              </a:cxn>
+              <a:cxn ang="0">
+                <a:pos x="connsiteX8" y="connsiteY8"/>
+              </a:cxn>
+              <a:cxn ang="0">
+                <a:pos x="connsiteX9" y="connsiteY9"/>
+              </a:cxn>
+              <a:cxn ang="0">
+                <a:pos x="connsiteX10" y="connsiteY10"/>
+              </a:cxn>
+              <a:cxn ang="0">
+                <a:pos x="connsiteX11" y="connsiteY11"/>
+              </a:cxn>
+            </a:cxnLst>
+            <a:rect l="l" t="t" r="r" b="b"/>
+            <a:pathLst>
+              <a:path w="3255095" h="18288" fill="none" extrusionOk="0">
+                <a:moveTo>
+                  <a:pt x="0" y="0"/>
+                </a:moveTo>
+                <a:cubicBezTo>
+                  <a:pt x="240201" y="-22123"/>
+                  <a:pt x="462021" y="-19623"/>
+                  <a:pt x="618468" y="0"/>
+                </a:cubicBezTo>
+                <a:cubicBezTo>
+                  <a:pt x="774915" y="19623"/>
+                  <a:pt x="974734" y="2035"/>
+                  <a:pt x="1269487" y="0"/>
+                </a:cubicBezTo>
+                <a:cubicBezTo>
+                  <a:pt x="1564240" y="-2035"/>
+                  <a:pt x="1733579" y="10639"/>
+                  <a:pt x="1953057" y="0"/>
+                </a:cubicBezTo>
+                <a:cubicBezTo>
+                  <a:pt x="2172535" y="-10639"/>
+                  <a:pt x="2453962" y="14018"/>
+                  <a:pt x="2636627" y="0"/>
+                </a:cubicBezTo>
+                <a:cubicBezTo>
+                  <a:pt x="2819292" y="-14018"/>
+                  <a:pt x="3121375" y="5399"/>
+                  <a:pt x="3255095" y="0"/>
+                </a:cubicBezTo>
+                <a:cubicBezTo>
+                  <a:pt x="3254386" y="8157"/>
+                  <a:pt x="3254682" y="12125"/>
+                  <a:pt x="3255095" y="18288"/>
+                </a:cubicBezTo>
+                <a:cubicBezTo>
+                  <a:pt x="3088545" y="23203"/>
+                  <a:pt x="2687475" y="7419"/>
+                  <a:pt x="2538974" y="18288"/>
+                </a:cubicBezTo>
+                <a:cubicBezTo>
+                  <a:pt x="2390473" y="29157"/>
+                  <a:pt x="2137381" y="-8959"/>
+                  <a:pt x="1822853" y="18288"/>
+                </a:cubicBezTo>
+                <a:cubicBezTo>
+                  <a:pt x="1508325" y="45535"/>
+                  <a:pt x="1466437" y="20385"/>
+                  <a:pt x="1171834" y="18288"/>
+                </a:cubicBezTo>
+                <a:cubicBezTo>
+                  <a:pt x="877231" y="16191"/>
+                  <a:pt x="561097" y="37643"/>
+                  <a:pt x="0" y="18288"/>
+                </a:cubicBezTo>
+                <a:cubicBezTo>
+                  <a:pt x="-46" y="12483"/>
+                  <a:pt x="-203" y="6491"/>
+                  <a:pt x="0" y="0"/>
+                </a:cubicBezTo>
+                <a:close/>
+              </a:path>
+              <a:path w="3255095" h="18288" stroke="0" extrusionOk="0">
+                <a:moveTo>
+                  <a:pt x="0" y="0"/>
+                </a:moveTo>
+                <a:cubicBezTo>
+                  <a:pt x="291965" y="19429"/>
+                  <a:pt x="363155" y="8568"/>
+                  <a:pt x="618468" y="0"/>
+                </a:cubicBezTo>
+                <a:cubicBezTo>
+                  <a:pt x="873781" y="-8568"/>
+                  <a:pt x="904459" y="-19505"/>
+                  <a:pt x="1171834" y="0"/>
+                </a:cubicBezTo>
+                <a:cubicBezTo>
+                  <a:pt x="1439209" y="19505"/>
+                  <a:pt x="1744369" y="9790"/>
+                  <a:pt x="1887955" y="0"/>
+                </a:cubicBezTo>
+                <a:cubicBezTo>
+                  <a:pt x="2031541" y="-9790"/>
+                  <a:pt x="2346378" y="21240"/>
+                  <a:pt x="2506423" y="0"/>
+                </a:cubicBezTo>
+                <a:cubicBezTo>
+                  <a:pt x="2666468" y="-21240"/>
+                  <a:pt x="2990257" y="30414"/>
+                  <a:pt x="3255095" y="0"/>
+                </a:cubicBezTo>
+                <a:cubicBezTo>
+                  <a:pt x="3254831" y="4493"/>
+                  <a:pt x="3255479" y="9472"/>
+                  <a:pt x="3255095" y="18288"/>
+                </a:cubicBezTo>
+                <a:cubicBezTo>
+                  <a:pt x="3120743" y="16690"/>
+                  <a:pt x="2759628" y="42462"/>
+                  <a:pt x="2604076" y="18288"/>
+                </a:cubicBezTo>
+                <a:cubicBezTo>
+                  <a:pt x="2448524" y="-5886"/>
+                  <a:pt x="2184336" y="19599"/>
+                  <a:pt x="1887955" y="18288"/>
+                </a:cubicBezTo>
+                <a:cubicBezTo>
+                  <a:pt x="1591574" y="16977"/>
+                  <a:pt x="1548845" y="6870"/>
+                  <a:pt x="1334589" y="18288"/>
+                </a:cubicBezTo>
+                <a:cubicBezTo>
+                  <a:pt x="1120333" y="29706"/>
+                  <a:pt x="996014" y="9662"/>
+                  <a:pt x="683570" y="18288"/>
+                </a:cubicBezTo>
+                <a:cubicBezTo>
+                  <a:pt x="371126" y="26914"/>
+                  <a:pt x="198687" y="16167"/>
+                  <a:pt x="0" y="18288"/>
+                </a:cubicBezTo>
+                <a:cubicBezTo>
+                  <a:pt x="843" y="9577"/>
+                  <a:pt x="371" y="6900"/>
+                  <a:pt x="0" y="0"/>
+                </a:cubicBezTo>
+                <a:close/>
+              </a:path>
+            </a:pathLst>
+          </a:custGeom>
+          <a:solidFill>
+            <a:schemeClr val="accent2"/>
+          </a:solidFill>
+          <a:ln w="38100" cap="rnd">
+            <a:solidFill>
+              <a:schemeClr val="accent2"/>
+            </a:solidFill>
+            <a:round/>
+            <a:extLst>
+              <a:ext uri="{C807C97D-BFC1-408E-A445-0C87EB9F89A2}">
+                <ask:lineSketchStyleProps xmlns:ask="http://schemas.microsoft.com/office/drawing/2018/sketchyshapes" sd="1219033472">
+                  <a:prstGeom prst="rect">
+                    <a:avLst/>
+                  </a:prstGeom>
+                  <ask:type>
+                    <ask:lineSketchFreehand/>
+                  </ask:type>
+                </ask:lineSketchStyleProps>
+              </a:ext>
+            </a:extLst>
+          </a:ln>
+        </p:spPr>
+        <p:style>
+          <a:lnRef idx="2">
+            <a:schemeClr val="accent1">
+              <a:shade val="50000"/>
+            </a:schemeClr>
+          </a:lnRef>
+          <a:fillRef idx="1">
+            <a:schemeClr val="accent1"/>
+          </a:fillRef>
+          <a:effectRef idx="0">
+            <a:schemeClr val="accent1"/>
+          </a:effectRef>
+          <a:fontRef idx="minor">
+            <a:schemeClr val="lt1"/>
+          </a:fontRef>
+        </p:style>
+        <p:txBody>
+          <a:bodyPr rtlCol="0" anchor="ctr"/>
+          <a:lstStyle/>
+          <a:p>
+            <a:pPr algn="ctr"/>
+            <a:endParaRPr lang="en-US"/>
+          </a:p>
+        </p:txBody>
+      </p:sp>
+      <p:sp>
+        <p:nvSpPr>
+          <p:cNvPr id="3" name="Content Placeholder 2">
+            <a:extLst>
+              <a:ext uri="{FF2B5EF4-FFF2-40B4-BE49-F238E27FC236}">
+                <a16:creationId xmlns:a16="http://schemas.microsoft.com/office/drawing/2014/main" id="{0C912161-1B88-2C61-DAC4-5DD8EE26DD09}"/>
+              </a:ext>
+            </a:extLst>
+          </p:cNvPr>
+          <p:cNvSpPr>
+            <a:spLocks noGrp="1"/>
+          </p:cNvSpPr>
+          <p:nvPr>
+            <p:ph idx="1"/>
+          </p:nvPr>
+        </p:nvSpPr>
+        <p:spPr>
+          <a:xfrm>
+            <a:off x="6739128" y="2664886"/>
+            <a:ext cx="4818888" cy="3550789"/>
+          </a:xfrm>
+        </p:spPr>
+        <p:txBody>
+          <a:bodyPr anchor="t">
+            <a:normAutofit/>
+          </a:bodyPr>
+          <a:lstStyle/>
+          <a:p>
+            <a:r>
+              <a:rPr lang="en-VN" sz="2200"/>
+              <a:t>Query only columns you need</a:t>
+            </a:r>
+          </a:p>
+          <a:p>
+            <a:r>
+              <a:rPr lang="en-VN" sz="2200"/>
+              <a:t>Use table preview to explore data</a:t>
+            </a:r>
+          </a:p>
+          <a:p>
+            <a:r>
+              <a:rPr lang="en-VN" sz="2200"/>
+              <a:t>Calculate query price before running</a:t>
+            </a:r>
+          </a:p>
+        </p:txBody>
+      </p:sp>
+    </p:spTree>
+    <p:extLst>
+      <p:ext uri="{BB962C8B-B14F-4D97-AF65-F5344CB8AC3E}">
+        <p14:creationId xmlns:p14="http://schemas.microsoft.com/office/powerpoint/2010/main" val="2698352856"/>
+      </p:ext>
+    </p:extLst>
+  </p:cSld>
+  <p:clrMapOvr>
+    <a:masterClrMapping/>
+  </p:clrMapOvr>
+</p:sld>
+</file>
+
+<file path=ppt/slides/slide21.xml><?xml version="1.0" encoding="utf-8"?>
+<p:sld xmlns:a="http://schemas.openxmlformats.org/drawingml/2006/main" xmlns:r="http://schemas.openxmlformats.org/officeDocument/2006/relationships" xmlns:p="http://schemas.openxmlformats.org/presentationml/2006/main">
+  <p:cSld>
+    <p:bg>
+      <p:bgPr>
+        <a:solidFill>
+          <a:schemeClr val="bg1"/>
+        </a:solidFill>
+        <a:effectLst/>
+      </p:bgPr>
+    </p:bg>
+    <p:spTree>
+      <p:nvGrpSpPr>
+        <p:cNvPr id="1" name=""/>
+        <p:cNvGrpSpPr/>
+        <p:nvPr/>
+      </p:nvGrpSpPr>
+      <p:grpSpPr>
+        <a:xfrm>
+          <a:off x="0" y="0"/>
+          <a:ext cx="0" cy="0"/>
+          <a:chOff x="0" y="0"/>
+          <a:chExt cx="0" cy="0"/>
+        </a:xfrm>
+      </p:grpSpPr>
+      <p:sp>
+        <p:nvSpPr>
+          <p:cNvPr id="16" name="Rectangle 9">
+            <a:extLst>
+              <a:ext uri="{FF2B5EF4-FFF2-40B4-BE49-F238E27FC236}">
+                <a16:creationId xmlns:a16="http://schemas.microsoft.com/office/drawing/2014/main" id="{A4AC5506-6312-4701-8D3C-40187889A947}"/>
+              </a:ext>
+              <a:ext uri="{C183D7F6-B498-43B3-948B-1728B52AA6E4}">
+                <adec:decorative xmlns:adec="http://schemas.microsoft.com/office/drawing/2017/decorative" val="1"/>
+              </a:ext>
+            </a:extLst>
+          </p:cNvPr>
+          <p:cNvSpPr>
+            <a:spLocks noGrp="1" noRot="1" noChangeAspect="1" noMove="1" noResize="1" noEditPoints="1" noAdjustHandles="1" noChangeArrowheads="1" noChangeShapeType="1" noTextEdit="1"/>
+          </p:cNvSpPr>
+          <p:nvPr>
+            <p:extLst>
+              <p:ext uri="{386F3935-93C4-4BCD-93E2-E3B085C9AB24}">
+                <p16:designElem xmlns:p16="http://schemas.microsoft.com/office/powerpoint/2015/main" val="1"/>
+              </p:ext>
+            </p:extLst>
+          </p:nvPr>
+        </p:nvSpPr>
+        <p:spPr>
+          <a:xfrm>
+            <a:off x="0" y="651752"/>
+            <a:ext cx="12192000" cy="736551"/>
+          </a:xfrm>
+          <a:prstGeom prst="rect">
+            <a:avLst/>
+          </a:prstGeom>
+          <a:solidFill>
+            <a:schemeClr val="tx1"/>
+          </a:solidFill>
+          <a:ln>
+            <a:noFill/>
+          </a:ln>
+        </p:spPr>
+        <p:style>
+          <a:lnRef idx="2">
+            <a:schemeClr val="accent1">
+              <a:shade val="50000"/>
+            </a:schemeClr>
+          </a:lnRef>
+          <a:fillRef idx="1">
+            <a:schemeClr val="accent1"/>
+          </a:fillRef>
+          <a:effectRef idx="0">
+            <a:schemeClr val="accent1"/>
+          </a:effectRef>
+          <a:fontRef idx="minor">
+            <a:schemeClr val="lt1"/>
+          </a:fontRef>
+        </p:style>
+        <p:txBody>
+          <a:bodyPr rtlCol="0" anchor="ctr"/>
+          <a:lstStyle/>
+          <a:p>
+            <a:pPr algn="ctr"/>
+            <a:endParaRPr lang="en-US"/>
+          </a:p>
+        </p:txBody>
+      </p:sp>
+      <p:sp>
+        <p:nvSpPr>
+          <p:cNvPr id="2" name="Title 1">
+            <a:extLst>
+              <a:ext uri="{FF2B5EF4-FFF2-40B4-BE49-F238E27FC236}">
+                <a16:creationId xmlns:a16="http://schemas.microsoft.com/office/drawing/2014/main" id="{1815FEC0-D624-1283-2D3D-1DA41B15B1A4}"/>
+              </a:ext>
+            </a:extLst>
+          </p:cNvPr>
+          <p:cNvSpPr>
+            <a:spLocks noGrp="1"/>
+          </p:cNvSpPr>
+          <p:nvPr>
+            <p:ph type="title"/>
+          </p:nvPr>
+        </p:nvSpPr>
+        <p:spPr>
+          <a:xfrm>
+            <a:off x="556532" y="643467"/>
+            <a:ext cx="11210925" cy="744836"/>
+          </a:xfrm>
+        </p:spPr>
+        <p:txBody>
+          <a:bodyPr vert="horz" lIns="91440" tIns="45720" rIns="91440" bIns="45720" rtlCol="0" anchor="ctr">
+            <a:normAutofit/>
+          </a:bodyPr>
+          <a:lstStyle/>
+          <a:p>
+            <a:pPr algn="ctr"/>
+            <a:r>
+              <a:rPr lang="en-US" sz="3200" kern="1200">
+                <a:solidFill>
+                  <a:schemeClr val="bg1"/>
+                </a:solidFill>
+                <a:latin typeface="+mj-lt"/>
+                <a:ea typeface="+mj-ea"/>
+                <a:cs typeface="+mj-cs"/>
+              </a:rPr>
+              <a:t>Cost for sharing between many project</a:t>
+            </a:r>
+          </a:p>
+        </p:txBody>
+      </p:sp>
+      <p:pic>
+        <p:nvPicPr>
+          <p:cNvPr id="5" name="Content Placeholder 4" descr="A diagram of a project&#10;&#10;Description automatically generated">
+            <a:extLst>
+              <a:ext uri="{FF2B5EF4-FFF2-40B4-BE49-F238E27FC236}">
+                <a16:creationId xmlns:a16="http://schemas.microsoft.com/office/drawing/2014/main" id="{BD4A734A-807B-A5DA-1932-0819BC410043}"/>
+              </a:ext>
+            </a:extLst>
+          </p:cNvPr>
+          <p:cNvPicPr>
+            <a:picLocks noGrp="1" noChangeAspect="1"/>
+          </p:cNvPicPr>
+          <p:nvPr>
+            <p:ph idx="1"/>
+          </p:nvPr>
+        </p:nvPicPr>
+        <p:blipFill>
+          <a:blip r:embed="rId2"/>
+          <a:stretch>
+            <a:fillRect/>
+          </a:stretch>
+        </p:blipFill>
+        <p:spPr>
+          <a:xfrm>
+            <a:off x="1723663" y="1675227"/>
+            <a:ext cx="8744674" cy="4394199"/>
+          </a:xfrm>
+          <a:prstGeom prst="rect">
+            <a:avLst/>
+          </a:prstGeom>
+        </p:spPr>
+      </p:pic>
+    </p:spTree>
+    <p:extLst>
+      <p:ext uri="{BB962C8B-B14F-4D97-AF65-F5344CB8AC3E}">
+        <p14:creationId xmlns:p14="http://schemas.microsoft.com/office/powerpoint/2010/main" val="3083951739"/>
+      </p:ext>
+    </p:extLst>
+  </p:cSld>
+  <p:clrMapOvr>
+    <a:masterClrMapping/>
+  </p:clrMapOvr>
+</p:sld>
+</file>
+
+<file path=ppt/slides/slide22.xml><?xml version="1.0" encoding="utf-8"?>
+<p:sld xmlns:a="http://schemas.openxmlformats.org/drawingml/2006/main" xmlns:r="http://schemas.openxmlformats.org/officeDocument/2006/relationships" xmlns:p="http://schemas.openxmlformats.org/presentationml/2006/main">
+  <p:cSld>
+    <p:bg>
+      <p:bgPr>
+        <a:solidFill>
+          <a:schemeClr val="bg1"/>
+        </a:solidFill>
+        <a:effectLst/>
+      </p:bgPr>
+    </p:bg>
+    <p:spTree>
+      <p:nvGrpSpPr>
+        <p:cNvPr id="1" name=""/>
+        <p:cNvGrpSpPr/>
+        <p:nvPr/>
+      </p:nvGrpSpPr>
+      <p:grpSpPr>
+        <a:xfrm>
+          <a:off x="0" y="0"/>
+          <a:ext cx="0" cy="0"/>
+          <a:chOff x="0" y="0"/>
+          <a:chExt cx="0" cy="0"/>
+        </a:xfrm>
+      </p:grpSpPr>
+      <p:sp>
+        <p:nvSpPr>
+          <p:cNvPr id="10" name="Rectangle 9">
+            <a:extLst>
+              <a:ext uri="{FF2B5EF4-FFF2-40B4-BE49-F238E27FC236}">
+                <a16:creationId xmlns:a16="http://schemas.microsoft.com/office/drawing/2014/main" id="{A4AC5506-6312-4701-8D3C-40187889A947}"/>
+              </a:ext>
+              <a:ext uri="{C183D7F6-B498-43B3-948B-1728B52AA6E4}">
+                <adec:decorative xmlns:adec="http://schemas.microsoft.com/office/drawing/2017/decorative" val="1"/>
+              </a:ext>
+            </a:extLst>
+          </p:cNvPr>
+          <p:cNvSpPr>
+            <a:spLocks noGrp="1" noRot="1" noChangeAspect="1" noMove="1" noResize="1" noEditPoints="1" noAdjustHandles="1" noChangeArrowheads="1" noChangeShapeType="1" noTextEdit="1"/>
+          </p:cNvSpPr>
+          <p:nvPr>
+            <p:extLst>
+              <p:ext uri="{386F3935-93C4-4BCD-93E2-E3B085C9AB24}">
+                <p16:designElem xmlns:p16="http://schemas.microsoft.com/office/powerpoint/2015/main" val="1"/>
+              </p:ext>
+            </p:extLst>
+          </p:nvPr>
+        </p:nvSpPr>
+        <p:spPr>
+          <a:xfrm>
+            <a:off x="0" y="651752"/>
+            <a:ext cx="12192000" cy="736551"/>
+          </a:xfrm>
+          <a:prstGeom prst="rect">
+            <a:avLst/>
+          </a:prstGeom>
+          <a:solidFill>
+            <a:schemeClr val="tx1"/>
+          </a:solidFill>
+          <a:ln>
+            <a:noFill/>
+          </a:ln>
+        </p:spPr>
+        <p:style>
+          <a:lnRef idx="2">
+            <a:schemeClr val="accent1">
+              <a:shade val="50000"/>
+            </a:schemeClr>
+          </a:lnRef>
+          <a:fillRef idx="1">
+            <a:schemeClr val="accent1"/>
+          </a:fillRef>
+          <a:effectRef idx="0">
+            <a:schemeClr val="accent1"/>
+          </a:effectRef>
+          <a:fontRef idx="minor">
+            <a:schemeClr val="lt1"/>
+          </a:fontRef>
+        </p:style>
+        <p:txBody>
+          <a:bodyPr rtlCol="0" anchor="ctr"/>
+          <a:lstStyle/>
+          <a:p>
+            <a:pPr algn="ctr"/>
+            <a:endParaRPr lang="en-US"/>
+          </a:p>
+        </p:txBody>
+      </p:sp>
+      <p:sp>
+        <p:nvSpPr>
+          <p:cNvPr id="2" name="Title 1">
+            <a:extLst>
+              <a:ext uri="{FF2B5EF4-FFF2-40B4-BE49-F238E27FC236}">
+                <a16:creationId xmlns:a16="http://schemas.microsoft.com/office/drawing/2014/main" id="{B86E5CA8-3EAE-2CCE-634A-55137FDFA82C}"/>
+              </a:ext>
+            </a:extLst>
+          </p:cNvPr>
+          <p:cNvSpPr>
+            <a:spLocks noGrp="1"/>
+          </p:cNvSpPr>
+          <p:nvPr>
+            <p:ph type="title"/>
+          </p:nvPr>
+        </p:nvSpPr>
+        <p:spPr>
+          <a:xfrm>
+            <a:off x="556532" y="643467"/>
+            <a:ext cx="11210925" cy="744836"/>
+          </a:xfrm>
+        </p:spPr>
+        <p:txBody>
+          <a:bodyPr vert="horz" lIns="91440" tIns="45720" rIns="91440" bIns="45720" rtlCol="0" anchor="ctr">
+            <a:normAutofit/>
+          </a:bodyPr>
+          <a:lstStyle/>
+          <a:p>
+            <a:pPr algn="ctr"/>
+            <a:r>
+              <a:rPr lang="en-US" sz="3200" kern="1200">
+                <a:solidFill>
+                  <a:schemeClr val="bg1"/>
+                </a:solidFill>
+                <a:latin typeface="+mj-lt"/>
+                <a:ea typeface="+mj-ea"/>
+                <a:cs typeface="+mj-cs"/>
+              </a:rPr>
+              <a:t>Security</a:t>
+            </a:r>
+          </a:p>
+        </p:txBody>
+      </p:sp>
+      <p:pic>
+        <p:nvPicPr>
+          <p:cNvPr id="5" name="Content Placeholder 4" descr="A diagram of a network&#10;&#10;Description automatically generated">
+            <a:extLst>
+              <a:ext uri="{FF2B5EF4-FFF2-40B4-BE49-F238E27FC236}">
+                <a16:creationId xmlns:a16="http://schemas.microsoft.com/office/drawing/2014/main" id="{0008F3B8-8ADE-499D-0929-7FA071F27570}"/>
+              </a:ext>
+            </a:extLst>
+          </p:cNvPr>
+          <p:cNvPicPr>
+            <a:picLocks noGrp="1" noChangeAspect="1"/>
+          </p:cNvPicPr>
+          <p:nvPr>
+            <p:ph idx="1"/>
+          </p:nvPr>
+        </p:nvPicPr>
+        <p:blipFill>
+          <a:blip r:embed="rId2"/>
+          <a:stretch>
+            <a:fillRect/>
+          </a:stretch>
+        </p:blipFill>
+        <p:spPr>
+          <a:xfrm>
+            <a:off x="1808977" y="1675227"/>
+            <a:ext cx="8574045" cy="4394199"/>
+          </a:xfrm>
+          <a:prstGeom prst="rect">
+            <a:avLst/>
+          </a:prstGeom>
+        </p:spPr>
+      </p:pic>
+    </p:spTree>
+    <p:extLst>
+      <p:ext uri="{BB962C8B-B14F-4D97-AF65-F5344CB8AC3E}">
+        <p14:creationId xmlns:p14="http://schemas.microsoft.com/office/powerpoint/2010/main" val="3252009799"/>
+      </p:ext>
+    </p:extLst>
+  </p:cSld>
+  <p:clrMapOvr>
+    <a:masterClrMapping/>
+  </p:clrMapOvr>
+</p:sld>
+</file>
+
+<file path=ppt/slides/slide23.xml><?xml version="1.0" encoding="utf-8"?>
+<p:sld xmlns:a="http://schemas.openxmlformats.org/drawingml/2006/main" xmlns:r="http://schemas.openxmlformats.org/officeDocument/2006/relationships" xmlns:p="http://schemas.openxmlformats.org/presentationml/2006/main">
+  <p:cSld>
+    <p:bg>
+      <p:bgPr>
+        <a:solidFill>
+          <a:schemeClr val="bg1"/>
+        </a:solidFill>
+        <a:effectLst/>
+      </p:bgPr>
+    </p:bg>
+    <p:spTree>
+      <p:nvGrpSpPr>
+        <p:cNvPr id="1" name=""/>
+        <p:cNvGrpSpPr/>
+        <p:nvPr/>
+      </p:nvGrpSpPr>
+      <p:grpSpPr>
+        <a:xfrm>
+          <a:off x="0" y="0"/>
+          <a:ext cx="0" cy="0"/>
+          <a:chOff x="0" y="0"/>
+          <a:chExt cx="0" cy="0"/>
+        </a:xfrm>
+      </p:grpSpPr>
+      <p:sp>
+        <p:nvSpPr>
+          <p:cNvPr id="10" name="Rectangle 9">
+            <a:extLst>
+              <a:ext uri="{FF2B5EF4-FFF2-40B4-BE49-F238E27FC236}">
+                <a16:creationId xmlns:a16="http://schemas.microsoft.com/office/drawing/2014/main" id="{A4AC5506-6312-4701-8D3C-40187889A947}"/>
+              </a:ext>
+              <a:ext uri="{C183D7F6-B498-43B3-948B-1728B52AA6E4}">
+                <adec:decorative xmlns:adec="http://schemas.microsoft.com/office/drawing/2017/decorative" val="1"/>
+              </a:ext>
+            </a:extLst>
+          </p:cNvPr>
+          <p:cNvSpPr>
+            <a:spLocks noGrp="1" noRot="1" noChangeAspect="1" noMove="1" noResize="1" noEditPoints="1" noAdjustHandles="1" noChangeArrowheads="1" noChangeShapeType="1" noTextEdit="1"/>
+          </p:cNvSpPr>
+          <p:nvPr>
+            <p:extLst>
+              <p:ext uri="{386F3935-93C4-4BCD-93E2-E3B085C9AB24}">
+                <p16:designElem xmlns:p16="http://schemas.microsoft.com/office/powerpoint/2015/main" val="1"/>
+              </p:ext>
+            </p:extLst>
+          </p:nvPr>
+        </p:nvSpPr>
+        <p:spPr>
+          <a:xfrm>
+            <a:off x="0" y="651752"/>
+            <a:ext cx="12192000" cy="736551"/>
+          </a:xfrm>
+          <a:prstGeom prst="rect">
+            <a:avLst/>
+          </a:prstGeom>
+          <a:solidFill>
+            <a:schemeClr val="tx1"/>
+          </a:solidFill>
+          <a:ln>
+            <a:noFill/>
+          </a:ln>
+        </p:spPr>
+        <p:style>
+          <a:lnRef idx="2">
+            <a:schemeClr val="accent1">
+              <a:shade val="50000"/>
+            </a:schemeClr>
+          </a:lnRef>
+          <a:fillRef idx="1">
+            <a:schemeClr val="accent1"/>
+          </a:fillRef>
+          <a:effectRef idx="0">
+            <a:schemeClr val="accent1"/>
+          </a:effectRef>
+          <a:fontRef idx="minor">
+            <a:schemeClr val="lt1"/>
+          </a:fontRef>
+        </p:style>
+        <p:txBody>
+          <a:bodyPr rtlCol="0" anchor="ctr"/>
+          <a:lstStyle/>
+          <a:p>
+            <a:pPr algn="ctr"/>
+            <a:endParaRPr lang="en-US"/>
+          </a:p>
+        </p:txBody>
+      </p:sp>
+      <p:sp>
+        <p:nvSpPr>
+          <p:cNvPr id="2" name="Title 1">
+            <a:extLst>
+              <a:ext uri="{FF2B5EF4-FFF2-40B4-BE49-F238E27FC236}">
+                <a16:creationId xmlns:a16="http://schemas.microsoft.com/office/drawing/2014/main" id="{A7D96B33-41F4-6968-DD63-F5F1D99DE95D}"/>
+              </a:ext>
+            </a:extLst>
+          </p:cNvPr>
+          <p:cNvSpPr>
+            <a:spLocks noGrp="1"/>
+          </p:cNvSpPr>
+          <p:nvPr>
+            <p:ph type="title"/>
+          </p:nvPr>
+        </p:nvSpPr>
+        <p:spPr>
+          <a:xfrm>
+            <a:off x="556532" y="643467"/>
+            <a:ext cx="11210925" cy="744836"/>
+          </a:xfrm>
+        </p:spPr>
+        <p:txBody>
+          <a:bodyPr vert="horz" lIns="91440" tIns="45720" rIns="91440" bIns="45720" rtlCol="0" anchor="ctr">
+            <a:normAutofit/>
+          </a:bodyPr>
+          <a:lstStyle/>
+          <a:p>
+            <a:pPr algn="ctr"/>
+            <a:r>
+              <a:rPr lang="en-US" sz="3200" kern="1200" dirty="0">
+                <a:solidFill>
+                  <a:schemeClr val="bg1"/>
+                </a:solidFill>
+                <a:latin typeface="+mj-lt"/>
+                <a:ea typeface="+mj-ea"/>
+                <a:cs typeface="+mj-cs"/>
+              </a:rPr>
+              <a:t>Views access control</a:t>
+            </a:r>
+          </a:p>
+        </p:txBody>
+      </p:sp>
+      <p:pic>
+        <p:nvPicPr>
+          <p:cNvPr id="5" name="Content Placeholder 4" descr="A diagram of a data processing process&#10;&#10;Description automatically generated">
+            <a:extLst>
+              <a:ext uri="{FF2B5EF4-FFF2-40B4-BE49-F238E27FC236}">
+                <a16:creationId xmlns:a16="http://schemas.microsoft.com/office/drawing/2014/main" id="{9F84130C-D8BA-D184-580D-421B5A9865FF}"/>
+              </a:ext>
+            </a:extLst>
+          </p:cNvPr>
+          <p:cNvPicPr>
+            <a:picLocks noGrp="1" noChangeAspect="1"/>
+          </p:cNvPicPr>
+          <p:nvPr>
+            <p:ph idx="1"/>
+          </p:nvPr>
+        </p:nvPicPr>
+        <p:blipFill>
+          <a:blip r:embed="rId2"/>
+          <a:stretch>
+            <a:fillRect/>
+          </a:stretch>
+        </p:blipFill>
+        <p:spPr>
+          <a:xfrm>
+            <a:off x="1319697" y="1675227"/>
+            <a:ext cx="9552606" cy="4394199"/>
+          </a:xfrm>
+          <a:prstGeom prst="rect">
+            <a:avLst/>
+          </a:prstGeom>
+        </p:spPr>
+      </p:pic>
+    </p:spTree>
+    <p:extLst>
+      <p:ext uri="{BB962C8B-B14F-4D97-AF65-F5344CB8AC3E}">
+        <p14:creationId xmlns:p14="http://schemas.microsoft.com/office/powerpoint/2010/main" val="3596714443"/>
+      </p:ext>
+    </p:extLst>
+  </p:cSld>
+  <p:clrMapOvr>
+    <a:masterClrMapping/>
+  </p:clrMapOvr>
+</p:sld>
+</file>
+
+<file path=ppt/slides/slide24.xml><?xml version="1.0" encoding="utf-8"?>
+<p:sld xmlns:a="http://schemas.openxmlformats.org/drawingml/2006/main" xmlns:r="http://schemas.openxmlformats.org/officeDocument/2006/relationships" xmlns:p="http://schemas.openxmlformats.org/presentationml/2006/main">
+  <p:cSld>
+    <p:bg>
+      <p:bgPr>
+        <a:solidFill>
+          <a:schemeClr val="bg1"/>
+        </a:solidFill>
+        <a:effectLst/>
+      </p:bgPr>
+    </p:bg>
+    <p:spTree>
+      <p:nvGrpSpPr>
+        <p:cNvPr id="1" name=""/>
+        <p:cNvGrpSpPr/>
+        <p:nvPr/>
+      </p:nvGrpSpPr>
+      <p:grpSpPr>
+        <a:xfrm>
+          <a:off x="0" y="0"/>
+          <a:ext cx="0" cy="0"/>
+          <a:chOff x="0" y="0"/>
+          <a:chExt cx="0" cy="0"/>
+        </a:xfrm>
+      </p:grpSpPr>
+      <p:sp useBgFill="1">
+        <p:nvSpPr>
           <p:cNvPr id="8" name="Rectangle 7">
             <a:extLst>
               <a:ext uri="{FF2B5EF4-FFF2-40B4-BE49-F238E27FC236}">
@@ -31788,7 +40264,7 @@
 </p:sld>
 </file>
 
-<file path=ppt/slides/slide17.xml><?xml version="1.0" encoding="utf-8"?>
+<file path=ppt/slides/slide25.xml><?xml version="1.0" encoding="utf-8"?>
 <p:sld xmlns:a="http://schemas.openxmlformats.org/drawingml/2006/main" xmlns:r="http://schemas.openxmlformats.org/officeDocument/2006/relationships" xmlns:p="http://schemas.openxmlformats.org/presentationml/2006/main">
   <p:cSld>
     <p:spTree>
@@ -31927,661 +40403,6 @@
     <p:extLst>
       <p:ext uri="{BB962C8B-B14F-4D97-AF65-F5344CB8AC3E}">
         <p14:creationId xmlns:p14="http://schemas.microsoft.com/office/powerpoint/2010/main" val="977466839"/>
-      </p:ext>
-    </p:extLst>
-  </p:cSld>
-  <p:clrMapOvr>
-    <a:masterClrMapping/>
-  </p:clrMapOvr>
-</p:sld>
-</file>
-
-<file path=ppt/slides/slide2.xml><?xml version="1.0" encoding="utf-8"?>
-<p:sld xmlns:a="http://schemas.openxmlformats.org/drawingml/2006/main" xmlns:r="http://schemas.openxmlformats.org/officeDocument/2006/relationships" xmlns:p="http://schemas.openxmlformats.org/presentationml/2006/main">
-  <p:cSld>
-    <p:bg>
-      <p:bgPr>
-        <a:solidFill>
-          <a:schemeClr val="bg1"/>
-        </a:solidFill>
-        <a:effectLst/>
-      </p:bgPr>
-    </p:bg>
-    <p:spTree>
-      <p:nvGrpSpPr>
-        <p:cNvPr id="1" name=""/>
-        <p:cNvGrpSpPr/>
-        <p:nvPr/>
-      </p:nvGrpSpPr>
-      <p:grpSpPr>
-        <a:xfrm>
-          <a:off x="0" y="0"/>
-          <a:ext cx="0" cy="0"/>
-          <a:chOff x="0" y="0"/>
-          <a:chExt cx="0" cy="0"/>
-        </a:xfrm>
-      </p:grpSpPr>
-      <p:sp useBgFill="1">
-        <p:nvSpPr>
-          <p:cNvPr id="9" name="Rectangle 8">
-            <a:extLst>
-              <a:ext uri="{FF2B5EF4-FFF2-40B4-BE49-F238E27FC236}">
-                <a16:creationId xmlns:a16="http://schemas.microsoft.com/office/drawing/2014/main" id="{BACC6370-2D7E-4714-9D71-7542949D7D5D}"/>
-              </a:ext>
-              <a:ext uri="{C183D7F6-B498-43B3-948B-1728B52AA6E4}">
-                <adec:decorative xmlns:adec="http://schemas.microsoft.com/office/drawing/2017/decorative" val="1"/>
-              </a:ext>
-            </a:extLst>
-          </p:cNvPr>
-          <p:cNvSpPr>
-            <a:spLocks noGrp="1" noRot="1" noChangeAspect="1" noMove="1" noResize="1" noEditPoints="1" noAdjustHandles="1" noChangeArrowheads="1" noChangeShapeType="1" noTextEdit="1"/>
-          </p:cNvSpPr>
-          <p:nvPr>
-            <p:extLst>
-              <p:ext uri="{386F3935-93C4-4BCD-93E2-E3B085C9AB24}">
-                <p16:designElem xmlns:p16="http://schemas.microsoft.com/office/powerpoint/2015/main" val="1"/>
-              </p:ext>
-            </p:extLst>
-          </p:nvPr>
-        </p:nvSpPr>
-        <p:spPr>
-          <a:xfrm>
-            <a:off x="0" y="0"/>
-            <a:ext cx="12192000" cy="6858000"/>
-          </a:xfrm>
-          <a:prstGeom prst="rect">
-            <a:avLst/>
-          </a:prstGeom>
-          <a:ln w="12700" cap="flat" cmpd="sng" algn="ctr">
-            <a:noFill/>
-            <a:prstDash val="solid"/>
-            <a:miter lim="800000"/>
-          </a:ln>
-          <a:effectLst/>
-          <a:extLst>
-            <a:ext uri="{91240B29-F687-4F45-9708-019B960494DF}">
-              <a14:hiddenLine xmlns:a14="http://schemas.microsoft.com/office/drawing/2010/main" w="12700" cap="flat" cmpd="sng" algn="ctr">
-                <a:solidFill>
-                  <a:schemeClr val="accent1">
-                    <a:shade val="50000"/>
-                  </a:schemeClr>
-                </a:solidFill>
-                <a:prstDash val="solid"/>
-                <a:miter lim="800000"/>
-              </a14:hiddenLine>
-            </a:ext>
-          </a:extLst>
-        </p:spPr>
-        <p:style>
-          <a:lnRef idx="2">
-            <a:schemeClr val="accent1">
-              <a:shade val="50000"/>
-            </a:schemeClr>
-          </a:lnRef>
-          <a:fillRef idx="1">
-            <a:schemeClr val="accent1"/>
-          </a:fillRef>
-          <a:effectRef idx="0">
-            <a:schemeClr val="accent1"/>
-          </a:effectRef>
-          <a:fontRef idx="minor">
-            <a:schemeClr val="lt1"/>
-          </a:fontRef>
-        </p:style>
-        <p:txBody>
-          <a:bodyPr rtlCol="0" anchor="ctr"/>
-          <a:lstStyle/>
-          <a:p>
-            <a:pPr algn="ctr"/>
-            <a:endParaRPr lang="en-US"/>
-          </a:p>
-        </p:txBody>
-      </p:sp>
-      <p:sp>
-        <p:nvSpPr>
-          <p:cNvPr id="11" name="Rectangle 10">
-            <a:extLst>
-              <a:ext uri="{FF2B5EF4-FFF2-40B4-BE49-F238E27FC236}">
-                <a16:creationId xmlns:a16="http://schemas.microsoft.com/office/drawing/2014/main" id="{256B2C21-A230-48C0-8DF1-C46611373C44}"/>
-              </a:ext>
-              <a:ext uri="{C183D7F6-B498-43B3-948B-1728B52AA6E4}">
-                <adec:decorative xmlns:adec="http://schemas.microsoft.com/office/drawing/2017/decorative" val="1"/>
-              </a:ext>
-            </a:extLst>
-          </p:cNvPr>
-          <p:cNvSpPr>
-            <a:spLocks noGrp="1" noRot="1" noChangeAspect="1" noMove="1" noResize="1" noEditPoints="1" noAdjustHandles="1" noChangeArrowheads="1" noChangeShapeType="1" noTextEdit="1"/>
-          </p:cNvSpPr>
-          <p:nvPr>
-            <p:extLst>
-              <p:ext uri="{386F3935-93C4-4BCD-93E2-E3B085C9AB24}">
-                <p16:designElem xmlns:p16="http://schemas.microsoft.com/office/powerpoint/2015/main" val="1"/>
-              </p:ext>
-            </p:extLst>
-          </p:nvPr>
-        </p:nvSpPr>
-        <p:spPr>
-          <a:xfrm rot="5400000" flipH="1">
-            <a:off x="-1410084" y="1410082"/>
-            <a:ext cx="6858000" cy="4037836"/>
-          </a:xfrm>
-          <a:prstGeom prst="rect">
-            <a:avLst/>
-          </a:prstGeom>
-          <a:gradFill>
-            <a:gsLst>
-              <a:gs pos="8000">
-                <a:srgbClr val="000000"/>
-              </a:gs>
-              <a:gs pos="100000">
-                <a:schemeClr val="accent1">
-                  <a:lumMod val="75000"/>
-                </a:schemeClr>
-              </a:gs>
-            </a:gsLst>
-            <a:lin ang="3000000" scaled="0"/>
-          </a:gradFill>
-          <a:ln>
-            <a:noFill/>
-          </a:ln>
-        </p:spPr>
-        <p:style>
-          <a:lnRef idx="2">
-            <a:schemeClr val="accent1">
-              <a:shade val="50000"/>
-            </a:schemeClr>
-          </a:lnRef>
-          <a:fillRef idx="1">
-            <a:schemeClr val="accent1"/>
-          </a:fillRef>
-          <a:effectRef idx="0">
-            <a:schemeClr val="accent1"/>
-          </a:effectRef>
-          <a:fontRef idx="minor">
-            <a:schemeClr val="lt1"/>
-          </a:fontRef>
-        </p:style>
-        <p:txBody>
-          <a:bodyPr rtlCol="0" anchor="ctr"/>
-          <a:lstStyle/>
-          <a:p>
-            <a:pPr algn="ctr"/>
-            <a:endParaRPr lang="en-US"/>
-          </a:p>
-        </p:txBody>
-      </p:sp>
-      <p:sp>
-        <p:nvSpPr>
-          <p:cNvPr id="13" name="Rectangle 12">
-            <a:extLst>
-              <a:ext uri="{FF2B5EF4-FFF2-40B4-BE49-F238E27FC236}">
-                <a16:creationId xmlns:a16="http://schemas.microsoft.com/office/drawing/2014/main" id="{3847E18C-932D-4C95-AABA-FEC7C9499AD7}"/>
-              </a:ext>
-              <a:ext uri="{C183D7F6-B498-43B3-948B-1728B52AA6E4}">
-                <adec:decorative xmlns:adec="http://schemas.microsoft.com/office/drawing/2017/decorative" val="1"/>
-              </a:ext>
-            </a:extLst>
-          </p:cNvPr>
-          <p:cNvSpPr>
-            <a:spLocks noGrp="1" noRot="1" noChangeAspect="1" noMove="1" noResize="1" noEditPoints="1" noAdjustHandles="1" noChangeArrowheads="1" noChangeShapeType="1" noTextEdit="1"/>
-          </p:cNvSpPr>
-          <p:nvPr>
-            <p:extLst>
-              <p:ext uri="{386F3935-93C4-4BCD-93E2-E3B085C9AB24}">
-                <p16:designElem xmlns:p16="http://schemas.microsoft.com/office/powerpoint/2015/main" val="1"/>
-              </p:ext>
-            </p:extLst>
-          </p:nvPr>
-        </p:nvSpPr>
-        <p:spPr>
-          <a:xfrm rot="5400000" flipH="1">
-            <a:off x="-1410085" y="1420219"/>
-            <a:ext cx="6857999" cy="4037839"/>
-          </a:xfrm>
-          <a:prstGeom prst="rect">
-            <a:avLst/>
-          </a:prstGeom>
-          <a:gradFill>
-            <a:gsLst>
-              <a:gs pos="0">
-                <a:srgbClr val="000000">
-                  <a:alpha val="0"/>
-                </a:srgbClr>
-              </a:gs>
-              <a:gs pos="99000">
-                <a:schemeClr val="accent1">
-                  <a:alpha val="46000"/>
-                </a:schemeClr>
-              </a:gs>
-            </a:gsLst>
-            <a:lin ang="1800000" scaled="0"/>
-          </a:gradFill>
-          <a:ln>
-            <a:noFill/>
-          </a:ln>
-        </p:spPr>
-        <p:style>
-          <a:lnRef idx="2">
-            <a:schemeClr val="accent1">
-              <a:shade val="50000"/>
-            </a:schemeClr>
-          </a:lnRef>
-          <a:fillRef idx="1">
-            <a:schemeClr val="accent1"/>
-          </a:fillRef>
-          <a:effectRef idx="0">
-            <a:schemeClr val="accent1"/>
-          </a:effectRef>
-          <a:fontRef idx="minor">
-            <a:schemeClr val="lt1"/>
-          </a:fontRef>
-        </p:style>
-        <p:txBody>
-          <a:bodyPr rtlCol="0" anchor="ctr"/>
-          <a:lstStyle/>
-          <a:p>
-            <a:pPr algn="ctr"/>
-            <a:endParaRPr lang="en-US"/>
-          </a:p>
-        </p:txBody>
-      </p:sp>
-      <p:sp>
-        <p:nvSpPr>
-          <p:cNvPr id="15" name="Rectangle 14">
-            <a:extLst>
-              <a:ext uri="{FF2B5EF4-FFF2-40B4-BE49-F238E27FC236}">
-                <a16:creationId xmlns:a16="http://schemas.microsoft.com/office/drawing/2014/main" id="{3150CB11-0C61-439E-910F-5787759E72A0}"/>
-              </a:ext>
-              <a:ext uri="{C183D7F6-B498-43B3-948B-1728B52AA6E4}">
-                <adec:decorative xmlns:adec="http://schemas.microsoft.com/office/drawing/2017/decorative" val="1"/>
-              </a:ext>
-            </a:extLst>
-          </p:cNvPr>
-          <p:cNvSpPr>
-            <a:spLocks noGrp="1" noRot="1" noChangeAspect="1" noMove="1" noResize="1" noEditPoints="1" noAdjustHandles="1" noChangeArrowheads="1" noChangeShapeType="1" noTextEdit="1"/>
-          </p:cNvSpPr>
-          <p:nvPr>
-            <p:extLst>
-              <p:ext uri="{386F3935-93C4-4BCD-93E2-E3B085C9AB24}">
-                <p16:designElem xmlns:p16="http://schemas.microsoft.com/office/powerpoint/2015/main" val="1"/>
-              </p:ext>
-            </p:extLst>
-          </p:nvPr>
-        </p:nvSpPr>
-        <p:spPr>
-          <a:xfrm rot="5400000" flipH="1">
-            <a:off x="767923" y="3588085"/>
-            <a:ext cx="2501979" cy="4037841"/>
-          </a:xfrm>
-          <a:prstGeom prst="rect">
-            <a:avLst/>
-          </a:prstGeom>
-          <a:gradFill>
-            <a:gsLst>
-              <a:gs pos="2000">
-                <a:schemeClr val="accent1">
-                  <a:alpha val="29000"/>
-                </a:schemeClr>
-              </a:gs>
-              <a:gs pos="100000">
-                <a:srgbClr val="000000">
-                  <a:alpha val="30000"/>
-                </a:srgbClr>
-              </a:gs>
-            </a:gsLst>
-            <a:lin ang="7800000" scaled="0"/>
-          </a:gradFill>
-          <a:ln>
-            <a:noFill/>
-          </a:ln>
-        </p:spPr>
-        <p:style>
-          <a:lnRef idx="2">
-            <a:schemeClr val="accent1">
-              <a:shade val="50000"/>
-            </a:schemeClr>
-          </a:lnRef>
-          <a:fillRef idx="1">
-            <a:schemeClr val="accent1"/>
-          </a:fillRef>
-          <a:effectRef idx="0">
-            <a:schemeClr val="accent1"/>
-          </a:effectRef>
-          <a:fontRef idx="minor">
-            <a:schemeClr val="lt1"/>
-          </a:fontRef>
-        </p:style>
-        <p:txBody>
-          <a:bodyPr rtlCol="0" anchor="ctr"/>
-          <a:lstStyle/>
-          <a:p>
-            <a:pPr algn="ctr"/>
-            <a:endParaRPr lang="en-US" dirty="0"/>
-          </a:p>
-        </p:txBody>
-      </p:sp>
-      <p:sp>
-        <p:nvSpPr>
-          <p:cNvPr id="17" name="Freeform: Shape 16">
-            <a:extLst>
-              <a:ext uri="{FF2B5EF4-FFF2-40B4-BE49-F238E27FC236}">
-                <a16:creationId xmlns:a16="http://schemas.microsoft.com/office/drawing/2014/main" id="{43F8A58B-5155-44CE-A5FF-7647B47D0A7A}"/>
-              </a:ext>
-              <a:ext uri="{C183D7F6-B498-43B3-948B-1728B52AA6E4}">
-                <adec:decorative xmlns:adec="http://schemas.microsoft.com/office/drawing/2017/decorative" val="1"/>
-              </a:ext>
-            </a:extLst>
-          </p:cNvPr>
-          <p:cNvSpPr>
-            <a:spLocks noGrp="1" noRot="1" noChangeAspect="1" noMove="1" noResize="1" noEditPoints="1" noAdjustHandles="1" noChangeArrowheads="1" noChangeShapeType="1" noTextEdit="1"/>
-          </p:cNvSpPr>
-          <p:nvPr>
-            <p:extLst>
-              <p:ext uri="{386F3935-93C4-4BCD-93E2-E3B085C9AB24}">
-                <p16:designElem xmlns:p16="http://schemas.microsoft.com/office/powerpoint/2015/main" val="1"/>
-              </p:ext>
-            </p:extLst>
-          </p:nvPr>
-        </p:nvSpPr>
-        <p:spPr>
-          <a:xfrm rot="20635413">
-            <a:off x="-501737" y="969718"/>
-            <a:ext cx="3900357" cy="4178958"/>
-          </a:xfrm>
-          <a:custGeom>
-            <a:avLst/>
-            <a:gdLst>
-              <a:gd name="connsiteX0" fmla="*/ 2432225 w 3900357"/>
-              <a:gd name="connsiteY0" fmla="*/ 93939 h 4178958"/>
-              <a:gd name="connsiteX1" fmla="*/ 3900357 w 3900357"/>
-              <a:gd name="connsiteY1" fmla="*/ 2089479 h 4178958"/>
-              <a:gd name="connsiteX2" fmla="*/ 1810878 w 3900357"/>
-              <a:gd name="connsiteY2" fmla="*/ 4178958 h 4178958"/>
-              <a:gd name="connsiteX3" fmla="*/ 78249 w 3900357"/>
-              <a:gd name="connsiteY3" fmla="*/ 3257727 h 4178958"/>
-              <a:gd name="connsiteX4" fmla="*/ 0 w 3900357"/>
-              <a:gd name="connsiteY4" fmla="*/ 3128923 h 4178958"/>
-              <a:gd name="connsiteX5" fmla="*/ 831324 w 3900357"/>
-              <a:gd name="connsiteY5" fmla="*/ 244281 h 4178958"/>
-              <a:gd name="connsiteX6" fmla="*/ 997559 w 3900357"/>
-              <a:gd name="connsiteY6" fmla="*/ 164202 h 4178958"/>
-              <a:gd name="connsiteX7" fmla="*/ 1810878 w 3900357"/>
-              <a:gd name="connsiteY7" fmla="*/ 0 h 4178958"/>
-              <a:gd name="connsiteX8" fmla="*/ 2432225 w 3900357"/>
-              <a:gd name="connsiteY8" fmla="*/ 93939 h 4178958"/>
-            </a:gdLst>
-            <a:ahLst/>
-            <a:cxnLst>
-              <a:cxn ang="0">
-                <a:pos x="connsiteX0" y="connsiteY0"/>
-              </a:cxn>
-              <a:cxn ang="0">
-                <a:pos x="connsiteX1" y="connsiteY1"/>
-              </a:cxn>
-              <a:cxn ang="0">
-                <a:pos x="connsiteX2" y="connsiteY2"/>
-              </a:cxn>
-              <a:cxn ang="0">
-                <a:pos x="connsiteX3" y="connsiteY3"/>
-              </a:cxn>
-              <a:cxn ang="0">
-                <a:pos x="connsiteX4" y="connsiteY4"/>
-              </a:cxn>
-              <a:cxn ang="0">
-                <a:pos x="connsiteX5" y="connsiteY5"/>
-              </a:cxn>
-              <a:cxn ang="0">
-                <a:pos x="connsiteX6" y="connsiteY6"/>
-              </a:cxn>
-              <a:cxn ang="0">
-                <a:pos x="connsiteX7" y="connsiteY7"/>
-              </a:cxn>
-              <a:cxn ang="0">
-                <a:pos x="connsiteX8" y="connsiteY8"/>
-              </a:cxn>
-            </a:cxnLst>
-            <a:rect l="l" t="t" r="r" b="b"/>
-            <a:pathLst>
-              <a:path w="3900357" h="4178958">
-                <a:moveTo>
-                  <a:pt x="2432225" y="93939"/>
-                </a:moveTo>
-                <a:cubicBezTo>
-                  <a:pt x="3282786" y="358491"/>
-                  <a:pt x="3900357" y="1151865"/>
-                  <a:pt x="3900357" y="2089479"/>
-                </a:cubicBezTo>
-                <a:cubicBezTo>
-                  <a:pt x="3900357" y="3243466"/>
-                  <a:pt x="2964865" y="4178958"/>
-                  <a:pt x="1810878" y="4178958"/>
-                </a:cubicBezTo>
-                <a:cubicBezTo>
-                  <a:pt x="1089636" y="4178958"/>
-                  <a:pt x="453744" y="3813531"/>
-                  <a:pt x="78249" y="3257727"/>
-                </a:cubicBezTo>
-                <a:lnTo>
-                  <a:pt x="0" y="3128923"/>
-                </a:lnTo>
-                <a:lnTo>
-                  <a:pt x="831324" y="244281"/>
-                </a:lnTo>
-                <a:lnTo>
-                  <a:pt x="997559" y="164202"/>
-                </a:lnTo>
-                <a:cubicBezTo>
-                  <a:pt x="1247540" y="58468"/>
-                  <a:pt x="1522381" y="0"/>
-                  <a:pt x="1810878" y="0"/>
-                </a:cubicBezTo>
-                <a:cubicBezTo>
-                  <a:pt x="2027251" y="0"/>
-                  <a:pt x="2235942" y="32888"/>
-                  <a:pt x="2432225" y="93939"/>
-                </a:cubicBezTo>
-                <a:close/>
-              </a:path>
-            </a:pathLst>
-          </a:custGeom>
-          <a:gradFill>
-            <a:gsLst>
-              <a:gs pos="29000">
-                <a:srgbClr val="000000">
-                  <a:alpha val="0"/>
-                </a:srgbClr>
-              </a:gs>
-              <a:gs pos="100000">
-                <a:schemeClr val="accent1">
-                  <a:alpha val="43000"/>
-                </a:schemeClr>
-              </a:gs>
-            </a:gsLst>
-            <a:lin ang="1800000" scaled="0"/>
-          </a:gradFill>
-          <a:ln>
-            <a:noFill/>
-          </a:ln>
-        </p:spPr>
-        <p:style>
-          <a:lnRef idx="2">
-            <a:schemeClr val="accent1">
-              <a:shade val="50000"/>
-            </a:schemeClr>
-          </a:lnRef>
-          <a:fillRef idx="1">
-            <a:schemeClr val="accent1"/>
-          </a:fillRef>
-          <a:effectRef idx="0">
-            <a:schemeClr val="accent1"/>
-          </a:effectRef>
-          <a:fontRef idx="minor">
-            <a:schemeClr val="lt1"/>
-          </a:fontRef>
-        </p:style>
-        <p:txBody>
-          <a:bodyPr wrap="square" rtlCol="0" anchor="ctr">
-            <a:noAutofit/>
-          </a:bodyPr>
-          <a:lstStyle/>
-          <a:p>
-            <a:pPr algn="ctr"/>
-            <a:endParaRPr lang="en-US" dirty="0"/>
-          </a:p>
-        </p:txBody>
-      </p:sp>
-      <p:sp>
-        <p:nvSpPr>
-          <p:cNvPr id="19" name="Rectangle 18">
-            <a:extLst>
-              <a:ext uri="{FF2B5EF4-FFF2-40B4-BE49-F238E27FC236}">
-                <a16:creationId xmlns:a16="http://schemas.microsoft.com/office/drawing/2014/main" id="{443F2ACA-E6D6-4028-82DD-F03C262D5DE6}"/>
-              </a:ext>
-              <a:ext uri="{C183D7F6-B498-43B3-948B-1728B52AA6E4}">
-                <adec:decorative xmlns:adec="http://schemas.microsoft.com/office/drawing/2017/decorative" val="1"/>
-              </a:ext>
-            </a:extLst>
-          </p:cNvPr>
-          <p:cNvSpPr>
-            <a:spLocks noGrp="1" noRot="1" noChangeAspect="1" noMove="1" noResize="1" noEditPoints="1" noAdjustHandles="1" noChangeArrowheads="1" noChangeShapeType="1" noTextEdit="1"/>
-          </p:cNvSpPr>
-          <p:nvPr>
-            <p:extLst>
-              <p:ext uri="{386F3935-93C4-4BCD-93E2-E3B085C9AB24}">
-                <p16:designElem xmlns:p16="http://schemas.microsoft.com/office/powerpoint/2015/main" val="1"/>
-              </p:ext>
-            </p:extLst>
-          </p:nvPr>
-        </p:nvSpPr>
-        <p:spPr>
-          <a:xfrm rot="5400000" flipH="1">
-            <a:off x="-1410095" y="1410079"/>
-            <a:ext cx="6858003" cy="4037835"/>
-          </a:xfrm>
-          <a:prstGeom prst="rect">
-            <a:avLst/>
-          </a:prstGeom>
-          <a:gradFill>
-            <a:gsLst>
-              <a:gs pos="0">
-                <a:srgbClr val="000000">
-                  <a:alpha val="0"/>
-                </a:srgbClr>
-              </a:gs>
-              <a:gs pos="99000">
-                <a:schemeClr val="accent1">
-                  <a:lumMod val="60000"/>
-                  <a:lumOff val="40000"/>
-                  <a:alpha val="11000"/>
-                </a:schemeClr>
-              </a:gs>
-            </a:gsLst>
-            <a:lin ang="7200000" scaled="0"/>
-          </a:gradFill>
-          <a:ln>
-            <a:noFill/>
-          </a:ln>
-        </p:spPr>
-        <p:style>
-          <a:lnRef idx="2">
-            <a:schemeClr val="accent1">
-              <a:shade val="50000"/>
-            </a:schemeClr>
-          </a:lnRef>
-          <a:fillRef idx="1">
-            <a:schemeClr val="accent1"/>
-          </a:fillRef>
-          <a:effectRef idx="0">
-            <a:schemeClr val="accent1"/>
-          </a:effectRef>
-          <a:fontRef idx="minor">
-            <a:schemeClr val="lt1"/>
-          </a:fontRef>
-        </p:style>
-        <p:txBody>
-          <a:bodyPr rtlCol="0" anchor="ctr"/>
-          <a:lstStyle/>
-          <a:p>
-            <a:pPr algn="ctr"/>
-            <a:endParaRPr lang="en-US"/>
-          </a:p>
-        </p:txBody>
-      </p:sp>
-      <p:sp>
-        <p:nvSpPr>
-          <p:cNvPr id="2" name="Title 1">
-            <a:extLst>
-              <a:ext uri="{FF2B5EF4-FFF2-40B4-BE49-F238E27FC236}">
-                <a16:creationId xmlns:a16="http://schemas.microsoft.com/office/drawing/2014/main" id="{865474EB-FF97-5F5C-1D24-5ACF01A73F26}"/>
-              </a:ext>
-            </a:extLst>
-          </p:cNvPr>
-          <p:cNvSpPr>
-            <a:spLocks noGrp="1"/>
-          </p:cNvSpPr>
-          <p:nvPr>
-            <p:ph type="title"/>
-          </p:nvPr>
-        </p:nvSpPr>
-        <p:spPr>
-          <a:xfrm>
-            <a:off x="586478" y="1683756"/>
-            <a:ext cx="3115265" cy="2396359"/>
-          </a:xfrm>
-        </p:spPr>
-        <p:txBody>
-          <a:bodyPr anchor="b">
-            <a:normAutofit/>
-          </a:bodyPr>
-          <a:lstStyle/>
-          <a:p>
-            <a:pPr algn="r"/>
-            <a:r>
-              <a:rPr lang="en-VN" sz="4000">
-                <a:solidFill>
-                  <a:srgbClr val="FFFFFF"/>
-                </a:solidFill>
-              </a:rPr>
-              <a:t>Outline</a:t>
-            </a:r>
-          </a:p>
-        </p:txBody>
-      </p:sp>
-      <p:graphicFrame>
-        <p:nvGraphicFramePr>
-          <p:cNvPr id="5" name="Content Placeholder 2">
-            <a:extLst>
-              <a:ext uri="{FF2B5EF4-FFF2-40B4-BE49-F238E27FC236}">
-                <a16:creationId xmlns:a16="http://schemas.microsoft.com/office/drawing/2014/main" id="{100B87E6-2B86-D987-88EA-9F531E0DDD3D}"/>
-              </a:ext>
-            </a:extLst>
-          </p:cNvPr>
-          <p:cNvGraphicFramePr>
-            <a:graphicFrameLocks noGrp="1"/>
-          </p:cNvGraphicFramePr>
-          <p:nvPr>
-            <p:ph idx="1"/>
-            <p:extLst>
-              <p:ext uri="{D42A27DB-BD31-4B8C-83A1-F6EECF244321}">
-                <p14:modId xmlns:p14="http://schemas.microsoft.com/office/powerpoint/2010/main" val="1269080250"/>
-              </p:ext>
-            </p:extLst>
-          </p:nvPr>
-        </p:nvGraphicFramePr>
-        <p:xfrm>
-          <a:off x="4905052" y="750440"/>
-          <a:ext cx="6666833" cy="5453920"/>
-        </p:xfrm>
-        <a:graphic>
-          <a:graphicData uri="http://schemas.openxmlformats.org/drawingml/2006/diagram">
-            <dgm:relIds xmlns:dgm="http://schemas.openxmlformats.org/drawingml/2006/diagram" xmlns:r="http://schemas.openxmlformats.org/officeDocument/2006/relationships" r:dm="rId2" r:lo="rId3" r:qs="rId4" r:cs="rId5"/>
-          </a:graphicData>
-        </a:graphic>
-      </p:graphicFrame>
-    </p:spTree>
-    <p:extLst>
-      <p:ext uri="{BB962C8B-B14F-4D97-AF65-F5344CB8AC3E}">
-        <p14:creationId xmlns:p14="http://schemas.microsoft.com/office/powerpoint/2010/main" val="1425536032"/>
       </p:ext>
     </p:extLst>
   </p:cSld>
